--- a/Stats-for-Comp-Bio.pptx
+++ b/Stats-for-Comp-Bio.pptx
@@ -5,7 +5,7 @@
     <p:sldMasterId id="2147483720" r:id="rId1"/>
   </p:sldMasterIdLst>
   <p:notesMasterIdLst>
-    <p:notesMasterId r:id="rId47"/>
+    <p:notesMasterId r:id="rId50"/>
   </p:notesMasterIdLst>
   <p:sldIdLst>
     <p:sldId id="256" r:id="rId2"/>
@@ -20,39 +20,42 @@
     <p:sldId id="270" r:id="rId11"/>
     <p:sldId id="271" r:id="rId12"/>
     <p:sldId id="272" r:id="rId13"/>
-    <p:sldId id="273" r:id="rId14"/>
-    <p:sldId id="274" r:id="rId15"/>
-    <p:sldId id="259" r:id="rId16"/>
-    <p:sldId id="275" r:id="rId17"/>
-    <p:sldId id="276" r:id="rId18"/>
-    <p:sldId id="277" r:id="rId19"/>
-    <p:sldId id="278" r:id="rId20"/>
-    <p:sldId id="279" r:id="rId21"/>
-    <p:sldId id="280" r:id="rId22"/>
-    <p:sldId id="260" r:id="rId23"/>
-    <p:sldId id="281" r:id="rId24"/>
-    <p:sldId id="282" r:id="rId25"/>
-    <p:sldId id="261" r:id="rId26"/>
-    <p:sldId id="284" r:id="rId27"/>
-    <p:sldId id="285" r:id="rId28"/>
-    <p:sldId id="286" r:id="rId29"/>
-    <p:sldId id="287" r:id="rId30"/>
-    <p:sldId id="288" r:id="rId31"/>
-    <p:sldId id="262" r:id="rId32"/>
-    <p:sldId id="289" r:id="rId33"/>
-    <p:sldId id="290" r:id="rId34"/>
-    <p:sldId id="291" r:id="rId35"/>
-    <p:sldId id="292" r:id="rId36"/>
-    <p:sldId id="293" r:id="rId37"/>
-    <p:sldId id="283" r:id="rId38"/>
-    <p:sldId id="263" r:id="rId39"/>
-    <p:sldId id="294" r:id="rId40"/>
-    <p:sldId id="295" r:id="rId41"/>
-    <p:sldId id="296" r:id="rId42"/>
-    <p:sldId id="297" r:id="rId43"/>
-    <p:sldId id="264" r:id="rId44"/>
-    <p:sldId id="298" r:id="rId45"/>
-    <p:sldId id="299" r:id="rId46"/>
+    <p:sldId id="302" r:id="rId14"/>
+    <p:sldId id="273" r:id="rId15"/>
+    <p:sldId id="274" r:id="rId16"/>
+    <p:sldId id="301" r:id="rId17"/>
+    <p:sldId id="259" r:id="rId18"/>
+    <p:sldId id="275" r:id="rId19"/>
+    <p:sldId id="276" r:id="rId20"/>
+    <p:sldId id="277" r:id="rId21"/>
+    <p:sldId id="278" r:id="rId22"/>
+    <p:sldId id="279" r:id="rId23"/>
+    <p:sldId id="280" r:id="rId24"/>
+    <p:sldId id="260" r:id="rId25"/>
+    <p:sldId id="281" r:id="rId26"/>
+    <p:sldId id="282" r:id="rId27"/>
+    <p:sldId id="303" r:id="rId28"/>
+    <p:sldId id="261" r:id="rId29"/>
+    <p:sldId id="284" r:id="rId30"/>
+    <p:sldId id="285" r:id="rId31"/>
+    <p:sldId id="286" r:id="rId32"/>
+    <p:sldId id="287" r:id="rId33"/>
+    <p:sldId id="288" r:id="rId34"/>
+    <p:sldId id="262" r:id="rId35"/>
+    <p:sldId id="289" r:id="rId36"/>
+    <p:sldId id="290" r:id="rId37"/>
+    <p:sldId id="291" r:id="rId38"/>
+    <p:sldId id="292" r:id="rId39"/>
+    <p:sldId id="293" r:id="rId40"/>
+    <p:sldId id="283" r:id="rId41"/>
+    <p:sldId id="263" r:id="rId42"/>
+    <p:sldId id="294" r:id="rId43"/>
+    <p:sldId id="295" r:id="rId44"/>
+    <p:sldId id="296" r:id="rId45"/>
+    <p:sldId id="297" r:id="rId46"/>
+    <p:sldId id="264" r:id="rId47"/>
+    <p:sldId id="298" r:id="rId48"/>
+    <p:sldId id="299" r:id="rId49"/>
   </p:sldIdLst>
   <p:sldSz cx="12192000" cy="6858000"/>
   <p:notesSz cx="6858000" cy="9144000"/>
@@ -151,6 +154,11 @@
       </a:defRPr>
     </a:lvl9pPr>
   </p:defaultTextStyle>
+  <p:extLst>
+    <p:ext uri="{EFAFB233-063F-42B5-8137-9DF3F51BA10A}">
+      <p15:sldGuideLst xmlns:p15="http://schemas.microsoft.com/office/powerpoint/2012/main"/>
+    </p:ext>
+  </p:extLst>
 </p:presentation>
 </file>
 
@@ -5740,7 +5748,7 @@
   <dgm:whole/>
   <dgm:extLst>
     <a:ext uri="http://schemas.microsoft.com/office/drawing/2008/diagram">
-      <dsp:dataModelExt xmlns:dsp="http://schemas.microsoft.com/office/drawing/2008/diagram" relId="rId6" minVer="http://schemas.openxmlformats.org/drawingml/2006/diagram"/>
+      <dsp:dataModelExt xmlns:dsp="http://schemas.microsoft.com/office/drawing/2008/diagram" relId="rId7" minVer="http://schemas.openxmlformats.org/drawingml/2006/diagram"/>
     </a:ext>
   </dgm:extLst>
 </dgm:dataModel>
@@ -15745,7 +15753,7 @@
           <a:p>
             <a:fld id="{175AC318-6113-B742-8151-DEA7C3340462}" type="datetimeFigureOut">
               <a:rPr lang="en-US" smtClean="0"/>
-              <a:t>3/13/24</a:t>
+              <a:t>3/14/24</a:t>
             </a:fld>
             <a:endParaRPr lang="en-US"/>
           </a:p>
@@ -16058,15 +16066,27 @@
           <a:p>
             <a:r>
               <a:rPr lang="en-US" dirty="0"/>
-              <a:t>Helpful: https://</a:t>
+              <a:t>Talk </a:t>
             </a:r>
             <a:r>
-              <a:rPr lang="en-US" dirty="0" err="1"/>
-              <a:t>typeset.io</a:t>
+              <a:rPr lang="en-US"/>
+              <a:t>+ Q&amp;A: </a:t>
             </a:r>
             <a:r>
               <a:rPr lang="en-US" dirty="0"/>
-              <a:t>/questions/what-are-the-advantages-and-disadvantages-of-each-post-hoc-2y0f3tm72p</a:t>
+              <a:t>50 minutes</a:t>
+            </a:r>
+          </a:p>
+          <a:p>
+            <a:r>
+              <a:rPr lang="en-US" dirty="0"/>
+              <a:t>Activities: 1 hour</a:t>
+            </a:r>
+          </a:p>
+          <a:p>
+            <a:r>
+              <a:rPr lang="en-US" dirty="0"/>
+              <a:t>Break: 10 minutes</a:t>
             </a:r>
           </a:p>
         </p:txBody>
@@ -16088,7 +16108,7 @@
           <a:p>
             <a:fld id="{23C4817C-9E78-494C-A089-F217C38E8593}" type="slidenum">
               <a:rPr lang="en-US" smtClean="0"/>
-              <a:t>6</a:t>
+              <a:t>1</a:t>
             </a:fld>
             <a:endParaRPr lang="en-US"/>
           </a:p>
@@ -16097,7 +16117,268 @@
     </p:spTree>
     <p:extLst>
       <p:ext uri="{BB962C8B-B14F-4D97-AF65-F5344CB8AC3E}">
-        <p14:creationId xmlns:p14="http://schemas.microsoft.com/office/powerpoint/2010/main" val="3897303939"/>
+        <p14:creationId xmlns:p14="http://schemas.microsoft.com/office/powerpoint/2010/main" val="1669998438"/>
+      </p:ext>
+    </p:extLst>
+  </p:cSld>
+  <p:clrMapOvr>
+    <a:masterClrMapping/>
+  </p:clrMapOvr>
+</p:notes>
+</file>
+
+<file path=ppt/notesSlides/notesSlide10.xml><?xml version="1.0" encoding="utf-8"?>
+<p:notes xmlns:a="http://schemas.openxmlformats.org/drawingml/2006/main" xmlns:r="http://schemas.openxmlformats.org/officeDocument/2006/relationships" xmlns:p="http://schemas.openxmlformats.org/presentationml/2006/main">
+  <p:cSld>
+    <p:spTree>
+      <p:nvGrpSpPr>
+        <p:cNvPr id="1" name=""/>
+        <p:cNvGrpSpPr/>
+        <p:nvPr/>
+      </p:nvGrpSpPr>
+      <p:grpSpPr>
+        <a:xfrm>
+          <a:off x="0" y="0"/>
+          <a:ext cx="0" cy="0"/>
+          <a:chOff x="0" y="0"/>
+          <a:chExt cx="0" cy="0"/>
+        </a:xfrm>
+      </p:grpSpPr>
+      <p:sp>
+        <p:nvSpPr>
+          <p:cNvPr id="2" name="Slide Image Placeholder 1"/>
+          <p:cNvSpPr>
+            <a:spLocks noGrp="1" noRot="1" noChangeAspect="1"/>
+          </p:cNvSpPr>
+          <p:nvPr>
+            <p:ph type="sldImg"/>
+          </p:nvPr>
+        </p:nvSpPr>
+        <p:spPr/>
+      </p:sp>
+      <p:sp>
+        <p:nvSpPr>
+          <p:cNvPr id="3" name="Notes Placeholder 2"/>
+          <p:cNvSpPr>
+            <a:spLocks noGrp="1"/>
+          </p:cNvSpPr>
+          <p:nvPr>
+            <p:ph type="body" idx="1"/>
+          </p:nvPr>
+        </p:nvSpPr>
+        <p:spPr/>
+        <p:txBody>
+          <a:bodyPr/>
+          <a:lstStyle/>
+          <a:p>
+            <a:r>
+              <a:rPr lang="en-US" dirty="0"/>
+              <a:t>10-15 minutes</a:t>
+            </a:r>
+          </a:p>
+        </p:txBody>
+      </p:sp>
+      <p:sp>
+        <p:nvSpPr>
+          <p:cNvPr id="4" name="Slide Number Placeholder 3"/>
+          <p:cNvSpPr>
+            <a:spLocks noGrp="1"/>
+          </p:cNvSpPr>
+          <p:nvPr>
+            <p:ph type="sldNum" sz="quarter" idx="5"/>
+          </p:nvPr>
+        </p:nvSpPr>
+        <p:spPr/>
+        <p:txBody>
+          <a:bodyPr/>
+          <a:lstStyle/>
+          <a:p>
+            <a:fld id="{23C4817C-9E78-494C-A089-F217C38E8593}" type="slidenum">
+              <a:rPr lang="en-US" smtClean="0"/>
+              <a:t>33</a:t>
+            </a:fld>
+            <a:endParaRPr lang="en-US"/>
+          </a:p>
+        </p:txBody>
+      </p:sp>
+    </p:spTree>
+    <p:extLst>
+      <p:ext uri="{BB962C8B-B14F-4D97-AF65-F5344CB8AC3E}">
+        <p14:creationId xmlns:p14="http://schemas.microsoft.com/office/powerpoint/2010/main" val="1365925587"/>
+      </p:ext>
+    </p:extLst>
+  </p:cSld>
+  <p:clrMapOvr>
+    <a:masterClrMapping/>
+  </p:clrMapOvr>
+</p:notes>
+</file>
+
+<file path=ppt/notesSlides/notesSlide11.xml><?xml version="1.0" encoding="utf-8"?>
+<p:notes xmlns:a="http://schemas.openxmlformats.org/drawingml/2006/main" xmlns:r="http://schemas.openxmlformats.org/officeDocument/2006/relationships" xmlns:p="http://schemas.openxmlformats.org/presentationml/2006/main">
+  <p:cSld>
+    <p:spTree>
+      <p:nvGrpSpPr>
+        <p:cNvPr id="1" name=""/>
+        <p:cNvGrpSpPr/>
+        <p:nvPr/>
+      </p:nvGrpSpPr>
+      <p:grpSpPr>
+        <a:xfrm>
+          <a:off x="0" y="0"/>
+          <a:ext cx="0" cy="0"/>
+          <a:chOff x="0" y="0"/>
+          <a:chExt cx="0" cy="0"/>
+        </a:xfrm>
+      </p:grpSpPr>
+      <p:sp>
+        <p:nvSpPr>
+          <p:cNvPr id="2" name="Slide Image Placeholder 1"/>
+          <p:cNvSpPr>
+            <a:spLocks noGrp="1" noRot="1" noChangeAspect="1"/>
+          </p:cNvSpPr>
+          <p:nvPr>
+            <p:ph type="sldImg"/>
+          </p:nvPr>
+        </p:nvSpPr>
+        <p:spPr/>
+      </p:sp>
+      <p:sp>
+        <p:nvSpPr>
+          <p:cNvPr id="3" name="Notes Placeholder 2"/>
+          <p:cNvSpPr>
+            <a:spLocks noGrp="1"/>
+          </p:cNvSpPr>
+          <p:nvPr>
+            <p:ph type="body" idx="1"/>
+          </p:nvPr>
+        </p:nvSpPr>
+        <p:spPr/>
+        <p:txBody>
+          <a:bodyPr/>
+          <a:lstStyle/>
+          <a:p>
+            <a:r>
+              <a:rPr lang="en-US" dirty="0"/>
+              <a:t>20 minutes</a:t>
+            </a:r>
+          </a:p>
+        </p:txBody>
+      </p:sp>
+      <p:sp>
+        <p:nvSpPr>
+          <p:cNvPr id="4" name="Slide Number Placeholder 3"/>
+          <p:cNvSpPr>
+            <a:spLocks noGrp="1"/>
+          </p:cNvSpPr>
+          <p:nvPr>
+            <p:ph type="sldNum" sz="quarter" idx="5"/>
+          </p:nvPr>
+        </p:nvSpPr>
+        <p:spPr/>
+        <p:txBody>
+          <a:bodyPr/>
+          <a:lstStyle/>
+          <a:p>
+            <a:fld id="{23C4817C-9E78-494C-A089-F217C38E8593}" type="slidenum">
+              <a:rPr lang="en-US" smtClean="0"/>
+              <a:t>40</a:t>
+            </a:fld>
+            <a:endParaRPr lang="en-US"/>
+          </a:p>
+        </p:txBody>
+      </p:sp>
+    </p:spTree>
+    <p:extLst>
+      <p:ext uri="{BB962C8B-B14F-4D97-AF65-F5344CB8AC3E}">
+        <p14:creationId xmlns:p14="http://schemas.microsoft.com/office/powerpoint/2010/main" val="3797594411"/>
+      </p:ext>
+    </p:extLst>
+  </p:cSld>
+  <p:clrMapOvr>
+    <a:masterClrMapping/>
+  </p:clrMapOvr>
+</p:notes>
+</file>
+
+<file path=ppt/notesSlides/notesSlide12.xml><?xml version="1.0" encoding="utf-8"?>
+<p:notes xmlns:a="http://schemas.openxmlformats.org/drawingml/2006/main" xmlns:r="http://schemas.openxmlformats.org/officeDocument/2006/relationships" xmlns:p="http://schemas.openxmlformats.org/presentationml/2006/main">
+  <p:cSld>
+    <p:spTree>
+      <p:nvGrpSpPr>
+        <p:cNvPr id="1" name=""/>
+        <p:cNvGrpSpPr/>
+        <p:nvPr/>
+      </p:nvGrpSpPr>
+      <p:grpSpPr>
+        <a:xfrm>
+          <a:off x="0" y="0"/>
+          <a:ext cx="0" cy="0"/>
+          <a:chOff x="0" y="0"/>
+          <a:chExt cx="0" cy="0"/>
+        </a:xfrm>
+      </p:grpSpPr>
+      <p:sp>
+        <p:nvSpPr>
+          <p:cNvPr id="2" name="Slide Image Placeholder 1"/>
+          <p:cNvSpPr>
+            <a:spLocks noGrp="1" noRot="1" noChangeAspect="1"/>
+          </p:cNvSpPr>
+          <p:nvPr>
+            <p:ph type="sldImg"/>
+          </p:nvPr>
+        </p:nvSpPr>
+        <p:spPr/>
+      </p:sp>
+      <p:sp>
+        <p:nvSpPr>
+          <p:cNvPr id="3" name="Notes Placeholder 2"/>
+          <p:cNvSpPr>
+            <a:spLocks noGrp="1"/>
+          </p:cNvSpPr>
+          <p:nvPr>
+            <p:ph type="body" idx="1"/>
+          </p:nvPr>
+        </p:nvSpPr>
+        <p:spPr/>
+        <p:txBody>
+          <a:bodyPr/>
+          <a:lstStyle/>
+          <a:p>
+            <a:r>
+              <a:rPr lang="en-US" dirty="0"/>
+              <a:t>10 minutes</a:t>
+            </a:r>
+          </a:p>
+        </p:txBody>
+      </p:sp>
+      <p:sp>
+        <p:nvSpPr>
+          <p:cNvPr id="4" name="Slide Number Placeholder 3"/>
+          <p:cNvSpPr>
+            <a:spLocks noGrp="1"/>
+          </p:cNvSpPr>
+          <p:nvPr>
+            <p:ph type="sldNum" sz="quarter" idx="5"/>
+          </p:nvPr>
+        </p:nvSpPr>
+        <p:spPr/>
+        <p:txBody>
+          <a:bodyPr/>
+          <a:lstStyle/>
+          <a:p>
+            <a:fld id="{23C4817C-9E78-494C-A089-F217C38E8593}" type="slidenum">
+              <a:rPr lang="en-US" smtClean="0"/>
+              <a:t>45</a:t>
+            </a:fld>
+            <a:endParaRPr lang="en-US"/>
+          </a:p>
+        </p:txBody>
+      </p:sp>
+    </p:spTree>
+    <p:extLst>
+      <p:ext uri="{BB962C8B-B14F-4D97-AF65-F5344CB8AC3E}">
+        <p14:creationId xmlns:p14="http://schemas.microsoft.com/office/powerpoint/2010/main" val="984683125"/>
       </p:ext>
     </p:extLst>
   </p:cSld>
@@ -16153,8 +16434,50 @@
           <a:p>
             <a:r>
               <a:rPr lang="en-US" dirty="0"/>
-              <a:t>Control group should be as similar as possible to experimental group in every way other than the independent variable being tested</a:t>
+              <a:t>Helpful: https://</a:t>
             </a:r>
+            <a:r>
+              <a:rPr lang="en-US" dirty="0" err="1"/>
+              <a:t>typeset.io</a:t>
+            </a:r>
+            <a:r>
+              <a:rPr lang="en-US" dirty="0"/>
+              <a:t>/questions/what-are-the-advantages-and-disadvantages-of-each-post-hoc-2y0f3tm72p</a:t>
+            </a:r>
+          </a:p>
+          <a:p>
+            <a:pPr marL="0" marR="0" lvl="0" indent="0" algn="l" defTabSz="914400" rtl="0" eaLnBrk="1" fontAlgn="auto" latinLnBrk="0" hangingPunct="1">
+              <a:lnSpc>
+                <a:spcPct val="100000"/>
+              </a:lnSpc>
+              <a:spcBef>
+                <a:spcPts val="0"/>
+              </a:spcBef>
+              <a:spcAft>
+                <a:spcPts val="0"/>
+              </a:spcAft>
+              <a:buClrTx/>
+              <a:buSzTx/>
+              <a:buFontTx/>
+              <a:buNone/>
+              <a:tabLst/>
+              <a:defRPr/>
+            </a:pPr>
+            <a:r>
+              <a:rPr lang="en-US" dirty="0"/>
+              <a:t>Refer to https://</a:t>
+            </a:r>
+            <a:r>
+              <a:rPr lang="en-US" dirty="0" err="1"/>
+              <a:t>eric.ed.gov</a:t>
+            </a:r>
+            <a:r>
+              <a:rPr lang="en-US" dirty="0"/>
+              <a:t>/?id=ED364597 for a demonstration of advantages of planned comparisons</a:t>
+            </a:r>
+          </a:p>
+          <a:p>
+            <a:endParaRPr lang="en-US" dirty="0"/>
           </a:p>
         </p:txBody>
       </p:sp>
@@ -16175,7 +16498,7 @@
           <a:p>
             <a:fld id="{23C4817C-9E78-494C-A089-F217C38E8593}" type="slidenum">
               <a:rPr lang="en-US" smtClean="0"/>
-              <a:t>10</a:t>
+              <a:t>6</a:t>
             </a:fld>
             <a:endParaRPr lang="en-US"/>
           </a:p>
@@ -16184,7 +16507,7 @@
     </p:spTree>
     <p:extLst>
       <p:ext uri="{BB962C8B-B14F-4D97-AF65-F5344CB8AC3E}">
-        <p14:creationId xmlns:p14="http://schemas.microsoft.com/office/powerpoint/2010/main" val="1693645493"/>
+        <p14:creationId xmlns:p14="http://schemas.microsoft.com/office/powerpoint/2010/main" val="3897303939"/>
       </p:ext>
     </p:extLst>
   </p:cSld>
@@ -16240,15 +16563,7 @@
           <a:p>
             <a:r>
               <a:rPr lang="en-US" dirty="0"/>
-              <a:t>Might switch to planned vs unplanned comparisons exercise based on: https://</a:t>
-            </a:r>
-            <a:r>
-              <a:rPr lang="en-US" dirty="0" err="1"/>
-              <a:t>eric.ed.gov</a:t>
-            </a:r>
-            <a:r>
-              <a:rPr lang="en-US" dirty="0"/>
-              <a:t>/?id=ED364597</a:t>
+              <a:t>My intent is to provide a practical overview, so I will not get into nitty gritty theory, derivations, or equations. See Works Cited and Further Reading if you want to know more!</a:t>
             </a:r>
           </a:p>
         </p:txBody>
@@ -16270,7 +16585,374 @@
           <a:p>
             <a:fld id="{23C4817C-9E78-494C-A089-F217C38E8593}" type="slidenum">
               <a:rPr lang="en-US" smtClean="0"/>
+              <a:t>7</a:t>
+            </a:fld>
+            <a:endParaRPr lang="en-US"/>
+          </a:p>
+        </p:txBody>
+      </p:sp>
+    </p:spTree>
+    <p:extLst>
+      <p:ext uri="{BB962C8B-B14F-4D97-AF65-F5344CB8AC3E}">
+        <p14:creationId xmlns:p14="http://schemas.microsoft.com/office/powerpoint/2010/main" val="512629544"/>
+      </p:ext>
+    </p:extLst>
+  </p:cSld>
+  <p:clrMapOvr>
+    <a:masterClrMapping/>
+  </p:clrMapOvr>
+</p:notes>
+</file>
+
+<file path=ppt/notesSlides/notesSlide4.xml><?xml version="1.0" encoding="utf-8"?>
+<p:notes xmlns:a="http://schemas.openxmlformats.org/drawingml/2006/main" xmlns:r="http://schemas.openxmlformats.org/officeDocument/2006/relationships" xmlns:p="http://schemas.openxmlformats.org/presentationml/2006/main">
+  <p:cSld>
+    <p:spTree>
+      <p:nvGrpSpPr>
+        <p:cNvPr id="1" name=""/>
+        <p:cNvGrpSpPr/>
+        <p:nvPr/>
+      </p:nvGrpSpPr>
+      <p:grpSpPr>
+        <a:xfrm>
+          <a:off x="0" y="0"/>
+          <a:ext cx="0" cy="0"/>
+          <a:chOff x="0" y="0"/>
+          <a:chExt cx="0" cy="0"/>
+        </a:xfrm>
+      </p:grpSpPr>
+      <p:sp>
+        <p:nvSpPr>
+          <p:cNvPr id="2" name="Slide Image Placeholder 1"/>
+          <p:cNvSpPr>
+            <a:spLocks noGrp="1" noRot="1" noChangeAspect="1"/>
+          </p:cNvSpPr>
+          <p:nvPr>
+            <p:ph type="sldImg"/>
+          </p:nvPr>
+        </p:nvSpPr>
+        <p:spPr/>
+      </p:sp>
+      <p:sp>
+        <p:nvSpPr>
+          <p:cNvPr id="3" name="Notes Placeholder 2"/>
+          <p:cNvSpPr>
+            <a:spLocks noGrp="1"/>
+          </p:cNvSpPr>
+          <p:nvPr>
+            <p:ph type="body" idx="1"/>
+          </p:nvPr>
+        </p:nvSpPr>
+        <p:spPr/>
+        <p:txBody>
+          <a:bodyPr/>
+          <a:lstStyle/>
+          <a:p>
+            <a:r>
+              <a:rPr lang="en-US" dirty="0"/>
+              <a:t>Control group should be as similar as possible to experimental group in every way other than the independent variable being tested</a:t>
+            </a:r>
+          </a:p>
+        </p:txBody>
+      </p:sp>
+      <p:sp>
+        <p:nvSpPr>
+          <p:cNvPr id="4" name="Slide Number Placeholder 3"/>
+          <p:cNvSpPr>
+            <a:spLocks noGrp="1"/>
+          </p:cNvSpPr>
+          <p:nvPr>
+            <p:ph type="sldNum" sz="quarter" idx="5"/>
+          </p:nvPr>
+        </p:nvSpPr>
+        <p:spPr/>
+        <p:txBody>
+          <a:bodyPr/>
+          <a:lstStyle/>
+          <a:p>
+            <a:fld id="{23C4817C-9E78-494C-A089-F217C38E8593}" type="slidenum">
+              <a:rPr lang="en-US" smtClean="0"/>
+              <a:t>10</a:t>
+            </a:fld>
+            <a:endParaRPr lang="en-US"/>
+          </a:p>
+        </p:txBody>
+      </p:sp>
+    </p:spTree>
+    <p:extLst>
+      <p:ext uri="{BB962C8B-B14F-4D97-AF65-F5344CB8AC3E}">
+        <p14:creationId xmlns:p14="http://schemas.microsoft.com/office/powerpoint/2010/main" val="1693645493"/>
+      </p:ext>
+    </p:extLst>
+  </p:cSld>
+  <p:clrMapOvr>
+    <a:masterClrMapping/>
+  </p:clrMapOvr>
+</p:notes>
+</file>
+
+<file path=ppt/notesSlides/notesSlide5.xml><?xml version="1.0" encoding="utf-8"?>
+<p:notes xmlns:a="http://schemas.openxmlformats.org/drawingml/2006/main" xmlns:r="http://schemas.openxmlformats.org/officeDocument/2006/relationships" xmlns:p="http://schemas.openxmlformats.org/presentationml/2006/main">
+  <p:cSld>
+    <p:spTree>
+      <p:nvGrpSpPr>
+        <p:cNvPr id="1" name=""/>
+        <p:cNvGrpSpPr/>
+        <p:nvPr/>
+      </p:nvGrpSpPr>
+      <p:grpSpPr>
+        <a:xfrm>
+          <a:off x="0" y="0"/>
+          <a:ext cx="0" cy="0"/>
+          <a:chOff x="0" y="0"/>
+          <a:chExt cx="0" cy="0"/>
+        </a:xfrm>
+      </p:grpSpPr>
+      <p:sp>
+        <p:nvSpPr>
+          <p:cNvPr id="2" name="Slide Image Placeholder 1"/>
+          <p:cNvSpPr>
+            <a:spLocks noGrp="1" noRot="1" noChangeAspect="1"/>
+          </p:cNvSpPr>
+          <p:nvPr>
+            <p:ph type="sldImg"/>
+          </p:nvPr>
+        </p:nvSpPr>
+        <p:spPr/>
+      </p:sp>
+      <p:sp>
+        <p:nvSpPr>
+          <p:cNvPr id="3" name="Notes Placeholder 2"/>
+          <p:cNvSpPr>
+            <a:spLocks noGrp="1"/>
+          </p:cNvSpPr>
+          <p:nvPr>
+            <p:ph type="body" idx="1"/>
+          </p:nvPr>
+        </p:nvSpPr>
+        <p:spPr/>
+        <p:txBody>
+          <a:bodyPr/>
+          <a:lstStyle/>
+          <a:p>
+            <a:r>
+              <a:rPr lang="en-US" dirty="0"/>
+              <a:t>Cover sample size, then elude to power analysis/effect size and note we’ll talk about it later in the workshop.</a:t>
+            </a:r>
+          </a:p>
+        </p:txBody>
+      </p:sp>
+      <p:sp>
+        <p:nvSpPr>
+          <p:cNvPr id="4" name="Slide Number Placeholder 3"/>
+          <p:cNvSpPr>
+            <a:spLocks noGrp="1"/>
+          </p:cNvSpPr>
+          <p:nvPr>
+            <p:ph type="sldNum" sz="quarter" idx="5"/>
+          </p:nvPr>
+        </p:nvSpPr>
+        <p:spPr/>
+        <p:txBody>
+          <a:bodyPr/>
+          <a:lstStyle/>
+          <a:p>
+            <a:fld id="{23C4817C-9E78-494C-A089-F217C38E8593}" type="slidenum">
+              <a:rPr lang="en-US" smtClean="0"/>
+              <a:t>13</a:t>
+            </a:fld>
+            <a:endParaRPr lang="en-US"/>
+          </a:p>
+        </p:txBody>
+      </p:sp>
+    </p:spTree>
+    <p:extLst>
+      <p:ext uri="{BB962C8B-B14F-4D97-AF65-F5344CB8AC3E}">
+        <p14:creationId xmlns:p14="http://schemas.microsoft.com/office/powerpoint/2010/main" val="3045838202"/>
+      </p:ext>
+    </p:extLst>
+  </p:cSld>
+  <p:clrMapOvr>
+    <a:masterClrMapping/>
+  </p:clrMapOvr>
+</p:notes>
+</file>
+
+<file path=ppt/notesSlides/notesSlide6.xml><?xml version="1.0" encoding="utf-8"?>
+<p:notes xmlns:a="http://schemas.openxmlformats.org/drawingml/2006/main" xmlns:r="http://schemas.openxmlformats.org/officeDocument/2006/relationships" xmlns:p="http://schemas.openxmlformats.org/presentationml/2006/main">
+  <p:cSld>
+    <p:spTree>
+      <p:nvGrpSpPr>
+        <p:cNvPr id="1" name=""/>
+        <p:cNvGrpSpPr/>
+        <p:nvPr/>
+      </p:nvGrpSpPr>
+      <p:grpSpPr>
+        <a:xfrm>
+          <a:off x="0" y="0"/>
+          <a:ext cx="0" cy="0"/>
+          <a:chOff x="0" y="0"/>
+          <a:chExt cx="0" cy="0"/>
+        </a:xfrm>
+      </p:grpSpPr>
+      <p:sp>
+        <p:nvSpPr>
+          <p:cNvPr id="2" name="Slide Image Placeholder 1"/>
+          <p:cNvSpPr>
+            <a:spLocks noGrp="1" noRot="1" noChangeAspect="1"/>
+          </p:cNvSpPr>
+          <p:nvPr>
+            <p:ph type="sldImg"/>
+          </p:nvPr>
+        </p:nvSpPr>
+        <p:spPr/>
+      </p:sp>
+      <p:sp>
+        <p:nvSpPr>
+          <p:cNvPr id="3" name="Notes Placeholder 2"/>
+          <p:cNvSpPr>
+            <a:spLocks noGrp="1"/>
+          </p:cNvSpPr>
+          <p:nvPr>
+            <p:ph type="body" idx="1"/>
+          </p:nvPr>
+        </p:nvSpPr>
+        <p:spPr/>
+        <p:txBody>
+          <a:bodyPr/>
+          <a:lstStyle/>
+          <a:p>
+            <a:r>
+              <a:rPr lang="en-US" dirty="0"/>
+              <a:t>May want to move this after statistical methods section?? After we talk about null hypotheses and each of these tests?</a:t>
+            </a:r>
+          </a:p>
+          <a:p>
+            <a:r>
+              <a:rPr lang="en-US" dirty="0"/>
+              <a:t>Helpful: https://</a:t>
+            </a:r>
+            <a:r>
+              <a:rPr lang="en-US" dirty="0" err="1"/>
+              <a:t>www.bioinformatics.babraham.ac.uk</a:t>
+            </a:r>
+            <a:r>
+              <a:rPr lang="en-US" dirty="0"/>
+              <a:t>/training/</a:t>
+            </a:r>
+            <a:r>
+              <a:rPr lang="en-US" dirty="0" err="1"/>
+              <a:t>R_Statistics</a:t>
+            </a:r>
+            <a:r>
+              <a:rPr lang="en-US" dirty="0"/>
+              <a:t>/Power%20Analysis%20with%20R.pdf</a:t>
+            </a:r>
+          </a:p>
+        </p:txBody>
+      </p:sp>
+      <p:sp>
+        <p:nvSpPr>
+          <p:cNvPr id="4" name="Slide Number Placeholder 3"/>
+          <p:cNvSpPr>
+            <a:spLocks noGrp="1"/>
+          </p:cNvSpPr>
+          <p:nvPr>
+            <p:ph type="sldNum" sz="quarter" idx="5"/>
+          </p:nvPr>
+        </p:nvSpPr>
+        <p:spPr/>
+        <p:txBody>
+          <a:bodyPr/>
+          <a:lstStyle/>
+          <a:p>
+            <a:fld id="{23C4817C-9E78-494C-A089-F217C38E8593}" type="slidenum">
+              <a:rPr lang="en-US" smtClean="0"/>
               <a:t>14</a:t>
+            </a:fld>
+            <a:endParaRPr lang="en-US"/>
+          </a:p>
+        </p:txBody>
+      </p:sp>
+    </p:spTree>
+    <p:extLst>
+      <p:ext uri="{BB962C8B-B14F-4D97-AF65-F5344CB8AC3E}">
+        <p14:creationId xmlns:p14="http://schemas.microsoft.com/office/powerpoint/2010/main" val="1325691958"/>
+      </p:ext>
+    </p:extLst>
+  </p:cSld>
+  <p:clrMapOvr>
+    <a:masterClrMapping/>
+  </p:clrMapOvr>
+</p:notes>
+</file>
+
+<file path=ppt/notesSlides/notesSlide7.xml><?xml version="1.0" encoding="utf-8"?>
+<p:notes xmlns:a="http://schemas.openxmlformats.org/drawingml/2006/main" xmlns:r="http://schemas.openxmlformats.org/officeDocument/2006/relationships" xmlns:p="http://schemas.openxmlformats.org/presentationml/2006/main">
+  <p:cSld>
+    <p:spTree>
+      <p:nvGrpSpPr>
+        <p:cNvPr id="1" name=""/>
+        <p:cNvGrpSpPr/>
+        <p:nvPr/>
+      </p:nvGrpSpPr>
+      <p:grpSpPr>
+        <a:xfrm>
+          <a:off x="0" y="0"/>
+          <a:ext cx="0" cy="0"/>
+          <a:chOff x="0" y="0"/>
+          <a:chExt cx="0" cy="0"/>
+        </a:xfrm>
+      </p:grpSpPr>
+      <p:sp>
+        <p:nvSpPr>
+          <p:cNvPr id="2" name="Slide Image Placeholder 1"/>
+          <p:cNvSpPr>
+            <a:spLocks noGrp="1" noRot="1" noChangeAspect="1"/>
+          </p:cNvSpPr>
+          <p:nvPr>
+            <p:ph type="sldImg"/>
+          </p:nvPr>
+        </p:nvSpPr>
+        <p:spPr/>
+      </p:sp>
+      <p:sp>
+        <p:nvSpPr>
+          <p:cNvPr id="3" name="Notes Placeholder 2"/>
+          <p:cNvSpPr>
+            <a:spLocks noGrp="1"/>
+          </p:cNvSpPr>
+          <p:nvPr>
+            <p:ph type="body" idx="1"/>
+          </p:nvPr>
+        </p:nvSpPr>
+        <p:spPr/>
+        <p:txBody>
+          <a:bodyPr/>
+          <a:lstStyle/>
+          <a:p>
+            <a:endParaRPr lang="en-US" dirty="0"/>
+          </a:p>
+        </p:txBody>
+      </p:sp>
+      <p:sp>
+        <p:nvSpPr>
+          <p:cNvPr id="4" name="Slide Number Placeholder 3"/>
+          <p:cNvSpPr>
+            <a:spLocks noGrp="1"/>
+          </p:cNvSpPr>
+          <p:nvPr>
+            <p:ph type="sldNum" sz="quarter" idx="5"/>
+          </p:nvPr>
+        </p:nvSpPr>
+        <p:spPr/>
+        <p:txBody>
+          <a:bodyPr/>
+          <a:lstStyle/>
+          <a:p>
+            <a:fld id="{23C4817C-9E78-494C-A089-F217C38E8593}" type="slidenum">
+              <a:rPr lang="en-US" smtClean="0"/>
+              <a:t>15</a:t>
             </a:fld>
             <a:endParaRPr lang="en-US"/>
           </a:p>
@@ -16280,6 +16962,180 @@
     <p:extLst>
       <p:ext uri="{BB962C8B-B14F-4D97-AF65-F5344CB8AC3E}">
         <p14:creationId xmlns:p14="http://schemas.microsoft.com/office/powerpoint/2010/main" val="3334281196"/>
+      </p:ext>
+    </p:extLst>
+  </p:cSld>
+  <p:clrMapOvr>
+    <a:masterClrMapping/>
+  </p:clrMapOvr>
+</p:notes>
+</file>
+
+<file path=ppt/notesSlides/notesSlide8.xml><?xml version="1.0" encoding="utf-8"?>
+<p:notes xmlns:a="http://schemas.openxmlformats.org/drawingml/2006/main" xmlns:r="http://schemas.openxmlformats.org/officeDocument/2006/relationships" xmlns:p="http://schemas.openxmlformats.org/presentationml/2006/main">
+  <p:cSld>
+    <p:spTree>
+      <p:nvGrpSpPr>
+        <p:cNvPr id="1" name=""/>
+        <p:cNvGrpSpPr/>
+        <p:nvPr/>
+      </p:nvGrpSpPr>
+      <p:grpSpPr>
+        <a:xfrm>
+          <a:off x="0" y="0"/>
+          <a:ext cx="0" cy="0"/>
+          <a:chOff x="0" y="0"/>
+          <a:chExt cx="0" cy="0"/>
+        </a:xfrm>
+      </p:grpSpPr>
+      <p:sp>
+        <p:nvSpPr>
+          <p:cNvPr id="2" name="Slide Image Placeholder 1"/>
+          <p:cNvSpPr>
+            <a:spLocks noGrp="1" noRot="1" noChangeAspect="1"/>
+          </p:cNvSpPr>
+          <p:nvPr>
+            <p:ph type="sldImg"/>
+          </p:nvPr>
+        </p:nvSpPr>
+        <p:spPr/>
+      </p:sp>
+      <p:sp>
+        <p:nvSpPr>
+          <p:cNvPr id="3" name="Notes Placeholder 2"/>
+          <p:cNvSpPr>
+            <a:spLocks noGrp="1"/>
+          </p:cNvSpPr>
+          <p:nvPr>
+            <p:ph type="body" idx="1"/>
+          </p:nvPr>
+        </p:nvSpPr>
+        <p:spPr/>
+        <p:txBody>
+          <a:bodyPr/>
+          <a:lstStyle/>
+          <a:p>
+            <a:r>
+              <a:rPr lang="en-US" dirty="0"/>
+              <a:t>10 minutes</a:t>
+            </a:r>
+          </a:p>
+        </p:txBody>
+      </p:sp>
+      <p:sp>
+        <p:nvSpPr>
+          <p:cNvPr id="4" name="Slide Number Placeholder 3"/>
+          <p:cNvSpPr>
+            <a:spLocks noGrp="1"/>
+          </p:cNvSpPr>
+          <p:nvPr>
+            <p:ph type="sldNum" sz="quarter" idx="5"/>
+          </p:nvPr>
+        </p:nvSpPr>
+        <p:spPr/>
+        <p:txBody>
+          <a:bodyPr/>
+          <a:lstStyle/>
+          <a:p>
+            <a:fld id="{23C4817C-9E78-494C-A089-F217C38E8593}" type="slidenum">
+              <a:rPr lang="en-US" smtClean="0"/>
+              <a:t>16</a:t>
+            </a:fld>
+            <a:endParaRPr lang="en-US"/>
+          </a:p>
+        </p:txBody>
+      </p:sp>
+    </p:spTree>
+    <p:extLst>
+      <p:ext uri="{BB962C8B-B14F-4D97-AF65-F5344CB8AC3E}">
+        <p14:creationId xmlns:p14="http://schemas.microsoft.com/office/powerpoint/2010/main" val="8328238"/>
+      </p:ext>
+    </p:extLst>
+  </p:cSld>
+  <p:clrMapOvr>
+    <a:masterClrMapping/>
+  </p:clrMapOvr>
+</p:notes>
+</file>
+
+<file path=ppt/notesSlides/notesSlide9.xml><?xml version="1.0" encoding="utf-8"?>
+<p:notes xmlns:a="http://schemas.openxmlformats.org/drawingml/2006/main" xmlns:r="http://schemas.openxmlformats.org/officeDocument/2006/relationships" xmlns:p="http://schemas.openxmlformats.org/presentationml/2006/main">
+  <p:cSld>
+    <p:spTree>
+      <p:nvGrpSpPr>
+        <p:cNvPr id="1" name=""/>
+        <p:cNvGrpSpPr/>
+        <p:nvPr/>
+      </p:nvGrpSpPr>
+      <p:grpSpPr>
+        <a:xfrm>
+          <a:off x="0" y="0"/>
+          <a:ext cx="0" cy="0"/>
+          <a:chOff x="0" y="0"/>
+          <a:chExt cx="0" cy="0"/>
+        </a:xfrm>
+      </p:grpSpPr>
+      <p:sp>
+        <p:nvSpPr>
+          <p:cNvPr id="2" name="Slide Image Placeholder 1"/>
+          <p:cNvSpPr>
+            <a:spLocks noGrp="1" noRot="1" noChangeAspect="1"/>
+          </p:cNvSpPr>
+          <p:nvPr>
+            <p:ph type="sldImg"/>
+          </p:nvPr>
+        </p:nvSpPr>
+        <p:spPr/>
+      </p:sp>
+      <p:sp>
+        <p:nvSpPr>
+          <p:cNvPr id="3" name="Notes Placeholder 2"/>
+          <p:cNvSpPr>
+            <a:spLocks noGrp="1"/>
+          </p:cNvSpPr>
+          <p:nvPr>
+            <p:ph type="body" idx="1"/>
+          </p:nvPr>
+        </p:nvSpPr>
+        <p:spPr/>
+        <p:txBody>
+          <a:bodyPr/>
+          <a:lstStyle/>
+          <a:p>
+            <a:r>
+              <a:rPr lang="en-US" dirty="0"/>
+              <a:t>Quick: 5 minutes tops</a:t>
+            </a:r>
+          </a:p>
+        </p:txBody>
+      </p:sp>
+      <p:sp>
+        <p:nvSpPr>
+          <p:cNvPr id="4" name="Slide Number Placeholder 3"/>
+          <p:cNvSpPr>
+            <a:spLocks noGrp="1"/>
+          </p:cNvSpPr>
+          <p:nvPr>
+            <p:ph type="sldNum" sz="quarter" idx="5"/>
+          </p:nvPr>
+        </p:nvSpPr>
+        <p:spPr/>
+        <p:txBody>
+          <a:bodyPr/>
+          <a:lstStyle/>
+          <a:p>
+            <a:fld id="{23C4817C-9E78-494C-A089-F217C38E8593}" type="slidenum">
+              <a:rPr lang="en-US" smtClean="0"/>
+              <a:t>20</a:t>
+            </a:fld>
+            <a:endParaRPr lang="en-US"/>
+          </a:p>
+        </p:txBody>
+      </p:sp>
+    </p:spTree>
+    <p:extLst>
+      <p:ext uri="{BB962C8B-B14F-4D97-AF65-F5344CB8AC3E}">
+        <p14:creationId xmlns:p14="http://schemas.microsoft.com/office/powerpoint/2010/main" val="4147824291"/>
       </p:ext>
     </p:extLst>
   </p:cSld>
@@ -16452,7 +17308,7 @@
           <a:p>
             <a:fld id="{ED88B68D-D1BA-DE49-8C6A-CBCEE2F00303}" type="datetimeFigureOut">
               <a:rPr lang="en-US" smtClean="0"/>
-              <a:t>3/13/24</a:t>
+              <a:t>3/14/24</a:t>
             </a:fld>
             <a:endParaRPr lang="en-US"/>
           </a:p>
@@ -16622,7 +17478,7 @@
           <a:p>
             <a:fld id="{ED88B68D-D1BA-DE49-8C6A-CBCEE2F00303}" type="datetimeFigureOut">
               <a:rPr lang="en-US" smtClean="0"/>
-              <a:t>3/13/24</a:t>
+              <a:t>3/14/24</a:t>
             </a:fld>
             <a:endParaRPr lang="en-US"/>
           </a:p>
@@ -16802,7 +17658,7 @@
           <a:p>
             <a:fld id="{ED88B68D-D1BA-DE49-8C6A-CBCEE2F00303}" type="datetimeFigureOut">
               <a:rPr lang="en-US" smtClean="0"/>
-              <a:t>3/13/24</a:t>
+              <a:t>3/14/24</a:t>
             </a:fld>
             <a:endParaRPr lang="en-US"/>
           </a:p>
@@ -16972,7 +17828,7 @@
           <a:p>
             <a:fld id="{ED88B68D-D1BA-DE49-8C6A-CBCEE2F00303}" type="datetimeFigureOut">
               <a:rPr lang="en-US" smtClean="0"/>
-              <a:t>3/13/24</a:t>
+              <a:t>3/14/24</a:t>
             </a:fld>
             <a:endParaRPr lang="en-US"/>
           </a:p>
@@ -17240,7 +18096,7 @@
           <a:p>
             <a:fld id="{ED88B68D-D1BA-DE49-8C6A-CBCEE2F00303}" type="datetimeFigureOut">
               <a:rPr lang="en-US" smtClean="0"/>
-              <a:t>3/13/24</a:t>
+              <a:t>3/14/24</a:t>
             </a:fld>
             <a:endParaRPr lang="en-US"/>
           </a:p>
@@ -17472,7 +18328,7 @@
           <a:p>
             <a:fld id="{ED88B68D-D1BA-DE49-8C6A-CBCEE2F00303}" type="datetimeFigureOut">
               <a:rPr lang="en-US" smtClean="0"/>
-              <a:t>3/13/24</a:t>
+              <a:t>3/14/24</a:t>
             </a:fld>
             <a:endParaRPr lang="en-US"/>
           </a:p>
@@ -17831,7 +18687,7 @@
           <a:p>
             <a:fld id="{ED88B68D-D1BA-DE49-8C6A-CBCEE2F00303}" type="datetimeFigureOut">
               <a:rPr lang="en-US" smtClean="0"/>
-              <a:t>3/13/24</a:t>
+              <a:t>3/14/24</a:t>
             </a:fld>
             <a:endParaRPr lang="en-US"/>
           </a:p>
@@ -17972,7 +18828,7 @@
           <a:p>
             <a:fld id="{ED88B68D-D1BA-DE49-8C6A-CBCEE2F00303}" type="datetimeFigureOut">
               <a:rPr lang="en-US" smtClean="0"/>
-              <a:t>3/13/24</a:t>
+              <a:t>3/14/24</a:t>
             </a:fld>
             <a:endParaRPr lang="en-US"/>
           </a:p>
@@ -18067,7 +18923,7 @@
           <a:p>
             <a:fld id="{ED88B68D-D1BA-DE49-8C6A-CBCEE2F00303}" type="datetimeFigureOut">
               <a:rPr lang="en-US" smtClean="0"/>
-              <a:t>3/13/24</a:t>
+              <a:t>3/14/24</a:t>
             </a:fld>
             <a:endParaRPr lang="en-US"/>
           </a:p>
@@ -18424,7 +19280,7 @@
           <a:p>
             <a:fld id="{ED88B68D-D1BA-DE49-8C6A-CBCEE2F00303}" type="datetimeFigureOut">
               <a:rPr lang="en-US" smtClean="0"/>
-              <a:t>3/13/24</a:t>
+              <a:t>3/14/24</a:t>
             </a:fld>
             <a:endParaRPr lang="en-US"/>
           </a:p>
@@ -18781,7 +19637,7 @@
           <a:p>
             <a:fld id="{ED88B68D-D1BA-DE49-8C6A-CBCEE2F00303}" type="datetimeFigureOut">
               <a:rPr lang="en-US" smtClean="0"/>
-              <a:t>3/13/24</a:t>
+              <a:t>3/14/24</a:t>
             </a:fld>
             <a:endParaRPr lang="en-US"/>
           </a:p>
@@ -19023,7 +19879,7 @@
           <a:p>
             <a:fld id="{ED88B68D-D1BA-DE49-8C6A-CBCEE2F00303}" type="datetimeFigureOut">
               <a:rPr lang="en-US" smtClean="0"/>
-              <a:t>3/13/24</a:t>
+              <a:t>3/14/24</a:t>
             </a:fld>
             <a:endParaRPr lang="en-US"/>
           </a:p>
@@ -19993,6 +20849,89 @@
           <p:cNvPr id="2" name="Title 1">
             <a:extLst>
               <a:ext uri="{FF2B5EF4-FFF2-40B4-BE49-F238E27FC236}">
+                <a16:creationId xmlns:a16="http://schemas.microsoft.com/office/drawing/2014/main" id="{663CFB5D-A5B6-01D9-3E26-2105F2C92BA9}"/>
+              </a:ext>
+            </a:extLst>
+          </p:cNvPr>
+          <p:cNvSpPr>
+            <a:spLocks noGrp="1"/>
+          </p:cNvSpPr>
+          <p:nvPr>
+            <p:ph type="title"/>
+          </p:nvPr>
+        </p:nvSpPr>
+        <p:spPr/>
+        <p:txBody>
+          <a:bodyPr/>
+          <a:lstStyle/>
+          <a:p>
+            <a:r>
+              <a:rPr lang="en-US" dirty="0"/>
+              <a:t>Sample Size</a:t>
+            </a:r>
+          </a:p>
+        </p:txBody>
+      </p:sp>
+      <p:sp>
+        <p:nvSpPr>
+          <p:cNvPr id="3" name="Content Placeholder 2">
+            <a:extLst>
+              <a:ext uri="{FF2B5EF4-FFF2-40B4-BE49-F238E27FC236}">
+                <a16:creationId xmlns:a16="http://schemas.microsoft.com/office/drawing/2014/main" id="{700D0D9F-AB08-1080-E02A-33EE62E6FA43}"/>
+              </a:ext>
+            </a:extLst>
+          </p:cNvPr>
+          <p:cNvSpPr>
+            <a:spLocks noGrp="1"/>
+          </p:cNvSpPr>
+          <p:nvPr>
+            <p:ph idx="1"/>
+          </p:nvPr>
+        </p:nvSpPr>
+        <p:spPr/>
+        <p:txBody>
+          <a:bodyPr/>
+          <a:lstStyle/>
+          <a:p>
+            <a:endParaRPr lang="en-US"/>
+          </a:p>
+        </p:txBody>
+      </p:sp>
+    </p:spTree>
+    <p:extLst>
+      <p:ext uri="{BB962C8B-B14F-4D97-AF65-F5344CB8AC3E}">
+        <p14:creationId xmlns:p14="http://schemas.microsoft.com/office/powerpoint/2010/main" val="2386160032"/>
+      </p:ext>
+    </p:extLst>
+  </p:cSld>
+  <p:clrMapOvr>
+    <a:masterClrMapping/>
+  </p:clrMapOvr>
+</p:sld>
+</file>
+
+<file path=ppt/slides/slide14.xml><?xml version="1.0" encoding="utf-8"?>
+<p:sld xmlns:a="http://schemas.openxmlformats.org/drawingml/2006/main" xmlns:r="http://schemas.openxmlformats.org/officeDocument/2006/relationships" xmlns:p="http://schemas.openxmlformats.org/presentationml/2006/main">
+  <p:cSld>
+    <p:spTree>
+      <p:nvGrpSpPr>
+        <p:cNvPr id="1" name=""/>
+        <p:cNvGrpSpPr/>
+        <p:nvPr/>
+      </p:nvGrpSpPr>
+      <p:grpSpPr>
+        <a:xfrm>
+          <a:off x="0" y="0"/>
+          <a:ext cx="0" cy="0"/>
+          <a:chOff x="0" y="0"/>
+          <a:chExt cx="0" cy="0"/>
+        </a:xfrm>
+      </p:grpSpPr>
+      <p:sp>
+        <p:nvSpPr>
+          <p:cNvPr id="2" name="Title 1">
+            <a:extLst>
+              <a:ext uri="{FF2B5EF4-FFF2-40B4-BE49-F238E27FC236}">
                 <a16:creationId xmlns:a16="http://schemas.microsoft.com/office/drawing/2014/main" id="{16206E96-7BCC-0785-AB43-18F30956D5A5}"/>
               </a:ext>
             </a:extLst>
@@ -20011,7 +20950,7 @@
           <a:p>
             <a:r>
               <a:rPr lang="en-US" dirty="0"/>
-              <a:t>Sample size &amp; Power Analysis</a:t>
+              <a:t>Power &amp; Effects size</a:t>
             </a:r>
           </a:p>
         </p:txBody>
@@ -20029,15 +20968,164 @@
             <a:spLocks noGrp="1"/>
           </p:cNvSpPr>
           <p:nvPr>
-            <p:ph idx="1"/>
+            <p:ph sz="half" idx="1"/>
           </p:nvPr>
         </p:nvSpPr>
         <p:spPr/>
         <p:txBody>
-          <a:bodyPr/>
+          <a:bodyPr>
+            <a:normAutofit/>
+          </a:bodyPr>
           <a:lstStyle/>
           <a:p>
-            <a:endParaRPr lang="en-US"/>
+            <a:r>
+              <a:rPr lang="en-US" b="1" dirty="0"/>
+              <a:t>Power</a:t>
+            </a:r>
+            <a:r>
+              <a:rPr lang="en-US" dirty="0"/>
+              <a:t> = the probability that a statistical test will reject a false null hypothesis</a:t>
+            </a:r>
+          </a:p>
+          <a:p>
+            <a:r>
+              <a:rPr lang="en-US" dirty="0"/>
+              <a:t>A larger sample size provides more power, meaning your statistical test is more likely to detect an effect.</a:t>
+            </a:r>
+          </a:p>
+        </p:txBody>
+      </p:sp>
+      <p:sp>
+        <p:nvSpPr>
+          <p:cNvPr id="4" name="Content Placeholder 3">
+            <a:extLst>
+              <a:ext uri="{FF2B5EF4-FFF2-40B4-BE49-F238E27FC236}">
+                <a16:creationId xmlns:a16="http://schemas.microsoft.com/office/drawing/2014/main" id="{F94A5CBF-9D6B-4F78-6602-61C4005F5E19}"/>
+              </a:ext>
+            </a:extLst>
+          </p:cNvPr>
+          <p:cNvSpPr>
+            <a:spLocks noGrp="1"/>
+          </p:cNvSpPr>
+          <p:nvPr>
+            <p:ph sz="half" idx="2"/>
+          </p:nvPr>
+        </p:nvSpPr>
+        <p:spPr/>
+        <p:txBody>
+          <a:bodyPr>
+            <a:normAutofit/>
+          </a:bodyPr>
+          <a:lstStyle/>
+          <a:p>
+            <a:r>
+              <a:rPr lang="en-US" b="1" dirty="0"/>
+              <a:t>Effect size </a:t>
+            </a:r>
+            <a:r>
+              <a:rPr lang="en-US" dirty="0"/>
+              <a:t>= the absolute difference between groups + variability</a:t>
+            </a:r>
+          </a:p>
+          <a:p>
+            <a:r>
+              <a:rPr lang="en-US" dirty="0"/>
+              <a:t>Cohen (1988) provides cutoffs for effects sizes as:</a:t>
+            </a:r>
+          </a:p>
+          <a:p>
+            <a:pPr lvl="1"/>
+            <a:r>
+              <a:rPr lang="en-US" sz="1800" b="0" i="0" dirty="0">
+                <a:solidFill>
+                  <a:srgbClr val="2B2B2B"/>
+                </a:solidFill>
+                <a:effectLst/>
+              </a:rPr>
+              <a:t>small </a:t>
+            </a:r>
+            <a:r>
+              <a:rPr lang="en-US" sz="1800" b="0" i="0" u="none" strike="noStrike" dirty="0">
+                <a:solidFill>
+                  <a:srgbClr val="2B2B2B"/>
+                </a:solidFill>
+                <a:effectLst/>
+              </a:rPr>
+              <a:t>≥</a:t>
+            </a:r>
+            <a:r>
+              <a:rPr lang="en-US" sz="1800" b="0" i="0" dirty="0">
+                <a:solidFill>
+                  <a:srgbClr val="2B2B2B"/>
+                </a:solidFill>
+                <a:effectLst/>
+              </a:rPr>
+              <a:t> 0.02, </a:t>
+            </a:r>
+          </a:p>
+          <a:p>
+            <a:pPr lvl="1"/>
+            <a:r>
+              <a:rPr lang="en-US" sz="1800" b="0" i="0" dirty="0">
+                <a:solidFill>
+                  <a:srgbClr val="2B2B2B"/>
+                </a:solidFill>
+                <a:effectLst/>
+              </a:rPr>
+              <a:t>medium </a:t>
+            </a:r>
+            <a:r>
+              <a:rPr lang="en-US" sz="1800" b="0" i="0" u="none" strike="noStrike" dirty="0">
+                <a:solidFill>
+                  <a:srgbClr val="2B2B2B"/>
+                </a:solidFill>
+                <a:effectLst/>
+              </a:rPr>
+              <a:t>≥</a:t>
+            </a:r>
+            <a:r>
+              <a:rPr lang="en-US" sz="1800" b="0" i="0" dirty="0">
+                <a:solidFill>
+                  <a:srgbClr val="2B2B2B"/>
+                </a:solidFill>
+                <a:effectLst/>
+              </a:rPr>
+              <a:t> 0.15</a:t>
+            </a:r>
+          </a:p>
+          <a:p>
+            <a:pPr lvl="1"/>
+            <a:r>
+              <a:rPr lang="en-US" sz="1800" b="0" i="0" dirty="0">
+                <a:solidFill>
+                  <a:srgbClr val="2B2B2B"/>
+                </a:solidFill>
+                <a:effectLst/>
+              </a:rPr>
+              <a:t>large </a:t>
+            </a:r>
+            <a:r>
+              <a:rPr lang="en-US" sz="1800" b="0" i="0" u="none" strike="noStrike" dirty="0">
+                <a:solidFill>
+                  <a:srgbClr val="2B2B2B"/>
+                </a:solidFill>
+                <a:effectLst/>
+              </a:rPr>
+              <a:t>≥</a:t>
+            </a:r>
+            <a:r>
+              <a:rPr lang="en-US" sz="1800" b="0" i="0" dirty="0">
+                <a:solidFill>
+                  <a:srgbClr val="2B2B2B"/>
+                </a:solidFill>
+                <a:effectLst/>
+              </a:rPr>
+              <a:t> 0.35</a:t>
+            </a:r>
+            <a:endParaRPr lang="en-US" sz="1800" dirty="0"/>
+          </a:p>
+          <a:p>
+            <a:endParaRPr lang="en-US" dirty="0"/>
           </a:p>
         </p:txBody>
       </p:sp>
@@ -20054,7 +21142,483 @@
 </p:sld>
 </file>
 
-<file path=ppt/slides/slide14.xml><?xml version="1.0" encoding="utf-8"?>
+<file path=ppt/slides/slide15.xml><?xml version="1.0" encoding="utf-8"?>
+<p:sld xmlns:a="http://schemas.openxmlformats.org/drawingml/2006/main" xmlns:r="http://schemas.openxmlformats.org/officeDocument/2006/relationships" xmlns:p="http://schemas.openxmlformats.org/presentationml/2006/main">
+  <p:cSld>
+    <p:bg>
+      <p:bgPr>
+        <a:solidFill>
+          <a:schemeClr val="bg1">
+            <a:lumMod val="95000"/>
+          </a:schemeClr>
+        </a:solidFill>
+        <a:effectLst/>
+      </p:bgPr>
+    </p:bg>
+    <p:spTree>
+      <p:nvGrpSpPr>
+        <p:cNvPr id="1" name=""/>
+        <p:cNvGrpSpPr/>
+        <p:nvPr/>
+      </p:nvGrpSpPr>
+      <p:grpSpPr>
+        <a:xfrm>
+          <a:off x="0" y="0"/>
+          <a:ext cx="0" cy="0"/>
+          <a:chOff x="0" y="0"/>
+          <a:chExt cx="0" cy="0"/>
+        </a:xfrm>
+      </p:grpSpPr>
+      <p:sp>
+        <p:nvSpPr>
+          <p:cNvPr id="2" name="Title 1">
+            <a:extLst>
+              <a:ext uri="{FF2B5EF4-FFF2-40B4-BE49-F238E27FC236}">
+                <a16:creationId xmlns:a16="http://schemas.microsoft.com/office/drawing/2014/main" id="{A795F7A3-737A-E408-0B94-57D0621A78C0}"/>
+              </a:ext>
+            </a:extLst>
+          </p:cNvPr>
+          <p:cNvSpPr>
+            <a:spLocks noGrp="1"/>
+          </p:cNvSpPr>
+          <p:nvPr>
+            <p:ph type="title"/>
+          </p:nvPr>
+        </p:nvSpPr>
+        <p:spPr>
+          <a:xfrm>
+            <a:off x="804671" y="964692"/>
+            <a:ext cx="5928637" cy="1188720"/>
+          </a:xfrm>
+        </p:spPr>
+        <p:txBody>
+          <a:bodyPr>
+            <a:normAutofit/>
+          </a:bodyPr>
+          <a:lstStyle/>
+          <a:p>
+            <a:r>
+              <a:rPr lang="en-US" dirty="0"/>
+              <a:t>Activity 1: Power Analysis in R</a:t>
+            </a:r>
+          </a:p>
+        </p:txBody>
+      </p:sp>
+      <p:sp>
+        <p:nvSpPr>
+          <p:cNvPr id="3" name="Content Placeholder 2">
+            <a:extLst>
+              <a:ext uri="{FF2B5EF4-FFF2-40B4-BE49-F238E27FC236}">
+                <a16:creationId xmlns:a16="http://schemas.microsoft.com/office/drawing/2014/main" id="{89384D73-49C2-5AE1-C3E9-5099BF61D483}"/>
+              </a:ext>
+            </a:extLst>
+          </p:cNvPr>
+          <p:cNvSpPr>
+            <a:spLocks noGrp="1"/>
+          </p:cNvSpPr>
+          <p:nvPr>
+            <p:ph idx="1"/>
+          </p:nvPr>
+        </p:nvSpPr>
+        <p:spPr>
+          <a:xfrm>
+            <a:off x="804672" y="2638044"/>
+            <a:ext cx="5925312" cy="3101983"/>
+          </a:xfrm>
+        </p:spPr>
+        <p:txBody>
+          <a:bodyPr>
+            <a:normAutofit lnSpcReduction="10000"/>
+          </a:bodyPr>
+          <a:lstStyle/>
+          <a:p>
+            <a:r>
+              <a:rPr lang="en-US" sz="2000" dirty="0"/>
+              <a:t>The ‘</a:t>
+            </a:r>
+            <a:r>
+              <a:rPr lang="en-US" sz="2000" dirty="0" err="1"/>
+              <a:t>pwr</a:t>
+            </a:r>
+            <a:r>
+              <a:rPr lang="en-US" sz="2000" dirty="0"/>
+              <a:t>’ package (</a:t>
+            </a:r>
+            <a:r>
+              <a:rPr lang="en-US" sz="2000" dirty="0" err="1"/>
+              <a:t>Champley</a:t>
+            </a:r>
+            <a:r>
+              <a:rPr lang="en-US" sz="2000" dirty="0"/>
+              <a:t> 2020) can perform power analyses for a variety of common statistical test.</a:t>
+            </a:r>
+          </a:p>
+          <a:p>
+            <a:r>
+              <a:rPr lang="en-US" sz="2000" dirty="0"/>
+              <a:t>E</a:t>
+            </a:r>
+            <a:r>
+              <a:rPr lang="en-US" sz="2000" b="0" i="0" dirty="0">
+                <a:effectLst/>
+              </a:rPr>
+              <a:t>nter three of the four parameters (effect size, sample size, significance level, power) as well as your number of groups and the fourth is calculated.</a:t>
+            </a:r>
+          </a:p>
+          <a:p>
+            <a:r>
+              <a:rPr lang="en-US" sz="2000" dirty="0"/>
+              <a:t>On the right is an example power analysis for ANOVA.</a:t>
+            </a:r>
+          </a:p>
+          <a:p>
+            <a:r>
+              <a:rPr lang="en-US" sz="2000" dirty="0"/>
+              <a:t>Note that </a:t>
+            </a:r>
+            <a:r>
+              <a:rPr lang="en-US" sz="2000" b="1" dirty="0"/>
+              <a:t>sample size is per group</a:t>
+            </a:r>
+            <a:r>
+              <a:rPr lang="en-US" sz="2000" dirty="0"/>
+              <a:t>!</a:t>
+            </a:r>
+          </a:p>
+        </p:txBody>
+      </p:sp>
+      <p:sp>
+        <p:nvSpPr>
+          <p:cNvPr id="12" name="Rectangle 11">
+            <a:extLst>
+              <a:ext uri="{FF2B5EF4-FFF2-40B4-BE49-F238E27FC236}">
+                <a16:creationId xmlns:a16="http://schemas.microsoft.com/office/drawing/2014/main" id="{E3BC0364-4B58-4841-A227-00A6A59E02C6}"/>
+              </a:ext>
+              <a:ext uri="{C183D7F6-B498-43B3-948B-1728B52AA6E4}">
+                <adec:decorative xmlns:adec="http://schemas.microsoft.com/office/drawing/2017/decorative" val="1"/>
+              </a:ext>
+            </a:extLst>
+          </p:cNvPr>
+          <p:cNvSpPr>
+            <a:spLocks noGrp="1" noRot="1" noChangeAspect="1" noMove="1" noResize="1" noEditPoints="1" noAdjustHandles="1" noChangeArrowheads="1" noChangeShapeType="1" noTextEdit="1"/>
+          </p:cNvSpPr>
+          <p:nvPr>
+            <p:extLst>
+              <p:ext uri="{386F3935-93C4-4BCD-93E2-E3B085C9AB24}">
+                <p16:designElem xmlns:p16="http://schemas.microsoft.com/office/powerpoint/2015/main" val="1"/>
+              </p:ext>
+            </p:extLst>
+          </p:nvPr>
+        </p:nvSpPr>
+        <p:spPr>
+          <a:xfrm>
+            <a:off x="7534656" y="-2"/>
+            <a:ext cx="4657344" cy="6858002"/>
+          </a:xfrm>
+          <a:prstGeom prst="rect">
+            <a:avLst/>
+          </a:prstGeom>
+          <a:solidFill>
+            <a:schemeClr val="accent2"/>
+          </a:solidFill>
+          <a:ln>
+            <a:noFill/>
+          </a:ln>
+        </p:spPr>
+        <p:style>
+          <a:lnRef idx="2">
+            <a:schemeClr val="accent1">
+              <a:shade val="50000"/>
+            </a:schemeClr>
+          </a:lnRef>
+          <a:fillRef idx="1">
+            <a:schemeClr val="accent1"/>
+          </a:fillRef>
+          <a:effectRef idx="0">
+            <a:schemeClr val="accent1"/>
+          </a:effectRef>
+          <a:fontRef idx="minor">
+            <a:schemeClr val="lt1"/>
+          </a:fontRef>
+        </p:style>
+        <p:txBody>
+          <a:bodyPr rtlCol="0" anchor="ctr"/>
+          <a:lstStyle/>
+          <a:p>
+            <a:pPr algn="ctr"/>
+            <a:endParaRPr lang="en-US"/>
+          </a:p>
+        </p:txBody>
+      </p:sp>
+      <p:sp>
+        <p:nvSpPr>
+          <p:cNvPr id="14" name="Rectangle 13">
+            <a:extLst>
+              <a:ext uri="{FF2B5EF4-FFF2-40B4-BE49-F238E27FC236}">
+                <a16:creationId xmlns:a16="http://schemas.microsoft.com/office/drawing/2014/main" id="{A029A1F4-D02D-48E4-9331-6870B23B4FAF}"/>
+              </a:ext>
+              <a:ext uri="{C183D7F6-B498-43B3-948B-1728B52AA6E4}">
+                <adec:decorative xmlns:adec="http://schemas.microsoft.com/office/drawing/2017/decorative" val="1"/>
+              </a:ext>
+            </a:extLst>
+          </p:cNvPr>
+          <p:cNvSpPr>
+            <a:spLocks noGrp="1" noRot="1" noChangeAspect="1" noMove="1" noResize="1" noEditPoints="1" noAdjustHandles="1" noChangeArrowheads="1" noChangeShapeType="1" noTextEdit="1"/>
+          </p:cNvSpPr>
+          <p:nvPr>
+            <p:extLst>
+              <p:ext uri="{386F3935-93C4-4BCD-93E2-E3B085C9AB24}">
+                <p16:designElem xmlns:p16="http://schemas.microsoft.com/office/powerpoint/2015/main" val="1"/>
+              </p:ext>
+            </p:extLst>
+          </p:nvPr>
+        </p:nvSpPr>
+        <p:spPr>
+          <a:xfrm>
+            <a:off x="8020813" y="479893"/>
+            <a:ext cx="3685031" cy="5458969"/>
+          </a:xfrm>
+          <a:prstGeom prst="rect">
+            <a:avLst/>
+          </a:prstGeom>
+          <a:noFill/>
+          <a:ln w="31750" cap="sq">
+            <a:solidFill>
+              <a:srgbClr val="FFFFFF"/>
+            </a:solidFill>
+            <a:miter lim="800000"/>
+          </a:ln>
+        </p:spPr>
+        <p:style>
+          <a:lnRef idx="2">
+            <a:schemeClr val="accent1">
+              <a:shade val="50000"/>
+            </a:schemeClr>
+          </a:lnRef>
+          <a:fillRef idx="1">
+            <a:schemeClr val="accent1"/>
+          </a:fillRef>
+          <a:effectRef idx="0">
+            <a:schemeClr val="accent1"/>
+          </a:effectRef>
+          <a:fontRef idx="minor">
+            <a:schemeClr val="lt1"/>
+          </a:fontRef>
+        </p:style>
+        <p:txBody>
+          <a:bodyPr rtlCol="0" anchor="ctr"/>
+          <a:lstStyle/>
+          <a:p>
+            <a:pPr algn="ctr"/>
+            <a:endParaRPr lang="en-US" dirty="0"/>
+          </a:p>
+        </p:txBody>
+      </p:sp>
+      <p:sp>
+        <p:nvSpPr>
+          <p:cNvPr id="16" name="Rectangle 15">
+            <a:extLst>
+              <a:ext uri="{FF2B5EF4-FFF2-40B4-BE49-F238E27FC236}">
+                <a16:creationId xmlns:a16="http://schemas.microsoft.com/office/drawing/2014/main" id="{D06A8CF3-711E-4C63-9DD5-53A2696C0D6F}"/>
+              </a:ext>
+              <a:ext uri="{C183D7F6-B498-43B3-948B-1728B52AA6E4}">
+                <adec:decorative xmlns:adec="http://schemas.microsoft.com/office/drawing/2017/decorative" val="1"/>
+              </a:ext>
+            </a:extLst>
+          </p:cNvPr>
+          <p:cNvSpPr>
+            <a:spLocks noGrp="1" noRot="1" noChangeAspect="1" noMove="1" noResize="1" noEditPoints="1" noAdjustHandles="1" noChangeArrowheads="1" noChangeShapeType="1" noTextEdit="1"/>
+          </p:cNvSpPr>
+          <p:nvPr>
+            <p:extLst>
+              <p:ext uri="{386F3935-93C4-4BCD-93E2-E3B085C9AB24}">
+                <p16:designElem xmlns:p16="http://schemas.microsoft.com/office/powerpoint/2015/main" val="1"/>
+              </p:ext>
+            </p:extLst>
+          </p:nvPr>
+        </p:nvSpPr>
+        <p:spPr>
+          <a:xfrm>
+            <a:off x="8186411" y="644485"/>
+            <a:ext cx="3353835" cy="5129784"/>
+          </a:xfrm>
+          <a:prstGeom prst="rect">
+            <a:avLst/>
+          </a:prstGeom>
+          <a:solidFill>
+            <a:srgbClr val="FFFFFF"/>
+          </a:solidFill>
+          <a:ln>
+            <a:noFill/>
+          </a:ln>
+        </p:spPr>
+        <p:style>
+          <a:lnRef idx="2">
+            <a:schemeClr val="accent1">
+              <a:shade val="50000"/>
+            </a:schemeClr>
+          </a:lnRef>
+          <a:fillRef idx="1">
+            <a:schemeClr val="accent1"/>
+          </a:fillRef>
+          <a:effectRef idx="0">
+            <a:schemeClr val="accent1"/>
+          </a:effectRef>
+          <a:fontRef idx="minor">
+            <a:schemeClr val="lt1"/>
+          </a:fontRef>
+        </p:style>
+        <p:txBody>
+          <a:bodyPr rtlCol="0" anchor="ctr"/>
+          <a:lstStyle/>
+          <a:p>
+            <a:pPr algn="ctr"/>
+            <a:endParaRPr lang="en-US"/>
+          </a:p>
+        </p:txBody>
+      </p:sp>
+      <p:pic>
+        <p:nvPicPr>
+          <p:cNvPr id="5" name="Picture 4" descr="A close-up of a computer code&#10;&#10;Description automatically generated">
+            <a:extLst>
+              <a:ext uri="{FF2B5EF4-FFF2-40B4-BE49-F238E27FC236}">
+                <a16:creationId xmlns:a16="http://schemas.microsoft.com/office/drawing/2014/main" id="{E4D481BC-CAB9-2FB9-6805-798A7F5FD611}"/>
+              </a:ext>
+            </a:extLst>
+          </p:cNvPr>
+          <p:cNvPicPr>
+            <a:picLocks noChangeAspect="1"/>
+          </p:cNvPicPr>
+          <p:nvPr/>
+        </p:nvPicPr>
+        <p:blipFill rotWithShape="1">
+          <a:blip r:embed="rId3"/>
+          <a:srcRect l="647" t="-1" r="59869" b="-1"/>
+          <a:stretch/>
+        </p:blipFill>
+        <p:spPr>
+          <a:xfrm>
+            <a:off x="8297056" y="1140883"/>
+            <a:ext cx="3176659" cy="2252756"/>
+          </a:xfrm>
+          <a:prstGeom prst="rect">
+            <a:avLst/>
+          </a:prstGeom>
+        </p:spPr>
+      </p:pic>
+      <p:pic>
+        <p:nvPicPr>
+          <p:cNvPr id="7" name="Picture 6" descr="A white background with black text&#10;&#10;Description automatically generated">
+            <a:extLst>
+              <a:ext uri="{FF2B5EF4-FFF2-40B4-BE49-F238E27FC236}">
+                <a16:creationId xmlns:a16="http://schemas.microsoft.com/office/drawing/2014/main" id="{5056FE21-1B6C-6153-535A-841EC21AEE1C}"/>
+              </a:ext>
+            </a:extLst>
+          </p:cNvPr>
+          <p:cNvPicPr>
+            <a:picLocks noChangeAspect="1"/>
+          </p:cNvPicPr>
+          <p:nvPr/>
+        </p:nvPicPr>
+        <p:blipFill rotWithShape="1">
+          <a:blip r:embed="rId4"/>
+          <a:srcRect l="8688" t="1947" r="30865" b="22207"/>
+          <a:stretch/>
+        </p:blipFill>
+        <p:spPr>
+          <a:xfrm>
+            <a:off x="8178428" y="3878636"/>
+            <a:ext cx="3361817" cy="1539611"/>
+          </a:xfrm>
+          <a:prstGeom prst="rect">
+            <a:avLst/>
+          </a:prstGeom>
+        </p:spPr>
+      </p:pic>
+      <p:sp>
+        <p:nvSpPr>
+          <p:cNvPr id="8" name="TextBox 7">
+            <a:extLst>
+              <a:ext uri="{FF2B5EF4-FFF2-40B4-BE49-F238E27FC236}">
+                <a16:creationId xmlns:a16="http://schemas.microsoft.com/office/drawing/2014/main" id="{7FE2FE05-6978-F45E-45F9-DBDF44406B05}"/>
+              </a:ext>
+            </a:extLst>
+          </p:cNvPr>
+          <p:cNvSpPr txBox="1"/>
+          <p:nvPr/>
+        </p:nvSpPr>
+        <p:spPr>
+          <a:xfrm>
+            <a:off x="8186411" y="3343959"/>
+            <a:ext cx="926857" cy="369332"/>
+          </a:xfrm>
+          <a:prstGeom prst="rect">
+            <a:avLst/>
+          </a:prstGeom>
+          <a:noFill/>
+        </p:spPr>
+        <p:txBody>
+          <a:bodyPr wrap="none" rtlCol="0">
+            <a:spAutoFit/>
+          </a:bodyPr>
+          <a:lstStyle/>
+          <a:p>
+            <a:r>
+              <a:rPr lang="en-US" u="sng" dirty="0"/>
+              <a:t>Output:</a:t>
+            </a:r>
+          </a:p>
+        </p:txBody>
+      </p:sp>
+      <p:sp>
+        <p:nvSpPr>
+          <p:cNvPr id="9" name="TextBox 8">
+            <a:extLst>
+              <a:ext uri="{FF2B5EF4-FFF2-40B4-BE49-F238E27FC236}">
+                <a16:creationId xmlns:a16="http://schemas.microsoft.com/office/drawing/2014/main" id="{36CBE49B-E512-FFF3-0164-B4DC838C4768}"/>
+              </a:ext>
+            </a:extLst>
+          </p:cNvPr>
+          <p:cNvSpPr txBox="1"/>
+          <p:nvPr/>
+        </p:nvSpPr>
+        <p:spPr>
+          <a:xfrm>
+            <a:off x="8186411" y="679442"/>
+            <a:ext cx="716863" cy="369332"/>
+          </a:xfrm>
+          <a:prstGeom prst="rect">
+            <a:avLst/>
+          </a:prstGeom>
+          <a:noFill/>
+        </p:spPr>
+        <p:txBody>
+          <a:bodyPr wrap="none" rtlCol="0">
+            <a:spAutoFit/>
+          </a:bodyPr>
+          <a:lstStyle/>
+          <a:p>
+            <a:r>
+              <a:rPr lang="en-US" u="sng" dirty="0"/>
+              <a:t>Input:</a:t>
+            </a:r>
+          </a:p>
+        </p:txBody>
+      </p:sp>
+    </p:spTree>
+    <p:extLst>
+      <p:ext uri="{BB962C8B-B14F-4D97-AF65-F5344CB8AC3E}">
+        <p14:creationId xmlns:p14="http://schemas.microsoft.com/office/powerpoint/2010/main" val="334704159"/>
+      </p:ext>
+    </p:extLst>
+  </p:cSld>
+  <p:clrMapOvr>
+    <a:masterClrMapping/>
+  </p:clrMapOvr>
+</p:sld>
+</file>
+
+<file path=ppt/slides/slide16.xml><?xml version="1.0" encoding="utf-8"?>
 <p:sld xmlns:a="http://schemas.openxmlformats.org/drawingml/2006/main" xmlns:r="http://schemas.openxmlformats.org/officeDocument/2006/relationships" xmlns:p="http://schemas.openxmlformats.org/presentationml/2006/main">
   <p:cSld>
     <p:spTree>
@@ -20094,43 +21658,241 @@
           <a:p>
             <a:r>
               <a:rPr lang="en-US" dirty="0"/>
-              <a:t>Activity 1: Power Analysis</a:t>
+              <a:t>Activity 1: Power Analysis in R</a:t>
             </a:r>
           </a:p>
         </p:txBody>
       </p:sp>
-      <p:sp>
-        <p:nvSpPr>
-          <p:cNvPr id="3" name="Content Placeholder 2">
-            <a:extLst>
-              <a:ext uri="{FF2B5EF4-FFF2-40B4-BE49-F238E27FC236}">
-                <a16:creationId xmlns:a16="http://schemas.microsoft.com/office/drawing/2014/main" id="{89384D73-49C2-5AE1-C3E9-5099BF61D483}"/>
-              </a:ext>
-            </a:extLst>
-          </p:cNvPr>
-          <p:cNvSpPr>
-            <a:spLocks noGrp="1"/>
-          </p:cNvSpPr>
-          <p:nvPr>
-            <p:ph idx="1"/>
-          </p:nvPr>
-        </p:nvSpPr>
-        <p:spPr/>
-        <p:txBody>
-          <a:bodyPr/>
-          <a:lstStyle/>
-          <a:p>
-            <a:r>
-              <a:rPr lang="en-US" dirty="0"/>
-              <a:t>Hands-on calculations</a:t>
-            </a:r>
-          </a:p>
-        </p:txBody>
-      </p:sp>
+      <mc:AlternateContent xmlns:mc="http://schemas.openxmlformats.org/markup-compatibility/2006">
+        <mc:Choice xmlns:a14="http://schemas.microsoft.com/office/drawing/2010/main" Requires="a14">
+          <p:sp>
+            <p:nvSpPr>
+              <p:cNvPr id="3" name="Content Placeholder 2">
+                <a:extLst>
+                  <a:ext uri="{FF2B5EF4-FFF2-40B4-BE49-F238E27FC236}">
+                    <a16:creationId xmlns:a16="http://schemas.microsoft.com/office/drawing/2014/main" id="{89384D73-49C2-5AE1-C3E9-5099BF61D483}"/>
+                  </a:ext>
+                </a:extLst>
+              </p:cNvPr>
+              <p:cNvSpPr>
+                <a:spLocks noGrp="1"/>
+              </p:cNvSpPr>
+              <p:nvPr>
+                <p:ph idx="1"/>
+              </p:nvPr>
+            </p:nvSpPr>
+            <p:spPr>
+              <a:xfrm>
+                <a:off x="2231136" y="2638044"/>
+                <a:ext cx="7729728" cy="4005644"/>
+              </a:xfrm>
+            </p:spPr>
+            <p:txBody>
+              <a:bodyPr>
+                <a:normAutofit lnSpcReduction="10000"/>
+              </a:bodyPr>
+              <a:lstStyle/>
+              <a:p>
+                <a:r>
+                  <a:rPr lang="en-US" dirty="0"/>
+                  <a:t>The ‘</a:t>
+                </a:r>
+                <a:r>
+                  <a:rPr lang="en-US" dirty="0" err="1"/>
+                  <a:t>pwr</a:t>
+                </a:r>
+                <a:r>
+                  <a:rPr lang="en-US" dirty="0"/>
+                  <a:t>’ package (</a:t>
+                </a:r>
+                <a:r>
+                  <a:rPr lang="en-US" dirty="0" err="1"/>
+                  <a:t>Champley</a:t>
+                </a:r>
+                <a:r>
+                  <a:rPr lang="en-US" dirty="0"/>
+                  <a:t> 2020) can perform power analyses for a variety of common statistical test.</a:t>
+                </a:r>
+              </a:p>
+              <a:p>
+                <a:r>
+                  <a:rPr lang="en-US" dirty="0">
+                    <a:solidFill>
+                      <a:srgbClr val="2B2B2B"/>
+                    </a:solidFill>
+                  </a:rPr>
+                  <a:t>E</a:t>
+                </a:r>
+                <a:r>
+                  <a:rPr lang="en-US" b="0" i="0" dirty="0">
+                    <a:solidFill>
+                      <a:srgbClr val="2B2B2B"/>
+                    </a:solidFill>
+                    <a:effectLst/>
+                  </a:rPr>
+                  <a:t>nter three of the four parameters (effect size, sample size, significance level, power) and the fourth is calculated.</a:t>
+                </a:r>
+              </a:p>
+              <a:p>
+                <a:r>
+                  <a:rPr lang="en-US" b="1" dirty="0">
+                    <a:solidFill>
+                      <a:srgbClr val="2B2B2B"/>
+                    </a:solidFill>
+                  </a:rPr>
+                  <a:t>Exercise: </a:t>
+                </a:r>
+                <a:r>
+                  <a:rPr lang="en-US" dirty="0">
+                    <a:solidFill>
+                      <a:srgbClr val="2B2B2B"/>
+                    </a:solidFill>
+                  </a:rPr>
+                  <a:t>Using the code provided in ‘</a:t>
+                </a:r>
+                <a:r>
+                  <a:rPr lang="en-US" dirty="0" err="1">
+                    <a:solidFill>
+                      <a:srgbClr val="2B2B2B"/>
+                    </a:solidFill>
+                  </a:rPr>
+                  <a:t>activities.R</a:t>
+                </a:r>
+                <a:r>
+                  <a:rPr lang="en-US" dirty="0">
+                    <a:solidFill>
+                      <a:srgbClr val="2B2B2B"/>
+                    </a:solidFill>
+                  </a:rPr>
+                  <a:t>’, determine how many participants you would need in each group (sample size) to have a power of 80% and a moderate effect size of 25% for each of the following tests.</a:t>
+                </a:r>
+              </a:p>
+              <a:p>
+                <a:pPr lvl="1"/>
+                <a:r>
+                  <a:rPr lang="en-US" b="1" dirty="0">
+                    <a:solidFill>
+                      <a:srgbClr val="2B2B2B"/>
+                    </a:solidFill>
+                  </a:rPr>
+                  <a:t>One-way ANOVA</a:t>
+                </a:r>
+              </a:p>
+              <a:p>
+                <a:pPr lvl="1"/>
+                <a:r>
+                  <a:rPr lang="en-US" b="1" dirty="0">
+                    <a:solidFill>
+                      <a:srgbClr val="2B2B2B"/>
+                    </a:solidFill>
+                  </a:rPr>
+                  <a:t>GML</a:t>
+                </a:r>
+              </a:p>
+              <a:p>
+                <a:pPr lvl="1"/>
+                <a:r>
+                  <a:rPr lang="en-US" b="1" dirty="0"/>
+                  <a:t>Paired t-test (two tailed)</a:t>
+                </a:r>
+              </a:p>
+              <a:p>
+                <a:pPr lvl="1"/>
+                <a:r>
+                  <a:rPr lang="en-US" b="1" dirty="0"/>
+                  <a:t>Independent t-test (one tailed – “greater”)</a:t>
+                </a:r>
+              </a:p>
+              <a:p>
+                <a:pPr lvl="1"/>
+                <a14:m>
+                  <m:oMath xmlns:m="http://schemas.openxmlformats.org/officeDocument/2006/math">
+                    <m:sSup>
+                      <m:sSupPr>
+                        <m:ctrlPr>
+                          <a:rPr lang="en-US" b="1" i="1" smtClean="0">
+                            <a:latin typeface="Cambria Math" panose="02040503050406030204" pitchFamily="18" charset="0"/>
+                            <a:ea typeface="Cambria Math" panose="02040503050406030204" pitchFamily="18" charset="0"/>
+                          </a:rPr>
+                        </m:ctrlPr>
+                      </m:sSupPr>
+                      <m:e>
+                        <m:r>
+                          <a:rPr lang="en-US" b="1" i="1" smtClean="0">
+                            <a:latin typeface="Cambria Math" panose="02040503050406030204" pitchFamily="18" charset="0"/>
+                            <a:ea typeface="Cambria Math" panose="02040503050406030204" pitchFamily="18" charset="0"/>
+                          </a:rPr>
+                          <m:t>𝚾</m:t>
+                        </m:r>
+                      </m:e>
+                      <m:sup>
+                        <m:r>
+                          <a:rPr lang="en-US" b="1" i="1" smtClean="0">
+                            <a:latin typeface="Cambria Math" panose="02040503050406030204" pitchFamily="18" charset="0"/>
+                            <a:ea typeface="Cambria Math" panose="02040503050406030204" pitchFamily="18" charset="0"/>
+                          </a:rPr>
+                          <m:t>𝟐</m:t>
+                        </m:r>
+                      </m:sup>
+                    </m:sSup>
+                  </m:oMath>
+                </a14:m>
+                <a:r>
+                  <a:rPr lang="en-US" b="1" dirty="0"/>
+                  <a:t> test </a:t>
+                </a:r>
+              </a:p>
+            </p:txBody>
+          </p:sp>
+        </mc:Choice>
+        <mc:Fallback>
+          <p:sp>
+            <p:nvSpPr>
+              <p:cNvPr id="3" name="Content Placeholder 2">
+                <a:extLst>
+                  <a:ext uri="{FF2B5EF4-FFF2-40B4-BE49-F238E27FC236}">
+                    <a16:creationId xmlns:a16="http://schemas.microsoft.com/office/drawing/2014/main" id="{89384D73-49C2-5AE1-C3E9-5099BF61D483}"/>
+                  </a:ext>
+                </a:extLst>
+              </p:cNvPr>
+              <p:cNvSpPr>
+                <a:spLocks noGrp="1" noRot="1" noChangeAspect="1" noMove="1" noResize="1" noEditPoints="1" noAdjustHandles="1" noChangeArrowheads="1" noChangeShapeType="1" noTextEdit="1"/>
+              </p:cNvSpPr>
+              <p:nvPr>
+                <p:ph idx="1"/>
+              </p:nvPr>
+            </p:nvSpPr>
+            <p:spPr>
+              <a:xfrm>
+                <a:off x="2231136" y="2638044"/>
+                <a:ext cx="7729728" cy="4005644"/>
+              </a:xfrm>
+              <a:blipFill>
+                <a:blip r:embed="rId3"/>
+                <a:stretch>
+                  <a:fillRect l="-492" t="-1262"/>
+                </a:stretch>
+              </a:blipFill>
+            </p:spPr>
+            <p:txBody>
+              <a:bodyPr/>
+              <a:lstStyle/>
+              <a:p>
+                <a:r>
+                  <a:rPr lang="en-US">
+                    <a:noFill/>
+                  </a:rPr>
+                  <a:t> </a:t>
+                </a:r>
+              </a:p>
+            </p:txBody>
+          </p:sp>
+        </mc:Fallback>
+      </mc:AlternateContent>
     </p:spTree>
     <p:extLst>
       <p:ext uri="{BB962C8B-B14F-4D97-AF65-F5344CB8AC3E}">
-        <p14:creationId xmlns:p14="http://schemas.microsoft.com/office/powerpoint/2010/main" val="334704159"/>
+        <p14:creationId xmlns:p14="http://schemas.microsoft.com/office/powerpoint/2010/main" val="14605938"/>
       </p:ext>
     </p:extLst>
   </p:cSld>
@@ -20140,7 +21902,7 @@
 </p:sld>
 </file>
 
-<file path=ppt/slides/slide15.xml><?xml version="1.0" encoding="utf-8"?>
+<file path=ppt/slides/slide17.xml><?xml version="1.0" encoding="utf-8"?>
 <p:sld xmlns:a="http://schemas.openxmlformats.org/drawingml/2006/main" xmlns:r="http://schemas.openxmlformats.org/officeDocument/2006/relationships" xmlns:p="http://schemas.openxmlformats.org/presentationml/2006/main">
   <p:cSld>
     <p:bg>
@@ -20233,7 +21995,7 @@
 </p:sld>
 </file>
 
-<file path=ppt/slides/slide16.xml><?xml version="1.0" encoding="utf-8"?>
+<file path=ppt/slides/slide18.xml><?xml version="1.0" encoding="utf-8"?>
 <p:sld xmlns:a="http://schemas.openxmlformats.org/drawingml/2006/main" xmlns:r="http://schemas.openxmlformats.org/officeDocument/2006/relationships" xmlns:p="http://schemas.openxmlformats.org/presentationml/2006/main">
   <p:cSld>
     <p:spTree>
@@ -20316,7 +22078,7 @@
 </p:sld>
 </file>
 
-<file path=ppt/slides/slide17.xml><?xml version="1.0" encoding="utf-8"?>
+<file path=ppt/slides/slide19.xml><?xml version="1.0" encoding="utf-8"?>
 <p:sld xmlns:a="http://schemas.openxmlformats.org/drawingml/2006/main" xmlns:r="http://schemas.openxmlformats.org/officeDocument/2006/relationships" xmlns:p="http://schemas.openxmlformats.org/presentationml/2006/main">
   <p:cSld>
     <p:spTree>
@@ -20390,175 +22152,6 @@
     <p:extLst>
       <p:ext uri="{BB962C8B-B14F-4D97-AF65-F5344CB8AC3E}">
         <p14:creationId xmlns:p14="http://schemas.microsoft.com/office/powerpoint/2010/main" val="2148027793"/>
-      </p:ext>
-    </p:extLst>
-  </p:cSld>
-  <p:clrMapOvr>
-    <a:masterClrMapping/>
-  </p:clrMapOvr>
-</p:sld>
-</file>
-
-<file path=ppt/slides/slide18.xml><?xml version="1.0" encoding="utf-8"?>
-<p:sld xmlns:a="http://schemas.openxmlformats.org/drawingml/2006/main" xmlns:r="http://schemas.openxmlformats.org/officeDocument/2006/relationships" xmlns:p="http://schemas.openxmlformats.org/presentationml/2006/main">
-  <p:cSld>
-    <p:spTree>
-      <p:nvGrpSpPr>
-        <p:cNvPr id="1" name=""/>
-        <p:cNvGrpSpPr/>
-        <p:nvPr/>
-      </p:nvGrpSpPr>
-      <p:grpSpPr>
-        <a:xfrm>
-          <a:off x="0" y="0"/>
-          <a:ext cx="0" cy="0"/>
-          <a:chOff x="0" y="0"/>
-          <a:chExt cx="0" cy="0"/>
-        </a:xfrm>
-      </p:grpSpPr>
-      <p:sp>
-        <p:nvSpPr>
-          <p:cNvPr id="2" name="Title 1">
-            <a:extLst>
-              <a:ext uri="{FF2B5EF4-FFF2-40B4-BE49-F238E27FC236}">
-                <a16:creationId xmlns:a16="http://schemas.microsoft.com/office/drawing/2014/main" id="{FEB5A3D2-72C5-7C93-7AD6-A02CBF7AE2D4}"/>
-              </a:ext>
-            </a:extLst>
-          </p:cNvPr>
-          <p:cNvSpPr>
-            <a:spLocks noGrp="1"/>
-          </p:cNvSpPr>
-          <p:nvPr>
-            <p:ph type="title"/>
-          </p:nvPr>
-        </p:nvSpPr>
-        <p:spPr/>
-        <p:txBody>
-          <a:bodyPr/>
-          <a:lstStyle/>
-          <a:p>
-            <a:r>
-              <a:rPr lang="en-US" dirty="0"/>
-              <a:t>Activity 2: Probability in Computational Biology</a:t>
-            </a:r>
-          </a:p>
-        </p:txBody>
-      </p:sp>
-      <p:sp>
-        <p:nvSpPr>
-          <p:cNvPr id="3" name="Content Placeholder 2">
-            <a:extLst>
-              <a:ext uri="{FF2B5EF4-FFF2-40B4-BE49-F238E27FC236}">
-                <a16:creationId xmlns:a16="http://schemas.microsoft.com/office/drawing/2014/main" id="{DA5712A5-5C06-6BE9-99BB-928B9F8CB8E4}"/>
-              </a:ext>
-            </a:extLst>
-          </p:cNvPr>
-          <p:cNvSpPr>
-            <a:spLocks noGrp="1"/>
-          </p:cNvSpPr>
-          <p:nvPr>
-            <p:ph idx="1"/>
-          </p:nvPr>
-        </p:nvSpPr>
-        <p:spPr/>
-        <p:txBody>
-          <a:bodyPr/>
-          <a:lstStyle/>
-          <a:p>
-            <a:r>
-              <a:rPr lang="en-US" dirty="0"/>
-              <a:t>Interactive simulation</a:t>
-            </a:r>
-          </a:p>
-        </p:txBody>
-      </p:sp>
-    </p:spTree>
-    <p:extLst>
-      <p:ext uri="{BB962C8B-B14F-4D97-AF65-F5344CB8AC3E}">
-        <p14:creationId xmlns:p14="http://schemas.microsoft.com/office/powerpoint/2010/main" val="1890256688"/>
-      </p:ext>
-    </p:extLst>
-  </p:cSld>
-  <p:clrMapOvr>
-    <a:masterClrMapping/>
-  </p:clrMapOvr>
-</p:sld>
-</file>
-
-<file path=ppt/slides/slide19.xml><?xml version="1.0" encoding="utf-8"?>
-<p:sld xmlns:a="http://schemas.openxmlformats.org/drawingml/2006/main" xmlns:r="http://schemas.openxmlformats.org/officeDocument/2006/relationships" xmlns:p="http://schemas.openxmlformats.org/presentationml/2006/main">
-  <p:cSld>
-    <p:spTree>
-      <p:nvGrpSpPr>
-        <p:cNvPr id="1" name=""/>
-        <p:cNvGrpSpPr/>
-        <p:nvPr/>
-      </p:nvGrpSpPr>
-      <p:grpSpPr>
-        <a:xfrm>
-          <a:off x="0" y="0"/>
-          <a:ext cx="0" cy="0"/>
-          <a:chOff x="0" y="0"/>
-          <a:chExt cx="0" cy="0"/>
-        </a:xfrm>
-      </p:grpSpPr>
-      <p:sp>
-        <p:nvSpPr>
-          <p:cNvPr id="2" name="Title 1">
-            <a:extLst>
-              <a:ext uri="{FF2B5EF4-FFF2-40B4-BE49-F238E27FC236}">
-                <a16:creationId xmlns:a16="http://schemas.microsoft.com/office/drawing/2014/main" id="{BF54418F-C30C-10C4-096E-1D69A533452C}"/>
-              </a:ext>
-            </a:extLst>
-          </p:cNvPr>
-          <p:cNvSpPr>
-            <a:spLocks noGrp="1"/>
-          </p:cNvSpPr>
-          <p:nvPr>
-            <p:ph type="title"/>
-          </p:nvPr>
-        </p:nvSpPr>
-        <p:spPr/>
-        <p:txBody>
-          <a:bodyPr/>
-          <a:lstStyle/>
-          <a:p>
-            <a:r>
-              <a:rPr lang="en-US" dirty="0"/>
-              <a:t>Transformations</a:t>
-            </a:r>
-          </a:p>
-        </p:txBody>
-      </p:sp>
-      <p:sp>
-        <p:nvSpPr>
-          <p:cNvPr id="3" name="Content Placeholder 2">
-            <a:extLst>
-              <a:ext uri="{FF2B5EF4-FFF2-40B4-BE49-F238E27FC236}">
-                <a16:creationId xmlns:a16="http://schemas.microsoft.com/office/drawing/2014/main" id="{1CAA0C9C-784E-F7F6-1B24-99FB26E299B7}"/>
-              </a:ext>
-            </a:extLst>
-          </p:cNvPr>
-          <p:cNvSpPr>
-            <a:spLocks noGrp="1"/>
-          </p:cNvSpPr>
-          <p:nvPr>
-            <p:ph idx="1"/>
-          </p:nvPr>
-        </p:nvSpPr>
-        <p:spPr/>
-        <p:txBody>
-          <a:bodyPr/>
-          <a:lstStyle/>
-          <a:p>
-            <a:endParaRPr lang="en-US"/>
-          </a:p>
-        </p:txBody>
-      </p:sp>
-    </p:spTree>
-    <p:extLst>
-      <p:ext uri="{BB962C8B-B14F-4D97-AF65-F5344CB8AC3E}">
-        <p14:creationId xmlns:p14="http://schemas.microsoft.com/office/powerpoint/2010/main" val="1995714324"/>
       </p:ext>
     </p:extLst>
   </p:cSld>
@@ -20681,6 +22274,175 @@
           <p:cNvPr id="2" name="Title 1">
             <a:extLst>
               <a:ext uri="{FF2B5EF4-FFF2-40B4-BE49-F238E27FC236}">
+                <a16:creationId xmlns:a16="http://schemas.microsoft.com/office/drawing/2014/main" id="{FEB5A3D2-72C5-7C93-7AD6-A02CBF7AE2D4}"/>
+              </a:ext>
+            </a:extLst>
+          </p:cNvPr>
+          <p:cNvSpPr>
+            <a:spLocks noGrp="1"/>
+          </p:cNvSpPr>
+          <p:nvPr>
+            <p:ph type="title"/>
+          </p:nvPr>
+        </p:nvSpPr>
+        <p:spPr/>
+        <p:txBody>
+          <a:bodyPr/>
+          <a:lstStyle/>
+          <a:p>
+            <a:r>
+              <a:rPr lang="en-US" dirty="0"/>
+              <a:t>Activity 2: Probability in Computational Biology</a:t>
+            </a:r>
+          </a:p>
+        </p:txBody>
+      </p:sp>
+      <p:sp>
+        <p:nvSpPr>
+          <p:cNvPr id="3" name="Content Placeholder 2">
+            <a:extLst>
+              <a:ext uri="{FF2B5EF4-FFF2-40B4-BE49-F238E27FC236}">
+                <a16:creationId xmlns:a16="http://schemas.microsoft.com/office/drawing/2014/main" id="{DA5712A5-5C06-6BE9-99BB-928B9F8CB8E4}"/>
+              </a:ext>
+            </a:extLst>
+          </p:cNvPr>
+          <p:cNvSpPr>
+            <a:spLocks noGrp="1"/>
+          </p:cNvSpPr>
+          <p:nvPr>
+            <p:ph idx="1"/>
+          </p:nvPr>
+        </p:nvSpPr>
+        <p:spPr/>
+        <p:txBody>
+          <a:bodyPr/>
+          <a:lstStyle/>
+          <a:p>
+            <a:r>
+              <a:rPr lang="en-US" dirty="0"/>
+              <a:t>Interactive simulation</a:t>
+            </a:r>
+          </a:p>
+        </p:txBody>
+      </p:sp>
+    </p:spTree>
+    <p:extLst>
+      <p:ext uri="{BB962C8B-B14F-4D97-AF65-F5344CB8AC3E}">
+        <p14:creationId xmlns:p14="http://schemas.microsoft.com/office/powerpoint/2010/main" val="1890256688"/>
+      </p:ext>
+    </p:extLst>
+  </p:cSld>
+  <p:clrMapOvr>
+    <a:masterClrMapping/>
+  </p:clrMapOvr>
+</p:sld>
+</file>
+
+<file path=ppt/slides/slide21.xml><?xml version="1.0" encoding="utf-8"?>
+<p:sld xmlns:a="http://schemas.openxmlformats.org/drawingml/2006/main" xmlns:r="http://schemas.openxmlformats.org/officeDocument/2006/relationships" xmlns:p="http://schemas.openxmlformats.org/presentationml/2006/main">
+  <p:cSld>
+    <p:spTree>
+      <p:nvGrpSpPr>
+        <p:cNvPr id="1" name=""/>
+        <p:cNvGrpSpPr/>
+        <p:nvPr/>
+      </p:nvGrpSpPr>
+      <p:grpSpPr>
+        <a:xfrm>
+          <a:off x="0" y="0"/>
+          <a:ext cx="0" cy="0"/>
+          <a:chOff x="0" y="0"/>
+          <a:chExt cx="0" cy="0"/>
+        </a:xfrm>
+      </p:grpSpPr>
+      <p:sp>
+        <p:nvSpPr>
+          <p:cNvPr id="2" name="Title 1">
+            <a:extLst>
+              <a:ext uri="{FF2B5EF4-FFF2-40B4-BE49-F238E27FC236}">
+                <a16:creationId xmlns:a16="http://schemas.microsoft.com/office/drawing/2014/main" id="{BF54418F-C30C-10C4-096E-1D69A533452C}"/>
+              </a:ext>
+            </a:extLst>
+          </p:cNvPr>
+          <p:cNvSpPr>
+            <a:spLocks noGrp="1"/>
+          </p:cNvSpPr>
+          <p:nvPr>
+            <p:ph type="title"/>
+          </p:nvPr>
+        </p:nvSpPr>
+        <p:spPr/>
+        <p:txBody>
+          <a:bodyPr/>
+          <a:lstStyle/>
+          <a:p>
+            <a:r>
+              <a:rPr lang="en-US" dirty="0"/>
+              <a:t>Transformations</a:t>
+            </a:r>
+          </a:p>
+        </p:txBody>
+      </p:sp>
+      <p:sp>
+        <p:nvSpPr>
+          <p:cNvPr id="3" name="Content Placeholder 2">
+            <a:extLst>
+              <a:ext uri="{FF2B5EF4-FFF2-40B4-BE49-F238E27FC236}">
+                <a16:creationId xmlns:a16="http://schemas.microsoft.com/office/drawing/2014/main" id="{1CAA0C9C-784E-F7F6-1B24-99FB26E299B7}"/>
+              </a:ext>
+            </a:extLst>
+          </p:cNvPr>
+          <p:cNvSpPr>
+            <a:spLocks noGrp="1"/>
+          </p:cNvSpPr>
+          <p:nvPr>
+            <p:ph idx="1"/>
+          </p:nvPr>
+        </p:nvSpPr>
+        <p:spPr/>
+        <p:txBody>
+          <a:bodyPr/>
+          <a:lstStyle/>
+          <a:p>
+            <a:endParaRPr lang="en-US"/>
+          </a:p>
+        </p:txBody>
+      </p:sp>
+    </p:spTree>
+    <p:extLst>
+      <p:ext uri="{BB962C8B-B14F-4D97-AF65-F5344CB8AC3E}">
+        <p14:creationId xmlns:p14="http://schemas.microsoft.com/office/powerpoint/2010/main" val="1995714324"/>
+      </p:ext>
+    </p:extLst>
+  </p:cSld>
+  <p:clrMapOvr>
+    <a:masterClrMapping/>
+  </p:clrMapOvr>
+</p:sld>
+</file>
+
+<file path=ppt/slides/slide22.xml><?xml version="1.0" encoding="utf-8"?>
+<p:sld xmlns:a="http://schemas.openxmlformats.org/drawingml/2006/main" xmlns:r="http://schemas.openxmlformats.org/officeDocument/2006/relationships" xmlns:p="http://schemas.openxmlformats.org/presentationml/2006/main">
+  <p:cSld>
+    <p:spTree>
+      <p:nvGrpSpPr>
+        <p:cNvPr id="1" name=""/>
+        <p:cNvGrpSpPr/>
+        <p:nvPr/>
+      </p:nvGrpSpPr>
+      <p:grpSpPr>
+        <a:xfrm>
+          <a:off x="0" y="0"/>
+          <a:ext cx="0" cy="0"/>
+          <a:chOff x="0" y="0"/>
+          <a:chExt cx="0" cy="0"/>
+        </a:xfrm>
+      </p:grpSpPr>
+      <p:sp>
+        <p:nvSpPr>
+          <p:cNvPr id="2" name="Title 1">
+            <a:extLst>
+              <a:ext uri="{FF2B5EF4-FFF2-40B4-BE49-F238E27FC236}">
                 <a16:creationId xmlns:a16="http://schemas.microsoft.com/office/drawing/2014/main" id="{28B1204B-2D43-91AE-A3B7-76CF9C7339D3}"/>
               </a:ext>
             </a:extLst>
@@ -20742,7 +22504,7 @@
 </p:sld>
 </file>
 
-<file path=ppt/slides/slide21.xml><?xml version="1.0" encoding="utf-8"?>
+<file path=ppt/slides/slide23.xml><?xml version="1.0" encoding="utf-8"?>
 <p:sld xmlns:a="http://schemas.openxmlformats.org/drawingml/2006/main" xmlns:r="http://schemas.openxmlformats.org/officeDocument/2006/relationships" xmlns:p="http://schemas.openxmlformats.org/presentationml/2006/main">
   <p:cSld>
     <p:spTree>
@@ -20825,7 +22587,7 @@
 </p:sld>
 </file>
 
-<file path=ppt/slides/slide22.xml><?xml version="1.0" encoding="utf-8"?>
+<file path=ppt/slides/slide24.xml><?xml version="1.0" encoding="utf-8"?>
 <p:sld xmlns:a="http://schemas.openxmlformats.org/drawingml/2006/main" xmlns:r="http://schemas.openxmlformats.org/officeDocument/2006/relationships" xmlns:p="http://schemas.openxmlformats.org/presentationml/2006/main">
   <p:cSld>
     <p:bg>
@@ -20916,7 +22678,7 @@
 </p:sld>
 </file>
 
-<file path=ppt/slides/slide23.xml><?xml version="1.0" encoding="utf-8"?>
+<file path=ppt/slides/slide25.xml><?xml version="1.0" encoding="utf-8"?>
 <p:sld xmlns:a="http://schemas.openxmlformats.org/drawingml/2006/main" xmlns:r="http://schemas.openxmlformats.org/officeDocument/2006/relationships" xmlns:p="http://schemas.openxmlformats.org/presentationml/2006/main">
   <p:cSld>
     <p:spTree>
@@ -20999,7 +22761,7 @@
 </p:sld>
 </file>
 
-<file path=ppt/slides/slide24.xml><?xml version="1.0" encoding="utf-8"?>
+<file path=ppt/slides/slide26.xml><?xml version="1.0" encoding="utf-8"?>
 <p:sld xmlns:a="http://schemas.openxmlformats.org/drawingml/2006/main" xmlns:r="http://schemas.openxmlformats.org/officeDocument/2006/relationships" xmlns:p="http://schemas.openxmlformats.org/presentationml/2006/main">
   <p:cSld>
     <p:spTree>
@@ -21082,7 +22844,99 @@
 </p:sld>
 </file>
 
-<file path=ppt/slides/slide25.xml><?xml version="1.0" encoding="utf-8"?>
+<file path=ppt/slides/slide27.xml><?xml version="1.0" encoding="utf-8"?>
+<p:sld xmlns:a="http://schemas.openxmlformats.org/drawingml/2006/main" xmlns:r="http://schemas.openxmlformats.org/officeDocument/2006/relationships" xmlns:p="http://schemas.openxmlformats.org/presentationml/2006/main">
+  <p:cSld>
+    <p:spTree>
+      <p:nvGrpSpPr>
+        <p:cNvPr id="1" name=""/>
+        <p:cNvGrpSpPr/>
+        <p:nvPr/>
+      </p:nvGrpSpPr>
+      <p:grpSpPr>
+        <a:xfrm>
+          <a:off x="0" y="0"/>
+          <a:ext cx="0" cy="0"/>
+          <a:chOff x="0" y="0"/>
+          <a:chExt cx="0" cy="0"/>
+        </a:xfrm>
+      </p:grpSpPr>
+      <p:sp>
+        <p:nvSpPr>
+          <p:cNvPr id="2" name="Title 1">
+            <a:extLst>
+              <a:ext uri="{FF2B5EF4-FFF2-40B4-BE49-F238E27FC236}">
+                <a16:creationId xmlns:a16="http://schemas.microsoft.com/office/drawing/2014/main" id="{B79D1216-625F-0794-6558-C906699C5C81}"/>
+              </a:ext>
+            </a:extLst>
+          </p:cNvPr>
+          <p:cNvSpPr>
+            <a:spLocks noGrp="1"/>
+          </p:cNvSpPr>
+          <p:nvPr>
+            <p:ph type="ctrTitle"/>
+          </p:nvPr>
+        </p:nvSpPr>
+        <p:spPr/>
+        <p:txBody>
+          <a:bodyPr/>
+          <a:lstStyle/>
+          <a:p>
+            <a:r>
+              <a:rPr lang="en-US" dirty="0"/>
+              <a:t>5-Minute Break</a:t>
+            </a:r>
+          </a:p>
+        </p:txBody>
+      </p:sp>
+      <p:sp>
+        <p:nvSpPr>
+          <p:cNvPr id="3" name="Subtitle 2">
+            <a:extLst>
+              <a:ext uri="{FF2B5EF4-FFF2-40B4-BE49-F238E27FC236}">
+                <a16:creationId xmlns:a16="http://schemas.microsoft.com/office/drawing/2014/main" id="{4E1EC379-F4AF-011E-50AC-F857D607CE5F}"/>
+              </a:ext>
+            </a:extLst>
+          </p:cNvPr>
+          <p:cNvSpPr>
+            <a:spLocks noGrp="1"/>
+          </p:cNvSpPr>
+          <p:nvPr>
+            <p:ph type="subTitle" idx="1"/>
+          </p:nvPr>
+        </p:nvSpPr>
+        <p:spPr/>
+        <p:txBody>
+          <a:bodyPr/>
+          <a:lstStyle/>
+          <a:p>
+            <a:r>
+              <a:rPr lang="en-US" dirty="0"/>
+              <a:t>Stretch, use the restroom, grab a snack!</a:t>
+            </a:r>
+          </a:p>
+          <a:p>
+            <a:r>
+              <a:rPr lang="en-US" dirty="0"/>
+              <a:t>Meeting back here shortly.</a:t>
+            </a:r>
+          </a:p>
+        </p:txBody>
+      </p:sp>
+    </p:spTree>
+    <p:extLst>
+      <p:ext uri="{BB962C8B-B14F-4D97-AF65-F5344CB8AC3E}">
+        <p14:creationId xmlns:p14="http://schemas.microsoft.com/office/powerpoint/2010/main" val="1387418715"/>
+      </p:ext>
+    </p:extLst>
+  </p:cSld>
+  <p:clrMapOvr>
+    <a:masterClrMapping/>
+  </p:clrMapOvr>
+</p:sld>
+</file>
+
+<file path=ppt/slides/slide28.xml><?xml version="1.0" encoding="utf-8"?>
 <p:sld xmlns:a="http://schemas.openxmlformats.org/drawingml/2006/main" xmlns:r="http://schemas.openxmlformats.org/officeDocument/2006/relationships" xmlns:p="http://schemas.openxmlformats.org/presentationml/2006/main">
   <p:cSld>
     <p:bg>
@@ -21173,7 +23027,7 @@
 </p:sld>
 </file>
 
-<file path=ppt/slides/slide26.xml><?xml version="1.0" encoding="utf-8"?>
+<file path=ppt/slides/slide29.xml><?xml version="1.0" encoding="utf-8"?>
 <p:sld xmlns:a="http://schemas.openxmlformats.org/drawingml/2006/main" xmlns:r="http://schemas.openxmlformats.org/officeDocument/2006/relationships" xmlns:p="http://schemas.openxmlformats.org/presentationml/2006/main">
   <p:cSld>
     <p:spTree>
@@ -21247,276 +23101,6 @@
     <p:extLst>
       <p:ext uri="{BB962C8B-B14F-4D97-AF65-F5344CB8AC3E}">
         <p14:creationId xmlns:p14="http://schemas.microsoft.com/office/powerpoint/2010/main" val="246850864"/>
-      </p:ext>
-    </p:extLst>
-  </p:cSld>
-  <p:clrMapOvr>
-    <a:masterClrMapping/>
-  </p:clrMapOvr>
-</p:sld>
-</file>
-
-<file path=ppt/slides/slide27.xml><?xml version="1.0" encoding="utf-8"?>
-<p:sld xmlns:a="http://schemas.openxmlformats.org/drawingml/2006/main" xmlns:r="http://schemas.openxmlformats.org/officeDocument/2006/relationships" xmlns:p="http://schemas.openxmlformats.org/presentationml/2006/main">
-  <p:cSld>
-    <p:spTree>
-      <p:nvGrpSpPr>
-        <p:cNvPr id="1" name=""/>
-        <p:cNvGrpSpPr/>
-        <p:nvPr/>
-      </p:nvGrpSpPr>
-      <p:grpSpPr>
-        <a:xfrm>
-          <a:off x="0" y="0"/>
-          <a:ext cx="0" cy="0"/>
-          <a:chOff x="0" y="0"/>
-          <a:chExt cx="0" cy="0"/>
-        </a:xfrm>
-      </p:grpSpPr>
-      <p:sp>
-        <p:nvSpPr>
-          <p:cNvPr id="2" name="Title 1">
-            <a:extLst>
-              <a:ext uri="{FF2B5EF4-FFF2-40B4-BE49-F238E27FC236}">
-                <a16:creationId xmlns:a16="http://schemas.microsoft.com/office/drawing/2014/main" id="{FBADB1E8-4BBF-BEAB-1A48-EA65D7C5468D}"/>
-              </a:ext>
-            </a:extLst>
-          </p:cNvPr>
-          <p:cNvSpPr>
-            <a:spLocks noGrp="1"/>
-          </p:cNvSpPr>
-          <p:nvPr>
-            <p:ph type="title"/>
-          </p:nvPr>
-        </p:nvSpPr>
-        <p:spPr/>
-        <p:txBody>
-          <a:bodyPr/>
-          <a:lstStyle/>
-          <a:p>
-            <a:r>
-              <a:rPr lang="en-US" dirty="0"/>
-              <a:t>Common Analysis Methods:</a:t>
-            </a:r>
-            <a:br>
-              <a:rPr lang="en-US" dirty="0"/>
-            </a:br>
-            <a:r>
-              <a:rPr lang="en-US" dirty="0"/>
-              <a:t>Logistic Regression</a:t>
-            </a:r>
-          </a:p>
-        </p:txBody>
-      </p:sp>
-      <p:sp>
-        <p:nvSpPr>
-          <p:cNvPr id="3" name="Content Placeholder 2">
-            <a:extLst>
-              <a:ext uri="{FF2B5EF4-FFF2-40B4-BE49-F238E27FC236}">
-                <a16:creationId xmlns:a16="http://schemas.microsoft.com/office/drawing/2014/main" id="{08055FD4-5E29-152C-3804-971330D0DF67}"/>
-              </a:ext>
-            </a:extLst>
-          </p:cNvPr>
-          <p:cNvSpPr>
-            <a:spLocks noGrp="1"/>
-          </p:cNvSpPr>
-          <p:nvPr>
-            <p:ph idx="1"/>
-          </p:nvPr>
-        </p:nvSpPr>
-        <p:spPr/>
-        <p:txBody>
-          <a:bodyPr/>
-          <a:lstStyle/>
-          <a:p>
-            <a:endParaRPr lang="en-US"/>
-          </a:p>
-        </p:txBody>
-      </p:sp>
-    </p:spTree>
-    <p:extLst>
-      <p:ext uri="{BB962C8B-B14F-4D97-AF65-F5344CB8AC3E}">
-        <p14:creationId xmlns:p14="http://schemas.microsoft.com/office/powerpoint/2010/main" val="1014220470"/>
-      </p:ext>
-    </p:extLst>
-  </p:cSld>
-  <p:clrMapOvr>
-    <a:masterClrMapping/>
-  </p:clrMapOvr>
-</p:sld>
-</file>
-
-<file path=ppt/slides/slide28.xml><?xml version="1.0" encoding="utf-8"?>
-<p:sld xmlns:a="http://schemas.openxmlformats.org/drawingml/2006/main" xmlns:r="http://schemas.openxmlformats.org/officeDocument/2006/relationships" xmlns:p="http://schemas.openxmlformats.org/presentationml/2006/main">
-  <p:cSld>
-    <p:spTree>
-      <p:nvGrpSpPr>
-        <p:cNvPr id="1" name=""/>
-        <p:cNvGrpSpPr/>
-        <p:nvPr/>
-      </p:nvGrpSpPr>
-      <p:grpSpPr>
-        <a:xfrm>
-          <a:off x="0" y="0"/>
-          <a:ext cx="0" cy="0"/>
-          <a:chOff x="0" y="0"/>
-          <a:chExt cx="0" cy="0"/>
-        </a:xfrm>
-      </p:grpSpPr>
-      <p:sp>
-        <p:nvSpPr>
-          <p:cNvPr id="2" name="Title 1">
-            <a:extLst>
-              <a:ext uri="{FF2B5EF4-FFF2-40B4-BE49-F238E27FC236}">
-                <a16:creationId xmlns:a16="http://schemas.microsoft.com/office/drawing/2014/main" id="{6F3ACBE6-31F3-EB4D-A78C-E8BB987E3464}"/>
-              </a:ext>
-            </a:extLst>
-          </p:cNvPr>
-          <p:cNvSpPr>
-            <a:spLocks noGrp="1"/>
-          </p:cNvSpPr>
-          <p:nvPr>
-            <p:ph type="title"/>
-          </p:nvPr>
-        </p:nvSpPr>
-        <p:spPr/>
-        <p:txBody>
-          <a:bodyPr/>
-          <a:lstStyle/>
-          <a:p>
-            <a:r>
-              <a:rPr lang="en-US" dirty="0"/>
-              <a:t>Common Analysis Methods:</a:t>
-            </a:r>
-            <a:br>
-              <a:rPr lang="en-US" dirty="0"/>
-            </a:br>
-            <a:r>
-              <a:rPr lang="en-US" dirty="0"/>
-              <a:t>ANOVA &amp; GMLs</a:t>
-            </a:r>
-          </a:p>
-        </p:txBody>
-      </p:sp>
-      <p:sp>
-        <p:nvSpPr>
-          <p:cNvPr id="3" name="Content Placeholder 2">
-            <a:extLst>
-              <a:ext uri="{FF2B5EF4-FFF2-40B4-BE49-F238E27FC236}">
-                <a16:creationId xmlns:a16="http://schemas.microsoft.com/office/drawing/2014/main" id="{54579DCA-10E4-4926-E807-CFC3A166AB3B}"/>
-              </a:ext>
-            </a:extLst>
-          </p:cNvPr>
-          <p:cNvSpPr>
-            <a:spLocks noGrp="1"/>
-          </p:cNvSpPr>
-          <p:nvPr>
-            <p:ph idx="1"/>
-          </p:nvPr>
-        </p:nvSpPr>
-        <p:spPr/>
-        <p:txBody>
-          <a:bodyPr/>
-          <a:lstStyle/>
-          <a:p>
-            <a:endParaRPr lang="en-US"/>
-          </a:p>
-        </p:txBody>
-      </p:sp>
-    </p:spTree>
-    <p:extLst>
-      <p:ext uri="{BB962C8B-B14F-4D97-AF65-F5344CB8AC3E}">
-        <p14:creationId xmlns:p14="http://schemas.microsoft.com/office/powerpoint/2010/main" val="3038550759"/>
-      </p:ext>
-    </p:extLst>
-  </p:cSld>
-  <p:clrMapOvr>
-    <a:masterClrMapping/>
-  </p:clrMapOvr>
-</p:sld>
-</file>
-
-<file path=ppt/slides/slide29.xml><?xml version="1.0" encoding="utf-8"?>
-<p:sld xmlns:a="http://schemas.openxmlformats.org/drawingml/2006/main" xmlns:r="http://schemas.openxmlformats.org/officeDocument/2006/relationships" xmlns:p="http://schemas.openxmlformats.org/presentationml/2006/main">
-  <p:cSld>
-    <p:spTree>
-      <p:nvGrpSpPr>
-        <p:cNvPr id="1" name=""/>
-        <p:cNvGrpSpPr/>
-        <p:nvPr/>
-      </p:nvGrpSpPr>
-      <p:grpSpPr>
-        <a:xfrm>
-          <a:off x="0" y="0"/>
-          <a:ext cx="0" cy="0"/>
-          <a:chOff x="0" y="0"/>
-          <a:chExt cx="0" cy="0"/>
-        </a:xfrm>
-      </p:grpSpPr>
-      <p:sp>
-        <p:nvSpPr>
-          <p:cNvPr id="2" name="Title 1">
-            <a:extLst>
-              <a:ext uri="{FF2B5EF4-FFF2-40B4-BE49-F238E27FC236}">
-                <a16:creationId xmlns:a16="http://schemas.microsoft.com/office/drawing/2014/main" id="{934E0718-33D7-C9E3-C806-FB131E63AA52}"/>
-              </a:ext>
-            </a:extLst>
-          </p:cNvPr>
-          <p:cNvSpPr>
-            <a:spLocks noGrp="1"/>
-          </p:cNvSpPr>
-          <p:nvPr>
-            <p:ph type="title"/>
-          </p:nvPr>
-        </p:nvSpPr>
-        <p:spPr/>
-        <p:txBody>
-          <a:bodyPr/>
-          <a:lstStyle/>
-          <a:p>
-            <a:r>
-              <a:rPr lang="en-US" dirty="0"/>
-              <a:t>Common Analysis Methods:</a:t>
-            </a:r>
-            <a:br>
-              <a:rPr lang="en-US" dirty="0"/>
-            </a:br>
-            <a:r>
-              <a:rPr lang="en-US" dirty="0"/>
-              <a:t>Multiple Comparisons</a:t>
-            </a:r>
-          </a:p>
-        </p:txBody>
-      </p:sp>
-      <p:sp>
-        <p:nvSpPr>
-          <p:cNvPr id="3" name="Content Placeholder 2">
-            <a:extLst>
-              <a:ext uri="{FF2B5EF4-FFF2-40B4-BE49-F238E27FC236}">
-                <a16:creationId xmlns:a16="http://schemas.microsoft.com/office/drawing/2014/main" id="{94005DF5-BDE7-79B2-29EA-8E37502DE604}"/>
-              </a:ext>
-            </a:extLst>
-          </p:cNvPr>
-          <p:cNvSpPr>
-            <a:spLocks noGrp="1"/>
-          </p:cNvSpPr>
-          <p:nvPr>
-            <p:ph idx="1"/>
-          </p:nvPr>
-        </p:nvSpPr>
-        <p:spPr/>
-        <p:txBody>
-          <a:bodyPr/>
-          <a:lstStyle/>
-          <a:p>
-            <a:endParaRPr lang="en-US"/>
-          </a:p>
-        </p:txBody>
-      </p:sp>
-    </p:spTree>
-    <p:extLst>
-      <p:ext uri="{BB962C8B-B14F-4D97-AF65-F5344CB8AC3E}">
-        <p14:creationId xmlns:p14="http://schemas.microsoft.com/office/powerpoint/2010/main" val="3552984019"/>
       </p:ext>
     </p:extLst>
   </p:cSld>
@@ -21793,6 +23377,276 @@
           <p:cNvPr id="2" name="Title 1">
             <a:extLst>
               <a:ext uri="{FF2B5EF4-FFF2-40B4-BE49-F238E27FC236}">
+                <a16:creationId xmlns:a16="http://schemas.microsoft.com/office/drawing/2014/main" id="{FBADB1E8-4BBF-BEAB-1A48-EA65D7C5468D}"/>
+              </a:ext>
+            </a:extLst>
+          </p:cNvPr>
+          <p:cNvSpPr>
+            <a:spLocks noGrp="1"/>
+          </p:cNvSpPr>
+          <p:nvPr>
+            <p:ph type="title"/>
+          </p:nvPr>
+        </p:nvSpPr>
+        <p:spPr/>
+        <p:txBody>
+          <a:bodyPr/>
+          <a:lstStyle/>
+          <a:p>
+            <a:r>
+              <a:rPr lang="en-US" dirty="0"/>
+              <a:t>Common Analysis Methods:</a:t>
+            </a:r>
+            <a:br>
+              <a:rPr lang="en-US" dirty="0"/>
+            </a:br>
+            <a:r>
+              <a:rPr lang="en-US" dirty="0"/>
+              <a:t>Logistic Regression</a:t>
+            </a:r>
+          </a:p>
+        </p:txBody>
+      </p:sp>
+      <p:sp>
+        <p:nvSpPr>
+          <p:cNvPr id="3" name="Content Placeholder 2">
+            <a:extLst>
+              <a:ext uri="{FF2B5EF4-FFF2-40B4-BE49-F238E27FC236}">
+                <a16:creationId xmlns:a16="http://schemas.microsoft.com/office/drawing/2014/main" id="{08055FD4-5E29-152C-3804-971330D0DF67}"/>
+              </a:ext>
+            </a:extLst>
+          </p:cNvPr>
+          <p:cNvSpPr>
+            <a:spLocks noGrp="1"/>
+          </p:cNvSpPr>
+          <p:nvPr>
+            <p:ph idx="1"/>
+          </p:nvPr>
+        </p:nvSpPr>
+        <p:spPr/>
+        <p:txBody>
+          <a:bodyPr/>
+          <a:lstStyle/>
+          <a:p>
+            <a:endParaRPr lang="en-US"/>
+          </a:p>
+        </p:txBody>
+      </p:sp>
+    </p:spTree>
+    <p:extLst>
+      <p:ext uri="{BB962C8B-B14F-4D97-AF65-F5344CB8AC3E}">
+        <p14:creationId xmlns:p14="http://schemas.microsoft.com/office/powerpoint/2010/main" val="1014220470"/>
+      </p:ext>
+    </p:extLst>
+  </p:cSld>
+  <p:clrMapOvr>
+    <a:masterClrMapping/>
+  </p:clrMapOvr>
+</p:sld>
+</file>
+
+<file path=ppt/slides/slide31.xml><?xml version="1.0" encoding="utf-8"?>
+<p:sld xmlns:a="http://schemas.openxmlformats.org/drawingml/2006/main" xmlns:r="http://schemas.openxmlformats.org/officeDocument/2006/relationships" xmlns:p="http://schemas.openxmlformats.org/presentationml/2006/main">
+  <p:cSld>
+    <p:spTree>
+      <p:nvGrpSpPr>
+        <p:cNvPr id="1" name=""/>
+        <p:cNvGrpSpPr/>
+        <p:nvPr/>
+      </p:nvGrpSpPr>
+      <p:grpSpPr>
+        <a:xfrm>
+          <a:off x="0" y="0"/>
+          <a:ext cx="0" cy="0"/>
+          <a:chOff x="0" y="0"/>
+          <a:chExt cx="0" cy="0"/>
+        </a:xfrm>
+      </p:grpSpPr>
+      <p:sp>
+        <p:nvSpPr>
+          <p:cNvPr id="2" name="Title 1">
+            <a:extLst>
+              <a:ext uri="{FF2B5EF4-FFF2-40B4-BE49-F238E27FC236}">
+                <a16:creationId xmlns:a16="http://schemas.microsoft.com/office/drawing/2014/main" id="{6F3ACBE6-31F3-EB4D-A78C-E8BB987E3464}"/>
+              </a:ext>
+            </a:extLst>
+          </p:cNvPr>
+          <p:cNvSpPr>
+            <a:spLocks noGrp="1"/>
+          </p:cNvSpPr>
+          <p:nvPr>
+            <p:ph type="title"/>
+          </p:nvPr>
+        </p:nvSpPr>
+        <p:spPr/>
+        <p:txBody>
+          <a:bodyPr/>
+          <a:lstStyle/>
+          <a:p>
+            <a:r>
+              <a:rPr lang="en-US" dirty="0"/>
+              <a:t>Common Analysis Methods:</a:t>
+            </a:r>
+            <a:br>
+              <a:rPr lang="en-US" dirty="0"/>
+            </a:br>
+            <a:r>
+              <a:rPr lang="en-US" dirty="0"/>
+              <a:t>ANOVA &amp; GMLs</a:t>
+            </a:r>
+          </a:p>
+        </p:txBody>
+      </p:sp>
+      <p:sp>
+        <p:nvSpPr>
+          <p:cNvPr id="3" name="Content Placeholder 2">
+            <a:extLst>
+              <a:ext uri="{FF2B5EF4-FFF2-40B4-BE49-F238E27FC236}">
+                <a16:creationId xmlns:a16="http://schemas.microsoft.com/office/drawing/2014/main" id="{54579DCA-10E4-4926-E807-CFC3A166AB3B}"/>
+              </a:ext>
+            </a:extLst>
+          </p:cNvPr>
+          <p:cNvSpPr>
+            <a:spLocks noGrp="1"/>
+          </p:cNvSpPr>
+          <p:nvPr>
+            <p:ph idx="1"/>
+          </p:nvPr>
+        </p:nvSpPr>
+        <p:spPr/>
+        <p:txBody>
+          <a:bodyPr/>
+          <a:lstStyle/>
+          <a:p>
+            <a:endParaRPr lang="en-US"/>
+          </a:p>
+        </p:txBody>
+      </p:sp>
+    </p:spTree>
+    <p:extLst>
+      <p:ext uri="{BB962C8B-B14F-4D97-AF65-F5344CB8AC3E}">
+        <p14:creationId xmlns:p14="http://schemas.microsoft.com/office/powerpoint/2010/main" val="3038550759"/>
+      </p:ext>
+    </p:extLst>
+  </p:cSld>
+  <p:clrMapOvr>
+    <a:masterClrMapping/>
+  </p:clrMapOvr>
+</p:sld>
+</file>
+
+<file path=ppt/slides/slide32.xml><?xml version="1.0" encoding="utf-8"?>
+<p:sld xmlns:a="http://schemas.openxmlformats.org/drawingml/2006/main" xmlns:r="http://schemas.openxmlformats.org/officeDocument/2006/relationships" xmlns:p="http://schemas.openxmlformats.org/presentationml/2006/main">
+  <p:cSld>
+    <p:spTree>
+      <p:nvGrpSpPr>
+        <p:cNvPr id="1" name=""/>
+        <p:cNvGrpSpPr/>
+        <p:nvPr/>
+      </p:nvGrpSpPr>
+      <p:grpSpPr>
+        <a:xfrm>
+          <a:off x="0" y="0"/>
+          <a:ext cx="0" cy="0"/>
+          <a:chOff x="0" y="0"/>
+          <a:chExt cx="0" cy="0"/>
+        </a:xfrm>
+      </p:grpSpPr>
+      <p:sp>
+        <p:nvSpPr>
+          <p:cNvPr id="2" name="Title 1">
+            <a:extLst>
+              <a:ext uri="{FF2B5EF4-FFF2-40B4-BE49-F238E27FC236}">
+                <a16:creationId xmlns:a16="http://schemas.microsoft.com/office/drawing/2014/main" id="{934E0718-33D7-C9E3-C806-FB131E63AA52}"/>
+              </a:ext>
+            </a:extLst>
+          </p:cNvPr>
+          <p:cNvSpPr>
+            <a:spLocks noGrp="1"/>
+          </p:cNvSpPr>
+          <p:nvPr>
+            <p:ph type="title"/>
+          </p:nvPr>
+        </p:nvSpPr>
+        <p:spPr/>
+        <p:txBody>
+          <a:bodyPr/>
+          <a:lstStyle/>
+          <a:p>
+            <a:r>
+              <a:rPr lang="en-US" dirty="0"/>
+              <a:t>Common Analysis Methods:</a:t>
+            </a:r>
+            <a:br>
+              <a:rPr lang="en-US" dirty="0"/>
+            </a:br>
+            <a:r>
+              <a:rPr lang="en-US" dirty="0"/>
+              <a:t>Multiple Comparisons</a:t>
+            </a:r>
+          </a:p>
+        </p:txBody>
+      </p:sp>
+      <p:sp>
+        <p:nvSpPr>
+          <p:cNvPr id="3" name="Content Placeholder 2">
+            <a:extLst>
+              <a:ext uri="{FF2B5EF4-FFF2-40B4-BE49-F238E27FC236}">
+                <a16:creationId xmlns:a16="http://schemas.microsoft.com/office/drawing/2014/main" id="{94005DF5-BDE7-79B2-29EA-8E37502DE604}"/>
+              </a:ext>
+            </a:extLst>
+          </p:cNvPr>
+          <p:cNvSpPr>
+            <a:spLocks noGrp="1"/>
+          </p:cNvSpPr>
+          <p:nvPr>
+            <p:ph idx="1"/>
+          </p:nvPr>
+        </p:nvSpPr>
+        <p:spPr/>
+        <p:txBody>
+          <a:bodyPr/>
+          <a:lstStyle/>
+          <a:p>
+            <a:endParaRPr lang="en-US"/>
+          </a:p>
+        </p:txBody>
+      </p:sp>
+    </p:spTree>
+    <p:extLst>
+      <p:ext uri="{BB962C8B-B14F-4D97-AF65-F5344CB8AC3E}">
+        <p14:creationId xmlns:p14="http://schemas.microsoft.com/office/powerpoint/2010/main" val="3552984019"/>
+      </p:ext>
+    </p:extLst>
+  </p:cSld>
+  <p:clrMapOvr>
+    <a:masterClrMapping/>
+  </p:clrMapOvr>
+</p:sld>
+</file>
+
+<file path=ppt/slides/slide33.xml><?xml version="1.0" encoding="utf-8"?>
+<p:sld xmlns:a="http://schemas.openxmlformats.org/drawingml/2006/main" xmlns:r="http://schemas.openxmlformats.org/officeDocument/2006/relationships" xmlns:p="http://schemas.openxmlformats.org/presentationml/2006/main">
+  <p:cSld>
+    <p:spTree>
+      <p:nvGrpSpPr>
+        <p:cNvPr id="1" name=""/>
+        <p:cNvGrpSpPr/>
+        <p:nvPr/>
+      </p:nvGrpSpPr>
+      <p:grpSpPr>
+        <a:xfrm>
+          <a:off x="0" y="0"/>
+          <a:ext cx="0" cy="0"/>
+          <a:chOff x="0" y="0"/>
+          <a:chExt cx="0" cy="0"/>
+        </a:xfrm>
+      </p:grpSpPr>
+      <p:sp>
+        <p:nvSpPr>
+          <p:cNvPr id="2" name="Title 1">
+            <a:extLst>
+              <a:ext uri="{FF2B5EF4-FFF2-40B4-BE49-F238E27FC236}">
                 <a16:creationId xmlns:a16="http://schemas.microsoft.com/office/drawing/2014/main" id="{3245AC95-950E-0230-B674-F3C8F2E79C70}"/>
               </a:ext>
             </a:extLst>
@@ -21857,7 +23711,7 @@
 </p:sld>
 </file>
 
-<file path=ppt/slides/slide31.xml><?xml version="1.0" encoding="utf-8"?>
+<file path=ppt/slides/slide34.xml><?xml version="1.0" encoding="utf-8"?>
 <p:sld xmlns:a="http://schemas.openxmlformats.org/drawingml/2006/main" xmlns:r="http://schemas.openxmlformats.org/officeDocument/2006/relationships" xmlns:p="http://schemas.openxmlformats.org/presentationml/2006/main">
   <p:cSld>
     <p:bg>
@@ -21948,7 +23802,7 @@
 </p:sld>
 </file>
 
-<file path=ppt/slides/slide32.xml><?xml version="1.0" encoding="utf-8"?>
+<file path=ppt/slides/slide35.xml><?xml version="1.0" encoding="utf-8"?>
 <p:sld xmlns:a="http://schemas.openxmlformats.org/drawingml/2006/main" xmlns:r="http://schemas.openxmlformats.org/officeDocument/2006/relationships" xmlns:p="http://schemas.openxmlformats.org/presentationml/2006/main">
   <p:cSld>
     <p:spTree>
@@ -22031,7 +23885,7 @@
 </p:sld>
 </file>
 
-<file path=ppt/slides/slide33.xml><?xml version="1.0" encoding="utf-8"?>
+<file path=ppt/slides/slide36.xml><?xml version="1.0" encoding="utf-8"?>
 <p:sld xmlns:a="http://schemas.openxmlformats.org/drawingml/2006/main" xmlns:r="http://schemas.openxmlformats.org/officeDocument/2006/relationships" xmlns:p="http://schemas.openxmlformats.org/presentationml/2006/main">
   <p:cSld>
     <p:spTree>
@@ -22121,7 +23975,7 @@
 </p:sld>
 </file>
 
-<file path=ppt/slides/slide34.xml><?xml version="1.0" encoding="utf-8"?>
+<file path=ppt/slides/slide37.xml><?xml version="1.0" encoding="utf-8"?>
 <p:sld xmlns:a="http://schemas.openxmlformats.org/drawingml/2006/main" xmlns:r="http://schemas.openxmlformats.org/officeDocument/2006/relationships" xmlns:p="http://schemas.openxmlformats.org/presentationml/2006/main">
   <p:cSld>
     <p:spTree>
@@ -22211,7 +24065,7 @@
 </p:sld>
 </file>
 
-<file path=ppt/slides/slide35.xml><?xml version="1.0" encoding="utf-8"?>
+<file path=ppt/slides/slide38.xml><?xml version="1.0" encoding="utf-8"?>
 <p:sld xmlns:a="http://schemas.openxmlformats.org/drawingml/2006/main" xmlns:r="http://schemas.openxmlformats.org/officeDocument/2006/relationships" xmlns:p="http://schemas.openxmlformats.org/presentationml/2006/main">
   <p:cSld>
     <p:spTree>
@@ -22294,7 +24148,7 @@
 </p:sld>
 </file>
 
-<file path=ppt/slides/slide36.xml><?xml version="1.0" encoding="utf-8"?>
+<file path=ppt/slides/slide39.xml><?xml version="1.0" encoding="utf-8"?>
 <p:sld xmlns:a="http://schemas.openxmlformats.org/drawingml/2006/main" xmlns:r="http://schemas.openxmlformats.org/officeDocument/2006/relationships" xmlns:p="http://schemas.openxmlformats.org/presentationml/2006/main">
   <p:cSld>
     <p:spTree>
@@ -22375,272 +24229,6 @@
     <p:extLst>
       <p:ext uri="{BB962C8B-B14F-4D97-AF65-F5344CB8AC3E}">
         <p14:creationId xmlns:p14="http://schemas.microsoft.com/office/powerpoint/2010/main" val="528746526"/>
-      </p:ext>
-    </p:extLst>
-  </p:cSld>
-  <p:clrMapOvr>
-    <a:masterClrMapping/>
-  </p:clrMapOvr>
-</p:sld>
-</file>
-
-<file path=ppt/slides/slide37.xml><?xml version="1.0" encoding="utf-8"?>
-<p:sld xmlns:a="http://schemas.openxmlformats.org/drawingml/2006/main" xmlns:r="http://schemas.openxmlformats.org/officeDocument/2006/relationships" xmlns:p="http://schemas.openxmlformats.org/presentationml/2006/main">
-  <p:cSld>
-    <p:spTree>
-      <p:nvGrpSpPr>
-        <p:cNvPr id="1" name=""/>
-        <p:cNvGrpSpPr/>
-        <p:nvPr/>
-      </p:nvGrpSpPr>
-      <p:grpSpPr>
-        <a:xfrm>
-          <a:off x="0" y="0"/>
-          <a:ext cx="0" cy="0"/>
-          <a:chOff x="0" y="0"/>
-          <a:chExt cx="0" cy="0"/>
-        </a:xfrm>
-      </p:grpSpPr>
-      <p:sp>
-        <p:nvSpPr>
-          <p:cNvPr id="2" name="Title 1">
-            <a:extLst>
-              <a:ext uri="{FF2B5EF4-FFF2-40B4-BE49-F238E27FC236}">
-                <a16:creationId xmlns:a16="http://schemas.microsoft.com/office/drawing/2014/main" id="{5AAC1096-A798-A96C-CB9F-DC2E10A03AF2}"/>
-              </a:ext>
-            </a:extLst>
-          </p:cNvPr>
-          <p:cNvSpPr>
-            <a:spLocks noGrp="1"/>
-          </p:cNvSpPr>
-          <p:nvPr>
-            <p:ph type="title"/>
-          </p:nvPr>
-        </p:nvSpPr>
-        <p:spPr/>
-        <p:txBody>
-          <a:bodyPr/>
-          <a:lstStyle/>
-          <a:p>
-            <a:r>
-              <a:rPr lang="en-US" dirty="0"/>
-              <a:t>Activity 4: Data Visualization</a:t>
-            </a:r>
-          </a:p>
-        </p:txBody>
-      </p:sp>
-      <p:sp>
-        <p:nvSpPr>
-          <p:cNvPr id="3" name="Content Placeholder 2">
-            <a:extLst>
-              <a:ext uri="{FF2B5EF4-FFF2-40B4-BE49-F238E27FC236}">
-                <a16:creationId xmlns:a16="http://schemas.microsoft.com/office/drawing/2014/main" id="{4768F9F4-5036-2748-AA3A-669BB0A38EE8}"/>
-              </a:ext>
-            </a:extLst>
-          </p:cNvPr>
-          <p:cNvSpPr>
-            <a:spLocks noGrp="1"/>
-          </p:cNvSpPr>
-          <p:nvPr>
-            <p:ph idx="1"/>
-          </p:nvPr>
-        </p:nvSpPr>
-        <p:spPr/>
-        <p:txBody>
-          <a:bodyPr/>
-          <a:lstStyle/>
-          <a:p>
-            <a:r>
-              <a:rPr lang="en-US" dirty="0"/>
-              <a:t>Design and create visualization with real genomic data</a:t>
-            </a:r>
-          </a:p>
-          <a:p>
-            <a:r>
-              <a:rPr lang="en-US" dirty="0"/>
-              <a:t>Group discussion on best practices and interpretation</a:t>
-            </a:r>
-          </a:p>
-        </p:txBody>
-      </p:sp>
-    </p:spTree>
-    <p:extLst>
-      <p:ext uri="{BB962C8B-B14F-4D97-AF65-F5344CB8AC3E}">
-        <p14:creationId xmlns:p14="http://schemas.microsoft.com/office/powerpoint/2010/main" val="1693870170"/>
-      </p:ext>
-    </p:extLst>
-  </p:cSld>
-  <p:clrMapOvr>
-    <a:masterClrMapping/>
-  </p:clrMapOvr>
-</p:sld>
-</file>
-
-<file path=ppt/slides/slide38.xml><?xml version="1.0" encoding="utf-8"?>
-<p:sld xmlns:a="http://schemas.openxmlformats.org/drawingml/2006/main" xmlns:r="http://schemas.openxmlformats.org/officeDocument/2006/relationships" xmlns:p="http://schemas.openxmlformats.org/presentationml/2006/main">
-  <p:cSld>
-    <p:bg>
-      <p:bgPr>
-        <a:solidFill>
-          <a:schemeClr val="accent3"/>
-        </a:solidFill>
-        <a:effectLst/>
-      </p:bgPr>
-    </p:bg>
-    <p:spTree>
-      <p:nvGrpSpPr>
-        <p:cNvPr id="1" name=""/>
-        <p:cNvGrpSpPr/>
-        <p:nvPr/>
-      </p:nvGrpSpPr>
-      <p:grpSpPr>
-        <a:xfrm>
-          <a:off x="0" y="0"/>
-          <a:ext cx="0" cy="0"/>
-          <a:chOff x="0" y="0"/>
-          <a:chExt cx="0" cy="0"/>
-        </a:xfrm>
-      </p:grpSpPr>
-      <p:sp>
-        <p:nvSpPr>
-          <p:cNvPr id="2" name="Title 1">
-            <a:extLst>
-              <a:ext uri="{FF2B5EF4-FFF2-40B4-BE49-F238E27FC236}">
-                <a16:creationId xmlns:a16="http://schemas.microsoft.com/office/drawing/2014/main" id="{8260B8BC-1A26-8153-A32F-CED5E2950CCF}"/>
-              </a:ext>
-            </a:extLst>
-          </p:cNvPr>
-          <p:cNvSpPr>
-            <a:spLocks noGrp="1"/>
-          </p:cNvSpPr>
-          <p:nvPr>
-            <p:ph type="title"/>
-          </p:nvPr>
-        </p:nvSpPr>
-        <p:spPr/>
-        <p:txBody>
-          <a:bodyPr/>
-          <a:lstStyle/>
-          <a:p>
-            <a:r>
-              <a:rPr lang="en-US" dirty="0"/>
-              <a:t>Ethical Considerations and Challenges</a:t>
-            </a:r>
-          </a:p>
-        </p:txBody>
-      </p:sp>
-      <p:sp>
-        <p:nvSpPr>
-          <p:cNvPr id="3" name="Text Placeholder 2">
-            <a:extLst>
-              <a:ext uri="{FF2B5EF4-FFF2-40B4-BE49-F238E27FC236}">
-                <a16:creationId xmlns:a16="http://schemas.microsoft.com/office/drawing/2014/main" id="{E0964D4F-5C63-97C9-8907-4FD74B3A1F38}"/>
-              </a:ext>
-            </a:extLst>
-          </p:cNvPr>
-          <p:cNvSpPr>
-            <a:spLocks noGrp="1"/>
-          </p:cNvSpPr>
-          <p:nvPr>
-            <p:ph type="body" idx="1"/>
-          </p:nvPr>
-        </p:nvSpPr>
-        <p:spPr/>
-        <p:txBody>
-          <a:bodyPr/>
-          <a:lstStyle/>
-          <a:p>
-            <a:endParaRPr lang="en-US"/>
-          </a:p>
-        </p:txBody>
-      </p:sp>
-    </p:spTree>
-    <p:extLst>
-      <p:ext uri="{BB962C8B-B14F-4D97-AF65-F5344CB8AC3E}">
-        <p14:creationId xmlns:p14="http://schemas.microsoft.com/office/powerpoint/2010/main" val="4231344819"/>
-      </p:ext>
-    </p:extLst>
-  </p:cSld>
-  <p:clrMapOvr>
-    <a:masterClrMapping/>
-  </p:clrMapOvr>
-</p:sld>
-</file>
-
-<file path=ppt/slides/slide39.xml><?xml version="1.0" encoding="utf-8"?>
-<p:sld xmlns:a="http://schemas.openxmlformats.org/drawingml/2006/main" xmlns:r="http://schemas.openxmlformats.org/officeDocument/2006/relationships" xmlns:p="http://schemas.openxmlformats.org/presentationml/2006/main">
-  <p:cSld>
-    <p:spTree>
-      <p:nvGrpSpPr>
-        <p:cNvPr id="1" name=""/>
-        <p:cNvGrpSpPr/>
-        <p:nvPr/>
-      </p:nvGrpSpPr>
-      <p:grpSpPr>
-        <a:xfrm>
-          <a:off x="0" y="0"/>
-          <a:ext cx="0" cy="0"/>
-          <a:chOff x="0" y="0"/>
-          <a:chExt cx="0" cy="0"/>
-        </a:xfrm>
-      </p:grpSpPr>
-      <p:sp>
-        <p:nvSpPr>
-          <p:cNvPr id="2" name="Title 1">
-            <a:extLst>
-              <a:ext uri="{FF2B5EF4-FFF2-40B4-BE49-F238E27FC236}">
-                <a16:creationId xmlns:a16="http://schemas.microsoft.com/office/drawing/2014/main" id="{F2B70C2A-8566-8A5E-9A13-67BD7E962126}"/>
-              </a:ext>
-            </a:extLst>
-          </p:cNvPr>
-          <p:cNvSpPr>
-            <a:spLocks noGrp="1"/>
-          </p:cNvSpPr>
-          <p:nvPr>
-            <p:ph type="title"/>
-          </p:nvPr>
-        </p:nvSpPr>
-        <p:spPr/>
-        <p:txBody>
-          <a:bodyPr/>
-          <a:lstStyle/>
-          <a:p>
-            <a:r>
-              <a:rPr lang="en-US" dirty="0"/>
-              <a:t>Ethics of Handling and Analyzing Biological Data</a:t>
-            </a:r>
-          </a:p>
-        </p:txBody>
-      </p:sp>
-      <p:sp>
-        <p:nvSpPr>
-          <p:cNvPr id="3" name="Content Placeholder 2">
-            <a:extLst>
-              <a:ext uri="{FF2B5EF4-FFF2-40B4-BE49-F238E27FC236}">
-                <a16:creationId xmlns:a16="http://schemas.microsoft.com/office/drawing/2014/main" id="{1997DAF0-86BC-828A-A534-1D0AD72659A1}"/>
-              </a:ext>
-            </a:extLst>
-          </p:cNvPr>
-          <p:cNvSpPr>
-            <a:spLocks noGrp="1"/>
-          </p:cNvSpPr>
-          <p:nvPr>
-            <p:ph idx="1"/>
-          </p:nvPr>
-        </p:nvSpPr>
-        <p:spPr/>
-        <p:txBody>
-          <a:bodyPr/>
-          <a:lstStyle/>
-          <a:p>
-            <a:endParaRPr lang="en-US"/>
-          </a:p>
-        </p:txBody>
-      </p:sp>
-    </p:spTree>
-    <p:extLst>
-      <p:ext uri="{BB962C8B-B14F-4D97-AF65-F5344CB8AC3E}">
-        <p14:creationId xmlns:p14="http://schemas.microsoft.com/office/powerpoint/2010/main" val="4010374346"/>
       </p:ext>
     </p:extLst>
   </p:cSld>
@@ -22785,6 +24373,272 @@
           <p:cNvPr id="2" name="Title 1">
             <a:extLst>
               <a:ext uri="{FF2B5EF4-FFF2-40B4-BE49-F238E27FC236}">
+                <a16:creationId xmlns:a16="http://schemas.microsoft.com/office/drawing/2014/main" id="{5AAC1096-A798-A96C-CB9F-DC2E10A03AF2}"/>
+              </a:ext>
+            </a:extLst>
+          </p:cNvPr>
+          <p:cNvSpPr>
+            <a:spLocks noGrp="1"/>
+          </p:cNvSpPr>
+          <p:nvPr>
+            <p:ph type="title"/>
+          </p:nvPr>
+        </p:nvSpPr>
+        <p:spPr/>
+        <p:txBody>
+          <a:bodyPr/>
+          <a:lstStyle/>
+          <a:p>
+            <a:r>
+              <a:rPr lang="en-US" dirty="0"/>
+              <a:t>Activity 4: Data Visualization</a:t>
+            </a:r>
+          </a:p>
+        </p:txBody>
+      </p:sp>
+      <p:sp>
+        <p:nvSpPr>
+          <p:cNvPr id="3" name="Content Placeholder 2">
+            <a:extLst>
+              <a:ext uri="{FF2B5EF4-FFF2-40B4-BE49-F238E27FC236}">
+                <a16:creationId xmlns:a16="http://schemas.microsoft.com/office/drawing/2014/main" id="{4768F9F4-5036-2748-AA3A-669BB0A38EE8}"/>
+              </a:ext>
+            </a:extLst>
+          </p:cNvPr>
+          <p:cNvSpPr>
+            <a:spLocks noGrp="1"/>
+          </p:cNvSpPr>
+          <p:nvPr>
+            <p:ph idx="1"/>
+          </p:nvPr>
+        </p:nvSpPr>
+        <p:spPr/>
+        <p:txBody>
+          <a:bodyPr/>
+          <a:lstStyle/>
+          <a:p>
+            <a:r>
+              <a:rPr lang="en-US" dirty="0"/>
+              <a:t>Design and create visualization with real genomic data</a:t>
+            </a:r>
+          </a:p>
+          <a:p>
+            <a:r>
+              <a:rPr lang="en-US" dirty="0"/>
+              <a:t>Group discussion on best practices and interpretation</a:t>
+            </a:r>
+          </a:p>
+        </p:txBody>
+      </p:sp>
+    </p:spTree>
+    <p:extLst>
+      <p:ext uri="{BB962C8B-B14F-4D97-AF65-F5344CB8AC3E}">
+        <p14:creationId xmlns:p14="http://schemas.microsoft.com/office/powerpoint/2010/main" val="1693870170"/>
+      </p:ext>
+    </p:extLst>
+  </p:cSld>
+  <p:clrMapOvr>
+    <a:masterClrMapping/>
+  </p:clrMapOvr>
+</p:sld>
+</file>
+
+<file path=ppt/slides/slide41.xml><?xml version="1.0" encoding="utf-8"?>
+<p:sld xmlns:a="http://schemas.openxmlformats.org/drawingml/2006/main" xmlns:r="http://schemas.openxmlformats.org/officeDocument/2006/relationships" xmlns:p="http://schemas.openxmlformats.org/presentationml/2006/main">
+  <p:cSld>
+    <p:bg>
+      <p:bgPr>
+        <a:solidFill>
+          <a:schemeClr val="accent3"/>
+        </a:solidFill>
+        <a:effectLst/>
+      </p:bgPr>
+    </p:bg>
+    <p:spTree>
+      <p:nvGrpSpPr>
+        <p:cNvPr id="1" name=""/>
+        <p:cNvGrpSpPr/>
+        <p:nvPr/>
+      </p:nvGrpSpPr>
+      <p:grpSpPr>
+        <a:xfrm>
+          <a:off x="0" y="0"/>
+          <a:ext cx="0" cy="0"/>
+          <a:chOff x="0" y="0"/>
+          <a:chExt cx="0" cy="0"/>
+        </a:xfrm>
+      </p:grpSpPr>
+      <p:sp>
+        <p:nvSpPr>
+          <p:cNvPr id="2" name="Title 1">
+            <a:extLst>
+              <a:ext uri="{FF2B5EF4-FFF2-40B4-BE49-F238E27FC236}">
+                <a16:creationId xmlns:a16="http://schemas.microsoft.com/office/drawing/2014/main" id="{8260B8BC-1A26-8153-A32F-CED5E2950CCF}"/>
+              </a:ext>
+            </a:extLst>
+          </p:cNvPr>
+          <p:cNvSpPr>
+            <a:spLocks noGrp="1"/>
+          </p:cNvSpPr>
+          <p:nvPr>
+            <p:ph type="title"/>
+          </p:nvPr>
+        </p:nvSpPr>
+        <p:spPr/>
+        <p:txBody>
+          <a:bodyPr/>
+          <a:lstStyle/>
+          <a:p>
+            <a:r>
+              <a:rPr lang="en-US" dirty="0"/>
+              <a:t>Ethical Considerations and Challenges</a:t>
+            </a:r>
+          </a:p>
+        </p:txBody>
+      </p:sp>
+      <p:sp>
+        <p:nvSpPr>
+          <p:cNvPr id="3" name="Text Placeholder 2">
+            <a:extLst>
+              <a:ext uri="{FF2B5EF4-FFF2-40B4-BE49-F238E27FC236}">
+                <a16:creationId xmlns:a16="http://schemas.microsoft.com/office/drawing/2014/main" id="{E0964D4F-5C63-97C9-8907-4FD74B3A1F38}"/>
+              </a:ext>
+            </a:extLst>
+          </p:cNvPr>
+          <p:cNvSpPr>
+            <a:spLocks noGrp="1"/>
+          </p:cNvSpPr>
+          <p:nvPr>
+            <p:ph type="body" idx="1"/>
+          </p:nvPr>
+        </p:nvSpPr>
+        <p:spPr/>
+        <p:txBody>
+          <a:bodyPr/>
+          <a:lstStyle/>
+          <a:p>
+            <a:endParaRPr lang="en-US"/>
+          </a:p>
+        </p:txBody>
+      </p:sp>
+    </p:spTree>
+    <p:extLst>
+      <p:ext uri="{BB962C8B-B14F-4D97-AF65-F5344CB8AC3E}">
+        <p14:creationId xmlns:p14="http://schemas.microsoft.com/office/powerpoint/2010/main" val="4231344819"/>
+      </p:ext>
+    </p:extLst>
+  </p:cSld>
+  <p:clrMapOvr>
+    <a:masterClrMapping/>
+  </p:clrMapOvr>
+</p:sld>
+</file>
+
+<file path=ppt/slides/slide42.xml><?xml version="1.0" encoding="utf-8"?>
+<p:sld xmlns:a="http://schemas.openxmlformats.org/drawingml/2006/main" xmlns:r="http://schemas.openxmlformats.org/officeDocument/2006/relationships" xmlns:p="http://schemas.openxmlformats.org/presentationml/2006/main">
+  <p:cSld>
+    <p:spTree>
+      <p:nvGrpSpPr>
+        <p:cNvPr id="1" name=""/>
+        <p:cNvGrpSpPr/>
+        <p:nvPr/>
+      </p:nvGrpSpPr>
+      <p:grpSpPr>
+        <a:xfrm>
+          <a:off x="0" y="0"/>
+          <a:ext cx="0" cy="0"/>
+          <a:chOff x="0" y="0"/>
+          <a:chExt cx="0" cy="0"/>
+        </a:xfrm>
+      </p:grpSpPr>
+      <p:sp>
+        <p:nvSpPr>
+          <p:cNvPr id="2" name="Title 1">
+            <a:extLst>
+              <a:ext uri="{FF2B5EF4-FFF2-40B4-BE49-F238E27FC236}">
+                <a16:creationId xmlns:a16="http://schemas.microsoft.com/office/drawing/2014/main" id="{F2B70C2A-8566-8A5E-9A13-67BD7E962126}"/>
+              </a:ext>
+            </a:extLst>
+          </p:cNvPr>
+          <p:cNvSpPr>
+            <a:spLocks noGrp="1"/>
+          </p:cNvSpPr>
+          <p:nvPr>
+            <p:ph type="title"/>
+          </p:nvPr>
+        </p:nvSpPr>
+        <p:spPr/>
+        <p:txBody>
+          <a:bodyPr/>
+          <a:lstStyle/>
+          <a:p>
+            <a:r>
+              <a:rPr lang="en-US" dirty="0"/>
+              <a:t>Ethics of Handling and Analyzing Biological Data</a:t>
+            </a:r>
+          </a:p>
+        </p:txBody>
+      </p:sp>
+      <p:sp>
+        <p:nvSpPr>
+          <p:cNvPr id="3" name="Content Placeholder 2">
+            <a:extLst>
+              <a:ext uri="{FF2B5EF4-FFF2-40B4-BE49-F238E27FC236}">
+                <a16:creationId xmlns:a16="http://schemas.microsoft.com/office/drawing/2014/main" id="{1997DAF0-86BC-828A-A534-1D0AD72659A1}"/>
+              </a:ext>
+            </a:extLst>
+          </p:cNvPr>
+          <p:cNvSpPr>
+            <a:spLocks noGrp="1"/>
+          </p:cNvSpPr>
+          <p:nvPr>
+            <p:ph idx="1"/>
+          </p:nvPr>
+        </p:nvSpPr>
+        <p:spPr/>
+        <p:txBody>
+          <a:bodyPr/>
+          <a:lstStyle/>
+          <a:p>
+            <a:endParaRPr lang="en-US"/>
+          </a:p>
+        </p:txBody>
+      </p:sp>
+    </p:spTree>
+    <p:extLst>
+      <p:ext uri="{BB962C8B-B14F-4D97-AF65-F5344CB8AC3E}">
+        <p14:creationId xmlns:p14="http://schemas.microsoft.com/office/powerpoint/2010/main" val="4010374346"/>
+      </p:ext>
+    </p:extLst>
+  </p:cSld>
+  <p:clrMapOvr>
+    <a:masterClrMapping/>
+  </p:clrMapOvr>
+</p:sld>
+</file>
+
+<file path=ppt/slides/slide43.xml><?xml version="1.0" encoding="utf-8"?>
+<p:sld xmlns:a="http://schemas.openxmlformats.org/drawingml/2006/main" xmlns:r="http://schemas.openxmlformats.org/officeDocument/2006/relationships" xmlns:p="http://schemas.openxmlformats.org/presentationml/2006/main">
+  <p:cSld>
+    <p:spTree>
+      <p:nvGrpSpPr>
+        <p:cNvPr id="1" name=""/>
+        <p:cNvGrpSpPr/>
+        <p:nvPr/>
+      </p:nvGrpSpPr>
+      <p:grpSpPr>
+        <a:xfrm>
+          <a:off x="0" y="0"/>
+          <a:ext cx="0" cy="0"/>
+          <a:chOff x="0" y="0"/>
+          <a:chExt cx="0" cy="0"/>
+        </a:xfrm>
+      </p:grpSpPr>
+      <p:sp>
+        <p:nvSpPr>
+          <p:cNvPr id="2" name="Title 1">
+            <a:extLst>
+              <a:ext uri="{FF2B5EF4-FFF2-40B4-BE49-F238E27FC236}">
                 <a16:creationId xmlns:a16="http://schemas.microsoft.com/office/drawing/2014/main" id="{F2454F4A-93C9-6E68-E602-6F406FB06C20}"/>
               </a:ext>
             </a:extLst>
@@ -22846,7 +24700,7 @@
 </p:sld>
 </file>
 
-<file path=ppt/slides/slide41.xml><?xml version="1.0" encoding="utf-8"?>
+<file path=ppt/slides/slide44.xml><?xml version="1.0" encoding="utf-8"?>
 <p:sld xmlns:a="http://schemas.openxmlformats.org/drawingml/2006/main" xmlns:r="http://schemas.openxmlformats.org/officeDocument/2006/relationships" xmlns:p="http://schemas.openxmlformats.org/presentationml/2006/main">
   <p:cSld>
     <p:bg>
@@ -23171,7 +25025,7 @@
 </p:sld>
 </file>
 
-<file path=ppt/slides/slide42.xml><?xml version="1.0" encoding="utf-8"?>
+<file path=ppt/slides/slide45.xml><?xml version="1.0" encoding="utf-8"?>
 <p:sld xmlns:a="http://schemas.openxmlformats.org/drawingml/2006/main" xmlns:r="http://schemas.openxmlformats.org/officeDocument/2006/relationships" xmlns:p="http://schemas.openxmlformats.org/presentationml/2006/main">
   <p:cSld>
     <p:spTree>
@@ -23211,13 +25065,8 @@
           <a:p>
             <a:r>
               <a:rPr lang="en-US" dirty="0"/>
-              <a:t>Activity 5: Ethical </a:t>
+              <a:t>Activity 5: Ethical Dilemmas</a:t>
             </a:r>
-            <a:r>
-              <a:rPr lang="en-US" dirty="0" err="1"/>
-              <a:t>Dillemas</a:t>
-            </a:r>
-            <a:endParaRPr lang="en-US" dirty="0"/>
           </a:p>
         </p:txBody>
       </p:sp>
@@ -23274,7 +25123,7 @@
 </p:sld>
 </file>
 
-<file path=ppt/slides/slide43.xml><?xml version="1.0" encoding="utf-8"?>
+<file path=ppt/slides/slide46.xml><?xml version="1.0" encoding="utf-8"?>
 <p:sld xmlns:a="http://schemas.openxmlformats.org/drawingml/2006/main" xmlns:r="http://schemas.openxmlformats.org/officeDocument/2006/relationships" xmlns:p="http://schemas.openxmlformats.org/presentationml/2006/main">
   <p:cSld>
     <p:bg>
@@ -23365,7 +25214,7 @@
 </p:sld>
 </file>
 
-<file path=ppt/slides/slide44.xml><?xml version="1.0" encoding="utf-8"?>
+<file path=ppt/slides/slide47.xml><?xml version="1.0" encoding="utf-8"?>
 <p:sld xmlns:a="http://schemas.openxmlformats.org/drawingml/2006/main" xmlns:r="http://schemas.openxmlformats.org/officeDocument/2006/relationships" xmlns:p="http://schemas.openxmlformats.org/presentationml/2006/main">
   <p:cSld>
     <p:spTree>
@@ -23448,7 +25297,7 @@
 </p:sld>
 </file>
 
-<file path=ppt/slides/slide45.xml><?xml version="1.0" encoding="utf-8"?>
+<file path=ppt/slides/slide48.xml><?xml version="1.0" encoding="utf-8"?>
 <p:sld xmlns:a="http://schemas.openxmlformats.org/drawingml/2006/main" xmlns:r="http://schemas.openxmlformats.org/officeDocument/2006/relationships" xmlns:p="http://schemas.openxmlformats.org/presentationml/2006/main">
   <p:cSld>
     <p:spTree>
@@ -24164,7 +26013,7 @@
         </p:xfrm>
         <a:graphic>
           <a:graphicData uri="http://schemas.openxmlformats.org/drawingml/2006/diagram">
-            <dgm:relIds xmlns:dgm="http://schemas.openxmlformats.org/drawingml/2006/diagram" xmlns:r="http://schemas.openxmlformats.org/officeDocument/2006/relationships" r:dm="rId2" r:lo="rId3" r:qs="rId4" r:cs="rId5"/>
+            <dgm:relIds xmlns:dgm="http://schemas.openxmlformats.org/drawingml/2006/diagram" xmlns:r="http://schemas.openxmlformats.org/officeDocument/2006/relationships" r:dm="rId3" r:lo="rId4" r:qs="rId5" r:cs="rId6"/>
           </a:graphicData>
         </a:graphic>
       </p:graphicFrame>

--- a/Stats-for-Comp-Bio.pptx
+++ b/Stats-for-Comp-Bio.pptx
@@ -5,7 +5,7 @@
     <p:sldMasterId id="2147483720" r:id="rId1"/>
   </p:sldMasterIdLst>
   <p:notesMasterIdLst>
-    <p:notesMasterId r:id="rId59"/>
+    <p:notesMasterId r:id="rId61"/>
   </p:notesMasterIdLst>
   <p:sldIdLst>
     <p:sldId id="256" r:id="rId2"/>
@@ -36,35 +36,37 @@
     <p:sldId id="280" r:id="rId27"/>
     <p:sldId id="307" r:id="rId28"/>
     <p:sldId id="260" r:id="rId29"/>
-    <p:sldId id="281" r:id="rId30"/>
-    <p:sldId id="282" r:id="rId31"/>
-    <p:sldId id="308" r:id="rId32"/>
-    <p:sldId id="303" r:id="rId33"/>
-    <p:sldId id="261" r:id="rId34"/>
-    <p:sldId id="284" r:id="rId35"/>
-    <p:sldId id="285" r:id="rId36"/>
-    <p:sldId id="309" r:id="rId37"/>
-    <p:sldId id="286" r:id="rId38"/>
-    <p:sldId id="310" r:id="rId39"/>
-    <p:sldId id="287" r:id="rId40"/>
-    <p:sldId id="288" r:id="rId41"/>
-    <p:sldId id="311" r:id="rId42"/>
-    <p:sldId id="262" r:id="rId43"/>
-    <p:sldId id="312" r:id="rId44"/>
-    <p:sldId id="289" r:id="rId45"/>
-    <p:sldId id="290" r:id="rId46"/>
-    <p:sldId id="291" r:id="rId47"/>
-    <p:sldId id="292" r:id="rId48"/>
-    <p:sldId id="293" r:id="rId49"/>
-    <p:sldId id="283" r:id="rId50"/>
-    <p:sldId id="263" r:id="rId51"/>
-    <p:sldId id="294" r:id="rId52"/>
-    <p:sldId id="295" r:id="rId53"/>
-    <p:sldId id="296" r:id="rId54"/>
-    <p:sldId id="297" r:id="rId55"/>
-    <p:sldId id="264" r:id="rId56"/>
-    <p:sldId id="298" r:id="rId57"/>
-    <p:sldId id="299" r:id="rId58"/>
+    <p:sldId id="313" r:id="rId30"/>
+    <p:sldId id="281" r:id="rId31"/>
+    <p:sldId id="282" r:id="rId32"/>
+    <p:sldId id="308" r:id="rId33"/>
+    <p:sldId id="303" r:id="rId34"/>
+    <p:sldId id="261" r:id="rId35"/>
+    <p:sldId id="284" r:id="rId36"/>
+    <p:sldId id="285" r:id="rId37"/>
+    <p:sldId id="309" r:id="rId38"/>
+    <p:sldId id="286" r:id="rId39"/>
+    <p:sldId id="310" r:id="rId40"/>
+    <p:sldId id="287" r:id="rId41"/>
+    <p:sldId id="314" r:id="rId42"/>
+    <p:sldId id="288" r:id="rId43"/>
+    <p:sldId id="311" r:id="rId44"/>
+    <p:sldId id="262" r:id="rId45"/>
+    <p:sldId id="312" r:id="rId46"/>
+    <p:sldId id="289" r:id="rId47"/>
+    <p:sldId id="290" r:id="rId48"/>
+    <p:sldId id="291" r:id="rId49"/>
+    <p:sldId id="292" r:id="rId50"/>
+    <p:sldId id="293" r:id="rId51"/>
+    <p:sldId id="283" r:id="rId52"/>
+    <p:sldId id="263" r:id="rId53"/>
+    <p:sldId id="294" r:id="rId54"/>
+    <p:sldId id="295" r:id="rId55"/>
+    <p:sldId id="296" r:id="rId56"/>
+    <p:sldId id="297" r:id="rId57"/>
+    <p:sldId id="264" r:id="rId58"/>
+    <p:sldId id="298" r:id="rId59"/>
+    <p:sldId id="299" r:id="rId60"/>
   </p:sldIdLst>
   <p:sldSz cx="12192000" cy="6858000"/>
   <p:notesSz cx="6858000" cy="9144000"/>
@@ -2620,6 +2622,788 @@
   <dgm:styleLbl name="fgShp">
     <dgm:fillClrLst meth="repeat">
       <a:schemeClr val="accent2">
+        <a:tint val="40000"/>
+      </a:schemeClr>
+    </dgm:fillClrLst>
+    <dgm:linClrLst meth="repeat">
+      <a:schemeClr val="lt1"/>
+    </dgm:linClrLst>
+    <dgm:effectClrLst/>
+    <dgm:txLinClrLst/>
+    <dgm:txFillClrLst meth="repeat">
+      <a:schemeClr val="dk1"/>
+    </dgm:txFillClrLst>
+    <dgm:txEffectClrLst/>
+  </dgm:styleLbl>
+  <dgm:styleLbl name="revTx">
+    <dgm:fillClrLst meth="repeat">
+      <a:schemeClr val="lt1">
+        <a:alpha val="0"/>
+      </a:schemeClr>
+    </dgm:fillClrLst>
+    <dgm:linClrLst meth="repeat">
+      <a:schemeClr val="dk1">
+        <a:alpha val="0"/>
+      </a:schemeClr>
+    </dgm:linClrLst>
+    <dgm:effectClrLst/>
+    <dgm:txLinClrLst/>
+    <dgm:txFillClrLst meth="repeat">
+      <a:schemeClr val="tx1"/>
+    </dgm:txFillClrLst>
+    <dgm:txEffectClrLst/>
+  </dgm:styleLbl>
+</dgm:colorsDef>
+</file>
+
+<file path=ppt/diagrams/colors12.xml><?xml version="1.0" encoding="utf-8"?>
+<dgm:colorsDef xmlns:dgm="http://schemas.openxmlformats.org/drawingml/2006/diagram" xmlns:a="http://schemas.openxmlformats.org/drawingml/2006/main" uniqueId="urn:microsoft.com/office/officeart/2005/8/colors/colorful5">
+  <dgm:title val=""/>
+  <dgm:desc val=""/>
+  <dgm:catLst>
+    <dgm:cat type="colorful" pri="10500"/>
+  </dgm:catLst>
+  <dgm:styleLbl name="node0">
+    <dgm:fillClrLst meth="repeat">
+      <a:schemeClr val="accent4"/>
+    </dgm:fillClrLst>
+    <dgm:linClrLst meth="repeat">
+      <a:schemeClr val="lt1"/>
+    </dgm:linClrLst>
+    <dgm:effectClrLst/>
+    <dgm:txLinClrLst/>
+    <dgm:txFillClrLst/>
+    <dgm:txEffectClrLst/>
+  </dgm:styleLbl>
+  <dgm:styleLbl name="node1">
+    <dgm:fillClrLst>
+      <a:schemeClr val="accent5"/>
+      <a:schemeClr val="accent6"/>
+    </dgm:fillClrLst>
+    <dgm:linClrLst meth="repeat">
+      <a:schemeClr val="lt1"/>
+    </dgm:linClrLst>
+    <dgm:effectClrLst/>
+    <dgm:txLinClrLst/>
+    <dgm:txFillClrLst/>
+    <dgm:txEffectClrLst/>
+  </dgm:styleLbl>
+  <dgm:styleLbl name="alignNode1">
+    <dgm:fillClrLst>
+      <a:schemeClr val="accent5"/>
+      <a:schemeClr val="accent6"/>
+    </dgm:fillClrLst>
+    <dgm:linClrLst>
+      <a:schemeClr val="accent5"/>
+      <a:schemeClr val="accent6"/>
+    </dgm:linClrLst>
+    <dgm:effectClrLst/>
+    <dgm:txLinClrLst/>
+    <dgm:txFillClrLst/>
+    <dgm:txEffectClrLst/>
+  </dgm:styleLbl>
+  <dgm:styleLbl name="lnNode1">
+    <dgm:fillClrLst>
+      <a:schemeClr val="accent5"/>
+      <a:schemeClr val="accent6"/>
+    </dgm:fillClrLst>
+    <dgm:linClrLst meth="repeat">
+      <a:schemeClr val="lt1"/>
+    </dgm:linClrLst>
+    <dgm:effectClrLst/>
+    <dgm:txLinClrLst/>
+    <dgm:txFillClrLst/>
+    <dgm:txEffectClrLst/>
+  </dgm:styleLbl>
+  <dgm:styleLbl name="vennNode1">
+    <dgm:fillClrLst>
+      <a:schemeClr val="accent5">
+        <a:alpha val="50000"/>
+      </a:schemeClr>
+      <a:schemeClr val="accent6">
+        <a:alpha val="50000"/>
+      </a:schemeClr>
+    </dgm:fillClrLst>
+    <dgm:linClrLst meth="repeat">
+      <a:schemeClr val="lt1"/>
+    </dgm:linClrLst>
+    <dgm:effectClrLst/>
+    <dgm:txLinClrLst/>
+    <dgm:txFillClrLst/>
+    <dgm:txEffectClrLst/>
+  </dgm:styleLbl>
+  <dgm:styleLbl name="node2">
+    <dgm:fillClrLst>
+      <a:schemeClr val="accent6"/>
+    </dgm:fillClrLst>
+    <dgm:linClrLst meth="repeat">
+      <a:schemeClr val="lt1"/>
+    </dgm:linClrLst>
+    <dgm:effectClrLst/>
+    <dgm:txLinClrLst/>
+    <dgm:txFillClrLst/>
+    <dgm:txEffectClrLst/>
+  </dgm:styleLbl>
+  <dgm:styleLbl name="node3">
+    <dgm:fillClrLst>
+      <a:schemeClr val="accent1"/>
+    </dgm:fillClrLst>
+    <dgm:linClrLst meth="repeat">
+      <a:schemeClr val="lt1"/>
+    </dgm:linClrLst>
+    <dgm:effectClrLst/>
+    <dgm:txLinClrLst/>
+    <dgm:txFillClrLst/>
+    <dgm:txEffectClrLst/>
+  </dgm:styleLbl>
+  <dgm:styleLbl name="node4">
+    <dgm:fillClrLst>
+      <a:schemeClr val="accent2"/>
+    </dgm:fillClrLst>
+    <dgm:linClrLst meth="repeat">
+      <a:schemeClr val="lt1"/>
+    </dgm:linClrLst>
+    <dgm:effectClrLst/>
+    <dgm:txLinClrLst/>
+    <dgm:txFillClrLst/>
+    <dgm:txEffectClrLst/>
+  </dgm:styleLbl>
+  <dgm:styleLbl name="fgImgPlace1">
+    <dgm:fillClrLst>
+      <a:schemeClr val="accent5">
+        <a:tint val="50000"/>
+      </a:schemeClr>
+      <a:schemeClr val="accent6">
+        <a:tint val="50000"/>
+      </a:schemeClr>
+    </dgm:fillClrLst>
+    <dgm:linClrLst meth="repeat">
+      <a:schemeClr val="lt1"/>
+    </dgm:linClrLst>
+    <dgm:effectClrLst/>
+    <dgm:txLinClrLst/>
+    <dgm:txFillClrLst meth="repeat">
+      <a:schemeClr val="lt1"/>
+    </dgm:txFillClrLst>
+    <dgm:txEffectClrLst/>
+  </dgm:styleLbl>
+  <dgm:styleLbl name="alignImgPlace1">
+    <dgm:fillClrLst>
+      <a:schemeClr val="accent5">
+        <a:tint val="50000"/>
+      </a:schemeClr>
+      <a:schemeClr val="accent6">
+        <a:tint val="20000"/>
+      </a:schemeClr>
+    </dgm:fillClrLst>
+    <dgm:linClrLst meth="repeat">
+      <a:schemeClr val="lt1"/>
+    </dgm:linClrLst>
+    <dgm:effectClrLst/>
+    <dgm:txLinClrLst/>
+    <dgm:txFillClrLst meth="repeat">
+      <a:schemeClr val="lt1"/>
+    </dgm:txFillClrLst>
+    <dgm:txEffectClrLst/>
+  </dgm:styleLbl>
+  <dgm:styleLbl name="bgImgPlace1">
+    <dgm:fillClrLst>
+      <a:schemeClr val="accent5">
+        <a:tint val="50000"/>
+      </a:schemeClr>
+      <a:schemeClr val="accent6">
+        <a:tint val="20000"/>
+      </a:schemeClr>
+    </dgm:fillClrLst>
+    <dgm:linClrLst meth="repeat">
+      <a:schemeClr val="lt1"/>
+    </dgm:linClrLst>
+    <dgm:effectClrLst/>
+    <dgm:txLinClrLst/>
+    <dgm:txFillClrLst meth="repeat">
+      <a:schemeClr val="lt1"/>
+    </dgm:txFillClrLst>
+    <dgm:txEffectClrLst/>
+  </dgm:styleLbl>
+  <dgm:styleLbl name="sibTrans2D1">
+    <dgm:fillClrLst>
+      <a:schemeClr val="accent5"/>
+      <a:schemeClr val="accent6"/>
+    </dgm:fillClrLst>
+    <dgm:linClrLst meth="repeat">
+      <a:schemeClr val="lt1"/>
+    </dgm:linClrLst>
+    <dgm:effectClrLst/>
+    <dgm:txLinClrLst/>
+    <dgm:txFillClrLst/>
+    <dgm:txEffectClrLst/>
+  </dgm:styleLbl>
+  <dgm:styleLbl name="fgSibTrans2D1">
+    <dgm:fillClrLst>
+      <a:schemeClr val="accent5"/>
+      <a:schemeClr val="accent6"/>
+    </dgm:fillClrLst>
+    <dgm:linClrLst meth="repeat">
+      <a:schemeClr val="lt1"/>
+    </dgm:linClrLst>
+    <dgm:effectClrLst/>
+    <dgm:txLinClrLst/>
+    <dgm:txFillClrLst meth="repeat">
+      <a:schemeClr val="lt1"/>
+    </dgm:txFillClrLst>
+    <dgm:txEffectClrLst/>
+  </dgm:styleLbl>
+  <dgm:styleLbl name="bgSibTrans2D1">
+    <dgm:fillClrLst>
+      <a:schemeClr val="accent5"/>
+      <a:schemeClr val="accent6"/>
+    </dgm:fillClrLst>
+    <dgm:linClrLst meth="repeat">
+      <a:schemeClr val="lt1"/>
+    </dgm:linClrLst>
+    <dgm:effectClrLst/>
+    <dgm:txLinClrLst/>
+    <dgm:txFillClrLst meth="repeat">
+      <a:schemeClr val="lt1"/>
+    </dgm:txFillClrLst>
+    <dgm:txEffectClrLst/>
+  </dgm:styleLbl>
+  <dgm:styleLbl name="sibTrans1D1">
+    <dgm:fillClrLst/>
+    <dgm:linClrLst>
+      <a:schemeClr val="accent5"/>
+      <a:schemeClr val="accent6"/>
+    </dgm:linClrLst>
+    <dgm:effectClrLst/>
+    <dgm:txLinClrLst/>
+    <dgm:txFillClrLst meth="repeat">
+      <a:schemeClr val="tx1"/>
+    </dgm:txFillClrLst>
+    <dgm:txEffectClrLst/>
+  </dgm:styleLbl>
+  <dgm:styleLbl name="callout">
+    <dgm:fillClrLst meth="repeat">
+      <a:schemeClr val="accent5"/>
+    </dgm:fillClrLst>
+    <dgm:linClrLst meth="repeat">
+      <a:schemeClr val="accent5">
+        <a:tint val="50000"/>
+      </a:schemeClr>
+    </dgm:linClrLst>
+    <dgm:effectClrLst/>
+    <dgm:txLinClrLst/>
+    <dgm:txFillClrLst meth="repeat">
+      <a:schemeClr val="tx1"/>
+    </dgm:txFillClrLst>
+    <dgm:txEffectClrLst/>
+  </dgm:styleLbl>
+  <dgm:styleLbl name="asst0">
+    <dgm:fillClrLst meth="repeat">
+      <a:schemeClr val="accent5"/>
+    </dgm:fillClrLst>
+    <dgm:linClrLst meth="repeat">
+      <a:schemeClr val="lt1">
+        <a:shade val="80000"/>
+      </a:schemeClr>
+    </dgm:linClrLst>
+    <dgm:effectClrLst/>
+    <dgm:txLinClrLst/>
+    <dgm:txFillClrLst/>
+    <dgm:txEffectClrLst/>
+  </dgm:styleLbl>
+  <dgm:styleLbl name="asst1">
+    <dgm:fillClrLst meth="repeat">
+      <a:schemeClr val="accent6"/>
+    </dgm:fillClrLst>
+    <dgm:linClrLst meth="repeat">
+      <a:schemeClr val="lt1">
+        <a:shade val="80000"/>
+      </a:schemeClr>
+    </dgm:linClrLst>
+    <dgm:effectClrLst/>
+    <dgm:txLinClrLst/>
+    <dgm:txFillClrLst/>
+    <dgm:txEffectClrLst/>
+  </dgm:styleLbl>
+  <dgm:styleLbl name="asst2">
+    <dgm:fillClrLst>
+      <a:schemeClr val="accent1"/>
+    </dgm:fillClrLst>
+    <dgm:linClrLst meth="repeat">
+      <a:schemeClr val="lt1"/>
+    </dgm:linClrLst>
+    <dgm:effectClrLst/>
+    <dgm:txLinClrLst/>
+    <dgm:txFillClrLst/>
+    <dgm:txEffectClrLst/>
+  </dgm:styleLbl>
+  <dgm:styleLbl name="asst3">
+    <dgm:fillClrLst>
+      <a:schemeClr val="accent2"/>
+    </dgm:fillClrLst>
+    <dgm:linClrLst meth="repeat">
+      <a:schemeClr val="lt1"/>
+    </dgm:linClrLst>
+    <dgm:effectClrLst/>
+    <dgm:txLinClrLst/>
+    <dgm:txFillClrLst/>
+    <dgm:txEffectClrLst/>
+  </dgm:styleLbl>
+  <dgm:styleLbl name="asst4">
+    <dgm:fillClrLst>
+      <a:schemeClr val="accent3"/>
+    </dgm:fillClrLst>
+    <dgm:linClrLst meth="repeat">
+      <a:schemeClr val="lt1"/>
+    </dgm:linClrLst>
+    <dgm:effectClrLst/>
+    <dgm:txLinClrLst/>
+    <dgm:txFillClrLst/>
+    <dgm:txEffectClrLst/>
+  </dgm:styleLbl>
+  <dgm:styleLbl name="parChTrans2D1">
+    <dgm:fillClrLst meth="repeat">
+      <a:schemeClr val="accent5"/>
+    </dgm:fillClrLst>
+    <dgm:linClrLst meth="repeat">
+      <a:schemeClr val="lt1"/>
+    </dgm:linClrLst>
+    <dgm:effectClrLst/>
+    <dgm:txLinClrLst/>
+    <dgm:txFillClrLst meth="repeat">
+      <a:schemeClr val="lt1"/>
+    </dgm:txFillClrLst>
+    <dgm:txEffectClrLst/>
+  </dgm:styleLbl>
+  <dgm:styleLbl name="parChTrans2D2">
+    <dgm:fillClrLst meth="repeat">
+      <a:schemeClr val="accent6"/>
+    </dgm:fillClrLst>
+    <dgm:linClrLst meth="repeat">
+      <a:schemeClr val="lt1"/>
+    </dgm:linClrLst>
+    <dgm:effectClrLst/>
+    <dgm:txLinClrLst/>
+    <dgm:txFillClrLst/>
+    <dgm:txEffectClrLst/>
+  </dgm:styleLbl>
+  <dgm:styleLbl name="parChTrans2D3">
+    <dgm:fillClrLst meth="repeat">
+      <a:schemeClr val="accent6"/>
+    </dgm:fillClrLst>
+    <dgm:linClrLst meth="repeat">
+      <a:schemeClr val="lt1"/>
+    </dgm:linClrLst>
+    <dgm:effectClrLst/>
+    <dgm:txLinClrLst/>
+    <dgm:txFillClrLst/>
+    <dgm:txEffectClrLst/>
+  </dgm:styleLbl>
+  <dgm:styleLbl name="parChTrans2D4">
+    <dgm:fillClrLst meth="repeat">
+      <a:schemeClr val="accent1"/>
+    </dgm:fillClrLst>
+    <dgm:linClrLst meth="repeat">
+      <a:schemeClr val="lt1"/>
+    </dgm:linClrLst>
+    <dgm:effectClrLst/>
+    <dgm:txLinClrLst/>
+    <dgm:txFillClrLst meth="repeat">
+      <a:schemeClr val="lt1"/>
+    </dgm:txFillClrLst>
+    <dgm:txEffectClrLst/>
+  </dgm:styleLbl>
+  <dgm:styleLbl name="parChTrans1D1">
+    <dgm:fillClrLst meth="repeat">
+      <a:schemeClr val="accent5"/>
+    </dgm:fillClrLst>
+    <dgm:linClrLst meth="repeat">
+      <a:schemeClr val="accent5"/>
+    </dgm:linClrLst>
+    <dgm:effectClrLst/>
+    <dgm:txLinClrLst/>
+    <dgm:txFillClrLst meth="repeat">
+      <a:schemeClr val="tx1"/>
+    </dgm:txFillClrLst>
+    <dgm:txEffectClrLst/>
+  </dgm:styleLbl>
+  <dgm:styleLbl name="parChTrans1D2">
+    <dgm:fillClrLst meth="repeat">
+      <a:schemeClr val="accent6">
+        <a:tint val="90000"/>
+      </a:schemeClr>
+    </dgm:fillClrLst>
+    <dgm:linClrLst meth="repeat">
+      <a:schemeClr val="accent6"/>
+    </dgm:linClrLst>
+    <dgm:effectClrLst/>
+    <dgm:txLinClrLst/>
+    <dgm:txFillClrLst meth="repeat">
+      <a:schemeClr val="tx1"/>
+    </dgm:txFillClrLst>
+    <dgm:txEffectClrLst/>
+  </dgm:styleLbl>
+  <dgm:styleLbl name="parChTrans1D3">
+    <dgm:fillClrLst meth="repeat">
+      <a:schemeClr val="accent6">
+        <a:tint val="70000"/>
+      </a:schemeClr>
+    </dgm:fillClrLst>
+    <dgm:linClrLst meth="repeat">
+      <a:schemeClr val="accent1"/>
+    </dgm:linClrLst>
+    <dgm:effectClrLst/>
+    <dgm:txLinClrLst/>
+    <dgm:txFillClrLst meth="repeat">
+      <a:schemeClr val="tx1"/>
+    </dgm:txFillClrLst>
+    <dgm:txEffectClrLst/>
+  </dgm:styleLbl>
+  <dgm:styleLbl name="parChTrans1D4">
+    <dgm:fillClrLst meth="repeat">
+      <a:schemeClr val="accent6">
+        <a:tint val="50000"/>
+      </a:schemeClr>
+    </dgm:fillClrLst>
+    <dgm:linClrLst meth="repeat">
+      <a:schemeClr val="accent2"/>
+    </dgm:linClrLst>
+    <dgm:effectClrLst/>
+    <dgm:txLinClrLst/>
+    <dgm:txFillClrLst meth="repeat">
+      <a:schemeClr val="tx1"/>
+    </dgm:txFillClrLst>
+    <dgm:txEffectClrLst/>
+  </dgm:styleLbl>
+  <dgm:styleLbl name="fgAcc1">
+    <dgm:fillClrLst meth="repeat">
+      <a:schemeClr val="lt1">
+        <a:alpha val="90000"/>
+      </a:schemeClr>
+    </dgm:fillClrLst>
+    <dgm:linClrLst>
+      <a:schemeClr val="accent5"/>
+      <a:schemeClr val="accent6"/>
+    </dgm:linClrLst>
+    <dgm:effectClrLst/>
+    <dgm:txLinClrLst/>
+    <dgm:txFillClrLst meth="repeat">
+      <a:schemeClr val="dk1"/>
+    </dgm:txFillClrLst>
+    <dgm:txEffectClrLst/>
+  </dgm:styleLbl>
+  <dgm:styleLbl name="conFgAcc1">
+    <dgm:fillClrLst meth="repeat">
+      <a:schemeClr val="lt1">
+        <a:alpha val="90000"/>
+      </a:schemeClr>
+    </dgm:fillClrLst>
+    <dgm:linClrLst>
+      <a:schemeClr val="accent5"/>
+      <a:schemeClr val="accent6"/>
+    </dgm:linClrLst>
+    <dgm:effectClrLst/>
+    <dgm:txLinClrLst/>
+    <dgm:txFillClrLst meth="repeat">
+      <a:schemeClr val="dk1"/>
+    </dgm:txFillClrLst>
+    <dgm:txEffectClrLst/>
+  </dgm:styleLbl>
+  <dgm:styleLbl name="alignAcc1">
+    <dgm:fillClrLst meth="repeat">
+      <a:schemeClr val="lt1">
+        <a:alpha val="90000"/>
+      </a:schemeClr>
+    </dgm:fillClrLst>
+    <dgm:linClrLst>
+      <a:schemeClr val="accent5"/>
+      <a:schemeClr val="accent6"/>
+    </dgm:linClrLst>
+    <dgm:effectClrLst/>
+    <dgm:txLinClrLst/>
+    <dgm:txFillClrLst meth="repeat">
+      <a:schemeClr val="dk1"/>
+    </dgm:txFillClrLst>
+    <dgm:txEffectClrLst/>
+  </dgm:styleLbl>
+  <dgm:styleLbl name="trAlignAcc1">
+    <dgm:fillClrLst meth="repeat">
+      <a:schemeClr val="lt1">
+        <a:alpha val="40000"/>
+      </a:schemeClr>
+    </dgm:fillClrLst>
+    <dgm:linClrLst meth="repeat">
+      <a:schemeClr val="accent5"/>
+    </dgm:linClrLst>
+    <dgm:effectClrLst/>
+    <dgm:txLinClrLst/>
+    <dgm:txFillClrLst meth="repeat">
+      <a:schemeClr val="dk1"/>
+    </dgm:txFillClrLst>
+    <dgm:txEffectClrLst/>
+  </dgm:styleLbl>
+  <dgm:styleLbl name="bgAcc1">
+    <dgm:fillClrLst meth="repeat">
+      <a:schemeClr val="lt1">
+        <a:alpha val="90000"/>
+      </a:schemeClr>
+    </dgm:fillClrLst>
+    <dgm:linClrLst>
+      <a:schemeClr val="accent5"/>
+      <a:schemeClr val="accent6"/>
+    </dgm:linClrLst>
+    <dgm:effectClrLst/>
+    <dgm:txLinClrLst/>
+    <dgm:txFillClrLst meth="repeat">
+      <a:schemeClr val="dk1"/>
+    </dgm:txFillClrLst>
+    <dgm:txEffectClrLst/>
+  </dgm:styleLbl>
+  <dgm:styleLbl name="solidFgAcc1">
+    <dgm:fillClrLst meth="repeat">
+      <a:schemeClr val="lt1"/>
+    </dgm:fillClrLst>
+    <dgm:linClrLst>
+      <a:schemeClr val="accent5"/>
+      <a:schemeClr val="accent6"/>
+    </dgm:linClrLst>
+    <dgm:effectClrLst/>
+    <dgm:txLinClrLst/>
+    <dgm:txFillClrLst meth="repeat">
+      <a:schemeClr val="dk1"/>
+    </dgm:txFillClrLst>
+    <dgm:txEffectClrLst/>
+  </dgm:styleLbl>
+  <dgm:styleLbl name="solidAlignAcc1">
+    <dgm:fillClrLst meth="repeat">
+      <a:schemeClr val="lt1"/>
+    </dgm:fillClrLst>
+    <dgm:linClrLst>
+      <a:schemeClr val="accent5"/>
+      <a:schemeClr val="accent6"/>
+    </dgm:linClrLst>
+    <dgm:effectClrLst/>
+    <dgm:txLinClrLst/>
+    <dgm:txFillClrLst meth="repeat">
+      <a:schemeClr val="dk1"/>
+    </dgm:txFillClrLst>
+    <dgm:txEffectClrLst/>
+  </dgm:styleLbl>
+  <dgm:styleLbl name="solidBgAcc1">
+    <dgm:fillClrLst meth="repeat">
+      <a:schemeClr val="lt1"/>
+    </dgm:fillClrLst>
+    <dgm:linClrLst>
+      <a:schemeClr val="accent5"/>
+      <a:schemeClr val="accent6"/>
+    </dgm:linClrLst>
+    <dgm:effectClrLst/>
+    <dgm:txLinClrLst/>
+    <dgm:txFillClrLst meth="repeat">
+      <a:schemeClr val="dk1"/>
+    </dgm:txFillClrLst>
+    <dgm:txEffectClrLst/>
+  </dgm:styleLbl>
+  <dgm:styleLbl name="fgAccFollowNode1">
+    <dgm:fillClrLst>
+      <a:schemeClr val="accent5">
+        <a:tint val="40000"/>
+        <a:alpha val="90000"/>
+      </a:schemeClr>
+      <a:schemeClr val="accent6">
+        <a:tint val="40000"/>
+        <a:alpha val="90000"/>
+      </a:schemeClr>
+    </dgm:fillClrLst>
+    <dgm:linClrLst>
+      <a:schemeClr val="accent5">
+        <a:tint val="40000"/>
+        <a:alpha val="90000"/>
+      </a:schemeClr>
+      <a:schemeClr val="accent5">
+        <a:tint val="40000"/>
+        <a:alpha val="90000"/>
+      </a:schemeClr>
+    </dgm:linClrLst>
+    <dgm:effectClrLst/>
+    <dgm:txLinClrLst/>
+    <dgm:txFillClrLst meth="repeat">
+      <a:schemeClr val="dk1"/>
+    </dgm:txFillClrLst>
+    <dgm:txEffectClrLst/>
+  </dgm:styleLbl>
+  <dgm:styleLbl name="alignAccFollowNode1">
+    <dgm:fillClrLst>
+      <a:schemeClr val="accent5">
+        <a:tint val="40000"/>
+        <a:alpha val="90000"/>
+      </a:schemeClr>
+      <a:schemeClr val="accent6">
+        <a:tint val="40000"/>
+        <a:alpha val="90000"/>
+      </a:schemeClr>
+    </dgm:fillClrLst>
+    <dgm:linClrLst>
+      <a:schemeClr val="accent5">
+        <a:tint val="40000"/>
+        <a:alpha val="90000"/>
+      </a:schemeClr>
+      <a:schemeClr val="accent6">
+        <a:tint val="40000"/>
+        <a:alpha val="90000"/>
+      </a:schemeClr>
+    </dgm:linClrLst>
+    <dgm:effectClrLst/>
+    <dgm:txLinClrLst/>
+    <dgm:txFillClrLst meth="repeat">
+      <a:schemeClr val="dk1"/>
+    </dgm:txFillClrLst>
+    <dgm:txEffectClrLst/>
+  </dgm:styleLbl>
+  <dgm:styleLbl name="bgAccFollowNode1">
+    <dgm:fillClrLst>
+      <a:schemeClr val="accent5">
+        <a:tint val="40000"/>
+        <a:alpha val="90000"/>
+      </a:schemeClr>
+      <a:schemeClr val="accent6">
+        <a:tint val="40000"/>
+        <a:alpha val="90000"/>
+      </a:schemeClr>
+    </dgm:fillClrLst>
+    <dgm:linClrLst>
+      <a:schemeClr val="accent5">
+        <a:tint val="40000"/>
+        <a:alpha val="90000"/>
+      </a:schemeClr>
+      <a:schemeClr val="accent6">
+        <a:tint val="40000"/>
+        <a:alpha val="90000"/>
+      </a:schemeClr>
+    </dgm:linClrLst>
+    <dgm:effectClrLst/>
+    <dgm:txLinClrLst/>
+    <dgm:txFillClrLst meth="repeat">
+      <a:schemeClr val="dk1"/>
+    </dgm:txFillClrLst>
+    <dgm:txEffectClrLst/>
+  </dgm:styleLbl>
+  <dgm:styleLbl name="fgAcc0">
+    <dgm:fillClrLst meth="repeat">
+      <a:schemeClr val="lt1">
+        <a:alpha val="90000"/>
+      </a:schemeClr>
+    </dgm:fillClrLst>
+    <dgm:linClrLst>
+      <a:schemeClr val="accent4"/>
+    </dgm:linClrLst>
+    <dgm:effectClrLst/>
+    <dgm:txLinClrLst/>
+    <dgm:txFillClrLst meth="repeat">
+      <a:schemeClr val="dk1"/>
+    </dgm:txFillClrLst>
+    <dgm:txEffectClrLst/>
+  </dgm:styleLbl>
+  <dgm:styleLbl name="fgAcc2">
+    <dgm:fillClrLst meth="repeat">
+      <a:schemeClr val="lt1">
+        <a:alpha val="90000"/>
+      </a:schemeClr>
+    </dgm:fillClrLst>
+    <dgm:linClrLst>
+      <a:schemeClr val="accent6"/>
+    </dgm:linClrLst>
+    <dgm:effectClrLst/>
+    <dgm:txLinClrLst/>
+    <dgm:txFillClrLst meth="repeat">
+      <a:schemeClr val="dk1"/>
+    </dgm:txFillClrLst>
+    <dgm:txEffectClrLst/>
+  </dgm:styleLbl>
+  <dgm:styleLbl name="fgAcc3">
+    <dgm:fillClrLst meth="repeat">
+      <a:schemeClr val="lt1">
+        <a:alpha val="90000"/>
+      </a:schemeClr>
+    </dgm:fillClrLst>
+    <dgm:linClrLst>
+      <a:schemeClr val="accent1"/>
+    </dgm:linClrLst>
+    <dgm:effectClrLst/>
+    <dgm:txLinClrLst/>
+    <dgm:txFillClrLst meth="repeat">
+      <a:schemeClr val="dk1"/>
+    </dgm:txFillClrLst>
+    <dgm:txEffectClrLst/>
+  </dgm:styleLbl>
+  <dgm:styleLbl name="fgAcc4">
+    <dgm:fillClrLst meth="repeat">
+      <a:schemeClr val="lt1">
+        <a:alpha val="90000"/>
+      </a:schemeClr>
+    </dgm:fillClrLst>
+    <dgm:linClrLst>
+      <a:schemeClr val="accent2"/>
+    </dgm:linClrLst>
+    <dgm:effectClrLst/>
+    <dgm:txLinClrLst/>
+    <dgm:txFillClrLst meth="repeat">
+      <a:schemeClr val="dk1"/>
+    </dgm:txFillClrLst>
+    <dgm:txEffectClrLst/>
+  </dgm:styleLbl>
+  <dgm:styleLbl name="bgShp">
+    <dgm:fillClrLst meth="repeat">
+      <a:schemeClr val="accent5">
+        <a:tint val="40000"/>
+      </a:schemeClr>
+    </dgm:fillClrLst>
+    <dgm:linClrLst meth="repeat">
+      <a:schemeClr val="dk1"/>
+    </dgm:linClrLst>
+    <dgm:effectClrLst/>
+    <dgm:txLinClrLst/>
+    <dgm:txFillClrLst meth="repeat">
+      <a:schemeClr val="dk1"/>
+    </dgm:txFillClrLst>
+    <dgm:txEffectClrLst/>
+  </dgm:styleLbl>
+  <dgm:styleLbl name="dkBgShp">
+    <dgm:fillClrLst meth="repeat">
+      <a:schemeClr val="accent5">
+        <a:shade val="90000"/>
+      </a:schemeClr>
+    </dgm:fillClrLst>
+    <dgm:linClrLst meth="repeat">
+      <a:schemeClr val="dk1"/>
+    </dgm:linClrLst>
+    <dgm:effectClrLst/>
+    <dgm:txLinClrLst/>
+    <dgm:txFillClrLst meth="repeat">
+      <a:schemeClr val="lt1"/>
+    </dgm:txFillClrLst>
+    <dgm:txEffectClrLst/>
+  </dgm:styleLbl>
+  <dgm:styleLbl name="trBgShp">
+    <dgm:fillClrLst meth="repeat">
+      <a:schemeClr val="accent5">
+        <a:tint val="50000"/>
+        <a:alpha val="40000"/>
+      </a:schemeClr>
+    </dgm:fillClrLst>
+    <dgm:linClrLst meth="repeat">
+      <a:schemeClr val="accent5"/>
+    </dgm:linClrLst>
+    <dgm:effectClrLst/>
+    <dgm:txLinClrLst/>
+    <dgm:txFillClrLst meth="repeat">
+      <a:schemeClr val="lt1"/>
+    </dgm:txFillClrLst>
+    <dgm:txEffectClrLst/>
+  </dgm:styleLbl>
+  <dgm:styleLbl name="fgShp">
+    <dgm:fillClrLst meth="repeat">
+      <a:schemeClr val="accent5">
         <a:tint val="40000"/>
       </a:schemeClr>
     </dgm:fillClrLst>
@@ -10475,6 +11259,399 @@
   <dgm:extLst>
     <a:ext uri="http://schemas.microsoft.com/office/drawing/2008/diagram">
       <dsp:dataModelExt xmlns:dsp="http://schemas.microsoft.com/office/drawing/2008/diagram" relId="rId6" minVer="http://schemas.openxmlformats.org/drawingml/2006/diagram"/>
+    </a:ext>
+  </dgm:extLst>
+</dgm:dataModel>
+</file>
+
+<file path=ppt/diagrams/data12.xml><?xml version="1.0" encoding="utf-8"?>
+<dgm:dataModel xmlns:dgm="http://schemas.openxmlformats.org/drawingml/2006/diagram" xmlns:a="http://schemas.openxmlformats.org/drawingml/2006/main">
+  <dgm:ptLst>
+    <dgm:pt modelId="{5BE693AE-79D3-43F0-9F7F-FB612FEE3498}" type="doc">
+      <dgm:prSet loTypeId="urn:microsoft.com/office/officeart/2005/8/layout/process4" loCatId="process" qsTypeId="urn:microsoft.com/office/officeart/2005/8/quickstyle/simple4" qsCatId="simple" csTypeId="urn:microsoft.com/office/officeart/2005/8/colors/colorful5" csCatId="colorful" phldr="1"/>
+      <dgm:spPr/>
+      <dgm:t>
+        <a:bodyPr/>
+        <a:lstStyle/>
+        <a:p>
+          <a:endParaRPr lang="en-US"/>
+        </a:p>
+      </dgm:t>
+    </dgm:pt>
+    <dgm:pt modelId="{BBCE014C-8F69-4CD2-894B-B12DB54115CA}">
+      <dgm:prSet custT="1"/>
+      <dgm:spPr/>
+      <dgm:t>
+        <a:bodyPr anchor="t"/>
+        <a:lstStyle/>
+        <a:p>
+          <a:r>
+            <a:rPr lang="en-US" sz="4400" dirty="0"/>
+            <a:t>So what can we do in these cases?</a:t>
+          </a:r>
+        </a:p>
+      </dgm:t>
+    </dgm:pt>
+    <dgm:pt modelId="{892DAF0C-6CBD-45CA-B595-F7D5F556B1ED}" type="parTrans" cxnId="{16FF5E80-E6E1-4C01-8EDE-485FDE949222}">
+      <dgm:prSet/>
+      <dgm:spPr/>
+      <dgm:t>
+        <a:bodyPr/>
+        <a:lstStyle/>
+        <a:p>
+          <a:endParaRPr lang="en-US"/>
+        </a:p>
+      </dgm:t>
+    </dgm:pt>
+    <dgm:pt modelId="{B59CF155-71E4-430F-9561-ACC66EFC2D24}" type="sibTrans" cxnId="{16FF5E80-E6E1-4C01-8EDE-485FDE949222}">
+      <dgm:prSet/>
+      <dgm:spPr/>
+      <dgm:t>
+        <a:bodyPr/>
+        <a:lstStyle/>
+        <a:p>
+          <a:endParaRPr lang="en-US"/>
+        </a:p>
+      </dgm:t>
+    </dgm:pt>
+    <dgm:pt modelId="{09BB58D4-769E-42A7-B5B2-68519E2F6D54}">
+      <dgm:prSet/>
+      <dgm:spPr/>
+      <dgm:t>
+        <a:bodyPr/>
+        <a:lstStyle/>
+        <a:p>
+          <a:r>
+            <a:rPr lang="en-US" dirty="0"/>
+            <a:t>Control the familywise error rate</a:t>
+          </a:r>
+        </a:p>
+      </dgm:t>
+    </dgm:pt>
+    <dgm:pt modelId="{563B49EA-E46C-4963-83A3-0511B627FD96}" type="parTrans" cxnId="{AC521ABF-C424-4ECF-8891-6E27AB52AE3A}">
+      <dgm:prSet/>
+      <dgm:spPr/>
+      <dgm:t>
+        <a:bodyPr/>
+        <a:lstStyle/>
+        <a:p>
+          <a:endParaRPr lang="en-US"/>
+        </a:p>
+      </dgm:t>
+    </dgm:pt>
+    <dgm:pt modelId="{E393A4FA-D341-4ED3-BF43-DCA85A267E4D}" type="sibTrans" cxnId="{AC521ABF-C424-4ECF-8891-6E27AB52AE3A}">
+      <dgm:prSet/>
+      <dgm:spPr/>
+      <dgm:t>
+        <a:bodyPr/>
+        <a:lstStyle/>
+        <a:p>
+          <a:endParaRPr lang="en-US"/>
+        </a:p>
+      </dgm:t>
+    </dgm:pt>
+    <dgm:pt modelId="{5B08DBAE-F2D3-480A-8EFB-FF26A74BB895}">
+      <dgm:prSet/>
+      <dgm:spPr/>
+      <dgm:t>
+        <a:bodyPr/>
+        <a:lstStyle/>
+        <a:p>
+          <a:r>
+            <a:rPr lang="en-US" b="1" dirty="0"/>
+            <a:t>Familywise error rate </a:t>
+          </a:r>
+          <a:r>
+            <a:rPr lang="en-US" dirty="0"/>
+            <a:t>= proportion of all tests that yield a false positive </a:t>
+          </a:r>
+        </a:p>
+      </dgm:t>
+    </dgm:pt>
+    <dgm:pt modelId="{AFAE1111-9133-4BFF-895C-EF5FDAEA8DB9}" type="parTrans" cxnId="{25B9A06A-AC9E-4FF8-B1C5-A5A3E9C440FA}">
+      <dgm:prSet/>
+      <dgm:spPr/>
+      <dgm:t>
+        <a:bodyPr/>
+        <a:lstStyle/>
+        <a:p>
+          <a:endParaRPr lang="en-US"/>
+        </a:p>
+      </dgm:t>
+    </dgm:pt>
+    <dgm:pt modelId="{9A1CBA35-A050-475D-98F1-2B4817D21BA8}" type="sibTrans" cxnId="{25B9A06A-AC9E-4FF8-B1C5-A5A3E9C440FA}">
+      <dgm:prSet/>
+      <dgm:spPr/>
+      <dgm:t>
+        <a:bodyPr/>
+        <a:lstStyle/>
+        <a:p>
+          <a:endParaRPr lang="en-US"/>
+        </a:p>
+      </dgm:t>
+    </dgm:pt>
+    <dgm:pt modelId="{68DE7617-F035-45EC-8D4B-BD6CC21D9EC4}">
+      <dgm:prSet/>
+      <dgm:spPr/>
+      <dgm:t>
+        <a:bodyPr/>
+        <a:lstStyle/>
+        <a:p>
+          <a:r>
+            <a:rPr lang="en-US" dirty="0"/>
+            <a:t>Bonferroni correction: p-value x number of tests</a:t>
+          </a:r>
+        </a:p>
+      </dgm:t>
+    </dgm:pt>
+    <dgm:pt modelId="{58CC74F7-0691-422A-B54C-8094EB09CB56}" type="parTrans" cxnId="{FEF70A06-EA09-420E-94AC-77B1EAB9305C}">
+      <dgm:prSet/>
+      <dgm:spPr/>
+      <dgm:t>
+        <a:bodyPr/>
+        <a:lstStyle/>
+        <a:p>
+          <a:endParaRPr lang="en-US"/>
+        </a:p>
+      </dgm:t>
+    </dgm:pt>
+    <dgm:pt modelId="{1D157AFF-C514-48C1-9F8C-4BE56E6E9DEE}" type="sibTrans" cxnId="{FEF70A06-EA09-420E-94AC-77B1EAB9305C}">
+      <dgm:prSet/>
+      <dgm:spPr/>
+      <dgm:t>
+        <a:bodyPr/>
+        <a:lstStyle/>
+        <a:p>
+          <a:endParaRPr lang="en-US"/>
+        </a:p>
+      </dgm:t>
+    </dgm:pt>
+    <dgm:pt modelId="{1DFAEF13-353A-44F3-ABE7-546AD8F6D4BB}">
+      <dgm:prSet/>
+      <dgm:spPr/>
+      <dgm:t>
+        <a:bodyPr/>
+        <a:lstStyle/>
+        <a:p>
+          <a:r>
+            <a:rPr lang="en-US"/>
+            <a:t>This method is “harsh” in that they increase type II error (false negative) rates</a:t>
+          </a:r>
+        </a:p>
+      </dgm:t>
+    </dgm:pt>
+    <dgm:pt modelId="{54A78CED-69DB-4FE0-B4BA-FD7C8C6699E5}" type="parTrans" cxnId="{81AE9EB1-E7DD-4B67-9FFD-B238BF2BA3E3}">
+      <dgm:prSet/>
+      <dgm:spPr/>
+      <dgm:t>
+        <a:bodyPr/>
+        <a:lstStyle/>
+        <a:p>
+          <a:endParaRPr lang="en-US"/>
+        </a:p>
+      </dgm:t>
+    </dgm:pt>
+    <dgm:pt modelId="{CFD27CC2-FD27-4B97-B3F6-73A484124DA2}" type="sibTrans" cxnId="{81AE9EB1-E7DD-4B67-9FFD-B238BF2BA3E3}">
+      <dgm:prSet/>
+      <dgm:spPr/>
+      <dgm:t>
+        <a:bodyPr/>
+        <a:lstStyle/>
+        <a:p>
+          <a:endParaRPr lang="en-US"/>
+        </a:p>
+      </dgm:t>
+    </dgm:pt>
+    <dgm:pt modelId="{0DBCBC22-1C8C-4246-B1AD-2135F995A8C4}">
+      <dgm:prSet/>
+      <dgm:spPr/>
+      <dgm:t>
+        <a:bodyPr/>
+        <a:lstStyle/>
+        <a:p>
+          <a:r>
+            <a:rPr lang="en-US" dirty="0"/>
+            <a:t>Control the false discovery rate</a:t>
+          </a:r>
+        </a:p>
+      </dgm:t>
+    </dgm:pt>
+    <dgm:pt modelId="{9C222C24-16EE-419B-A622-DD2CC9F81CCE}" type="parTrans" cxnId="{2021424D-CB4F-460A-B755-099A291BA2A1}">
+      <dgm:prSet/>
+      <dgm:spPr/>
+      <dgm:t>
+        <a:bodyPr/>
+        <a:lstStyle/>
+        <a:p>
+          <a:endParaRPr lang="en-US"/>
+        </a:p>
+      </dgm:t>
+    </dgm:pt>
+    <dgm:pt modelId="{DF2EEAFF-FF1E-4927-934B-3F61EF087C5E}" type="sibTrans" cxnId="{2021424D-CB4F-460A-B755-099A291BA2A1}">
+      <dgm:prSet/>
+      <dgm:spPr/>
+      <dgm:t>
+        <a:bodyPr/>
+        <a:lstStyle/>
+        <a:p>
+          <a:endParaRPr lang="en-US"/>
+        </a:p>
+      </dgm:t>
+    </dgm:pt>
+    <dgm:pt modelId="{C76BA0E1-525B-4417-8CD8-952B8C559C29}">
+      <dgm:prSet/>
+      <dgm:spPr/>
+      <dgm:t>
+        <a:bodyPr/>
+        <a:lstStyle/>
+        <a:p>
+          <a:r>
+            <a:rPr lang="en-US" b="1" dirty="0"/>
+            <a:t>False discovery rate </a:t>
+          </a:r>
+          <a:r>
+            <a:rPr lang="en-US" dirty="0"/>
+            <a:t>= proportion of all significant tests that yield a false positive</a:t>
+          </a:r>
+        </a:p>
+      </dgm:t>
+    </dgm:pt>
+    <dgm:pt modelId="{D1C841F4-BEF6-4204-9E3C-D5F1F6718185}" type="parTrans" cxnId="{5D0C5703-7568-4714-B31E-B7E300096093}">
+      <dgm:prSet/>
+      <dgm:spPr/>
+      <dgm:t>
+        <a:bodyPr/>
+        <a:lstStyle/>
+        <a:p>
+          <a:endParaRPr lang="en-US"/>
+        </a:p>
+      </dgm:t>
+    </dgm:pt>
+    <dgm:pt modelId="{0B6B7BEC-8C42-494A-A2D3-39CBE3BA0DBA}" type="sibTrans" cxnId="{5D0C5703-7568-4714-B31E-B7E300096093}">
+      <dgm:prSet/>
+      <dgm:spPr/>
+      <dgm:t>
+        <a:bodyPr/>
+        <a:lstStyle/>
+        <a:p>
+          <a:endParaRPr lang="en-US"/>
+        </a:p>
+      </dgm:t>
+    </dgm:pt>
+    <dgm:pt modelId="{E9140857-20D8-4493-A939-019932059CC1}">
+      <dgm:prSet/>
+      <dgm:spPr/>
+      <dgm:t>
+        <a:bodyPr/>
+        <a:lstStyle/>
+        <a:p>
+          <a:r>
+            <a:rPr lang="en-US" dirty="0" err="1"/>
+            <a:t>Benjamini</a:t>
+          </a:r>
+          <a:r>
+            <a:rPr lang="en-US" dirty="0"/>
+            <a:t>-Hochberg (BH or FDR) </a:t>
+          </a:r>
+        </a:p>
+      </dgm:t>
+    </dgm:pt>
+    <dgm:pt modelId="{E11403AE-DBBA-4CAF-8F05-67487CBD066F}" type="parTrans" cxnId="{5BD66D33-965D-4466-AA2B-0A1C2F338BCE}">
+      <dgm:prSet/>
+      <dgm:spPr/>
+      <dgm:t>
+        <a:bodyPr/>
+        <a:lstStyle/>
+        <a:p>
+          <a:endParaRPr lang="en-US"/>
+        </a:p>
+      </dgm:t>
+    </dgm:pt>
+    <dgm:pt modelId="{C6510B8A-E8D6-4FC6-84B5-3217DE7701C8}" type="sibTrans" cxnId="{5BD66D33-965D-4466-AA2B-0A1C2F338BCE}">
+      <dgm:prSet/>
+      <dgm:spPr/>
+      <dgm:t>
+        <a:bodyPr/>
+        <a:lstStyle/>
+        <a:p>
+          <a:endParaRPr lang="en-US"/>
+        </a:p>
+      </dgm:t>
+    </dgm:pt>
+    <dgm:pt modelId="{DF6D8E94-1A1E-CB42-9C8D-E60CA56FC1D2}" type="pres">
+      <dgm:prSet presAssocID="{5BE693AE-79D3-43F0-9F7F-FB612FEE3498}" presName="Name0" presStyleCnt="0">
+        <dgm:presLayoutVars>
+          <dgm:dir/>
+          <dgm:animLvl val="lvl"/>
+          <dgm:resizeHandles val="exact"/>
+        </dgm:presLayoutVars>
+      </dgm:prSet>
+      <dgm:spPr/>
+    </dgm:pt>
+    <dgm:pt modelId="{2D632EDC-88E7-EE40-9CD4-07CD0069772F}" type="pres">
+      <dgm:prSet presAssocID="{BBCE014C-8F69-4CD2-894B-B12DB54115CA}" presName="boxAndChildren" presStyleCnt="0"/>
+      <dgm:spPr/>
+    </dgm:pt>
+    <dgm:pt modelId="{480EE074-CBC0-4A42-A75B-71E68D4BD0B6}" type="pres">
+      <dgm:prSet presAssocID="{BBCE014C-8F69-4CD2-894B-B12DB54115CA}" presName="parentTextBox" presStyleLbl="node1" presStyleIdx="0" presStyleCnt="1"/>
+      <dgm:spPr/>
+    </dgm:pt>
+    <dgm:pt modelId="{C85835B6-1165-F44C-9E11-5935023C0D79}" type="pres">
+      <dgm:prSet presAssocID="{BBCE014C-8F69-4CD2-894B-B12DB54115CA}" presName="entireBox" presStyleLbl="node1" presStyleIdx="0" presStyleCnt="1"/>
+      <dgm:spPr/>
+    </dgm:pt>
+    <dgm:pt modelId="{4811CE29-8C8F-F14C-B285-C5D14007C146}" type="pres">
+      <dgm:prSet presAssocID="{BBCE014C-8F69-4CD2-894B-B12DB54115CA}" presName="descendantBox" presStyleCnt="0"/>
+      <dgm:spPr/>
+    </dgm:pt>
+    <dgm:pt modelId="{5D5CFD7B-D1BE-8040-9DDF-9F3CEEE13DEC}" type="pres">
+      <dgm:prSet presAssocID="{09BB58D4-769E-42A7-B5B2-68519E2F6D54}" presName="childTextBox" presStyleLbl="fgAccFollowNode1" presStyleIdx="0" presStyleCnt="2" custScaleY="131495" custLinFactNeighborY="-11855">
+        <dgm:presLayoutVars>
+          <dgm:bulletEnabled val="1"/>
+        </dgm:presLayoutVars>
+      </dgm:prSet>
+      <dgm:spPr/>
+    </dgm:pt>
+    <dgm:pt modelId="{BFB16084-E048-0541-9BB2-57217A8EEB89}" type="pres">
+      <dgm:prSet presAssocID="{0DBCBC22-1C8C-4246-B1AD-2135F995A8C4}" presName="childTextBox" presStyleLbl="fgAccFollowNode1" presStyleIdx="1" presStyleCnt="2" custScaleY="131495" custLinFactNeighborY="-11862">
+        <dgm:presLayoutVars>
+          <dgm:bulletEnabled val="1"/>
+        </dgm:presLayoutVars>
+      </dgm:prSet>
+      <dgm:spPr/>
+    </dgm:pt>
+  </dgm:ptLst>
+  <dgm:cxnLst>
+    <dgm:cxn modelId="{5D0C5703-7568-4714-B31E-B7E300096093}" srcId="{0DBCBC22-1C8C-4246-B1AD-2135F995A8C4}" destId="{C76BA0E1-525B-4417-8CD8-952B8C559C29}" srcOrd="0" destOrd="0" parTransId="{D1C841F4-BEF6-4204-9E3C-D5F1F6718185}" sibTransId="{0B6B7BEC-8C42-494A-A2D3-39CBE3BA0DBA}"/>
+    <dgm:cxn modelId="{FEF70A06-EA09-420E-94AC-77B1EAB9305C}" srcId="{09BB58D4-769E-42A7-B5B2-68519E2F6D54}" destId="{68DE7617-F035-45EC-8D4B-BD6CC21D9EC4}" srcOrd="1" destOrd="0" parTransId="{58CC74F7-0691-422A-B54C-8094EB09CB56}" sibTransId="{1D157AFF-C514-48C1-9F8C-4BE56E6E9DEE}"/>
+    <dgm:cxn modelId="{7800C326-4ED2-0140-A532-F171A2086572}" type="presOf" srcId="{68DE7617-F035-45EC-8D4B-BD6CC21D9EC4}" destId="{5D5CFD7B-D1BE-8040-9DDF-9F3CEEE13DEC}" srcOrd="0" destOrd="2" presId="urn:microsoft.com/office/officeart/2005/8/layout/process4"/>
+    <dgm:cxn modelId="{5BD66D33-965D-4466-AA2B-0A1C2F338BCE}" srcId="{0DBCBC22-1C8C-4246-B1AD-2135F995A8C4}" destId="{E9140857-20D8-4493-A939-019932059CC1}" srcOrd="1" destOrd="0" parTransId="{E11403AE-DBBA-4CAF-8F05-67487CBD066F}" sibTransId="{C6510B8A-E8D6-4FC6-84B5-3217DE7701C8}"/>
+    <dgm:cxn modelId="{2021424D-CB4F-460A-B755-099A291BA2A1}" srcId="{BBCE014C-8F69-4CD2-894B-B12DB54115CA}" destId="{0DBCBC22-1C8C-4246-B1AD-2135F995A8C4}" srcOrd="1" destOrd="0" parTransId="{9C222C24-16EE-419B-A622-DD2CC9F81CCE}" sibTransId="{DF2EEAFF-FF1E-4927-934B-3F61EF087C5E}"/>
+    <dgm:cxn modelId="{C4238165-98AC-FA47-A5FA-4A4CA6433DE3}" type="presOf" srcId="{5BE693AE-79D3-43F0-9F7F-FB612FEE3498}" destId="{DF6D8E94-1A1E-CB42-9C8D-E60CA56FC1D2}" srcOrd="0" destOrd="0" presId="urn:microsoft.com/office/officeart/2005/8/layout/process4"/>
+    <dgm:cxn modelId="{25B9A06A-AC9E-4FF8-B1C5-A5A3E9C440FA}" srcId="{09BB58D4-769E-42A7-B5B2-68519E2F6D54}" destId="{5B08DBAE-F2D3-480A-8EFB-FF26A74BB895}" srcOrd="0" destOrd="0" parTransId="{AFAE1111-9133-4BFF-895C-EF5FDAEA8DB9}" sibTransId="{9A1CBA35-A050-475D-98F1-2B4817D21BA8}"/>
+    <dgm:cxn modelId="{EC2D176B-0E9B-314E-88C6-FE34CEEFE1E5}" type="presOf" srcId="{5B08DBAE-F2D3-480A-8EFB-FF26A74BB895}" destId="{5D5CFD7B-D1BE-8040-9DDF-9F3CEEE13DEC}" srcOrd="0" destOrd="1" presId="urn:microsoft.com/office/officeart/2005/8/layout/process4"/>
+    <dgm:cxn modelId="{16FF5E80-E6E1-4C01-8EDE-485FDE949222}" srcId="{5BE693AE-79D3-43F0-9F7F-FB612FEE3498}" destId="{BBCE014C-8F69-4CD2-894B-B12DB54115CA}" srcOrd="0" destOrd="0" parTransId="{892DAF0C-6CBD-45CA-B595-F7D5F556B1ED}" sibTransId="{B59CF155-71E4-430F-9561-ACC66EFC2D24}"/>
+    <dgm:cxn modelId="{45520484-C93E-894E-8351-33DAC5FC51B3}" type="presOf" srcId="{0DBCBC22-1C8C-4246-B1AD-2135F995A8C4}" destId="{BFB16084-E048-0541-9BB2-57217A8EEB89}" srcOrd="0" destOrd="0" presId="urn:microsoft.com/office/officeart/2005/8/layout/process4"/>
+    <dgm:cxn modelId="{81AE9EB1-E7DD-4B67-9FFD-B238BF2BA3E3}" srcId="{09BB58D4-769E-42A7-B5B2-68519E2F6D54}" destId="{1DFAEF13-353A-44F3-ABE7-546AD8F6D4BB}" srcOrd="2" destOrd="0" parTransId="{54A78CED-69DB-4FE0-B4BA-FD7C8C6699E5}" sibTransId="{CFD27CC2-FD27-4B97-B3F6-73A484124DA2}"/>
+    <dgm:cxn modelId="{CF24DFB8-CA7A-9C4F-AC7A-C002E5426237}" type="presOf" srcId="{1DFAEF13-353A-44F3-ABE7-546AD8F6D4BB}" destId="{5D5CFD7B-D1BE-8040-9DDF-9F3CEEE13DEC}" srcOrd="0" destOrd="3" presId="urn:microsoft.com/office/officeart/2005/8/layout/process4"/>
+    <dgm:cxn modelId="{AEDB1EB9-2D4C-8545-93ED-1404EB422B3D}" type="presOf" srcId="{BBCE014C-8F69-4CD2-894B-B12DB54115CA}" destId="{480EE074-CBC0-4A42-A75B-71E68D4BD0B6}" srcOrd="0" destOrd="0" presId="urn:microsoft.com/office/officeart/2005/8/layout/process4"/>
+    <dgm:cxn modelId="{AC521ABF-C424-4ECF-8891-6E27AB52AE3A}" srcId="{BBCE014C-8F69-4CD2-894B-B12DB54115CA}" destId="{09BB58D4-769E-42A7-B5B2-68519E2F6D54}" srcOrd="0" destOrd="0" parTransId="{563B49EA-E46C-4963-83A3-0511B627FD96}" sibTransId="{E393A4FA-D341-4ED3-BF43-DCA85A267E4D}"/>
+    <dgm:cxn modelId="{A309AFBF-8C2C-2743-9494-CBB10DE80000}" type="presOf" srcId="{C76BA0E1-525B-4417-8CD8-952B8C559C29}" destId="{BFB16084-E048-0541-9BB2-57217A8EEB89}" srcOrd="0" destOrd="1" presId="urn:microsoft.com/office/officeart/2005/8/layout/process4"/>
+    <dgm:cxn modelId="{46E042D5-CE73-3147-94CD-19CC8F54B110}" type="presOf" srcId="{BBCE014C-8F69-4CD2-894B-B12DB54115CA}" destId="{C85835B6-1165-F44C-9E11-5935023C0D79}" srcOrd="1" destOrd="0" presId="urn:microsoft.com/office/officeart/2005/8/layout/process4"/>
+    <dgm:cxn modelId="{6792C9F2-D848-634E-A8BC-A0651B713DA9}" type="presOf" srcId="{09BB58D4-769E-42A7-B5B2-68519E2F6D54}" destId="{5D5CFD7B-D1BE-8040-9DDF-9F3CEEE13DEC}" srcOrd="0" destOrd="0" presId="urn:microsoft.com/office/officeart/2005/8/layout/process4"/>
+    <dgm:cxn modelId="{CAD26CFB-5322-B247-9064-E0B25A46B719}" type="presOf" srcId="{E9140857-20D8-4493-A939-019932059CC1}" destId="{BFB16084-E048-0541-9BB2-57217A8EEB89}" srcOrd="0" destOrd="2" presId="urn:microsoft.com/office/officeart/2005/8/layout/process4"/>
+    <dgm:cxn modelId="{D965CF25-15D7-884F-8AE4-6CA18A59303D}" type="presParOf" srcId="{DF6D8E94-1A1E-CB42-9C8D-E60CA56FC1D2}" destId="{2D632EDC-88E7-EE40-9CD4-07CD0069772F}" srcOrd="0" destOrd="0" presId="urn:microsoft.com/office/officeart/2005/8/layout/process4"/>
+    <dgm:cxn modelId="{555186A0-6F30-804A-8F7B-6296F2EDB85E}" type="presParOf" srcId="{2D632EDC-88E7-EE40-9CD4-07CD0069772F}" destId="{480EE074-CBC0-4A42-A75B-71E68D4BD0B6}" srcOrd="0" destOrd="0" presId="urn:microsoft.com/office/officeart/2005/8/layout/process4"/>
+    <dgm:cxn modelId="{667417A8-6E8A-4B46-AC09-1DB235FA8735}" type="presParOf" srcId="{2D632EDC-88E7-EE40-9CD4-07CD0069772F}" destId="{C85835B6-1165-F44C-9E11-5935023C0D79}" srcOrd="1" destOrd="0" presId="urn:microsoft.com/office/officeart/2005/8/layout/process4"/>
+    <dgm:cxn modelId="{221466E9-17B6-1E42-B1EB-3ED282EBD0FC}" type="presParOf" srcId="{2D632EDC-88E7-EE40-9CD4-07CD0069772F}" destId="{4811CE29-8C8F-F14C-B285-C5D14007C146}" srcOrd="2" destOrd="0" presId="urn:microsoft.com/office/officeart/2005/8/layout/process4"/>
+    <dgm:cxn modelId="{081B8D40-CEFB-1F4B-B9D3-288404126B5C}" type="presParOf" srcId="{4811CE29-8C8F-F14C-B285-C5D14007C146}" destId="{5D5CFD7B-D1BE-8040-9DDF-9F3CEEE13DEC}" srcOrd="0" destOrd="0" presId="urn:microsoft.com/office/officeart/2005/8/layout/process4"/>
+    <dgm:cxn modelId="{7C3B975B-F622-8742-82F4-134D9C35D9C9}" type="presParOf" srcId="{4811CE29-8C8F-F14C-B285-C5D14007C146}" destId="{BFB16084-E048-0541-9BB2-57217A8EEB89}" srcOrd="1" destOrd="0" presId="urn:microsoft.com/office/officeart/2005/8/layout/process4"/>
+  </dgm:cxnLst>
+  <dgm:bg/>
+  <dgm:whole/>
+  <dgm:extLst>
+    <a:ext uri="http://schemas.microsoft.com/office/drawing/2008/diagram">
+      <dsp:dataModelExt xmlns:dsp="http://schemas.microsoft.com/office/drawing/2008/diagram" relId="rId7" minVer="http://schemas.openxmlformats.org/drawingml/2006/diagram"/>
     </a:ext>
   </dgm:extLst>
 </dgm:dataModel>
@@ -16037,6 +17214,377 @@
       <dsp:txXfrm>
         <a:off x="7748959" y="1954257"/>
         <a:ext cx="1790973" cy="1112013"/>
+      </dsp:txXfrm>
+    </dsp:sp>
+  </dsp:spTree>
+</dsp:drawing>
+</file>
+
+<file path=ppt/diagrams/drawing12.xml><?xml version="1.0" encoding="utf-8"?>
+<dsp:drawing xmlns:dgm="http://schemas.openxmlformats.org/drawingml/2006/diagram" xmlns:dsp="http://schemas.microsoft.com/office/drawing/2008/diagram" xmlns:a="http://schemas.openxmlformats.org/drawingml/2006/main">
+  <dsp:spTree>
+    <dsp:nvGrpSpPr>
+      <dsp:cNvPr id="0" name=""/>
+      <dsp:cNvGrpSpPr/>
+    </dsp:nvGrpSpPr>
+    <dsp:grpSpPr/>
+    <dsp:sp modelId="{C85835B6-1165-F44C-9E11-5935023C0D79}">
+      <dsp:nvSpPr>
+        <dsp:cNvPr id="0" name=""/>
+        <dsp:cNvSpPr/>
+      </dsp:nvSpPr>
+      <dsp:spPr>
+        <a:xfrm>
+          <a:off x="0" y="2498"/>
+          <a:ext cx="5651500" cy="4716549"/>
+        </a:xfrm>
+        <a:prstGeom prst="rect">
+          <a:avLst/>
+        </a:prstGeom>
+        <a:gradFill rotWithShape="0">
+          <a:gsLst>
+            <a:gs pos="0">
+              <a:schemeClr val="accent5">
+                <a:hueOff val="0"/>
+                <a:satOff val="0"/>
+                <a:lumOff val="0"/>
+                <a:alphaOff val="0"/>
+                <a:tint val="97000"/>
+                <a:satMod val="100000"/>
+                <a:lumMod val="102000"/>
+              </a:schemeClr>
+            </a:gs>
+            <a:gs pos="50000">
+              <a:schemeClr val="accent5">
+                <a:hueOff val="0"/>
+                <a:satOff val="0"/>
+                <a:lumOff val="0"/>
+                <a:alphaOff val="0"/>
+                <a:shade val="100000"/>
+                <a:satMod val="103000"/>
+                <a:lumMod val="100000"/>
+              </a:schemeClr>
+            </a:gs>
+            <a:gs pos="100000">
+              <a:schemeClr val="accent5">
+                <a:hueOff val="0"/>
+                <a:satOff val="0"/>
+                <a:lumOff val="0"/>
+                <a:alphaOff val="0"/>
+                <a:shade val="93000"/>
+                <a:satMod val="110000"/>
+                <a:lumMod val="99000"/>
+              </a:schemeClr>
+            </a:gs>
+          </a:gsLst>
+          <a:lin ang="5400000" scaled="0"/>
+        </a:gradFill>
+        <a:ln>
+          <a:noFill/>
+        </a:ln>
+        <a:effectLst/>
+      </dsp:spPr>
+      <dsp:style>
+        <a:lnRef idx="0">
+          <a:scrgbClr r="0" g="0" b="0"/>
+        </a:lnRef>
+        <a:fillRef idx="3">
+          <a:scrgbClr r="0" g="0" b="0"/>
+        </a:fillRef>
+        <a:effectRef idx="2">
+          <a:scrgbClr r="0" g="0" b="0"/>
+        </a:effectRef>
+        <a:fontRef idx="minor">
+          <a:schemeClr val="lt1"/>
+        </a:fontRef>
+      </dsp:style>
+      <dsp:txBody>
+        <a:bodyPr spcFirstLastPara="0" vert="horz" wrap="square" lIns="312928" tIns="312928" rIns="312928" bIns="312928" numCol="1" spcCol="1270" anchor="t" anchorCtr="0">
+          <a:noAutofit/>
+        </a:bodyPr>
+        <a:lstStyle/>
+        <a:p>
+          <a:pPr marL="0" lvl="0" indent="0" algn="ctr" defTabSz="1955800">
+            <a:lnSpc>
+              <a:spcPct val="90000"/>
+            </a:lnSpc>
+            <a:spcBef>
+              <a:spcPct val="0"/>
+            </a:spcBef>
+            <a:spcAft>
+              <a:spcPct val="35000"/>
+            </a:spcAft>
+            <a:buNone/>
+          </a:pPr>
+          <a:r>
+            <a:rPr lang="en-US" sz="4400" kern="1200" dirty="0"/>
+            <a:t>So what can we do in these cases?</a:t>
+          </a:r>
+        </a:p>
+      </dsp:txBody>
+      <dsp:txXfrm>
+        <a:off x="0" y="2498"/>
+        <a:ext cx="5651500" cy="2546936"/>
+      </dsp:txXfrm>
+    </dsp:sp>
+    <dsp:sp modelId="{5D5CFD7B-D1BE-8040-9DDF-9F3CEEE13DEC}">
+      <dsp:nvSpPr>
+        <dsp:cNvPr id="0" name=""/>
+        <dsp:cNvSpPr/>
+      </dsp:nvSpPr>
+      <dsp:spPr>
+        <a:xfrm>
+          <a:off x="0" y="1856236"/>
+          <a:ext cx="2825749" cy="2852932"/>
+        </a:xfrm>
+        <a:prstGeom prst="rect">
+          <a:avLst/>
+        </a:prstGeom>
+        <a:solidFill>
+          <a:schemeClr val="accent5">
+            <a:tint val="40000"/>
+            <a:alpha val="90000"/>
+            <a:hueOff val="0"/>
+            <a:satOff val="0"/>
+            <a:lumOff val="0"/>
+            <a:alphaOff val="0"/>
+          </a:schemeClr>
+        </a:solidFill>
+        <a:ln w="6350" cap="flat" cmpd="sng" algn="ctr">
+          <a:solidFill>
+            <a:schemeClr val="accent5">
+              <a:tint val="40000"/>
+              <a:alpha val="90000"/>
+              <a:hueOff val="0"/>
+              <a:satOff val="0"/>
+              <a:lumOff val="0"/>
+              <a:alphaOff val="0"/>
+            </a:schemeClr>
+          </a:solidFill>
+          <a:prstDash val="solid"/>
+        </a:ln>
+        <a:effectLst/>
+      </dsp:spPr>
+      <dsp:style>
+        <a:lnRef idx="1">
+          <a:scrgbClr r="0" g="0" b="0"/>
+        </a:lnRef>
+        <a:fillRef idx="1">
+          <a:scrgbClr r="0" g="0" b="0"/>
+        </a:fillRef>
+        <a:effectRef idx="0">
+          <a:scrgbClr r="0" g="0" b="0"/>
+        </a:effectRef>
+        <a:fontRef idx="minor"/>
+      </dsp:style>
+      <dsp:txBody>
+        <a:bodyPr spcFirstLastPara="0" vert="horz" wrap="square" lIns="156464" tIns="27940" rIns="156464" bIns="27940" numCol="1" spcCol="1270" anchor="t" anchorCtr="0">
+          <a:noAutofit/>
+        </a:bodyPr>
+        <a:lstStyle/>
+        <a:p>
+          <a:pPr marL="0" lvl="0" indent="0" algn="l" defTabSz="977900">
+            <a:lnSpc>
+              <a:spcPct val="90000"/>
+            </a:lnSpc>
+            <a:spcBef>
+              <a:spcPct val="0"/>
+            </a:spcBef>
+            <a:spcAft>
+              <a:spcPct val="35000"/>
+            </a:spcAft>
+            <a:buNone/>
+          </a:pPr>
+          <a:r>
+            <a:rPr lang="en-US" sz="2200" kern="1200" dirty="0"/>
+            <a:t>Control the familywise error rate</a:t>
+          </a:r>
+        </a:p>
+        <a:p>
+          <a:pPr marL="171450" lvl="1" indent="-171450" algn="l" defTabSz="755650">
+            <a:lnSpc>
+              <a:spcPct val="90000"/>
+            </a:lnSpc>
+            <a:spcBef>
+              <a:spcPct val="0"/>
+            </a:spcBef>
+            <a:spcAft>
+              <a:spcPct val="15000"/>
+            </a:spcAft>
+            <a:buChar char="•"/>
+          </a:pPr>
+          <a:r>
+            <a:rPr lang="en-US" sz="1700" b="1" kern="1200" dirty="0"/>
+            <a:t>Familywise error rate </a:t>
+          </a:r>
+          <a:r>
+            <a:rPr lang="en-US" sz="1700" kern="1200" dirty="0"/>
+            <a:t>= proportion of all tests that yield a false positive </a:t>
+          </a:r>
+        </a:p>
+        <a:p>
+          <a:pPr marL="171450" lvl="1" indent="-171450" algn="l" defTabSz="755650">
+            <a:lnSpc>
+              <a:spcPct val="90000"/>
+            </a:lnSpc>
+            <a:spcBef>
+              <a:spcPct val="0"/>
+            </a:spcBef>
+            <a:spcAft>
+              <a:spcPct val="15000"/>
+            </a:spcAft>
+            <a:buChar char="•"/>
+          </a:pPr>
+          <a:r>
+            <a:rPr lang="en-US" sz="1700" kern="1200" dirty="0"/>
+            <a:t>Bonferroni correction: p-value x number of tests</a:t>
+          </a:r>
+        </a:p>
+        <a:p>
+          <a:pPr marL="171450" lvl="1" indent="-171450" algn="l" defTabSz="755650">
+            <a:lnSpc>
+              <a:spcPct val="90000"/>
+            </a:lnSpc>
+            <a:spcBef>
+              <a:spcPct val="0"/>
+            </a:spcBef>
+            <a:spcAft>
+              <a:spcPct val="15000"/>
+            </a:spcAft>
+            <a:buChar char="•"/>
+          </a:pPr>
+          <a:r>
+            <a:rPr lang="en-US" sz="1700" kern="1200"/>
+            <a:t>This method is “harsh” in that they increase type II error (false negative) rates</a:t>
+          </a:r>
+        </a:p>
+      </dsp:txBody>
+      <dsp:txXfrm>
+        <a:off x="0" y="1856236"/>
+        <a:ext cx="2825749" cy="2852932"/>
+      </dsp:txXfrm>
+    </dsp:sp>
+    <dsp:sp modelId="{BFB16084-E048-0541-9BB2-57217A8EEB89}">
+      <dsp:nvSpPr>
+        <dsp:cNvPr id="0" name=""/>
+        <dsp:cNvSpPr/>
+      </dsp:nvSpPr>
+      <dsp:spPr>
+        <a:xfrm>
+          <a:off x="2825750" y="1856084"/>
+          <a:ext cx="2825749" cy="2852932"/>
+        </a:xfrm>
+        <a:prstGeom prst="rect">
+          <a:avLst/>
+        </a:prstGeom>
+        <a:solidFill>
+          <a:schemeClr val="accent5">
+            <a:tint val="40000"/>
+            <a:alpha val="90000"/>
+            <a:hueOff val="-135881"/>
+            <a:satOff val="-1995"/>
+            <a:lumOff val="2856"/>
+            <a:alphaOff val="0"/>
+          </a:schemeClr>
+        </a:solidFill>
+        <a:ln w="6350" cap="flat" cmpd="sng" algn="ctr">
+          <a:solidFill>
+            <a:schemeClr val="accent5">
+              <a:tint val="40000"/>
+              <a:alpha val="90000"/>
+              <a:hueOff val="0"/>
+              <a:satOff val="0"/>
+              <a:lumOff val="0"/>
+              <a:alphaOff val="0"/>
+            </a:schemeClr>
+          </a:solidFill>
+          <a:prstDash val="solid"/>
+        </a:ln>
+        <a:effectLst/>
+      </dsp:spPr>
+      <dsp:style>
+        <a:lnRef idx="1">
+          <a:scrgbClr r="0" g="0" b="0"/>
+        </a:lnRef>
+        <a:fillRef idx="1">
+          <a:scrgbClr r="0" g="0" b="0"/>
+        </a:fillRef>
+        <a:effectRef idx="0">
+          <a:scrgbClr r="0" g="0" b="0"/>
+        </a:effectRef>
+        <a:fontRef idx="minor"/>
+      </dsp:style>
+      <dsp:txBody>
+        <a:bodyPr spcFirstLastPara="0" vert="horz" wrap="square" lIns="156464" tIns="27940" rIns="156464" bIns="27940" numCol="1" spcCol="1270" anchor="t" anchorCtr="0">
+          <a:noAutofit/>
+        </a:bodyPr>
+        <a:lstStyle/>
+        <a:p>
+          <a:pPr marL="0" lvl="0" indent="0" algn="l" defTabSz="977900">
+            <a:lnSpc>
+              <a:spcPct val="90000"/>
+            </a:lnSpc>
+            <a:spcBef>
+              <a:spcPct val="0"/>
+            </a:spcBef>
+            <a:spcAft>
+              <a:spcPct val="35000"/>
+            </a:spcAft>
+            <a:buNone/>
+          </a:pPr>
+          <a:r>
+            <a:rPr lang="en-US" sz="2200" kern="1200" dirty="0"/>
+            <a:t>Control the false discovery rate</a:t>
+          </a:r>
+        </a:p>
+        <a:p>
+          <a:pPr marL="171450" lvl="1" indent="-171450" algn="l" defTabSz="755650">
+            <a:lnSpc>
+              <a:spcPct val="90000"/>
+            </a:lnSpc>
+            <a:spcBef>
+              <a:spcPct val="0"/>
+            </a:spcBef>
+            <a:spcAft>
+              <a:spcPct val="15000"/>
+            </a:spcAft>
+            <a:buChar char="•"/>
+          </a:pPr>
+          <a:r>
+            <a:rPr lang="en-US" sz="1700" b="1" kern="1200" dirty="0"/>
+            <a:t>False discovery rate </a:t>
+          </a:r>
+          <a:r>
+            <a:rPr lang="en-US" sz="1700" kern="1200" dirty="0"/>
+            <a:t>= proportion of all significant tests that yield a false positive</a:t>
+          </a:r>
+        </a:p>
+        <a:p>
+          <a:pPr marL="171450" lvl="1" indent="-171450" algn="l" defTabSz="755650">
+            <a:lnSpc>
+              <a:spcPct val="90000"/>
+            </a:lnSpc>
+            <a:spcBef>
+              <a:spcPct val="0"/>
+            </a:spcBef>
+            <a:spcAft>
+              <a:spcPct val="15000"/>
+            </a:spcAft>
+            <a:buChar char="•"/>
+          </a:pPr>
+          <a:r>
+            <a:rPr lang="en-US" sz="1700" kern="1200" dirty="0" err="1"/>
+            <a:t>Benjamini</a:t>
+          </a:r>
+          <a:r>
+            <a:rPr lang="en-US" sz="1700" kern="1200" dirty="0"/>
+            <a:t>-Hochberg (BH or FDR) </a:t>
+          </a:r>
+        </a:p>
+      </dsp:txBody>
+      <dsp:txXfrm>
+        <a:off x="2825750" y="1856084"/>
+        <a:ext cx="2825749" cy="2852932"/>
       </dsp:txXfrm>
     </dsp:sp>
   </dsp:spTree>
@@ -21751,6 +23299,359 @@
 </dgm:layoutDef>
 </file>
 
+<file path=ppt/diagrams/layout12.xml><?xml version="1.0" encoding="utf-8"?>
+<dgm:layoutDef xmlns:dgm="http://schemas.openxmlformats.org/drawingml/2006/diagram" xmlns:a="http://schemas.openxmlformats.org/drawingml/2006/main" uniqueId="urn:microsoft.com/office/officeart/2005/8/layout/process4">
+  <dgm:title val=""/>
+  <dgm:desc val=""/>
+  <dgm:catLst>
+    <dgm:cat type="process" pri="16000"/>
+    <dgm:cat type="list" pri="20000"/>
+  </dgm:catLst>
+  <dgm:sampData>
+    <dgm:dataModel>
+      <dgm:ptLst>
+        <dgm:pt modelId="0" type="doc"/>
+        <dgm:pt modelId="1">
+          <dgm:prSet phldr="1"/>
+        </dgm:pt>
+        <dgm:pt modelId="11">
+          <dgm:prSet phldr="1"/>
+        </dgm:pt>
+        <dgm:pt modelId="12">
+          <dgm:prSet phldr="1"/>
+        </dgm:pt>
+        <dgm:pt modelId="2">
+          <dgm:prSet phldr="1"/>
+        </dgm:pt>
+        <dgm:pt modelId="21">
+          <dgm:prSet phldr="1"/>
+        </dgm:pt>
+        <dgm:pt modelId="22">
+          <dgm:prSet phldr="1"/>
+        </dgm:pt>
+        <dgm:pt modelId="3">
+          <dgm:prSet phldr="1"/>
+        </dgm:pt>
+        <dgm:pt modelId="31">
+          <dgm:prSet phldr="1"/>
+        </dgm:pt>
+        <dgm:pt modelId="32">
+          <dgm:prSet phldr="1"/>
+        </dgm:pt>
+      </dgm:ptLst>
+      <dgm:cxnLst>
+        <dgm:cxn modelId="4" srcId="0" destId="1" srcOrd="0" destOrd="0"/>
+        <dgm:cxn modelId="5" srcId="0" destId="2" srcOrd="1" destOrd="0"/>
+        <dgm:cxn modelId="6" srcId="0" destId="3" srcOrd="2" destOrd="0"/>
+        <dgm:cxn modelId="13" srcId="1" destId="11" srcOrd="0" destOrd="0"/>
+        <dgm:cxn modelId="14" srcId="1" destId="12" srcOrd="1" destOrd="0"/>
+        <dgm:cxn modelId="23" srcId="2" destId="21" srcOrd="0" destOrd="0"/>
+        <dgm:cxn modelId="24" srcId="2" destId="22" srcOrd="1" destOrd="0"/>
+        <dgm:cxn modelId="33" srcId="3" destId="31" srcOrd="0" destOrd="0"/>
+        <dgm:cxn modelId="34" srcId="3" destId="32" srcOrd="1" destOrd="0"/>
+      </dgm:cxnLst>
+      <dgm:bg/>
+      <dgm:whole/>
+    </dgm:dataModel>
+  </dgm:sampData>
+  <dgm:styleData>
+    <dgm:dataModel>
+      <dgm:ptLst>
+        <dgm:pt modelId="0" type="doc"/>
+        <dgm:pt modelId="1"/>
+        <dgm:pt modelId="11"/>
+        <dgm:pt modelId="2"/>
+        <dgm:pt modelId="21"/>
+      </dgm:ptLst>
+      <dgm:cxnLst>
+        <dgm:cxn modelId="4" srcId="0" destId="1" srcOrd="0" destOrd="0"/>
+        <dgm:cxn modelId="5" srcId="0" destId="2" srcOrd="1" destOrd="0"/>
+        <dgm:cxn modelId="13" srcId="1" destId="11" srcOrd="0" destOrd="0"/>
+        <dgm:cxn modelId="23" srcId="2" destId="21" srcOrd="0" destOrd="0"/>
+      </dgm:cxnLst>
+      <dgm:bg/>
+      <dgm:whole/>
+    </dgm:dataModel>
+  </dgm:styleData>
+  <dgm:clrData>
+    <dgm:dataModel>
+      <dgm:ptLst>
+        <dgm:pt modelId="0" type="doc"/>
+        <dgm:pt modelId="1"/>
+        <dgm:pt modelId="11"/>
+        <dgm:pt modelId="2"/>
+        <dgm:pt modelId="21"/>
+        <dgm:pt modelId="3"/>
+        <dgm:pt modelId="31"/>
+        <dgm:pt modelId="4"/>
+        <dgm:pt modelId="41"/>
+      </dgm:ptLst>
+      <dgm:cxnLst>
+        <dgm:cxn modelId="5" srcId="0" destId="1" srcOrd="0" destOrd="0"/>
+        <dgm:cxn modelId="6" srcId="0" destId="2" srcOrd="1" destOrd="0"/>
+        <dgm:cxn modelId="7" srcId="0" destId="3" srcOrd="2" destOrd="0"/>
+        <dgm:cxn modelId="8" srcId="0" destId="4" srcOrd="3" destOrd="0"/>
+        <dgm:cxn modelId="13" srcId="1" destId="11" srcOrd="0" destOrd="0"/>
+        <dgm:cxn modelId="23" srcId="2" destId="21" srcOrd="0" destOrd="0"/>
+        <dgm:cxn modelId="33" srcId="3" destId="31" srcOrd="0" destOrd="0"/>
+        <dgm:cxn modelId="43" srcId="4" destId="41" srcOrd="0" destOrd="0"/>
+      </dgm:cxnLst>
+      <dgm:bg/>
+      <dgm:whole/>
+    </dgm:dataModel>
+  </dgm:clrData>
+  <dgm:layoutNode name="Name0">
+    <dgm:varLst>
+      <dgm:dir/>
+      <dgm:animLvl val="lvl"/>
+      <dgm:resizeHandles val="exact"/>
+    </dgm:varLst>
+    <dgm:alg type="lin">
+      <dgm:param type="linDir" val="fromB"/>
+    </dgm:alg>
+    <dgm:shape xmlns:r="http://schemas.openxmlformats.org/officeDocument/2006/relationships" r:blip="">
+      <dgm:adjLst/>
+    </dgm:shape>
+    <dgm:presOf/>
+    <dgm:constrLst>
+      <dgm:constr type="h" for="ch" forName="boxAndChildren" refType="h"/>
+      <dgm:constr type="h" for="ch" forName="arrowAndChildren" refType="h" refFor="ch" refForName="boxAndChildren" op="equ" fact="1.538"/>
+      <dgm:constr type="w" for="ch" forName="arrowAndChildren" refType="w"/>
+      <dgm:constr type="w" for="ch" forName="boxAndChildren" refType="w"/>
+      <dgm:constr type="h" for="ch" forName="sp" refType="h" fact="-0.015"/>
+      <dgm:constr type="primFontSz" for="des" forName="parentTextBox" val="65"/>
+      <dgm:constr type="primFontSz" for="des" forName="parentTextArrow" refType="primFontSz" refFor="des" refForName="parentTextBox" op="equ"/>
+      <dgm:constr type="primFontSz" for="des" forName="childTextArrow" val="65"/>
+      <dgm:constr type="primFontSz" for="des" forName="childTextBox" refType="primFontSz" refFor="des" refForName="childTextArrow" op="equ"/>
+    </dgm:constrLst>
+    <dgm:ruleLst/>
+    <dgm:forEach name="Name1" axis="ch" ptType="node" st="-1" step="-1">
+      <dgm:choose name="Name2">
+        <dgm:if name="Name3" axis="self" ptType="node" func="revPos" op="equ" val="1">
+          <dgm:layoutNode name="boxAndChildren">
+            <dgm:alg type="composite"/>
+            <dgm:shape xmlns:r="http://schemas.openxmlformats.org/officeDocument/2006/relationships" r:blip="">
+              <dgm:adjLst/>
+            </dgm:shape>
+            <dgm:presOf/>
+            <dgm:choose name="Name4">
+              <dgm:if name="Name5" axis="ch" ptType="node" func="cnt" op="gte" val="1">
+                <dgm:constrLst>
+                  <dgm:constr type="w" for="ch" forName="parentTextBox" refType="w"/>
+                  <dgm:constr type="h" for="ch" forName="parentTextBox" refType="h" fact="0.54"/>
+                  <dgm:constr type="t" for="ch" forName="parentTextBox"/>
+                  <dgm:constr type="w" for="ch" forName="entireBox" refType="w"/>
+                  <dgm:constr type="h" for="ch" forName="entireBox" refType="h"/>
+                  <dgm:constr type="w" for="ch" forName="descendantBox" refType="w"/>
+                  <dgm:constr type="b" for="ch" forName="descendantBox" refType="h" fact="0.98"/>
+                  <dgm:constr type="h" for="ch" forName="descendantBox" refType="h" fact="0.46"/>
+                </dgm:constrLst>
+              </dgm:if>
+              <dgm:else name="Name6">
+                <dgm:constrLst>
+                  <dgm:constr type="w" for="ch" forName="parentTextBox" refType="w"/>
+                  <dgm:constr type="h" for="ch" forName="parentTextBox" refType="h"/>
+                </dgm:constrLst>
+              </dgm:else>
+            </dgm:choose>
+            <dgm:ruleLst/>
+            <dgm:layoutNode name="parentTextBox">
+              <dgm:alg type="tx"/>
+              <dgm:choose name="Name7">
+                <dgm:if name="Name8" axis="ch" ptType="node" func="cnt" op="gte" val="1">
+                  <dgm:shape xmlns:r="http://schemas.openxmlformats.org/officeDocument/2006/relationships" type="rect" r:blip="" zOrderOff="1" hideGeom="1">
+                    <dgm:adjLst/>
+                  </dgm:shape>
+                </dgm:if>
+                <dgm:else name="Name9">
+                  <dgm:shape xmlns:r="http://schemas.openxmlformats.org/officeDocument/2006/relationships" type="rect" r:blip="">
+                    <dgm:adjLst/>
+                  </dgm:shape>
+                </dgm:else>
+              </dgm:choose>
+              <dgm:presOf axis="self"/>
+              <dgm:constrLst/>
+              <dgm:ruleLst>
+                <dgm:rule type="primFontSz" val="5" fact="NaN" max="NaN"/>
+              </dgm:ruleLst>
+            </dgm:layoutNode>
+            <dgm:choose name="Name10">
+              <dgm:if name="Name11" axis="ch" ptType="node" func="cnt" op="gte" val="1">
+                <dgm:layoutNode name="entireBox">
+                  <dgm:alg type="sp"/>
+                  <dgm:shape xmlns:r="http://schemas.openxmlformats.org/officeDocument/2006/relationships" type="rect" r:blip="">
+                    <dgm:adjLst/>
+                  </dgm:shape>
+                  <dgm:presOf axis="self"/>
+                  <dgm:constrLst/>
+                  <dgm:ruleLst/>
+                </dgm:layoutNode>
+                <dgm:layoutNode name="descendantBox" styleLbl="fgAccFollowNode1">
+                  <dgm:choose name="Name12">
+                    <dgm:if name="Name13" func="var" arg="dir" op="equ" val="norm">
+                      <dgm:alg type="lin"/>
+                    </dgm:if>
+                    <dgm:else name="Name14">
+                      <dgm:alg type="lin">
+                        <dgm:param type="linDir" val="fromR"/>
+                      </dgm:alg>
+                    </dgm:else>
+                  </dgm:choose>
+                  <dgm:shape xmlns:r="http://schemas.openxmlformats.org/officeDocument/2006/relationships" r:blip="">
+                    <dgm:adjLst/>
+                  </dgm:shape>
+                  <dgm:presOf/>
+                  <dgm:constrLst>
+                    <dgm:constr type="w" for="ch" forName="childTextBox" refType="w"/>
+                    <dgm:constr type="h" for="ch" forName="childTextBox" refType="h"/>
+                  </dgm:constrLst>
+                  <dgm:ruleLst/>
+                  <dgm:forEach name="Name15" axis="ch" ptType="node">
+                    <dgm:layoutNode name="childTextBox" styleLbl="fgAccFollowNode1">
+                      <dgm:varLst>
+                        <dgm:bulletEnabled val="1"/>
+                      </dgm:varLst>
+                      <dgm:alg type="tx"/>
+                      <dgm:shape xmlns:r="http://schemas.openxmlformats.org/officeDocument/2006/relationships" type="rect" r:blip="">
+                        <dgm:adjLst/>
+                      </dgm:shape>
+                      <dgm:presOf axis="desOrSelf" ptType="node"/>
+                      <dgm:constrLst>
+                        <dgm:constr type="tMarg" refType="primFontSz" fact="0.1"/>
+                        <dgm:constr type="bMarg" refType="primFontSz" fact="0.1"/>
+                      </dgm:constrLst>
+                      <dgm:ruleLst>
+                        <dgm:rule type="primFontSz" val="5" fact="NaN" max="NaN"/>
+                      </dgm:ruleLst>
+                    </dgm:layoutNode>
+                  </dgm:forEach>
+                </dgm:layoutNode>
+              </dgm:if>
+              <dgm:else name="Name16"/>
+            </dgm:choose>
+          </dgm:layoutNode>
+        </dgm:if>
+        <dgm:else name="Name17">
+          <dgm:layoutNode name="arrowAndChildren">
+            <dgm:alg type="composite"/>
+            <dgm:shape xmlns:r="http://schemas.openxmlformats.org/officeDocument/2006/relationships" r:blip="">
+              <dgm:adjLst/>
+            </dgm:shape>
+            <dgm:presOf/>
+            <dgm:choose name="Name18">
+              <dgm:if name="Name19" axis="ch" ptType="node" func="cnt" op="gte" val="1">
+                <dgm:constrLst>
+                  <dgm:constr type="w" for="ch" forName="parentTextArrow" refType="w"/>
+                  <dgm:constr type="t" for="ch" forName="parentTextArrow"/>
+                  <dgm:constr type="h" for="ch" forName="parentTextArrow" refType="h" fact="0.351"/>
+                  <dgm:constr type="w" for="ch" forName="arrow" refType="w"/>
+                  <dgm:constr type="h" for="ch" forName="arrow" refType="h"/>
+                  <dgm:constr type="w" for="ch" forName="descendantArrow" refType="w"/>
+                  <dgm:constr type="b" for="ch" forName="descendantArrow" refType="h" fact="0.65"/>
+                  <dgm:constr type="h" for="ch" forName="descendantArrow" refType="h" fact="0.299"/>
+                </dgm:constrLst>
+              </dgm:if>
+              <dgm:else name="Name20">
+                <dgm:constrLst>
+                  <dgm:constr type="w" for="ch" forName="parentTextArrow" refType="w"/>
+                  <dgm:constr type="h" for="ch" forName="parentTextArrow" refType="h"/>
+                </dgm:constrLst>
+              </dgm:else>
+            </dgm:choose>
+            <dgm:ruleLst/>
+            <dgm:layoutNode name="parentTextArrow">
+              <dgm:alg type="tx"/>
+              <dgm:choose name="Name21">
+                <dgm:if name="Name22" axis="ch" ptType="node" func="cnt" op="gte" val="1">
+                  <dgm:shape xmlns:r="http://schemas.openxmlformats.org/officeDocument/2006/relationships" type="rect" r:blip="" zOrderOff="1" hideGeom="1">
+                    <dgm:adjLst/>
+                  </dgm:shape>
+                </dgm:if>
+                <dgm:else name="Name23">
+                  <dgm:shape xmlns:r="http://schemas.openxmlformats.org/officeDocument/2006/relationships" rot="180" type="upArrowCallout" r:blip="">
+                    <dgm:adjLst/>
+                  </dgm:shape>
+                </dgm:else>
+              </dgm:choose>
+              <dgm:presOf axis="self"/>
+              <dgm:constrLst/>
+              <dgm:ruleLst>
+                <dgm:rule type="primFontSz" val="5" fact="NaN" max="NaN"/>
+              </dgm:ruleLst>
+            </dgm:layoutNode>
+            <dgm:choose name="Name24">
+              <dgm:if name="Name25" axis="ch" ptType="node" func="cnt" op="gte" val="1">
+                <dgm:layoutNode name="arrow">
+                  <dgm:alg type="sp"/>
+                  <dgm:shape xmlns:r="http://schemas.openxmlformats.org/officeDocument/2006/relationships" rot="180" type="upArrowCallout" r:blip="">
+                    <dgm:adjLst/>
+                  </dgm:shape>
+                  <dgm:presOf axis="self"/>
+                  <dgm:constrLst/>
+                  <dgm:ruleLst/>
+                </dgm:layoutNode>
+                <dgm:layoutNode name="descendantArrow">
+                  <dgm:choose name="Name26">
+                    <dgm:if name="Name27" func="var" arg="dir" op="equ" val="norm">
+                      <dgm:alg type="lin"/>
+                    </dgm:if>
+                    <dgm:else name="Name28">
+                      <dgm:alg type="lin">
+                        <dgm:param type="linDir" val="fromR"/>
+                      </dgm:alg>
+                    </dgm:else>
+                  </dgm:choose>
+                  <dgm:shape xmlns:r="http://schemas.openxmlformats.org/officeDocument/2006/relationships" r:blip="">
+                    <dgm:adjLst/>
+                  </dgm:shape>
+                  <dgm:presOf/>
+                  <dgm:constrLst>
+                    <dgm:constr type="w" for="ch" forName="childTextArrow" refType="w"/>
+                    <dgm:constr type="h" for="ch" forName="childTextArrow" refType="h"/>
+                  </dgm:constrLst>
+                  <dgm:ruleLst/>
+                  <dgm:forEach name="Name29" axis="ch" ptType="node">
+                    <dgm:layoutNode name="childTextArrow" styleLbl="fgAccFollowNode1">
+                      <dgm:varLst>
+                        <dgm:bulletEnabled val="1"/>
+                      </dgm:varLst>
+                      <dgm:alg type="tx"/>
+                      <dgm:shape xmlns:r="http://schemas.openxmlformats.org/officeDocument/2006/relationships" type="rect" r:blip="">
+                        <dgm:adjLst/>
+                      </dgm:shape>
+                      <dgm:presOf axis="desOrSelf" ptType="node"/>
+                      <dgm:constrLst>
+                        <dgm:constr type="tMarg" refType="primFontSz" fact="0.1"/>
+                        <dgm:constr type="bMarg" refType="primFontSz" fact="0.1"/>
+                      </dgm:constrLst>
+                      <dgm:ruleLst>
+                        <dgm:rule type="primFontSz" val="5" fact="NaN" max="NaN"/>
+                      </dgm:ruleLst>
+                    </dgm:layoutNode>
+                  </dgm:forEach>
+                </dgm:layoutNode>
+              </dgm:if>
+              <dgm:else name="Name30"/>
+            </dgm:choose>
+          </dgm:layoutNode>
+        </dgm:else>
+      </dgm:choose>
+      <dgm:forEach name="Name31" axis="precedSib" ptType="sibTrans" st="-1" cnt="1">
+        <dgm:layoutNode name="sp">
+          <dgm:alg type="sp"/>
+          <dgm:shape xmlns:r="http://schemas.openxmlformats.org/officeDocument/2006/relationships" r:blip="">
+            <dgm:adjLst/>
+          </dgm:shape>
+          <dgm:presOf axis="self"/>
+          <dgm:constrLst/>
+          <dgm:ruleLst/>
+        </dgm:layoutNode>
+      </dgm:forEach>
+    </dgm:forEach>
+  </dgm:layoutNode>
+</dgm:layoutDef>
+</file>
+
 <file path=ppt/diagrams/layout2.xml><?xml version="1.0" encoding="utf-8"?>
 <dgm:layoutDef xmlns:dgm="http://schemas.openxmlformats.org/drawingml/2006/diagram" xmlns:a="http://schemas.openxmlformats.org/drawingml/2006/main" uniqueId="urn:microsoft.com/office/officeart/2005/8/layout/default">
   <dgm:title val=""/>
@@ -27048,6 +28949,1040 @@
 </dgm:styleDef>
 </file>
 
+<file path=ppt/diagrams/quickStyle12.xml><?xml version="1.0" encoding="utf-8"?>
+<dgm:styleDef xmlns:dgm="http://schemas.openxmlformats.org/drawingml/2006/diagram" xmlns:a="http://schemas.openxmlformats.org/drawingml/2006/main" uniqueId="urn:microsoft.com/office/officeart/2005/8/quickstyle/simple4">
+  <dgm:title val=""/>
+  <dgm:desc val=""/>
+  <dgm:catLst>
+    <dgm:cat type="simple" pri="10400"/>
+  </dgm:catLst>
+  <dgm:scene3d>
+    <a:camera prst="orthographicFront"/>
+    <a:lightRig rig="threePt" dir="t"/>
+  </dgm:scene3d>
+  <dgm:styleLbl name="node0">
+    <dgm:scene3d>
+      <a:camera prst="orthographicFront"/>
+      <a:lightRig rig="threePt" dir="t"/>
+    </dgm:scene3d>
+    <dgm:sp3d/>
+    <dgm:txPr/>
+    <dgm:style>
+      <a:lnRef idx="0">
+        <a:scrgbClr r="0" g="0" b="0"/>
+      </a:lnRef>
+      <a:fillRef idx="3">
+        <a:scrgbClr r="0" g="0" b="0"/>
+      </a:fillRef>
+      <a:effectRef idx="2">
+        <a:scrgbClr r="0" g="0" b="0"/>
+      </a:effectRef>
+      <a:fontRef idx="minor">
+        <a:schemeClr val="lt1"/>
+      </a:fontRef>
+    </dgm:style>
+  </dgm:styleLbl>
+  <dgm:styleLbl name="lnNode1">
+    <dgm:scene3d>
+      <a:camera prst="orthographicFront"/>
+      <a:lightRig rig="threePt" dir="t"/>
+    </dgm:scene3d>
+    <dgm:sp3d/>
+    <dgm:txPr/>
+    <dgm:style>
+      <a:lnRef idx="1">
+        <a:scrgbClr r="0" g="0" b="0"/>
+      </a:lnRef>
+      <a:fillRef idx="3">
+        <a:scrgbClr r="0" g="0" b="0"/>
+      </a:fillRef>
+      <a:effectRef idx="2">
+        <a:scrgbClr r="0" g="0" b="0"/>
+      </a:effectRef>
+      <a:fontRef idx="minor">
+        <a:schemeClr val="lt1"/>
+      </a:fontRef>
+    </dgm:style>
+  </dgm:styleLbl>
+  <dgm:styleLbl name="vennNode1">
+    <dgm:scene3d>
+      <a:camera prst="orthographicFront"/>
+      <a:lightRig rig="threePt" dir="t"/>
+    </dgm:scene3d>
+    <dgm:sp3d/>
+    <dgm:txPr/>
+    <dgm:style>
+      <a:lnRef idx="0">
+        <a:scrgbClr r="0" g="0" b="0"/>
+      </a:lnRef>
+      <a:fillRef idx="3">
+        <a:scrgbClr r="0" g="0" b="0"/>
+      </a:fillRef>
+      <a:effectRef idx="0">
+        <a:scrgbClr r="0" g="0" b="0"/>
+      </a:effectRef>
+      <a:fontRef idx="minor">
+        <a:schemeClr val="tx1"/>
+      </a:fontRef>
+    </dgm:style>
+  </dgm:styleLbl>
+  <dgm:styleLbl name="alignNode1">
+    <dgm:scene3d>
+      <a:camera prst="orthographicFront"/>
+      <a:lightRig rig="threePt" dir="t"/>
+    </dgm:scene3d>
+    <dgm:sp3d/>
+    <dgm:txPr/>
+    <dgm:style>
+      <a:lnRef idx="1">
+        <a:scrgbClr r="0" g="0" b="0"/>
+      </a:lnRef>
+      <a:fillRef idx="3">
+        <a:scrgbClr r="0" g="0" b="0"/>
+      </a:fillRef>
+      <a:effectRef idx="2">
+        <a:scrgbClr r="0" g="0" b="0"/>
+      </a:effectRef>
+      <a:fontRef idx="minor">
+        <a:schemeClr val="lt1"/>
+      </a:fontRef>
+    </dgm:style>
+  </dgm:styleLbl>
+  <dgm:styleLbl name="node1">
+    <dgm:scene3d>
+      <a:camera prst="orthographicFront"/>
+      <a:lightRig rig="threePt" dir="t"/>
+    </dgm:scene3d>
+    <dgm:sp3d/>
+    <dgm:txPr/>
+    <dgm:style>
+      <a:lnRef idx="0">
+        <a:scrgbClr r="0" g="0" b="0"/>
+      </a:lnRef>
+      <a:fillRef idx="3">
+        <a:scrgbClr r="0" g="0" b="0"/>
+      </a:fillRef>
+      <a:effectRef idx="2">
+        <a:scrgbClr r="0" g="0" b="0"/>
+      </a:effectRef>
+      <a:fontRef idx="minor">
+        <a:schemeClr val="lt1"/>
+      </a:fontRef>
+    </dgm:style>
+  </dgm:styleLbl>
+  <dgm:styleLbl name="node2">
+    <dgm:scene3d>
+      <a:camera prst="orthographicFront"/>
+      <a:lightRig rig="threePt" dir="t"/>
+    </dgm:scene3d>
+    <dgm:sp3d/>
+    <dgm:txPr/>
+    <dgm:style>
+      <a:lnRef idx="0">
+        <a:scrgbClr r="0" g="0" b="0"/>
+      </a:lnRef>
+      <a:fillRef idx="3">
+        <a:scrgbClr r="0" g="0" b="0"/>
+      </a:fillRef>
+      <a:effectRef idx="2">
+        <a:scrgbClr r="0" g="0" b="0"/>
+      </a:effectRef>
+      <a:fontRef idx="minor">
+        <a:schemeClr val="lt1"/>
+      </a:fontRef>
+    </dgm:style>
+  </dgm:styleLbl>
+  <dgm:styleLbl name="node3">
+    <dgm:scene3d>
+      <a:camera prst="orthographicFront"/>
+      <a:lightRig rig="threePt" dir="t"/>
+    </dgm:scene3d>
+    <dgm:sp3d/>
+    <dgm:txPr/>
+    <dgm:style>
+      <a:lnRef idx="0">
+        <a:scrgbClr r="0" g="0" b="0"/>
+      </a:lnRef>
+      <a:fillRef idx="3">
+        <a:scrgbClr r="0" g="0" b="0"/>
+      </a:fillRef>
+      <a:effectRef idx="2">
+        <a:scrgbClr r="0" g="0" b="0"/>
+      </a:effectRef>
+      <a:fontRef idx="minor">
+        <a:schemeClr val="lt1"/>
+      </a:fontRef>
+    </dgm:style>
+  </dgm:styleLbl>
+  <dgm:styleLbl name="node4">
+    <dgm:scene3d>
+      <a:camera prst="orthographicFront"/>
+      <a:lightRig rig="threePt" dir="t"/>
+    </dgm:scene3d>
+    <dgm:sp3d/>
+    <dgm:txPr/>
+    <dgm:style>
+      <a:lnRef idx="0">
+        <a:scrgbClr r="0" g="0" b="0"/>
+      </a:lnRef>
+      <a:fillRef idx="3">
+        <a:scrgbClr r="0" g="0" b="0"/>
+      </a:fillRef>
+      <a:effectRef idx="2">
+        <a:scrgbClr r="0" g="0" b="0"/>
+      </a:effectRef>
+      <a:fontRef idx="minor">
+        <a:schemeClr val="lt1"/>
+      </a:fontRef>
+    </dgm:style>
+  </dgm:styleLbl>
+  <dgm:styleLbl name="fgImgPlace1">
+    <dgm:scene3d>
+      <a:camera prst="orthographicFront"/>
+      <a:lightRig rig="threePt" dir="t"/>
+    </dgm:scene3d>
+    <dgm:sp3d/>
+    <dgm:txPr/>
+    <dgm:style>
+      <a:lnRef idx="0">
+        <a:scrgbClr r="0" g="0" b="0"/>
+      </a:lnRef>
+      <a:fillRef idx="1">
+        <a:scrgbClr r="0" g="0" b="0"/>
+      </a:fillRef>
+      <a:effectRef idx="2">
+        <a:scrgbClr r="0" g="0" b="0"/>
+      </a:effectRef>
+      <a:fontRef idx="minor"/>
+    </dgm:style>
+  </dgm:styleLbl>
+  <dgm:styleLbl name="alignImgPlace1">
+    <dgm:scene3d>
+      <a:camera prst="orthographicFront"/>
+      <a:lightRig rig="threePt" dir="t"/>
+    </dgm:scene3d>
+    <dgm:sp3d/>
+    <dgm:txPr/>
+    <dgm:style>
+      <a:lnRef idx="0">
+        <a:scrgbClr r="0" g="0" b="0"/>
+      </a:lnRef>
+      <a:fillRef idx="1">
+        <a:scrgbClr r="0" g="0" b="0"/>
+      </a:fillRef>
+      <a:effectRef idx="2">
+        <a:scrgbClr r="0" g="0" b="0"/>
+      </a:effectRef>
+      <a:fontRef idx="minor"/>
+    </dgm:style>
+  </dgm:styleLbl>
+  <dgm:styleLbl name="bgImgPlace1">
+    <dgm:scene3d>
+      <a:camera prst="orthographicFront"/>
+      <a:lightRig rig="threePt" dir="t"/>
+    </dgm:scene3d>
+    <dgm:sp3d/>
+    <dgm:txPr/>
+    <dgm:style>
+      <a:lnRef idx="0">
+        <a:scrgbClr r="0" g="0" b="0"/>
+      </a:lnRef>
+      <a:fillRef idx="1">
+        <a:scrgbClr r="0" g="0" b="0"/>
+      </a:fillRef>
+      <a:effectRef idx="2">
+        <a:scrgbClr r="0" g="0" b="0"/>
+      </a:effectRef>
+      <a:fontRef idx="minor"/>
+    </dgm:style>
+  </dgm:styleLbl>
+  <dgm:styleLbl name="sibTrans2D1">
+    <dgm:scene3d>
+      <a:camera prst="orthographicFront"/>
+      <a:lightRig rig="threePt" dir="t"/>
+    </dgm:scene3d>
+    <dgm:sp3d/>
+    <dgm:txPr/>
+    <dgm:style>
+      <a:lnRef idx="0">
+        <a:scrgbClr r="0" g="0" b="0"/>
+      </a:lnRef>
+      <a:fillRef idx="3">
+        <a:scrgbClr r="0" g="0" b="0"/>
+      </a:fillRef>
+      <a:effectRef idx="2">
+        <a:scrgbClr r="0" g="0" b="0"/>
+      </a:effectRef>
+      <a:fontRef idx="minor">
+        <a:schemeClr val="lt1"/>
+      </a:fontRef>
+    </dgm:style>
+  </dgm:styleLbl>
+  <dgm:styleLbl name="fgSibTrans2D1">
+    <dgm:scene3d>
+      <a:camera prst="orthographicFront"/>
+      <a:lightRig rig="threePt" dir="t"/>
+    </dgm:scene3d>
+    <dgm:sp3d/>
+    <dgm:txPr/>
+    <dgm:style>
+      <a:lnRef idx="0">
+        <a:scrgbClr r="0" g="0" b="0"/>
+      </a:lnRef>
+      <a:fillRef idx="3">
+        <a:scrgbClr r="0" g="0" b="0"/>
+      </a:fillRef>
+      <a:effectRef idx="2">
+        <a:scrgbClr r="0" g="0" b="0"/>
+      </a:effectRef>
+      <a:fontRef idx="minor">
+        <a:schemeClr val="lt1"/>
+      </a:fontRef>
+    </dgm:style>
+  </dgm:styleLbl>
+  <dgm:styleLbl name="bgSibTrans2D1">
+    <dgm:scene3d>
+      <a:camera prst="orthographicFront"/>
+      <a:lightRig rig="threePt" dir="t"/>
+    </dgm:scene3d>
+    <dgm:sp3d/>
+    <dgm:txPr/>
+    <dgm:style>
+      <a:lnRef idx="0">
+        <a:scrgbClr r="0" g="0" b="0"/>
+      </a:lnRef>
+      <a:fillRef idx="3">
+        <a:scrgbClr r="0" g="0" b="0"/>
+      </a:fillRef>
+      <a:effectRef idx="2">
+        <a:scrgbClr r="0" g="0" b="0"/>
+      </a:effectRef>
+      <a:fontRef idx="minor">
+        <a:schemeClr val="lt1"/>
+      </a:fontRef>
+    </dgm:style>
+  </dgm:styleLbl>
+  <dgm:styleLbl name="sibTrans1D1">
+    <dgm:scene3d>
+      <a:camera prst="orthographicFront"/>
+      <a:lightRig rig="threePt" dir="t"/>
+    </dgm:scene3d>
+    <dgm:sp3d/>
+    <dgm:txPr/>
+    <dgm:style>
+      <a:lnRef idx="1">
+        <a:scrgbClr r="0" g="0" b="0"/>
+      </a:lnRef>
+      <a:fillRef idx="0">
+        <a:scrgbClr r="0" g="0" b="0"/>
+      </a:fillRef>
+      <a:effectRef idx="0">
+        <a:scrgbClr r="0" g="0" b="0"/>
+      </a:effectRef>
+      <a:fontRef idx="minor"/>
+    </dgm:style>
+  </dgm:styleLbl>
+  <dgm:styleLbl name="callout">
+    <dgm:scene3d>
+      <a:camera prst="orthographicFront"/>
+      <a:lightRig rig="threePt" dir="t"/>
+    </dgm:scene3d>
+    <dgm:sp3d/>
+    <dgm:txPr/>
+    <dgm:style>
+      <a:lnRef idx="2">
+        <a:scrgbClr r="0" g="0" b="0"/>
+      </a:lnRef>
+      <a:fillRef idx="1">
+        <a:scrgbClr r="0" g="0" b="0"/>
+      </a:fillRef>
+      <a:effectRef idx="1">
+        <a:scrgbClr r="0" g="0" b="0"/>
+      </a:effectRef>
+      <a:fontRef idx="minor"/>
+    </dgm:style>
+  </dgm:styleLbl>
+  <dgm:styleLbl name="asst0">
+    <dgm:scene3d>
+      <a:camera prst="orthographicFront"/>
+      <a:lightRig rig="threePt" dir="t"/>
+    </dgm:scene3d>
+    <dgm:sp3d/>
+    <dgm:txPr/>
+    <dgm:style>
+      <a:lnRef idx="0">
+        <a:scrgbClr r="0" g="0" b="0"/>
+      </a:lnRef>
+      <a:fillRef idx="3">
+        <a:scrgbClr r="0" g="0" b="0"/>
+      </a:fillRef>
+      <a:effectRef idx="2">
+        <a:scrgbClr r="0" g="0" b="0"/>
+      </a:effectRef>
+      <a:fontRef idx="minor">
+        <a:schemeClr val="lt1"/>
+      </a:fontRef>
+    </dgm:style>
+  </dgm:styleLbl>
+  <dgm:styleLbl name="asst1">
+    <dgm:scene3d>
+      <a:camera prst="orthographicFront"/>
+      <a:lightRig rig="threePt" dir="t"/>
+    </dgm:scene3d>
+    <dgm:sp3d/>
+    <dgm:txPr/>
+    <dgm:style>
+      <a:lnRef idx="0">
+        <a:scrgbClr r="0" g="0" b="0"/>
+      </a:lnRef>
+      <a:fillRef idx="3">
+        <a:scrgbClr r="0" g="0" b="0"/>
+      </a:fillRef>
+      <a:effectRef idx="2">
+        <a:scrgbClr r="0" g="0" b="0"/>
+      </a:effectRef>
+      <a:fontRef idx="minor">
+        <a:schemeClr val="lt1"/>
+      </a:fontRef>
+    </dgm:style>
+  </dgm:styleLbl>
+  <dgm:styleLbl name="asst2">
+    <dgm:scene3d>
+      <a:camera prst="orthographicFront"/>
+      <a:lightRig rig="threePt" dir="t"/>
+    </dgm:scene3d>
+    <dgm:sp3d/>
+    <dgm:txPr/>
+    <dgm:style>
+      <a:lnRef idx="0">
+        <a:scrgbClr r="0" g="0" b="0"/>
+      </a:lnRef>
+      <a:fillRef idx="3">
+        <a:scrgbClr r="0" g="0" b="0"/>
+      </a:fillRef>
+      <a:effectRef idx="2">
+        <a:scrgbClr r="0" g="0" b="0"/>
+      </a:effectRef>
+      <a:fontRef idx="minor">
+        <a:schemeClr val="lt1"/>
+      </a:fontRef>
+    </dgm:style>
+  </dgm:styleLbl>
+  <dgm:styleLbl name="asst3">
+    <dgm:scene3d>
+      <a:camera prst="orthographicFront"/>
+      <a:lightRig rig="threePt" dir="t"/>
+    </dgm:scene3d>
+    <dgm:sp3d/>
+    <dgm:txPr/>
+    <dgm:style>
+      <a:lnRef idx="0">
+        <a:scrgbClr r="0" g="0" b="0"/>
+      </a:lnRef>
+      <a:fillRef idx="3">
+        <a:scrgbClr r="0" g="0" b="0"/>
+      </a:fillRef>
+      <a:effectRef idx="2">
+        <a:scrgbClr r="0" g="0" b="0"/>
+      </a:effectRef>
+      <a:fontRef idx="minor">
+        <a:schemeClr val="lt1"/>
+      </a:fontRef>
+    </dgm:style>
+  </dgm:styleLbl>
+  <dgm:styleLbl name="asst4">
+    <dgm:scene3d>
+      <a:camera prst="orthographicFront"/>
+      <a:lightRig rig="threePt" dir="t"/>
+    </dgm:scene3d>
+    <dgm:sp3d/>
+    <dgm:txPr/>
+    <dgm:style>
+      <a:lnRef idx="0">
+        <a:scrgbClr r="0" g="0" b="0"/>
+      </a:lnRef>
+      <a:fillRef idx="3">
+        <a:scrgbClr r="0" g="0" b="0"/>
+      </a:fillRef>
+      <a:effectRef idx="2">
+        <a:scrgbClr r="0" g="0" b="0"/>
+      </a:effectRef>
+      <a:fontRef idx="minor">
+        <a:schemeClr val="lt1"/>
+      </a:fontRef>
+    </dgm:style>
+  </dgm:styleLbl>
+  <dgm:styleLbl name="parChTrans2D1">
+    <dgm:scene3d>
+      <a:camera prst="orthographicFront"/>
+      <a:lightRig rig="threePt" dir="t"/>
+    </dgm:scene3d>
+    <dgm:sp3d/>
+    <dgm:txPr/>
+    <dgm:style>
+      <a:lnRef idx="0">
+        <a:scrgbClr r="0" g="0" b="0"/>
+      </a:lnRef>
+      <a:fillRef idx="3">
+        <a:scrgbClr r="0" g="0" b="0"/>
+      </a:fillRef>
+      <a:effectRef idx="2">
+        <a:scrgbClr r="0" g="0" b="0"/>
+      </a:effectRef>
+      <a:fontRef idx="minor">
+        <a:schemeClr val="lt1"/>
+      </a:fontRef>
+    </dgm:style>
+  </dgm:styleLbl>
+  <dgm:styleLbl name="parChTrans2D2">
+    <dgm:scene3d>
+      <a:camera prst="orthographicFront"/>
+      <a:lightRig rig="threePt" dir="t"/>
+    </dgm:scene3d>
+    <dgm:sp3d/>
+    <dgm:txPr/>
+    <dgm:style>
+      <a:lnRef idx="0">
+        <a:scrgbClr r="0" g="0" b="0"/>
+      </a:lnRef>
+      <a:fillRef idx="3">
+        <a:scrgbClr r="0" g="0" b="0"/>
+      </a:fillRef>
+      <a:effectRef idx="2">
+        <a:scrgbClr r="0" g="0" b="0"/>
+      </a:effectRef>
+      <a:fontRef idx="minor">
+        <a:schemeClr val="lt1"/>
+      </a:fontRef>
+    </dgm:style>
+  </dgm:styleLbl>
+  <dgm:styleLbl name="parChTrans2D3">
+    <dgm:scene3d>
+      <a:camera prst="orthographicFront"/>
+      <a:lightRig rig="threePt" dir="t"/>
+    </dgm:scene3d>
+    <dgm:sp3d/>
+    <dgm:txPr/>
+    <dgm:style>
+      <a:lnRef idx="1">
+        <a:scrgbClr r="0" g="0" b="0"/>
+      </a:lnRef>
+      <a:fillRef idx="3">
+        <a:scrgbClr r="0" g="0" b="0"/>
+      </a:fillRef>
+      <a:effectRef idx="2">
+        <a:scrgbClr r="0" g="0" b="0"/>
+      </a:effectRef>
+      <a:fontRef idx="minor">
+        <a:schemeClr val="lt1"/>
+      </a:fontRef>
+    </dgm:style>
+  </dgm:styleLbl>
+  <dgm:styleLbl name="parChTrans2D4">
+    <dgm:scene3d>
+      <a:camera prst="orthographicFront"/>
+      <a:lightRig rig="threePt" dir="t"/>
+    </dgm:scene3d>
+    <dgm:sp3d/>
+    <dgm:txPr/>
+    <dgm:style>
+      <a:lnRef idx="1">
+        <a:scrgbClr r="0" g="0" b="0"/>
+      </a:lnRef>
+      <a:fillRef idx="3">
+        <a:scrgbClr r="0" g="0" b="0"/>
+      </a:fillRef>
+      <a:effectRef idx="2">
+        <a:scrgbClr r="0" g="0" b="0"/>
+      </a:effectRef>
+      <a:fontRef idx="minor">
+        <a:schemeClr val="lt1"/>
+      </a:fontRef>
+    </dgm:style>
+  </dgm:styleLbl>
+  <dgm:styleLbl name="parChTrans1D1">
+    <dgm:scene3d>
+      <a:camera prst="orthographicFront"/>
+      <a:lightRig rig="threePt" dir="t"/>
+    </dgm:scene3d>
+    <dgm:sp3d/>
+    <dgm:txPr/>
+    <dgm:style>
+      <a:lnRef idx="1">
+        <a:scrgbClr r="0" g="0" b="0"/>
+      </a:lnRef>
+      <a:fillRef idx="0">
+        <a:scrgbClr r="0" g="0" b="0"/>
+      </a:fillRef>
+      <a:effectRef idx="0">
+        <a:scrgbClr r="0" g="0" b="0"/>
+      </a:effectRef>
+      <a:fontRef idx="minor"/>
+    </dgm:style>
+  </dgm:styleLbl>
+  <dgm:styleLbl name="parChTrans1D2">
+    <dgm:scene3d>
+      <a:camera prst="orthographicFront"/>
+      <a:lightRig rig="threePt" dir="t"/>
+    </dgm:scene3d>
+    <dgm:sp3d/>
+    <dgm:txPr/>
+    <dgm:style>
+      <a:lnRef idx="1">
+        <a:scrgbClr r="0" g="0" b="0"/>
+      </a:lnRef>
+      <a:fillRef idx="0">
+        <a:scrgbClr r="0" g="0" b="0"/>
+      </a:fillRef>
+      <a:effectRef idx="0">
+        <a:scrgbClr r="0" g="0" b="0"/>
+      </a:effectRef>
+      <a:fontRef idx="minor"/>
+    </dgm:style>
+  </dgm:styleLbl>
+  <dgm:styleLbl name="parChTrans1D3">
+    <dgm:scene3d>
+      <a:camera prst="orthographicFront"/>
+      <a:lightRig rig="threePt" dir="t"/>
+    </dgm:scene3d>
+    <dgm:sp3d/>
+    <dgm:txPr/>
+    <dgm:style>
+      <a:lnRef idx="1">
+        <a:scrgbClr r="0" g="0" b="0"/>
+      </a:lnRef>
+      <a:fillRef idx="0">
+        <a:scrgbClr r="0" g="0" b="0"/>
+      </a:fillRef>
+      <a:effectRef idx="0">
+        <a:scrgbClr r="0" g="0" b="0"/>
+      </a:effectRef>
+      <a:fontRef idx="minor"/>
+    </dgm:style>
+  </dgm:styleLbl>
+  <dgm:styleLbl name="parChTrans1D4">
+    <dgm:scene3d>
+      <a:camera prst="orthographicFront"/>
+      <a:lightRig rig="threePt" dir="t"/>
+    </dgm:scene3d>
+    <dgm:sp3d/>
+    <dgm:txPr/>
+    <dgm:style>
+      <a:lnRef idx="1">
+        <a:scrgbClr r="0" g="0" b="0"/>
+      </a:lnRef>
+      <a:fillRef idx="0">
+        <a:scrgbClr r="0" g="0" b="0"/>
+      </a:fillRef>
+      <a:effectRef idx="0">
+        <a:scrgbClr r="0" g="0" b="0"/>
+      </a:effectRef>
+      <a:fontRef idx="minor"/>
+    </dgm:style>
+  </dgm:styleLbl>
+  <dgm:styleLbl name="fgAcc1">
+    <dgm:scene3d>
+      <a:camera prst="orthographicFront"/>
+      <a:lightRig rig="threePt" dir="t"/>
+    </dgm:scene3d>
+    <dgm:sp3d/>
+    <dgm:txPr/>
+    <dgm:style>
+      <a:lnRef idx="1">
+        <a:scrgbClr r="0" g="0" b="0"/>
+      </a:lnRef>
+      <a:fillRef idx="1">
+        <a:scrgbClr r="0" g="0" b="0"/>
+      </a:fillRef>
+      <a:effectRef idx="0">
+        <a:scrgbClr r="0" g="0" b="0"/>
+      </a:effectRef>
+      <a:fontRef idx="minor"/>
+    </dgm:style>
+  </dgm:styleLbl>
+  <dgm:styleLbl name="conFgAcc1">
+    <dgm:scene3d>
+      <a:camera prst="orthographicFront"/>
+      <a:lightRig rig="threePt" dir="t"/>
+    </dgm:scene3d>
+    <dgm:sp3d/>
+    <dgm:txPr/>
+    <dgm:style>
+      <a:lnRef idx="1">
+        <a:scrgbClr r="0" g="0" b="0"/>
+      </a:lnRef>
+      <a:fillRef idx="1">
+        <a:scrgbClr r="0" g="0" b="0"/>
+      </a:fillRef>
+      <a:effectRef idx="0">
+        <a:scrgbClr r="0" g="0" b="0"/>
+      </a:effectRef>
+      <a:fontRef idx="minor"/>
+    </dgm:style>
+  </dgm:styleLbl>
+  <dgm:styleLbl name="alignAcc1">
+    <dgm:scene3d>
+      <a:camera prst="orthographicFront"/>
+      <a:lightRig rig="threePt" dir="t"/>
+    </dgm:scene3d>
+    <dgm:sp3d/>
+    <dgm:txPr/>
+    <dgm:style>
+      <a:lnRef idx="1">
+        <a:scrgbClr r="0" g="0" b="0"/>
+      </a:lnRef>
+      <a:fillRef idx="1">
+        <a:scrgbClr r="0" g="0" b="0"/>
+      </a:fillRef>
+      <a:effectRef idx="0">
+        <a:scrgbClr r="0" g="0" b="0"/>
+      </a:effectRef>
+      <a:fontRef idx="minor"/>
+    </dgm:style>
+  </dgm:styleLbl>
+  <dgm:styleLbl name="trAlignAcc1">
+    <dgm:scene3d>
+      <a:camera prst="orthographicFront"/>
+      <a:lightRig rig="threePt" dir="t"/>
+    </dgm:scene3d>
+    <dgm:sp3d/>
+    <dgm:txPr/>
+    <dgm:style>
+      <a:lnRef idx="1">
+        <a:scrgbClr r="0" g="0" b="0"/>
+      </a:lnRef>
+      <a:fillRef idx="1">
+        <a:scrgbClr r="0" g="0" b="0"/>
+      </a:fillRef>
+      <a:effectRef idx="0">
+        <a:scrgbClr r="0" g="0" b="0"/>
+      </a:effectRef>
+      <a:fontRef idx="minor"/>
+    </dgm:style>
+  </dgm:styleLbl>
+  <dgm:styleLbl name="bgAcc1">
+    <dgm:scene3d>
+      <a:camera prst="orthographicFront"/>
+      <a:lightRig rig="threePt" dir="t"/>
+    </dgm:scene3d>
+    <dgm:sp3d/>
+    <dgm:txPr/>
+    <dgm:style>
+      <a:lnRef idx="1">
+        <a:scrgbClr r="0" g="0" b="0"/>
+      </a:lnRef>
+      <a:fillRef idx="1">
+        <a:scrgbClr r="0" g="0" b="0"/>
+      </a:fillRef>
+      <a:effectRef idx="0">
+        <a:scrgbClr r="0" g="0" b="0"/>
+      </a:effectRef>
+      <a:fontRef idx="minor"/>
+    </dgm:style>
+  </dgm:styleLbl>
+  <dgm:styleLbl name="solidFgAcc1">
+    <dgm:scene3d>
+      <a:camera prst="orthographicFront"/>
+      <a:lightRig rig="threePt" dir="t"/>
+    </dgm:scene3d>
+    <dgm:sp3d/>
+    <dgm:txPr/>
+    <dgm:style>
+      <a:lnRef idx="1">
+        <a:scrgbClr r="0" g="0" b="0"/>
+      </a:lnRef>
+      <a:fillRef idx="1">
+        <a:scrgbClr r="0" g="0" b="0"/>
+      </a:fillRef>
+      <a:effectRef idx="0">
+        <a:scrgbClr r="0" g="0" b="0"/>
+      </a:effectRef>
+      <a:fontRef idx="minor"/>
+    </dgm:style>
+  </dgm:styleLbl>
+  <dgm:styleLbl name="solidAlignAcc1">
+    <dgm:scene3d>
+      <a:camera prst="orthographicFront"/>
+      <a:lightRig rig="threePt" dir="t"/>
+    </dgm:scene3d>
+    <dgm:sp3d/>
+    <dgm:txPr/>
+    <dgm:style>
+      <a:lnRef idx="1">
+        <a:scrgbClr r="0" g="0" b="0"/>
+      </a:lnRef>
+      <a:fillRef idx="1">
+        <a:scrgbClr r="0" g="0" b="0"/>
+      </a:fillRef>
+      <a:effectRef idx="0">
+        <a:scrgbClr r="0" g="0" b="0"/>
+      </a:effectRef>
+      <a:fontRef idx="minor"/>
+    </dgm:style>
+  </dgm:styleLbl>
+  <dgm:styleLbl name="solidBgAcc1">
+    <dgm:scene3d>
+      <a:camera prst="orthographicFront"/>
+      <a:lightRig rig="threePt" dir="t"/>
+    </dgm:scene3d>
+    <dgm:sp3d/>
+    <dgm:txPr/>
+    <dgm:style>
+      <a:lnRef idx="1">
+        <a:scrgbClr r="0" g="0" b="0"/>
+      </a:lnRef>
+      <a:fillRef idx="1">
+        <a:scrgbClr r="0" g="0" b="0"/>
+      </a:fillRef>
+      <a:effectRef idx="0">
+        <a:scrgbClr r="0" g="0" b="0"/>
+      </a:effectRef>
+      <a:fontRef idx="minor"/>
+    </dgm:style>
+  </dgm:styleLbl>
+  <dgm:styleLbl name="fgAccFollowNode1">
+    <dgm:scene3d>
+      <a:camera prst="orthographicFront"/>
+      <a:lightRig rig="threePt" dir="t"/>
+    </dgm:scene3d>
+    <dgm:sp3d/>
+    <dgm:txPr/>
+    <dgm:style>
+      <a:lnRef idx="1">
+        <a:scrgbClr r="0" g="0" b="0"/>
+      </a:lnRef>
+      <a:fillRef idx="1">
+        <a:scrgbClr r="0" g="0" b="0"/>
+      </a:fillRef>
+      <a:effectRef idx="0">
+        <a:scrgbClr r="0" g="0" b="0"/>
+      </a:effectRef>
+      <a:fontRef idx="minor"/>
+    </dgm:style>
+  </dgm:styleLbl>
+  <dgm:styleLbl name="alignAccFollowNode1">
+    <dgm:scene3d>
+      <a:camera prst="orthographicFront"/>
+      <a:lightRig rig="threePt" dir="t"/>
+    </dgm:scene3d>
+    <dgm:sp3d/>
+    <dgm:txPr/>
+    <dgm:style>
+      <a:lnRef idx="1">
+        <a:scrgbClr r="0" g="0" b="0"/>
+      </a:lnRef>
+      <a:fillRef idx="1">
+        <a:scrgbClr r="0" g="0" b="0"/>
+      </a:fillRef>
+      <a:effectRef idx="0">
+        <a:scrgbClr r="0" g="0" b="0"/>
+      </a:effectRef>
+      <a:fontRef idx="minor"/>
+    </dgm:style>
+  </dgm:styleLbl>
+  <dgm:styleLbl name="bgAccFollowNode1">
+    <dgm:scene3d>
+      <a:camera prst="orthographicFront"/>
+      <a:lightRig rig="threePt" dir="t"/>
+    </dgm:scene3d>
+    <dgm:sp3d/>
+    <dgm:txPr/>
+    <dgm:style>
+      <a:lnRef idx="1">
+        <a:scrgbClr r="0" g="0" b="0"/>
+      </a:lnRef>
+      <a:fillRef idx="1">
+        <a:scrgbClr r="0" g="0" b="0"/>
+      </a:fillRef>
+      <a:effectRef idx="0">
+        <a:scrgbClr r="0" g="0" b="0"/>
+      </a:effectRef>
+      <a:fontRef idx="minor"/>
+    </dgm:style>
+  </dgm:styleLbl>
+  <dgm:styleLbl name="fgAcc0">
+    <dgm:scene3d>
+      <a:camera prst="orthographicFront"/>
+      <a:lightRig rig="threePt" dir="t"/>
+    </dgm:scene3d>
+    <dgm:sp3d/>
+    <dgm:txPr/>
+    <dgm:style>
+      <a:lnRef idx="1">
+        <a:scrgbClr r="0" g="0" b="0"/>
+      </a:lnRef>
+      <a:fillRef idx="1">
+        <a:scrgbClr r="0" g="0" b="0"/>
+      </a:fillRef>
+      <a:effectRef idx="0">
+        <a:scrgbClr r="0" g="0" b="0"/>
+      </a:effectRef>
+      <a:fontRef idx="minor"/>
+    </dgm:style>
+  </dgm:styleLbl>
+  <dgm:styleLbl name="fgAcc2">
+    <dgm:scene3d>
+      <a:camera prst="orthographicFront"/>
+      <a:lightRig rig="threePt" dir="t"/>
+    </dgm:scene3d>
+    <dgm:sp3d/>
+    <dgm:txPr/>
+    <dgm:style>
+      <a:lnRef idx="1">
+        <a:scrgbClr r="0" g="0" b="0"/>
+      </a:lnRef>
+      <a:fillRef idx="1">
+        <a:scrgbClr r="0" g="0" b="0"/>
+      </a:fillRef>
+      <a:effectRef idx="0">
+        <a:scrgbClr r="0" g="0" b="0"/>
+      </a:effectRef>
+      <a:fontRef idx="minor"/>
+    </dgm:style>
+  </dgm:styleLbl>
+  <dgm:styleLbl name="fgAcc3">
+    <dgm:scene3d>
+      <a:camera prst="orthographicFront"/>
+      <a:lightRig rig="threePt" dir="t"/>
+    </dgm:scene3d>
+    <dgm:sp3d/>
+    <dgm:txPr/>
+    <dgm:style>
+      <a:lnRef idx="1">
+        <a:scrgbClr r="0" g="0" b="0"/>
+      </a:lnRef>
+      <a:fillRef idx="1">
+        <a:scrgbClr r="0" g="0" b="0"/>
+      </a:fillRef>
+      <a:effectRef idx="0">
+        <a:scrgbClr r="0" g="0" b="0"/>
+      </a:effectRef>
+      <a:fontRef idx="minor"/>
+    </dgm:style>
+  </dgm:styleLbl>
+  <dgm:styleLbl name="fgAcc4">
+    <dgm:scene3d>
+      <a:camera prst="orthographicFront"/>
+      <a:lightRig rig="threePt" dir="t"/>
+    </dgm:scene3d>
+    <dgm:sp3d/>
+    <dgm:txPr/>
+    <dgm:style>
+      <a:lnRef idx="1">
+        <a:scrgbClr r="0" g="0" b="0"/>
+      </a:lnRef>
+      <a:fillRef idx="1">
+        <a:scrgbClr r="0" g="0" b="0"/>
+      </a:fillRef>
+      <a:effectRef idx="0">
+        <a:scrgbClr r="0" g="0" b="0"/>
+      </a:effectRef>
+      <a:fontRef idx="minor"/>
+    </dgm:style>
+  </dgm:styleLbl>
+  <dgm:styleLbl name="bgShp">
+    <dgm:scene3d>
+      <a:camera prst="orthographicFront"/>
+      <a:lightRig rig="threePt" dir="t"/>
+    </dgm:scene3d>
+    <dgm:sp3d/>
+    <dgm:txPr/>
+    <dgm:style>
+      <a:lnRef idx="0">
+        <a:scrgbClr r="0" g="0" b="0"/>
+      </a:lnRef>
+      <a:fillRef idx="1">
+        <a:scrgbClr r="0" g="0" b="0"/>
+      </a:fillRef>
+      <a:effectRef idx="2">
+        <a:scrgbClr r="0" g="0" b="0"/>
+      </a:effectRef>
+      <a:fontRef idx="minor"/>
+    </dgm:style>
+  </dgm:styleLbl>
+  <dgm:styleLbl name="dkBgShp">
+    <dgm:scene3d>
+      <a:camera prst="orthographicFront"/>
+      <a:lightRig rig="threePt" dir="t"/>
+    </dgm:scene3d>
+    <dgm:sp3d/>
+    <dgm:txPr/>
+    <dgm:style>
+      <a:lnRef idx="0">
+        <a:scrgbClr r="0" g="0" b="0"/>
+      </a:lnRef>
+      <a:fillRef idx="1">
+        <a:scrgbClr r="0" g="0" b="0"/>
+      </a:fillRef>
+      <a:effectRef idx="2">
+        <a:scrgbClr r="0" g="0" b="0"/>
+      </a:effectRef>
+      <a:fontRef idx="minor"/>
+    </dgm:style>
+  </dgm:styleLbl>
+  <dgm:styleLbl name="trBgShp">
+    <dgm:scene3d>
+      <a:camera prst="orthographicFront"/>
+      <a:lightRig rig="threePt" dir="t"/>
+    </dgm:scene3d>
+    <dgm:sp3d/>
+    <dgm:txPr/>
+    <dgm:style>
+      <a:lnRef idx="0">
+        <a:scrgbClr r="0" g="0" b="0"/>
+      </a:lnRef>
+      <a:fillRef idx="1">
+        <a:scrgbClr r="0" g="0" b="0"/>
+      </a:fillRef>
+      <a:effectRef idx="0">
+        <a:scrgbClr r="0" g="0" b="0"/>
+      </a:effectRef>
+      <a:fontRef idx="minor"/>
+    </dgm:style>
+  </dgm:styleLbl>
+  <dgm:styleLbl name="fgShp">
+    <dgm:scene3d>
+      <a:camera prst="orthographicFront"/>
+      <a:lightRig rig="threePt" dir="t"/>
+    </dgm:scene3d>
+    <dgm:sp3d/>
+    <dgm:txPr/>
+    <dgm:style>
+      <a:lnRef idx="0">
+        <a:scrgbClr r="0" g="0" b="0"/>
+      </a:lnRef>
+      <a:fillRef idx="3">
+        <a:scrgbClr r="0" g="0" b="0"/>
+      </a:fillRef>
+      <a:effectRef idx="2">
+        <a:scrgbClr r="0" g="0" b="0"/>
+      </a:effectRef>
+      <a:fontRef idx="minor"/>
+    </dgm:style>
+  </dgm:styleLbl>
+  <dgm:styleLbl name="revTx">
+    <dgm:scene3d>
+      <a:camera prst="orthographicFront"/>
+      <a:lightRig rig="threePt" dir="t"/>
+    </dgm:scene3d>
+    <dgm:sp3d/>
+    <dgm:txPr/>
+    <dgm:style>
+      <a:lnRef idx="0">
+        <a:scrgbClr r="0" g="0" b="0"/>
+      </a:lnRef>
+      <a:fillRef idx="0">
+        <a:scrgbClr r="0" g="0" b="0"/>
+      </a:fillRef>
+      <a:effectRef idx="0">
+        <a:scrgbClr r="0" g="0" b="0"/>
+      </a:effectRef>
+      <a:fontRef idx="minor"/>
+    </dgm:style>
+  </dgm:styleLbl>
+</dgm:styleDef>
+</file>
+
 <file path=ppt/diagrams/quickStyle2.xml><?xml version="1.0" encoding="utf-8"?>
 <dgm:styleDef xmlns:dgm="http://schemas.openxmlformats.org/drawingml/2006/diagram" xmlns:a="http://schemas.openxmlformats.org/drawingml/2006/main" uniqueId="urn:microsoft.com/office/officeart/2005/8/quickstyle/simple1">
   <dgm:title val=""/>
@@ -35402,7 +38337,7 @@
           <a:p>
             <a:fld id="{175AC318-6113-B742-8151-DEA7C3340462}" type="datetimeFigureOut">
               <a:rPr lang="en-US" smtClean="0"/>
-              <a:t>3/22/24</a:t>
+              <a:t>3/25/24</a:t>
             </a:fld>
             <a:endParaRPr lang="en-US"/>
           </a:p>
@@ -36191,7 +39126,7 @@
           <a:p>
             <a:fld id="{23C4817C-9E78-494C-A089-F217C38E8593}" type="slidenum">
               <a:rPr lang="en-US" smtClean="0"/>
-              <a:t>34</a:t>
+              <a:t>35</a:t>
             </a:fld>
             <a:endParaRPr lang="en-US"/>
           </a:p>
@@ -36211,6 +39146,213 @@
 </file>
 
 <file path=ppt/notesSlides/notesSlide15.xml><?xml version="1.0" encoding="utf-8"?>
+<p:notes xmlns:a="http://schemas.openxmlformats.org/drawingml/2006/main" xmlns:r="http://schemas.openxmlformats.org/officeDocument/2006/relationships" xmlns:p="http://schemas.openxmlformats.org/presentationml/2006/main">
+  <p:cSld>
+    <p:spTree>
+      <p:nvGrpSpPr>
+        <p:cNvPr id="1" name=""/>
+        <p:cNvGrpSpPr/>
+        <p:nvPr/>
+      </p:nvGrpSpPr>
+      <p:grpSpPr>
+        <a:xfrm>
+          <a:off x="0" y="0"/>
+          <a:ext cx="0" cy="0"/>
+          <a:chOff x="0" y="0"/>
+          <a:chExt cx="0" cy="0"/>
+        </a:xfrm>
+      </p:grpSpPr>
+      <p:sp>
+        <p:nvSpPr>
+          <p:cNvPr id="2" name="Slide Image Placeholder 1"/>
+          <p:cNvSpPr>
+            <a:spLocks noGrp="1" noRot="1" noChangeAspect="1"/>
+          </p:cNvSpPr>
+          <p:nvPr>
+            <p:ph type="sldImg"/>
+          </p:nvPr>
+        </p:nvSpPr>
+        <p:spPr/>
+      </p:sp>
+      <p:sp>
+        <p:nvSpPr>
+          <p:cNvPr id="3" name="Notes Placeholder 2"/>
+          <p:cNvSpPr>
+            <a:spLocks noGrp="1"/>
+          </p:cNvSpPr>
+          <p:nvPr>
+            <p:ph type="body" idx="1"/>
+          </p:nvPr>
+        </p:nvSpPr>
+        <p:spPr/>
+        <p:txBody>
+          <a:bodyPr/>
+          <a:lstStyle/>
+          <a:p>
+            <a:endParaRPr lang="en-US" dirty="0"/>
+          </a:p>
+        </p:txBody>
+      </p:sp>
+      <p:sp>
+        <p:nvSpPr>
+          <p:cNvPr id="4" name="Slide Number Placeholder 3"/>
+          <p:cNvSpPr>
+            <a:spLocks noGrp="1"/>
+          </p:cNvSpPr>
+          <p:nvPr>
+            <p:ph type="sldNum" sz="quarter" idx="5"/>
+          </p:nvPr>
+        </p:nvSpPr>
+        <p:spPr/>
+        <p:txBody>
+          <a:bodyPr/>
+          <a:lstStyle/>
+          <a:p>
+            <a:fld id="{23C4817C-9E78-494C-A089-F217C38E8593}" type="slidenum">
+              <a:rPr lang="en-US" smtClean="0"/>
+              <a:t>40</a:t>
+            </a:fld>
+            <a:endParaRPr lang="en-US"/>
+          </a:p>
+        </p:txBody>
+      </p:sp>
+    </p:spTree>
+    <p:extLst>
+      <p:ext uri="{BB962C8B-B14F-4D97-AF65-F5344CB8AC3E}">
+        <p14:creationId xmlns:p14="http://schemas.microsoft.com/office/powerpoint/2010/main" val="4232422567"/>
+      </p:ext>
+    </p:extLst>
+  </p:cSld>
+  <p:clrMapOvr>
+    <a:masterClrMapping/>
+  </p:clrMapOvr>
+</p:notes>
+</file>
+
+<file path=ppt/notesSlides/notesSlide16.xml><?xml version="1.0" encoding="utf-8"?>
+<p:notes xmlns:a="http://schemas.openxmlformats.org/drawingml/2006/main" xmlns:r="http://schemas.openxmlformats.org/officeDocument/2006/relationships" xmlns:p="http://schemas.openxmlformats.org/presentationml/2006/main">
+  <p:cSld>
+    <p:spTree>
+      <p:nvGrpSpPr>
+        <p:cNvPr id="1" name=""/>
+        <p:cNvGrpSpPr/>
+        <p:nvPr/>
+      </p:nvGrpSpPr>
+      <p:grpSpPr>
+        <a:xfrm>
+          <a:off x="0" y="0"/>
+          <a:ext cx="0" cy="0"/>
+          <a:chOff x="0" y="0"/>
+          <a:chExt cx="0" cy="0"/>
+        </a:xfrm>
+      </p:grpSpPr>
+      <p:sp>
+        <p:nvSpPr>
+          <p:cNvPr id="2" name="Slide Image Placeholder 1"/>
+          <p:cNvSpPr>
+            <a:spLocks noGrp="1" noRot="1" noChangeAspect="1"/>
+          </p:cNvSpPr>
+          <p:nvPr>
+            <p:ph type="sldImg"/>
+          </p:nvPr>
+        </p:nvSpPr>
+        <p:spPr/>
+      </p:sp>
+      <p:sp>
+        <p:nvSpPr>
+          <p:cNvPr id="3" name="Notes Placeholder 2"/>
+          <p:cNvSpPr>
+            <a:spLocks noGrp="1"/>
+          </p:cNvSpPr>
+          <p:nvPr>
+            <p:ph type="body" idx="1"/>
+          </p:nvPr>
+        </p:nvSpPr>
+        <p:spPr/>
+        <p:txBody>
+          <a:bodyPr/>
+          <a:lstStyle/>
+          <a:p>
+            <a:pPr marL="228600" indent="-228600">
+              <a:buAutoNum type="arabicPeriod"/>
+            </a:pPr>
+            <a:r>
+              <a:rPr lang="en-US" dirty="0"/>
+              <a:t>Avoid ever making a type I error </a:t>
+            </a:r>
+          </a:p>
+          <a:p>
+            <a:pPr marL="228600" indent="-228600">
+              <a:buAutoNum type="arabicPeriod"/>
+            </a:pPr>
+            <a:r>
+              <a:rPr lang="en-US" dirty="0"/>
+              <a:t>Avoid type I error while also avoiding rejecting “good” hypothesis</a:t>
+            </a:r>
+          </a:p>
+          <a:p>
+            <a:r>
+              <a:rPr lang="en-US" dirty="0"/>
+              <a:t>What does a 5% p-value tell you? What does a 5% FDR tell you?</a:t>
+            </a:r>
+          </a:p>
+          <a:p>
+            <a:r>
+              <a:rPr lang="en-US" dirty="0"/>
+              <a:t>Answer:</a:t>
+            </a:r>
+          </a:p>
+          <a:p>
+            <a:r>
+              <a:rPr lang="en-US" dirty="0"/>
+              <a:t>P-value = 5% of all tests are false positives</a:t>
+            </a:r>
+          </a:p>
+          <a:p>
+            <a:r>
+              <a:rPr lang="en-US" dirty="0"/>
+              <a:t>FDR = 5% of significant tests are false positives</a:t>
+            </a:r>
+          </a:p>
+        </p:txBody>
+      </p:sp>
+      <p:sp>
+        <p:nvSpPr>
+          <p:cNvPr id="4" name="Slide Number Placeholder 3"/>
+          <p:cNvSpPr>
+            <a:spLocks noGrp="1"/>
+          </p:cNvSpPr>
+          <p:nvPr>
+            <p:ph type="sldNum" sz="quarter" idx="5"/>
+          </p:nvPr>
+        </p:nvSpPr>
+        <p:spPr/>
+        <p:txBody>
+          <a:bodyPr/>
+          <a:lstStyle/>
+          <a:p>
+            <a:fld id="{23C4817C-9E78-494C-A089-F217C38E8593}" type="slidenum">
+              <a:rPr lang="en-US" smtClean="0"/>
+              <a:t>41</a:t>
+            </a:fld>
+            <a:endParaRPr lang="en-US"/>
+          </a:p>
+        </p:txBody>
+      </p:sp>
+    </p:spTree>
+    <p:extLst>
+      <p:ext uri="{BB962C8B-B14F-4D97-AF65-F5344CB8AC3E}">
+        <p14:creationId xmlns:p14="http://schemas.microsoft.com/office/powerpoint/2010/main" val="3935557413"/>
+      </p:ext>
+    </p:extLst>
+  </p:cSld>
+  <p:clrMapOvr>
+    <a:masterClrMapping/>
+  </p:clrMapOvr>
+</p:notes>
+</file>
+
+<file path=ppt/notesSlides/notesSlide17.xml><?xml version="1.0" encoding="utf-8"?>
 <p:notes xmlns:a="http://schemas.openxmlformats.org/drawingml/2006/main" xmlns:r="http://schemas.openxmlformats.org/officeDocument/2006/relationships" xmlns:p="http://schemas.openxmlformats.org/presentationml/2006/main">
   <p:cSld>
     <p:spTree>
@@ -36278,7 +39420,7 @@
           <a:p>
             <a:fld id="{23C4817C-9E78-494C-A089-F217C38E8593}" type="slidenum">
               <a:rPr lang="en-US" smtClean="0"/>
-              <a:t>40</a:t>
+              <a:t>42</a:t>
             </a:fld>
             <a:endParaRPr lang="en-US"/>
           </a:p>
@@ -36297,7 +39439,111 @@
 </p:notes>
 </file>
 
-<file path=ppt/notesSlides/notesSlide16.xml><?xml version="1.0" encoding="utf-8"?>
+<file path=ppt/notesSlides/notesSlide18.xml><?xml version="1.0" encoding="utf-8"?>
+<p:notes xmlns:a="http://schemas.openxmlformats.org/drawingml/2006/main" xmlns:r="http://schemas.openxmlformats.org/officeDocument/2006/relationships" xmlns:p="http://schemas.openxmlformats.org/presentationml/2006/main">
+  <p:cSld>
+    <p:spTree>
+      <p:nvGrpSpPr>
+        <p:cNvPr id="1" name=""/>
+        <p:cNvGrpSpPr/>
+        <p:nvPr/>
+      </p:nvGrpSpPr>
+      <p:grpSpPr>
+        <a:xfrm>
+          <a:off x="0" y="0"/>
+          <a:ext cx="0" cy="0"/>
+          <a:chOff x="0" y="0"/>
+          <a:chExt cx="0" cy="0"/>
+        </a:xfrm>
+      </p:grpSpPr>
+      <p:sp>
+        <p:nvSpPr>
+          <p:cNvPr id="2" name="Slide Image Placeholder 1"/>
+          <p:cNvSpPr>
+            <a:spLocks noGrp="1" noRot="1" noChangeAspect="1"/>
+          </p:cNvSpPr>
+          <p:nvPr>
+            <p:ph type="sldImg"/>
+          </p:nvPr>
+        </p:nvSpPr>
+        <p:spPr/>
+      </p:sp>
+      <p:sp>
+        <p:nvSpPr>
+          <p:cNvPr id="3" name="Notes Placeholder 2"/>
+          <p:cNvSpPr>
+            <a:spLocks noGrp="1"/>
+          </p:cNvSpPr>
+          <p:nvPr>
+            <p:ph type="body" idx="1"/>
+          </p:nvPr>
+        </p:nvSpPr>
+        <p:spPr/>
+        <p:txBody>
+          <a:bodyPr/>
+          <a:lstStyle/>
+          <a:p>
+            <a:pPr marL="0" marR="0" lvl="0" indent="0" algn="l" defTabSz="914400" rtl="0" eaLnBrk="1" fontAlgn="auto" latinLnBrk="0" hangingPunct="1">
+              <a:lnSpc>
+                <a:spcPct val="100000"/>
+              </a:lnSpc>
+              <a:spcBef>
+                <a:spcPts val="0"/>
+              </a:spcBef>
+              <a:spcAft>
+                <a:spcPts val="0"/>
+              </a:spcAft>
+              <a:buClrTx/>
+              <a:buSzTx/>
+              <a:buFontTx/>
+              <a:buNone/>
+              <a:tabLst/>
+              <a:defRPr/>
+            </a:pPr>
+            <a:r>
+              <a:rPr lang="en-US" dirty="0"/>
+              <a:t>Hypothesis testing is not an error-free process.</a:t>
+            </a:r>
+          </a:p>
+        </p:txBody>
+      </p:sp>
+      <p:sp>
+        <p:nvSpPr>
+          <p:cNvPr id="4" name="Slide Number Placeholder 3"/>
+          <p:cNvSpPr>
+            <a:spLocks noGrp="1"/>
+          </p:cNvSpPr>
+          <p:nvPr>
+            <p:ph type="sldNum" sz="quarter" idx="5"/>
+          </p:nvPr>
+        </p:nvSpPr>
+        <p:spPr/>
+        <p:txBody>
+          <a:bodyPr/>
+          <a:lstStyle/>
+          <a:p>
+            <a:fld id="{23C4817C-9E78-494C-A089-F217C38E8593}" type="slidenum">
+              <a:rPr lang="en-US" smtClean="0"/>
+              <a:t>46</a:t>
+            </a:fld>
+            <a:endParaRPr lang="en-US"/>
+          </a:p>
+        </p:txBody>
+      </p:sp>
+    </p:spTree>
+    <p:extLst>
+      <p:ext uri="{BB962C8B-B14F-4D97-AF65-F5344CB8AC3E}">
+        <p14:creationId xmlns:p14="http://schemas.microsoft.com/office/powerpoint/2010/main" val="1983480124"/>
+      </p:ext>
+    </p:extLst>
+  </p:cSld>
+  <p:clrMapOvr>
+    <a:masterClrMapping/>
+  </p:clrMapOvr>
+</p:notes>
+</file>
+
+<file path=ppt/notesSlides/notesSlide19.xml><?xml version="1.0" encoding="utf-8"?>
 <p:notes xmlns:a="http://schemas.openxmlformats.org/drawingml/2006/main" xmlns:r="http://schemas.openxmlformats.org/officeDocument/2006/relationships" xmlns:p="http://schemas.openxmlformats.org/presentationml/2006/main">
   <p:cSld>
     <p:spTree>
@@ -36362,7 +39608,7 @@
           <a:p>
             <a:fld id="{23C4817C-9E78-494C-A089-F217C38E8593}" type="slidenum">
               <a:rPr lang="en-US" smtClean="0"/>
-              <a:t>47</a:t>
+              <a:t>49</a:t>
             </a:fld>
             <a:endParaRPr lang="en-US"/>
           </a:p>
@@ -36372,305 +39618,6 @@
     <p:extLst>
       <p:ext uri="{BB962C8B-B14F-4D97-AF65-F5344CB8AC3E}">
         <p14:creationId xmlns:p14="http://schemas.microsoft.com/office/powerpoint/2010/main" val="3833630981"/>
-      </p:ext>
-    </p:extLst>
-  </p:cSld>
-  <p:clrMapOvr>
-    <a:masterClrMapping/>
-  </p:clrMapOvr>
-</p:notes>
-</file>
-
-<file path=ppt/notesSlides/notesSlide17.xml><?xml version="1.0" encoding="utf-8"?>
-<p:notes xmlns:a="http://schemas.openxmlformats.org/drawingml/2006/main" xmlns:r="http://schemas.openxmlformats.org/officeDocument/2006/relationships" xmlns:p="http://schemas.openxmlformats.org/presentationml/2006/main">
-  <p:cSld>
-    <p:spTree>
-      <p:nvGrpSpPr>
-        <p:cNvPr id="1" name=""/>
-        <p:cNvGrpSpPr/>
-        <p:nvPr/>
-      </p:nvGrpSpPr>
-      <p:grpSpPr>
-        <a:xfrm>
-          <a:off x="0" y="0"/>
-          <a:ext cx="0" cy="0"/>
-          <a:chOff x="0" y="0"/>
-          <a:chExt cx="0" cy="0"/>
-        </a:xfrm>
-      </p:grpSpPr>
-      <p:sp>
-        <p:nvSpPr>
-          <p:cNvPr id="2" name="Slide Image Placeholder 1"/>
-          <p:cNvSpPr>
-            <a:spLocks noGrp="1" noRot="1" noChangeAspect="1"/>
-          </p:cNvSpPr>
-          <p:nvPr>
-            <p:ph type="sldImg"/>
-          </p:nvPr>
-        </p:nvSpPr>
-        <p:spPr/>
-      </p:sp>
-      <p:sp>
-        <p:nvSpPr>
-          <p:cNvPr id="3" name="Notes Placeholder 2"/>
-          <p:cNvSpPr>
-            <a:spLocks noGrp="1"/>
-          </p:cNvSpPr>
-          <p:nvPr>
-            <p:ph type="body" idx="1"/>
-          </p:nvPr>
-        </p:nvSpPr>
-        <p:spPr/>
-        <p:txBody>
-          <a:bodyPr/>
-          <a:lstStyle/>
-          <a:p>
-            <a:r>
-              <a:rPr lang="en-US" dirty="0"/>
-              <a:t>Genomics and transcriptomics often deal with large amounts of data, so effective visualization can be a challenge.</a:t>
-            </a:r>
-          </a:p>
-          <a:p>
-            <a:r>
-              <a:rPr lang="en-US" dirty="0"/>
-              <a:t>Keep the principles we just discussed in mind.</a:t>
-            </a:r>
-          </a:p>
-        </p:txBody>
-      </p:sp>
-      <p:sp>
-        <p:nvSpPr>
-          <p:cNvPr id="4" name="Slide Number Placeholder 3"/>
-          <p:cNvSpPr>
-            <a:spLocks noGrp="1"/>
-          </p:cNvSpPr>
-          <p:nvPr>
-            <p:ph type="sldNum" sz="quarter" idx="5"/>
-          </p:nvPr>
-        </p:nvSpPr>
-        <p:spPr/>
-        <p:txBody>
-          <a:bodyPr/>
-          <a:lstStyle/>
-          <a:p>
-            <a:fld id="{23C4817C-9E78-494C-A089-F217C38E8593}" type="slidenum">
-              <a:rPr lang="en-US" smtClean="0"/>
-              <a:t>48</a:t>
-            </a:fld>
-            <a:endParaRPr lang="en-US"/>
-          </a:p>
-        </p:txBody>
-      </p:sp>
-    </p:spTree>
-    <p:extLst>
-      <p:ext uri="{BB962C8B-B14F-4D97-AF65-F5344CB8AC3E}">
-        <p14:creationId xmlns:p14="http://schemas.microsoft.com/office/powerpoint/2010/main" val="388800510"/>
-      </p:ext>
-    </p:extLst>
-  </p:cSld>
-  <p:clrMapOvr>
-    <a:masterClrMapping/>
-  </p:clrMapOvr>
-</p:notes>
-</file>
-
-<file path=ppt/notesSlides/notesSlide18.xml><?xml version="1.0" encoding="utf-8"?>
-<p:notes xmlns:a="http://schemas.openxmlformats.org/drawingml/2006/main" xmlns:r="http://schemas.openxmlformats.org/officeDocument/2006/relationships" xmlns:p="http://schemas.openxmlformats.org/presentationml/2006/main">
-  <p:cSld>
-    <p:spTree>
-      <p:nvGrpSpPr>
-        <p:cNvPr id="1" name=""/>
-        <p:cNvGrpSpPr/>
-        <p:nvPr/>
-      </p:nvGrpSpPr>
-      <p:grpSpPr>
-        <a:xfrm>
-          <a:off x="0" y="0"/>
-          <a:ext cx="0" cy="0"/>
-          <a:chOff x="0" y="0"/>
-          <a:chExt cx="0" cy="0"/>
-        </a:xfrm>
-      </p:grpSpPr>
-      <p:sp>
-        <p:nvSpPr>
-          <p:cNvPr id="2" name="Slide Image Placeholder 1"/>
-          <p:cNvSpPr>
-            <a:spLocks noGrp="1" noRot="1" noChangeAspect="1"/>
-          </p:cNvSpPr>
-          <p:nvPr>
-            <p:ph type="sldImg"/>
-          </p:nvPr>
-        </p:nvSpPr>
-        <p:spPr/>
-      </p:sp>
-      <p:sp>
-        <p:nvSpPr>
-          <p:cNvPr id="3" name="Notes Placeholder 2"/>
-          <p:cNvSpPr>
-            <a:spLocks noGrp="1"/>
-          </p:cNvSpPr>
-          <p:nvPr>
-            <p:ph type="body" idx="1"/>
-          </p:nvPr>
-        </p:nvSpPr>
-        <p:spPr/>
-        <p:txBody>
-          <a:bodyPr/>
-          <a:lstStyle/>
-          <a:p>
-            <a:r>
-              <a:rPr lang="en-US" dirty="0"/>
-              <a:t>20 minutes</a:t>
-            </a:r>
-          </a:p>
-        </p:txBody>
-      </p:sp>
-      <p:sp>
-        <p:nvSpPr>
-          <p:cNvPr id="4" name="Slide Number Placeholder 3"/>
-          <p:cNvSpPr>
-            <a:spLocks noGrp="1"/>
-          </p:cNvSpPr>
-          <p:nvPr>
-            <p:ph type="sldNum" sz="quarter" idx="5"/>
-          </p:nvPr>
-        </p:nvSpPr>
-        <p:spPr/>
-        <p:txBody>
-          <a:bodyPr/>
-          <a:lstStyle/>
-          <a:p>
-            <a:fld id="{23C4817C-9E78-494C-A089-F217C38E8593}" type="slidenum">
-              <a:rPr lang="en-US" smtClean="0"/>
-              <a:t>49</a:t>
-            </a:fld>
-            <a:endParaRPr lang="en-US"/>
-          </a:p>
-        </p:txBody>
-      </p:sp>
-    </p:spTree>
-    <p:extLst>
-      <p:ext uri="{BB962C8B-B14F-4D97-AF65-F5344CB8AC3E}">
-        <p14:creationId xmlns:p14="http://schemas.microsoft.com/office/powerpoint/2010/main" val="3797594411"/>
-      </p:ext>
-    </p:extLst>
-  </p:cSld>
-  <p:clrMapOvr>
-    <a:masterClrMapping/>
-  </p:clrMapOvr>
-</p:notes>
-</file>
-
-<file path=ppt/notesSlides/notesSlide19.xml><?xml version="1.0" encoding="utf-8"?>
-<p:notes xmlns:a="http://schemas.openxmlformats.org/drawingml/2006/main" xmlns:r="http://schemas.openxmlformats.org/officeDocument/2006/relationships" xmlns:p="http://schemas.openxmlformats.org/presentationml/2006/main">
-  <p:cSld>
-    <p:spTree>
-      <p:nvGrpSpPr>
-        <p:cNvPr id="1" name=""/>
-        <p:cNvGrpSpPr/>
-        <p:nvPr/>
-      </p:nvGrpSpPr>
-      <p:grpSpPr>
-        <a:xfrm>
-          <a:off x="0" y="0"/>
-          <a:ext cx="0" cy="0"/>
-          <a:chOff x="0" y="0"/>
-          <a:chExt cx="0" cy="0"/>
-        </a:xfrm>
-      </p:grpSpPr>
-      <p:sp>
-        <p:nvSpPr>
-          <p:cNvPr id="2" name="Slide Image Placeholder 1"/>
-          <p:cNvSpPr>
-            <a:spLocks noGrp="1" noRot="1" noChangeAspect="1"/>
-          </p:cNvSpPr>
-          <p:nvPr>
-            <p:ph type="sldImg"/>
-          </p:nvPr>
-        </p:nvSpPr>
-        <p:spPr/>
-      </p:sp>
-      <p:sp>
-        <p:nvSpPr>
-          <p:cNvPr id="3" name="Notes Placeholder 2"/>
-          <p:cNvSpPr>
-            <a:spLocks noGrp="1"/>
-          </p:cNvSpPr>
-          <p:nvPr>
-            <p:ph type="body" idx="1"/>
-          </p:nvPr>
-        </p:nvSpPr>
-        <p:spPr/>
-        <p:txBody>
-          <a:bodyPr/>
-          <a:lstStyle/>
-          <a:p>
-            <a:r>
-              <a:rPr lang="en-US" dirty="0"/>
-              <a:t>https://</a:t>
-            </a:r>
-            <a:r>
-              <a:rPr lang="en-US" dirty="0" err="1"/>
-              <a:t>www.amstat.org</a:t>
-            </a:r>
-            <a:r>
-              <a:rPr lang="en-US" dirty="0"/>
-              <a:t>/docs/default-source/</a:t>
-            </a:r>
-            <a:r>
-              <a:rPr lang="en-US" dirty="0" err="1"/>
-              <a:t>amstat</a:t>
-            </a:r>
-            <a:r>
-              <a:rPr lang="en-US" dirty="0"/>
-              <a:t>-documents/</a:t>
-            </a:r>
-            <a:r>
-              <a:rPr lang="en-US" dirty="0" err="1"/>
-              <a:t>ethicalguidelines.pdf?Status</a:t>
-            </a:r>
-            <a:r>
-              <a:rPr lang="en-US" dirty="0"/>
-              <a:t>=</a:t>
-            </a:r>
-            <a:r>
-              <a:rPr lang="en-US" dirty="0" err="1"/>
-              <a:t>Master&amp;sfvrsn</a:t>
-            </a:r>
-            <a:r>
-              <a:rPr lang="en-US" dirty="0"/>
-              <a:t>=bdeeafdd_6/ </a:t>
-            </a:r>
-          </a:p>
-        </p:txBody>
-      </p:sp>
-      <p:sp>
-        <p:nvSpPr>
-          <p:cNvPr id="4" name="Slide Number Placeholder 3"/>
-          <p:cNvSpPr>
-            <a:spLocks noGrp="1"/>
-          </p:cNvSpPr>
-          <p:nvPr>
-            <p:ph type="sldNum" sz="quarter" idx="5"/>
-          </p:nvPr>
-        </p:nvSpPr>
-        <p:spPr/>
-        <p:txBody>
-          <a:bodyPr/>
-          <a:lstStyle/>
-          <a:p>
-            <a:fld id="{23C4817C-9E78-494C-A089-F217C38E8593}" type="slidenum">
-              <a:rPr lang="en-US" smtClean="0"/>
-              <a:t>53</a:t>
-            </a:fld>
-            <a:endParaRPr lang="en-US"/>
-          </a:p>
-        </p:txBody>
-      </p:sp>
-    </p:spTree>
-    <p:extLst>
-      <p:ext uri="{BB962C8B-B14F-4D97-AF65-F5344CB8AC3E}">
-        <p14:creationId xmlns:p14="http://schemas.microsoft.com/office/powerpoint/2010/main" val="621626305"/>
       </p:ext>
     </p:extLst>
   </p:cSld>
@@ -36855,6 +39802,305 @@
           <a:p>
             <a:r>
               <a:rPr lang="en-US" dirty="0"/>
+              <a:t>Genomics and transcriptomics often deal with large amounts of data, so effective visualization can be a challenge.</a:t>
+            </a:r>
+          </a:p>
+          <a:p>
+            <a:r>
+              <a:rPr lang="en-US" dirty="0"/>
+              <a:t>Keep the principles we just discussed in mind.</a:t>
+            </a:r>
+          </a:p>
+        </p:txBody>
+      </p:sp>
+      <p:sp>
+        <p:nvSpPr>
+          <p:cNvPr id="4" name="Slide Number Placeholder 3"/>
+          <p:cNvSpPr>
+            <a:spLocks noGrp="1"/>
+          </p:cNvSpPr>
+          <p:nvPr>
+            <p:ph type="sldNum" sz="quarter" idx="5"/>
+          </p:nvPr>
+        </p:nvSpPr>
+        <p:spPr/>
+        <p:txBody>
+          <a:bodyPr/>
+          <a:lstStyle/>
+          <a:p>
+            <a:fld id="{23C4817C-9E78-494C-A089-F217C38E8593}" type="slidenum">
+              <a:rPr lang="en-US" smtClean="0"/>
+              <a:t>50</a:t>
+            </a:fld>
+            <a:endParaRPr lang="en-US"/>
+          </a:p>
+        </p:txBody>
+      </p:sp>
+    </p:spTree>
+    <p:extLst>
+      <p:ext uri="{BB962C8B-B14F-4D97-AF65-F5344CB8AC3E}">
+        <p14:creationId xmlns:p14="http://schemas.microsoft.com/office/powerpoint/2010/main" val="388800510"/>
+      </p:ext>
+    </p:extLst>
+  </p:cSld>
+  <p:clrMapOvr>
+    <a:masterClrMapping/>
+  </p:clrMapOvr>
+</p:notes>
+</file>
+
+<file path=ppt/notesSlides/notesSlide21.xml><?xml version="1.0" encoding="utf-8"?>
+<p:notes xmlns:a="http://schemas.openxmlformats.org/drawingml/2006/main" xmlns:r="http://schemas.openxmlformats.org/officeDocument/2006/relationships" xmlns:p="http://schemas.openxmlformats.org/presentationml/2006/main">
+  <p:cSld>
+    <p:spTree>
+      <p:nvGrpSpPr>
+        <p:cNvPr id="1" name=""/>
+        <p:cNvGrpSpPr/>
+        <p:nvPr/>
+      </p:nvGrpSpPr>
+      <p:grpSpPr>
+        <a:xfrm>
+          <a:off x="0" y="0"/>
+          <a:ext cx="0" cy="0"/>
+          <a:chOff x="0" y="0"/>
+          <a:chExt cx="0" cy="0"/>
+        </a:xfrm>
+      </p:grpSpPr>
+      <p:sp>
+        <p:nvSpPr>
+          <p:cNvPr id="2" name="Slide Image Placeholder 1"/>
+          <p:cNvSpPr>
+            <a:spLocks noGrp="1" noRot="1" noChangeAspect="1"/>
+          </p:cNvSpPr>
+          <p:nvPr>
+            <p:ph type="sldImg"/>
+          </p:nvPr>
+        </p:nvSpPr>
+        <p:spPr/>
+      </p:sp>
+      <p:sp>
+        <p:nvSpPr>
+          <p:cNvPr id="3" name="Notes Placeholder 2"/>
+          <p:cNvSpPr>
+            <a:spLocks noGrp="1"/>
+          </p:cNvSpPr>
+          <p:nvPr>
+            <p:ph type="body" idx="1"/>
+          </p:nvPr>
+        </p:nvSpPr>
+        <p:spPr/>
+        <p:txBody>
+          <a:bodyPr/>
+          <a:lstStyle/>
+          <a:p>
+            <a:r>
+              <a:rPr lang="en-US" dirty="0"/>
+              <a:t>20 minutes</a:t>
+            </a:r>
+          </a:p>
+        </p:txBody>
+      </p:sp>
+      <p:sp>
+        <p:nvSpPr>
+          <p:cNvPr id="4" name="Slide Number Placeholder 3"/>
+          <p:cNvSpPr>
+            <a:spLocks noGrp="1"/>
+          </p:cNvSpPr>
+          <p:nvPr>
+            <p:ph type="sldNum" sz="quarter" idx="5"/>
+          </p:nvPr>
+        </p:nvSpPr>
+        <p:spPr/>
+        <p:txBody>
+          <a:bodyPr/>
+          <a:lstStyle/>
+          <a:p>
+            <a:fld id="{23C4817C-9E78-494C-A089-F217C38E8593}" type="slidenum">
+              <a:rPr lang="en-US" smtClean="0"/>
+              <a:t>51</a:t>
+            </a:fld>
+            <a:endParaRPr lang="en-US"/>
+          </a:p>
+        </p:txBody>
+      </p:sp>
+    </p:spTree>
+    <p:extLst>
+      <p:ext uri="{BB962C8B-B14F-4D97-AF65-F5344CB8AC3E}">
+        <p14:creationId xmlns:p14="http://schemas.microsoft.com/office/powerpoint/2010/main" val="3797594411"/>
+      </p:ext>
+    </p:extLst>
+  </p:cSld>
+  <p:clrMapOvr>
+    <a:masterClrMapping/>
+  </p:clrMapOvr>
+</p:notes>
+</file>
+
+<file path=ppt/notesSlides/notesSlide22.xml><?xml version="1.0" encoding="utf-8"?>
+<p:notes xmlns:a="http://schemas.openxmlformats.org/drawingml/2006/main" xmlns:r="http://schemas.openxmlformats.org/officeDocument/2006/relationships" xmlns:p="http://schemas.openxmlformats.org/presentationml/2006/main">
+  <p:cSld>
+    <p:spTree>
+      <p:nvGrpSpPr>
+        <p:cNvPr id="1" name=""/>
+        <p:cNvGrpSpPr/>
+        <p:nvPr/>
+      </p:nvGrpSpPr>
+      <p:grpSpPr>
+        <a:xfrm>
+          <a:off x="0" y="0"/>
+          <a:ext cx="0" cy="0"/>
+          <a:chOff x="0" y="0"/>
+          <a:chExt cx="0" cy="0"/>
+        </a:xfrm>
+      </p:grpSpPr>
+      <p:sp>
+        <p:nvSpPr>
+          <p:cNvPr id="2" name="Slide Image Placeholder 1"/>
+          <p:cNvSpPr>
+            <a:spLocks noGrp="1" noRot="1" noChangeAspect="1"/>
+          </p:cNvSpPr>
+          <p:nvPr>
+            <p:ph type="sldImg"/>
+          </p:nvPr>
+        </p:nvSpPr>
+        <p:spPr/>
+      </p:sp>
+      <p:sp>
+        <p:nvSpPr>
+          <p:cNvPr id="3" name="Notes Placeholder 2"/>
+          <p:cNvSpPr>
+            <a:spLocks noGrp="1"/>
+          </p:cNvSpPr>
+          <p:nvPr>
+            <p:ph type="body" idx="1"/>
+          </p:nvPr>
+        </p:nvSpPr>
+        <p:spPr/>
+        <p:txBody>
+          <a:bodyPr/>
+          <a:lstStyle/>
+          <a:p>
+            <a:r>
+              <a:rPr lang="en-US" dirty="0"/>
+              <a:t>https://</a:t>
+            </a:r>
+            <a:r>
+              <a:rPr lang="en-US" dirty="0" err="1"/>
+              <a:t>www.amstat.org</a:t>
+            </a:r>
+            <a:r>
+              <a:rPr lang="en-US" dirty="0"/>
+              <a:t>/docs/default-source/</a:t>
+            </a:r>
+            <a:r>
+              <a:rPr lang="en-US" dirty="0" err="1"/>
+              <a:t>amstat</a:t>
+            </a:r>
+            <a:r>
+              <a:rPr lang="en-US" dirty="0"/>
+              <a:t>-documents/</a:t>
+            </a:r>
+            <a:r>
+              <a:rPr lang="en-US" dirty="0" err="1"/>
+              <a:t>ethicalguidelines.pdf?Status</a:t>
+            </a:r>
+            <a:r>
+              <a:rPr lang="en-US" dirty="0"/>
+              <a:t>=</a:t>
+            </a:r>
+            <a:r>
+              <a:rPr lang="en-US" dirty="0" err="1"/>
+              <a:t>Master&amp;sfvrsn</a:t>
+            </a:r>
+            <a:r>
+              <a:rPr lang="en-US" dirty="0"/>
+              <a:t>=bdeeafdd_6/ </a:t>
+            </a:r>
+          </a:p>
+        </p:txBody>
+      </p:sp>
+      <p:sp>
+        <p:nvSpPr>
+          <p:cNvPr id="4" name="Slide Number Placeholder 3"/>
+          <p:cNvSpPr>
+            <a:spLocks noGrp="1"/>
+          </p:cNvSpPr>
+          <p:nvPr>
+            <p:ph type="sldNum" sz="quarter" idx="5"/>
+          </p:nvPr>
+        </p:nvSpPr>
+        <p:spPr/>
+        <p:txBody>
+          <a:bodyPr/>
+          <a:lstStyle/>
+          <a:p>
+            <a:fld id="{23C4817C-9E78-494C-A089-F217C38E8593}" type="slidenum">
+              <a:rPr lang="en-US" smtClean="0"/>
+              <a:t>55</a:t>
+            </a:fld>
+            <a:endParaRPr lang="en-US"/>
+          </a:p>
+        </p:txBody>
+      </p:sp>
+    </p:spTree>
+    <p:extLst>
+      <p:ext uri="{BB962C8B-B14F-4D97-AF65-F5344CB8AC3E}">
+        <p14:creationId xmlns:p14="http://schemas.microsoft.com/office/powerpoint/2010/main" val="621626305"/>
+      </p:ext>
+    </p:extLst>
+  </p:cSld>
+  <p:clrMapOvr>
+    <a:masterClrMapping/>
+  </p:clrMapOvr>
+</p:notes>
+</file>
+
+<file path=ppt/notesSlides/notesSlide23.xml><?xml version="1.0" encoding="utf-8"?>
+<p:notes xmlns:a="http://schemas.openxmlformats.org/drawingml/2006/main" xmlns:r="http://schemas.openxmlformats.org/officeDocument/2006/relationships" xmlns:p="http://schemas.openxmlformats.org/presentationml/2006/main">
+  <p:cSld>
+    <p:spTree>
+      <p:nvGrpSpPr>
+        <p:cNvPr id="1" name=""/>
+        <p:cNvGrpSpPr/>
+        <p:nvPr/>
+      </p:nvGrpSpPr>
+      <p:grpSpPr>
+        <a:xfrm>
+          <a:off x="0" y="0"/>
+          <a:ext cx="0" cy="0"/>
+          <a:chOff x="0" y="0"/>
+          <a:chExt cx="0" cy="0"/>
+        </a:xfrm>
+      </p:grpSpPr>
+      <p:sp>
+        <p:nvSpPr>
+          <p:cNvPr id="2" name="Slide Image Placeholder 1"/>
+          <p:cNvSpPr>
+            <a:spLocks noGrp="1" noRot="1" noChangeAspect="1"/>
+          </p:cNvSpPr>
+          <p:nvPr>
+            <p:ph type="sldImg"/>
+          </p:nvPr>
+        </p:nvSpPr>
+        <p:spPr/>
+      </p:sp>
+      <p:sp>
+        <p:nvSpPr>
+          <p:cNvPr id="3" name="Notes Placeholder 2"/>
+          <p:cNvSpPr>
+            <a:spLocks noGrp="1"/>
+          </p:cNvSpPr>
+          <p:nvPr>
+            <p:ph type="body" idx="1"/>
+          </p:nvPr>
+        </p:nvSpPr>
+        <p:spPr/>
+        <p:txBody>
+          <a:bodyPr/>
+          <a:lstStyle/>
+          <a:p>
+            <a:r>
+              <a:rPr lang="en-US" dirty="0"/>
               <a:t>10 minutes</a:t>
             </a:r>
           </a:p>
@@ -36877,7 +40123,7 @@
           <a:p>
             <a:fld id="{23C4817C-9E78-494C-A089-F217C38E8593}" type="slidenum">
               <a:rPr lang="en-US" smtClean="0"/>
-              <a:t>54</a:t>
+              <a:t>56</a:t>
             </a:fld>
             <a:endParaRPr lang="en-US"/>
           </a:p>
@@ -37694,7 +40940,7 @@
           <a:p>
             <a:fld id="{ED88B68D-D1BA-DE49-8C6A-CBCEE2F00303}" type="datetimeFigureOut">
               <a:rPr lang="en-US" smtClean="0"/>
-              <a:t>3/22/24</a:t>
+              <a:t>3/25/24</a:t>
             </a:fld>
             <a:endParaRPr lang="en-US"/>
           </a:p>
@@ -37864,7 +41110,7 @@
           <a:p>
             <a:fld id="{ED88B68D-D1BA-DE49-8C6A-CBCEE2F00303}" type="datetimeFigureOut">
               <a:rPr lang="en-US" smtClean="0"/>
-              <a:t>3/22/24</a:t>
+              <a:t>3/25/24</a:t>
             </a:fld>
             <a:endParaRPr lang="en-US"/>
           </a:p>
@@ -38044,7 +41290,7 @@
           <a:p>
             <a:fld id="{ED88B68D-D1BA-DE49-8C6A-CBCEE2F00303}" type="datetimeFigureOut">
               <a:rPr lang="en-US" smtClean="0"/>
-              <a:t>3/22/24</a:t>
+              <a:t>3/25/24</a:t>
             </a:fld>
             <a:endParaRPr lang="en-US"/>
           </a:p>
@@ -38214,7 +41460,7 @@
           <a:p>
             <a:fld id="{ED88B68D-D1BA-DE49-8C6A-CBCEE2F00303}" type="datetimeFigureOut">
               <a:rPr lang="en-US" smtClean="0"/>
-              <a:t>3/22/24</a:t>
+              <a:t>3/25/24</a:t>
             </a:fld>
             <a:endParaRPr lang="en-US"/>
           </a:p>
@@ -38482,7 +41728,7 @@
           <a:p>
             <a:fld id="{ED88B68D-D1BA-DE49-8C6A-CBCEE2F00303}" type="datetimeFigureOut">
               <a:rPr lang="en-US" smtClean="0"/>
-              <a:t>3/22/24</a:t>
+              <a:t>3/25/24</a:t>
             </a:fld>
             <a:endParaRPr lang="en-US"/>
           </a:p>
@@ -38714,7 +41960,7 @@
           <a:p>
             <a:fld id="{ED88B68D-D1BA-DE49-8C6A-CBCEE2F00303}" type="datetimeFigureOut">
               <a:rPr lang="en-US" smtClean="0"/>
-              <a:t>3/22/24</a:t>
+              <a:t>3/25/24</a:t>
             </a:fld>
             <a:endParaRPr lang="en-US"/>
           </a:p>
@@ -39073,7 +42319,7 @@
           <a:p>
             <a:fld id="{ED88B68D-D1BA-DE49-8C6A-CBCEE2F00303}" type="datetimeFigureOut">
               <a:rPr lang="en-US" smtClean="0"/>
-              <a:t>3/22/24</a:t>
+              <a:t>3/25/24</a:t>
             </a:fld>
             <a:endParaRPr lang="en-US"/>
           </a:p>
@@ -39214,7 +42460,7 @@
           <a:p>
             <a:fld id="{ED88B68D-D1BA-DE49-8C6A-CBCEE2F00303}" type="datetimeFigureOut">
               <a:rPr lang="en-US" smtClean="0"/>
-              <a:t>3/22/24</a:t>
+              <a:t>3/25/24</a:t>
             </a:fld>
             <a:endParaRPr lang="en-US"/>
           </a:p>
@@ -39309,7 +42555,7 @@
           <a:p>
             <a:fld id="{ED88B68D-D1BA-DE49-8C6A-CBCEE2F00303}" type="datetimeFigureOut">
               <a:rPr lang="en-US" smtClean="0"/>
-              <a:t>3/22/24</a:t>
+              <a:t>3/25/24</a:t>
             </a:fld>
             <a:endParaRPr lang="en-US"/>
           </a:p>
@@ -39666,7 +42912,7 @@
           <a:p>
             <a:fld id="{ED88B68D-D1BA-DE49-8C6A-CBCEE2F00303}" type="datetimeFigureOut">
               <a:rPr lang="en-US" smtClean="0"/>
-              <a:t>3/22/24</a:t>
+              <a:t>3/25/24</a:t>
             </a:fld>
             <a:endParaRPr lang="en-US"/>
           </a:p>
@@ -40023,7 +43269,7 @@
           <a:p>
             <a:fld id="{ED88B68D-D1BA-DE49-8C6A-CBCEE2F00303}" type="datetimeFigureOut">
               <a:rPr lang="en-US" smtClean="0"/>
-              <a:t>3/22/24</a:t>
+              <a:t>3/25/24</a:t>
             </a:fld>
             <a:endParaRPr lang="en-US"/>
           </a:p>
@@ -40265,7 +43511,7 @@
           <a:p>
             <a:fld id="{ED88B68D-D1BA-DE49-8C6A-CBCEE2F00303}" type="datetimeFigureOut">
               <a:rPr lang="en-US" smtClean="0"/>
-              <a:t>3/22/24</a:t>
+              <a:t>3/25/24</a:t>
             </a:fld>
             <a:endParaRPr lang="en-US"/>
           </a:p>
@@ -46231,7 +49477,7 @@
           <p:cNvPr id="2" name="Title 1">
             <a:extLst>
               <a:ext uri="{FF2B5EF4-FFF2-40B4-BE49-F238E27FC236}">
-                <a16:creationId xmlns:a16="http://schemas.microsoft.com/office/drawing/2014/main" id="{CE27E98F-4A07-BF11-D3B2-63AF52F1D3DF}"/>
+                <a16:creationId xmlns:a16="http://schemas.microsoft.com/office/drawing/2014/main" id="{973CF05C-E940-DFB9-7BCD-2BF5CE109FAA}"/>
               </a:ext>
             </a:extLst>
           </p:cNvPr>
@@ -46249,7 +49495,7 @@
           <a:p>
             <a:r>
               <a:rPr lang="en-US" dirty="0"/>
-              <a:t>Basics of Hypothesis Testing</a:t>
+              <a:t>Testing for Differences</a:t>
             </a:r>
           </a:p>
         </p:txBody>
@@ -46259,7 +49505,7 @@
           <p:cNvPr id="3" name="Content Placeholder 2">
             <a:extLst>
               <a:ext uri="{FF2B5EF4-FFF2-40B4-BE49-F238E27FC236}">
-                <a16:creationId xmlns:a16="http://schemas.microsoft.com/office/drawing/2014/main" id="{94244017-AD0E-35BE-B060-CEBA5D392608}"/>
+                <a16:creationId xmlns:a16="http://schemas.microsoft.com/office/drawing/2014/main" id="{E3528187-AC44-6908-6B23-382F831BC989}"/>
               </a:ext>
             </a:extLst>
           </p:cNvPr>
@@ -46276,115 +49522,63 @@
           <a:lstStyle/>
           <a:p>
             <a:r>
+              <a:rPr lang="en-US" dirty="0"/>
+              <a:t>One of the most common tasks in statistics is comparing 2+ sets of samples.</a:t>
+            </a:r>
+          </a:p>
+          <a:p>
+            <a:pPr lvl="1"/>
+            <a:r>
+              <a:rPr lang="en-US" dirty="0"/>
+              <a:t>Healthy vs disease</a:t>
+            </a:r>
+          </a:p>
+          <a:p>
+            <a:pPr lvl="1"/>
+            <a:r>
+              <a:rPr lang="en-US" dirty="0"/>
+              <a:t>Treatment vs placebo</a:t>
+            </a:r>
+          </a:p>
+          <a:p>
+            <a:r>
+              <a:rPr lang="en-US" dirty="0"/>
+              <a:t>Simple taking the difference between means does not account for variability.</a:t>
+            </a:r>
+          </a:p>
+          <a:p>
+            <a:pPr lvl="1"/>
+            <a:r>
+              <a:rPr lang="en-US" dirty="0"/>
+              <a:t>Small differences could be due to chance.</a:t>
+            </a:r>
+          </a:p>
+          <a:p>
+            <a:r>
+              <a:rPr lang="en-US" dirty="0"/>
+              <a:t>Is the difference we observe between groups comparable to the difference we would see due purely to sampling (chance)?</a:t>
+            </a:r>
+          </a:p>
+          <a:p>
+            <a:r>
+              <a:rPr lang="en-US" dirty="0"/>
+              <a:t>This is the basis for </a:t>
+            </a:r>
+            <a:r>
               <a:rPr lang="en-US" b="1" dirty="0"/>
-              <a:t>Hypothesis testing </a:t>
+              <a:t>hypothesis testing</a:t>
             </a:r>
             <a:r>
               <a:rPr lang="en-US" dirty="0"/>
-              <a:t>is the fundamental process by which we make inferences about a population based on sample data.</a:t>
+              <a:t>.</a:t>
             </a:r>
-          </a:p>
-          <a:p>
-            <a:endParaRPr lang="en-US" dirty="0"/>
-          </a:p>
-        </p:txBody>
-      </p:sp>
-      <p:graphicFrame>
-        <p:nvGraphicFramePr>
-          <p:cNvPr id="7" name="Diagram 6">
-            <a:extLst>
-              <a:ext uri="{FF2B5EF4-FFF2-40B4-BE49-F238E27FC236}">
-                <a16:creationId xmlns:a16="http://schemas.microsoft.com/office/drawing/2014/main" id="{EE225833-FCBE-7619-C82F-64776937B9B2}"/>
-              </a:ext>
-            </a:extLst>
-          </p:cNvPr>
-          <p:cNvGraphicFramePr/>
-          <p:nvPr>
-            <p:extLst>
-              <p:ext uri="{D42A27DB-BD31-4B8C-83A1-F6EECF244321}">
-                <p14:modId xmlns:p14="http://schemas.microsoft.com/office/powerpoint/2010/main" val="2080770786"/>
-              </p:ext>
-            </p:extLst>
-          </p:nvPr>
-        </p:nvGraphicFramePr>
-        <p:xfrm>
-          <a:off x="515257" y="3843867"/>
-          <a:ext cx="11161485" cy="2944745"/>
-        </p:xfrm>
-        <a:graphic>
-          <a:graphicData uri="http://schemas.openxmlformats.org/drawingml/2006/diagram">
-            <dgm:relIds xmlns:dgm="http://schemas.openxmlformats.org/drawingml/2006/diagram" xmlns:r="http://schemas.openxmlformats.org/officeDocument/2006/relationships" r:dm="rId2" r:lo="rId3" r:qs="rId4" r:cs="rId5"/>
-          </a:graphicData>
-        </a:graphic>
-      </p:graphicFrame>
-      <p:sp>
-        <p:nvSpPr>
-          <p:cNvPr id="8" name="U-Turn Arrow 7">
-            <a:extLst>
-              <a:ext uri="{FF2B5EF4-FFF2-40B4-BE49-F238E27FC236}">
-                <a16:creationId xmlns:a16="http://schemas.microsoft.com/office/drawing/2014/main" id="{5CABD21E-285E-DE68-4EDC-939957AB134E}"/>
-              </a:ext>
-            </a:extLst>
-          </p:cNvPr>
-          <p:cNvSpPr/>
-          <p:nvPr/>
-        </p:nvSpPr>
-        <p:spPr>
-          <a:xfrm flipH="1">
-            <a:off x="1045027" y="3686629"/>
-            <a:ext cx="9898741" cy="1017960"/>
-          </a:xfrm>
-          <a:prstGeom prst="uturnArrow">
-            <a:avLst>
-              <a:gd name="adj1" fmla="val 25000"/>
-              <a:gd name="adj2" fmla="val 25000"/>
-              <a:gd name="adj3" fmla="val 25000"/>
-              <a:gd name="adj4" fmla="val 43750"/>
-              <a:gd name="adj5" fmla="val 100000"/>
-            </a:avLst>
-          </a:prstGeom>
-          <a:solidFill>
-            <a:schemeClr val="accent6"/>
-          </a:solidFill>
-          <a:ln>
-            <a:solidFill>
-              <a:schemeClr val="accent6"/>
-            </a:solidFill>
-          </a:ln>
-        </p:spPr>
-        <p:style>
-          <a:lnRef idx="2">
-            <a:schemeClr val="accent1">
-              <a:shade val="15000"/>
-            </a:schemeClr>
-          </a:lnRef>
-          <a:fillRef idx="1">
-            <a:schemeClr val="accent1"/>
-          </a:fillRef>
-          <a:effectRef idx="0">
-            <a:schemeClr val="accent1"/>
-          </a:effectRef>
-          <a:fontRef idx="minor">
-            <a:schemeClr val="lt1"/>
-          </a:fontRef>
-        </p:style>
-        <p:txBody>
-          <a:bodyPr rtlCol="0" anchor="ctr"/>
-          <a:lstStyle/>
-          <a:p>
-            <a:pPr algn="ctr"/>
-            <a:endParaRPr lang="en-US">
-              <a:solidFill>
-                <a:schemeClr val="tx1"/>
-              </a:solidFill>
-            </a:endParaRPr>
           </a:p>
         </p:txBody>
       </p:sp>
     </p:spTree>
     <p:extLst>
       <p:ext uri="{BB962C8B-B14F-4D97-AF65-F5344CB8AC3E}">
-        <p14:creationId xmlns:p14="http://schemas.microsoft.com/office/powerpoint/2010/main" val="4049153623"/>
+        <p14:creationId xmlns:p14="http://schemas.microsoft.com/office/powerpoint/2010/main" val="332068030"/>
       </p:ext>
     </p:extLst>
   </p:cSld>
@@ -46661,6 +49855,191 @@
           <p:cNvPr id="2" name="Title 1">
             <a:extLst>
               <a:ext uri="{FF2B5EF4-FFF2-40B4-BE49-F238E27FC236}">
+                <a16:creationId xmlns:a16="http://schemas.microsoft.com/office/drawing/2014/main" id="{CE27E98F-4A07-BF11-D3B2-63AF52F1D3DF}"/>
+              </a:ext>
+            </a:extLst>
+          </p:cNvPr>
+          <p:cNvSpPr>
+            <a:spLocks noGrp="1"/>
+          </p:cNvSpPr>
+          <p:nvPr>
+            <p:ph type="title"/>
+          </p:nvPr>
+        </p:nvSpPr>
+        <p:spPr/>
+        <p:txBody>
+          <a:bodyPr/>
+          <a:lstStyle/>
+          <a:p>
+            <a:r>
+              <a:rPr lang="en-US" dirty="0"/>
+              <a:t>Basics of Hypothesis Testing</a:t>
+            </a:r>
+          </a:p>
+        </p:txBody>
+      </p:sp>
+      <p:sp>
+        <p:nvSpPr>
+          <p:cNvPr id="3" name="Content Placeholder 2">
+            <a:extLst>
+              <a:ext uri="{FF2B5EF4-FFF2-40B4-BE49-F238E27FC236}">
+                <a16:creationId xmlns:a16="http://schemas.microsoft.com/office/drawing/2014/main" id="{94244017-AD0E-35BE-B060-CEBA5D392608}"/>
+              </a:ext>
+            </a:extLst>
+          </p:cNvPr>
+          <p:cNvSpPr>
+            <a:spLocks noGrp="1"/>
+          </p:cNvSpPr>
+          <p:nvPr>
+            <p:ph idx="1"/>
+          </p:nvPr>
+        </p:nvSpPr>
+        <p:spPr/>
+        <p:txBody>
+          <a:bodyPr/>
+          <a:lstStyle/>
+          <a:p>
+            <a:r>
+              <a:rPr lang="en-US" b="1" dirty="0"/>
+              <a:t>Hypothesis testing </a:t>
+            </a:r>
+            <a:r>
+              <a:rPr lang="en-US" dirty="0"/>
+              <a:t>is the fundamental process by which we make inferences about a population based on sample data.</a:t>
+            </a:r>
+          </a:p>
+          <a:p>
+            <a:endParaRPr lang="en-US" dirty="0"/>
+          </a:p>
+        </p:txBody>
+      </p:sp>
+      <p:graphicFrame>
+        <p:nvGraphicFramePr>
+          <p:cNvPr id="7" name="Diagram 6">
+            <a:extLst>
+              <a:ext uri="{FF2B5EF4-FFF2-40B4-BE49-F238E27FC236}">
+                <a16:creationId xmlns:a16="http://schemas.microsoft.com/office/drawing/2014/main" id="{EE225833-FCBE-7619-C82F-64776937B9B2}"/>
+              </a:ext>
+            </a:extLst>
+          </p:cNvPr>
+          <p:cNvGraphicFramePr/>
+          <p:nvPr>
+            <p:extLst>
+              <p:ext uri="{D42A27DB-BD31-4B8C-83A1-F6EECF244321}">
+                <p14:modId xmlns:p14="http://schemas.microsoft.com/office/powerpoint/2010/main" val="2080770786"/>
+              </p:ext>
+            </p:extLst>
+          </p:nvPr>
+        </p:nvGraphicFramePr>
+        <p:xfrm>
+          <a:off x="515257" y="3843867"/>
+          <a:ext cx="11161485" cy="2944745"/>
+        </p:xfrm>
+        <a:graphic>
+          <a:graphicData uri="http://schemas.openxmlformats.org/drawingml/2006/diagram">
+            <dgm:relIds xmlns:dgm="http://schemas.openxmlformats.org/drawingml/2006/diagram" xmlns:r="http://schemas.openxmlformats.org/officeDocument/2006/relationships" r:dm="rId2" r:lo="rId3" r:qs="rId4" r:cs="rId5"/>
+          </a:graphicData>
+        </a:graphic>
+      </p:graphicFrame>
+      <p:sp>
+        <p:nvSpPr>
+          <p:cNvPr id="8" name="U-Turn Arrow 7">
+            <a:extLst>
+              <a:ext uri="{FF2B5EF4-FFF2-40B4-BE49-F238E27FC236}">
+                <a16:creationId xmlns:a16="http://schemas.microsoft.com/office/drawing/2014/main" id="{5CABD21E-285E-DE68-4EDC-939957AB134E}"/>
+              </a:ext>
+            </a:extLst>
+          </p:cNvPr>
+          <p:cNvSpPr/>
+          <p:nvPr/>
+        </p:nvSpPr>
+        <p:spPr>
+          <a:xfrm flipH="1">
+            <a:off x="1045027" y="3686629"/>
+            <a:ext cx="9898741" cy="1017960"/>
+          </a:xfrm>
+          <a:prstGeom prst="uturnArrow">
+            <a:avLst>
+              <a:gd name="adj1" fmla="val 25000"/>
+              <a:gd name="adj2" fmla="val 25000"/>
+              <a:gd name="adj3" fmla="val 25000"/>
+              <a:gd name="adj4" fmla="val 43750"/>
+              <a:gd name="adj5" fmla="val 100000"/>
+            </a:avLst>
+          </a:prstGeom>
+          <a:solidFill>
+            <a:schemeClr val="accent6"/>
+          </a:solidFill>
+          <a:ln>
+            <a:solidFill>
+              <a:schemeClr val="accent6"/>
+            </a:solidFill>
+          </a:ln>
+        </p:spPr>
+        <p:style>
+          <a:lnRef idx="2">
+            <a:schemeClr val="accent1">
+              <a:shade val="15000"/>
+            </a:schemeClr>
+          </a:lnRef>
+          <a:fillRef idx="1">
+            <a:schemeClr val="accent1"/>
+          </a:fillRef>
+          <a:effectRef idx="0">
+            <a:schemeClr val="accent1"/>
+          </a:effectRef>
+          <a:fontRef idx="minor">
+            <a:schemeClr val="lt1"/>
+          </a:fontRef>
+        </p:style>
+        <p:txBody>
+          <a:bodyPr rtlCol="0" anchor="ctr"/>
+          <a:lstStyle/>
+          <a:p>
+            <a:pPr algn="ctr"/>
+            <a:endParaRPr lang="en-US">
+              <a:solidFill>
+                <a:schemeClr val="tx1"/>
+              </a:solidFill>
+            </a:endParaRPr>
+          </a:p>
+        </p:txBody>
+      </p:sp>
+    </p:spTree>
+    <p:extLst>
+      <p:ext uri="{BB962C8B-B14F-4D97-AF65-F5344CB8AC3E}">
+        <p14:creationId xmlns:p14="http://schemas.microsoft.com/office/powerpoint/2010/main" val="4049153623"/>
+      </p:ext>
+    </p:extLst>
+  </p:cSld>
+  <p:clrMapOvr>
+    <a:masterClrMapping/>
+  </p:clrMapOvr>
+</p:sld>
+</file>
+
+<file path=ppt/slides/slide31.xml><?xml version="1.0" encoding="utf-8"?>
+<p:sld xmlns:a="http://schemas.openxmlformats.org/drawingml/2006/main" xmlns:r="http://schemas.openxmlformats.org/officeDocument/2006/relationships" xmlns:p="http://schemas.openxmlformats.org/presentationml/2006/main">
+  <p:cSld>
+    <p:spTree>
+      <p:nvGrpSpPr>
+        <p:cNvPr id="1" name=""/>
+        <p:cNvGrpSpPr/>
+        <p:nvPr/>
+      </p:nvGrpSpPr>
+      <p:grpSpPr>
+        <a:xfrm>
+          <a:off x="0" y="0"/>
+          <a:ext cx="0" cy="0"/>
+          <a:chOff x="0" y="0"/>
+          <a:chExt cx="0" cy="0"/>
+        </a:xfrm>
+      </p:grpSpPr>
+      <p:sp>
+        <p:nvSpPr>
+          <p:cNvPr id="2" name="Title 1">
+            <a:extLst>
+              <a:ext uri="{FF2B5EF4-FFF2-40B4-BE49-F238E27FC236}">
                 <a16:creationId xmlns:a16="http://schemas.microsoft.com/office/drawing/2014/main" id="{717A5DF1-8D90-D52B-6C5E-83F4C20C12C6}"/>
               </a:ext>
             </a:extLst>
@@ -46752,7 +50131,7 @@
 </p:sld>
 </file>
 
-<file path=ppt/slides/slide31.xml><?xml version="1.0" encoding="utf-8"?>
+<file path=ppt/slides/slide32.xml><?xml version="1.0" encoding="utf-8"?>
 <p:sld xmlns:a="http://schemas.openxmlformats.org/drawingml/2006/main" xmlns:r="http://schemas.openxmlformats.org/officeDocument/2006/relationships" xmlns:p="http://schemas.openxmlformats.org/presentationml/2006/main">
   <p:cSld>
     <p:spTree>
@@ -46842,7 +50221,7 @@
 </p:sld>
 </file>
 
-<file path=ppt/slides/slide32.xml><?xml version="1.0" encoding="utf-8"?>
+<file path=ppt/slides/slide33.xml><?xml version="1.0" encoding="utf-8"?>
 <p:sld xmlns:a="http://schemas.openxmlformats.org/drawingml/2006/main" xmlns:r="http://schemas.openxmlformats.org/officeDocument/2006/relationships" xmlns:p="http://schemas.openxmlformats.org/presentationml/2006/main">
   <p:cSld>
     <p:spTree>
@@ -46934,7 +50313,7 @@
 </p:sld>
 </file>
 
-<file path=ppt/slides/slide33.xml><?xml version="1.0" encoding="utf-8"?>
+<file path=ppt/slides/slide34.xml><?xml version="1.0" encoding="utf-8"?>
 <p:sld xmlns:a="http://schemas.openxmlformats.org/drawingml/2006/main" xmlns:r="http://schemas.openxmlformats.org/officeDocument/2006/relationships" xmlns:p="http://schemas.openxmlformats.org/presentationml/2006/main">
   <p:cSld>
     <p:bg>
@@ -47025,8 +50404,8 @@
 </p:sld>
 </file>
 
-<file path=ppt/slides/slide34.xml><?xml version="1.0" encoding="utf-8"?>
-<p:sld xmlns:a="http://schemas.openxmlformats.org/drawingml/2006/main" xmlns:r="http://schemas.openxmlformats.org/officeDocument/2006/relationships" xmlns:p="http://schemas.openxmlformats.org/presentationml/2006/main">
+<file path=ppt/slides/slide35.xml><?xml version="1.0" encoding="utf-8"?>
+<p:sld xmlns:a="http://schemas.openxmlformats.org/drawingml/2006/main" xmlns:r="http://schemas.openxmlformats.org/officeDocument/2006/relationships" xmlns:p="http://schemas.openxmlformats.org/presentationml/2006/main" show="0">
   <p:cSld>
     <p:bg>
       <p:bgPr>
@@ -47260,7 +50639,7 @@
 </p:sld>
 </file>
 
-<file path=ppt/slides/slide35.xml><?xml version="1.0" encoding="utf-8"?>
+<file path=ppt/slides/slide36.xml><?xml version="1.0" encoding="utf-8"?>
 <p:sld xmlns:a="http://schemas.openxmlformats.org/drawingml/2006/main" xmlns:r="http://schemas.openxmlformats.org/officeDocument/2006/relationships" xmlns:p="http://schemas.openxmlformats.org/presentationml/2006/main">
   <p:cSld>
     <p:bg>
@@ -47373,7 +50752,7 @@
 </p:sld>
 </file>
 
-<file path=ppt/slides/slide36.xml><?xml version="1.0" encoding="utf-8"?>
+<file path=ppt/slides/slide37.xml><?xml version="1.0" encoding="utf-8"?>
 <p:sld xmlns:a="http://schemas.openxmlformats.org/drawingml/2006/main" xmlns:r="http://schemas.openxmlformats.org/officeDocument/2006/relationships" xmlns:p="http://schemas.openxmlformats.org/presentationml/2006/main">
   <p:cSld>
     <p:spTree>
@@ -47468,7 +50847,7 @@
 </p:sld>
 </file>
 
-<file path=ppt/slides/slide37.xml><?xml version="1.0" encoding="utf-8"?>
+<file path=ppt/slides/slide38.xml><?xml version="1.0" encoding="utf-8"?>
 <p:sld xmlns:a="http://schemas.openxmlformats.org/drawingml/2006/main" xmlns:r="http://schemas.openxmlformats.org/officeDocument/2006/relationships" xmlns:p="http://schemas.openxmlformats.org/presentationml/2006/main">
   <p:cSld>
     <p:spTree>
@@ -47577,7 +50956,7 @@
 </p:sld>
 </file>
 
-<file path=ppt/slides/slide38.xml><?xml version="1.0" encoding="utf-8"?>
+<file path=ppt/slides/slide39.xml><?xml version="1.0" encoding="utf-8"?>
 <p:sld xmlns:a="http://schemas.openxmlformats.org/drawingml/2006/main" xmlns:r="http://schemas.openxmlformats.org/officeDocument/2006/relationships" xmlns:p="http://schemas.openxmlformats.org/presentationml/2006/main">
   <p:cSld>
     <p:spTree>
@@ -47676,96 +51055,6 @@
     <p:extLst>
       <p:ext uri="{BB962C8B-B14F-4D97-AF65-F5344CB8AC3E}">
         <p14:creationId xmlns:p14="http://schemas.microsoft.com/office/powerpoint/2010/main" val="1324748316"/>
-      </p:ext>
-    </p:extLst>
-  </p:cSld>
-  <p:clrMapOvr>
-    <a:masterClrMapping/>
-  </p:clrMapOvr>
-</p:sld>
-</file>
-
-<file path=ppt/slides/slide39.xml><?xml version="1.0" encoding="utf-8"?>
-<p:sld xmlns:a="http://schemas.openxmlformats.org/drawingml/2006/main" xmlns:r="http://schemas.openxmlformats.org/officeDocument/2006/relationships" xmlns:p="http://schemas.openxmlformats.org/presentationml/2006/main">
-  <p:cSld>
-    <p:spTree>
-      <p:nvGrpSpPr>
-        <p:cNvPr id="1" name=""/>
-        <p:cNvGrpSpPr/>
-        <p:nvPr/>
-      </p:nvGrpSpPr>
-      <p:grpSpPr>
-        <a:xfrm>
-          <a:off x="0" y="0"/>
-          <a:ext cx="0" cy="0"/>
-          <a:chOff x="0" y="0"/>
-          <a:chExt cx="0" cy="0"/>
-        </a:xfrm>
-      </p:grpSpPr>
-      <p:sp>
-        <p:nvSpPr>
-          <p:cNvPr id="2" name="Title 1">
-            <a:extLst>
-              <a:ext uri="{FF2B5EF4-FFF2-40B4-BE49-F238E27FC236}">
-                <a16:creationId xmlns:a16="http://schemas.microsoft.com/office/drawing/2014/main" id="{934E0718-33D7-C9E3-C806-FB131E63AA52}"/>
-              </a:ext>
-            </a:extLst>
-          </p:cNvPr>
-          <p:cNvSpPr>
-            <a:spLocks noGrp="1"/>
-          </p:cNvSpPr>
-          <p:nvPr>
-            <p:ph type="title"/>
-          </p:nvPr>
-        </p:nvSpPr>
-        <p:spPr/>
-        <p:txBody>
-          <a:bodyPr/>
-          <a:lstStyle/>
-          <a:p>
-            <a:r>
-              <a:rPr lang="en-US" dirty="0"/>
-              <a:t>Common Analysis Methods:</a:t>
-            </a:r>
-            <a:br>
-              <a:rPr lang="en-US" dirty="0"/>
-            </a:br>
-            <a:r>
-              <a:rPr lang="en-US" dirty="0"/>
-              <a:t>Multiple Comparisons</a:t>
-            </a:r>
-          </a:p>
-        </p:txBody>
-      </p:sp>
-      <p:sp>
-        <p:nvSpPr>
-          <p:cNvPr id="3" name="Content Placeholder 2">
-            <a:extLst>
-              <a:ext uri="{FF2B5EF4-FFF2-40B4-BE49-F238E27FC236}">
-                <a16:creationId xmlns:a16="http://schemas.microsoft.com/office/drawing/2014/main" id="{94005DF5-BDE7-79B2-29EA-8E37502DE604}"/>
-              </a:ext>
-            </a:extLst>
-          </p:cNvPr>
-          <p:cNvSpPr>
-            <a:spLocks noGrp="1"/>
-          </p:cNvSpPr>
-          <p:nvPr>
-            <p:ph idx="1"/>
-          </p:nvPr>
-        </p:nvSpPr>
-        <p:spPr/>
-        <p:txBody>
-          <a:bodyPr/>
-          <a:lstStyle/>
-          <a:p>
-            <a:endParaRPr lang="en-US"/>
-          </a:p>
-        </p:txBody>
-      </p:sp>
-    </p:spTree>
-    <p:extLst>
-      <p:ext uri="{BB962C8B-B14F-4D97-AF65-F5344CB8AC3E}">
-        <p14:creationId xmlns:p14="http://schemas.microsoft.com/office/powerpoint/2010/main" val="3552984019"/>
       </p:ext>
     </p:extLst>
   </p:cSld>
@@ -47910,6 +51199,377 @@
           <p:cNvPr id="2" name="Title 1">
             <a:extLst>
               <a:ext uri="{FF2B5EF4-FFF2-40B4-BE49-F238E27FC236}">
+                <a16:creationId xmlns:a16="http://schemas.microsoft.com/office/drawing/2014/main" id="{934E0718-33D7-C9E3-C806-FB131E63AA52}"/>
+              </a:ext>
+            </a:extLst>
+          </p:cNvPr>
+          <p:cNvSpPr>
+            <a:spLocks noGrp="1"/>
+          </p:cNvSpPr>
+          <p:nvPr>
+            <p:ph type="title"/>
+          </p:nvPr>
+        </p:nvSpPr>
+        <p:spPr/>
+        <p:txBody>
+          <a:bodyPr/>
+          <a:lstStyle/>
+          <a:p>
+            <a:r>
+              <a:rPr lang="en-US" dirty="0"/>
+              <a:t>Common Analysis Methods:</a:t>
+            </a:r>
+            <a:br>
+              <a:rPr lang="en-US" dirty="0"/>
+            </a:br>
+            <a:r>
+              <a:rPr lang="en-US" dirty="0"/>
+              <a:t>Multiple Comparisons</a:t>
+            </a:r>
+          </a:p>
+        </p:txBody>
+      </p:sp>
+      <p:sp>
+        <p:nvSpPr>
+          <p:cNvPr id="3" name="Content Placeholder 2">
+            <a:extLst>
+              <a:ext uri="{FF2B5EF4-FFF2-40B4-BE49-F238E27FC236}">
+                <a16:creationId xmlns:a16="http://schemas.microsoft.com/office/drawing/2014/main" id="{94005DF5-BDE7-79B2-29EA-8E37502DE604}"/>
+              </a:ext>
+            </a:extLst>
+          </p:cNvPr>
+          <p:cNvSpPr>
+            <a:spLocks noGrp="1"/>
+          </p:cNvSpPr>
+          <p:nvPr>
+            <p:ph idx="1"/>
+          </p:nvPr>
+        </p:nvSpPr>
+        <p:spPr>
+          <a:xfrm>
+            <a:off x="1789461" y="2638044"/>
+            <a:ext cx="8613078" cy="3101983"/>
+          </a:xfrm>
+        </p:spPr>
+        <p:txBody>
+          <a:bodyPr>
+            <a:normAutofit/>
+          </a:bodyPr>
+          <a:lstStyle/>
+          <a:p>
+            <a:r>
+              <a:rPr lang="en-US" dirty="0"/>
+              <a:t>Hypothesis testing is not an error-free process.</a:t>
+            </a:r>
+          </a:p>
+          <a:p>
+            <a:r>
+              <a:rPr lang="en-US" dirty="0"/>
+              <a:t>More tests on the same data = more type I errors (aka “false positives”)</a:t>
+            </a:r>
+          </a:p>
+          <a:p>
+            <a:pPr lvl="1"/>
+            <a:r>
+              <a:rPr lang="en-US" dirty="0"/>
+              <a:t>Example: Compare expression of 3226 genes between two mutational types (BRCA1 &amp; BRCA2)</a:t>
+            </a:r>
+          </a:p>
+          <a:p>
+            <a:r>
+              <a:rPr lang="en-US" dirty="0"/>
+              <a:t>To account for this, most methods “adjust” the p-value.</a:t>
+            </a:r>
+          </a:p>
+        </p:txBody>
+      </p:sp>
+    </p:spTree>
+    <p:extLst>
+      <p:ext uri="{BB962C8B-B14F-4D97-AF65-F5344CB8AC3E}">
+        <p14:creationId xmlns:p14="http://schemas.microsoft.com/office/powerpoint/2010/main" val="3552984019"/>
+      </p:ext>
+    </p:extLst>
+  </p:cSld>
+  <p:clrMapOvr>
+    <a:masterClrMapping/>
+  </p:clrMapOvr>
+</p:sld>
+</file>
+
+<file path=ppt/slides/slide41.xml><?xml version="1.0" encoding="utf-8"?>
+<p:sld xmlns:a="http://schemas.openxmlformats.org/drawingml/2006/main" xmlns:r="http://schemas.openxmlformats.org/officeDocument/2006/relationships" xmlns:p="http://schemas.openxmlformats.org/presentationml/2006/main">
+  <p:cSld>
+    <p:bg>
+      <p:bgPr>
+        <a:solidFill>
+          <a:schemeClr val="bg1"/>
+        </a:solidFill>
+        <a:effectLst/>
+      </p:bgPr>
+    </p:bg>
+    <p:spTree>
+      <p:nvGrpSpPr>
+        <p:cNvPr id="1" name=""/>
+        <p:cNvGrpSpPr/>
+        <p:nvPr/>
+      </p:nvGrpSpPr>
+      <p:grpSpPr>
+        <a:xfrm>
+          <a:off x="0" y="0"/>
+          <a:ext cx="0" cy="0"/>
+          <a:chOff x="0" y="0"/>
+          <a:chExt cx="0" cy="0"/>
+        </a:xfrm>
+      </p:grpSpPr>
+      <p:sp useBgFill="1">
+        <p:nvSpPr>
+          <p:cNvPr id="9" name="Rectangle 8">
+            <a:extLst>
+              <a:ext uri="{FF2B5EF4-FFF2-40B4-BE49-F238E27FC236}">
+                <a16:creationId xmlns:a16="http://schemas.microsoft.com/office/drawing/2014/main" id="{0AF33C27-9C85-4B30-9AD7-879D48AFE4FF}"/>
+              </a:ext>
+              <a:ext uri="{C183D7F6-B498-43B3-948B-1728B52AA6E4}">
+                <adec:decorative xmlns:adec="http://schemas.microsoft.com/office/drawing/2017/decorative" val="1"/>
+              </a:ext>
+            </a:extLst>
+          </p:cNvPr>
+          <p:cNvSpPr>
+            <a:spLocks noGrp="1" noRot="1" noChangeAspect="1" noMove="1" noResize="1" noEditPoints="1" noAdjustHandles="1" noChangeArrowheads="1" noChangeShapeType="1" noTextEdit="1"/>
+          </p:cNvSpPr>
+          <p:nvPr>
+            <p:extLst>
+              <p:ext uri="{386F3935-93C4-4BCD-93E2-E3B085C9AB24}">
+                <p16:designElem xmlns:p16="http://schemas.microsoft.com/office/powerpoint/2015/main" val="1"/>
+              </p:ext>
+            </p:extLst>
+          </p:nvPr>
+        </p:nvSpPr>
+        <p:spPr>
+          <a:xfrm>
+            <a:off x="0" y="0"/>
+            <a:ext cx="12191999" cy="6858000"/>
+          </a:xfrm>
+          <a:prstGeom prst="rect">
+            <a:avLst/>
+          </a:prstGeom>
+          <a:ln>
+            <a:noFill/>
+          </a:ln>
+        </p:spPr>
+        <p:style>
+          <a:lnRef idx="2">
+            <a:schemeClr val="accent1">
+              <a:shade val="50000"/>
+            </a:schemeClr>
+          </a:lnRef>
+          <a:fillRef idx="1">
+            <a:schemeClr val="accent1"/>
+          </a:fillRef>
+          <a:effectRef idx="0">
+            <a:schemeClr val="accent1"/>
+          </a:effectRef>
+          <a:fontRef idx="minor">
+            <a:schemeClr val="lt1"/>
+          </a:fontRef>
+        </p:style>
+        <p:txBody>
+          <a:bodyPr rtlCol="0" anchor="ctr"/>
+          <a:lstStyle/>
+          <a:p>
+            <a:pPr algn="ctr"/>
+            <a:endParaRPr lang="en-US"/>
+          </a:p>
+        </p:txBody>
+      </p:sp>
+      <p:sp>
+        <p:nvSpPr>
+          <p:cNvPr id="11" name="Rectangle 10">
+            <a:extLst>
+              <a:ext uri="{FF2B5EF4-FFF2-40B4-BE49-F238E27FC236}">
+                <a16:creationId xmlns:a16="http://schemas.microsoft.com/office/drawing/2014/main" id="{6D5089DD-882D-4413-B8BF-4798BFD84A98}"/>
+              </a:ext>
+              <a:ext uri="{C183D7F6-B498-43B3-948B-1728B52AA6E4}">
+                <adec:decorative xmlns:adec="http://schemas.microsoft.com/office/drawing/2017/decorative" val="1"/>
+              </a:ext>
+            </a:extLst>
+          </p:cNvPr>
+          <p:cNvSpPr>
+            <a:spLocks noGrp="1" noRot="1" noChangeAspect="1" noMove="1" noResize="1" noEditPoints="1" noAdjustHandles="1" noChangeArrowheads="1" noChangeShapeType="1" noTextEdit="1"/>
+          </p:cNvSpPr>
+          <p:nvPr>
+            <p:extLst>
+              <p:ext uri="{386F3935-93C4-4BCD-93E2-E3B085C9AB24}">
+                <p16:designElem xmlns:p16="http://schemas.microsoft.com/office/powerpoint/2015/main" val="1"/>
+              </p:ext>
+            </p:extLst>
+          </p:nvPr>
+        </p:nvSpPr>
+        <p:spPr>
+          <a:xfrm>
+            <a:off x="7537704" y="0"/>
+            <a:ext cx="4654296" cy="6858000"/>
+          </a:xfrm>
+          <a:prstGeom prst="rect">
+            <a:avLst/>
+          </a:prstGeom>
+          <a:solidFill>
+            <a:schemeClr val="accent2"/>
+          </a:solidFill>
+          <a:ln>
+            <a:noFill/>
+          </a:ln>
+        </p:spPr>
+        <p:style>
+          <a:lnRef idx="2">
+            <a:schemeClr val="accent1">
+              <a:shade val="50000"/>
+            </a:schemeClr>
+          </a:lnRef>
+          <a:fillRef idx="1">
+            <a:schemeClr val="accent1"/>
+          </a:fillRef>
+          <a:effectRef idx="0">
+            <a:schemeClr val="accent1"/>
+          </a:effectRef>
+          <a:fontRef idx="minor">
+            <a:schemeClr val="lt1"/>
+          </a:fontRef>
+        </p:style>
+        <p:txBody>
+          <a:bodyPr rtlCol="0" anchor="ctr"/>
+          <a:lstStyle/>
+          <a:p>
+            <a:pPr algn="ctr"/>
+            <a:endParaRPr lang="en-US"/>
+          </a:p>
+        </p:txBody>
+      </p:sp>
+      <p:sp>
+        <p:nvSpPr>
+          <p:cNvPr id="2" name="Title 1">
+            <a:extLst>
+              <a:ext uri="{FF2B5EF4-FFF2-40B4-BE49-F238E27FC236}">
+                <a16:creationId xmlns:a16="http://schemas.microsoft.com/office/drawing/2014/main" id="{934E0718-33D7-C9E3-C806-FB131E63AA52}"/>
+              </a:ext>
+            </a:extLst>
+          </p:cNvPr>
+          <p:cNvSpPr>
+            <a:spLocks noGrp="1"/>
+          </p:cNvSpPr>
+          <p:nvPr>
+            <p:ph type="title"/>
+          </p:nvPr>
+        </p:nvSpPr>
+        <p:spPr>
+          <a:xfrm>
+            <a:off x="8181171" y="2681103"/>
+            <a:ext cx="3363974" cy="1495794"/>
+          </a:xfrm>
+          <a:noFill/>
+          <a:ln>
+            <a:solidFill>
+              <a:srgbClr val="FFFFFF"/>
+            </a:solidFill>
+          </a:ln>
+        </p:spPr>
+        <p:txBody>
+          <a:bodyPr wrap="square">
+            <a:normAutofit/>
+          </a:bodyPr>
+          <a:lstStyle/>
+          <a:p>
+            <a:r>
+              <a:rPr lang="en-US" sz="2000">
+                <a:solidFill>
+                  <a:srgbClr val="FFFFFF"/>
+                </a:solidFill>
+              </a:rPr>
+              <a:t>Common Analysis Methods:</a:t>
+            </a:r>
+            <a:br>
+              <a:rPr lang="en-US" sz="2000">
+                <a:solidFill>
+                  <a:srgbClr val="FFFFFF"/>
+                </a:solidFill>
+              </a:rPr>
+            </a:br>
+            <a:r>
+              <a:rPr lang="en-US" sz="2000">
+                <a:solidFill>
+                  <a:srgbClr val="FFFFFF"/>
+                </a:solidFill>
+              </a:rPr>
+              <a:t>Multiple Comparisons</a:t>
+            </a:r>
+          </a:p>
+        </p:txBody>
+      </p:sp>
+      <p:graphicFrame>
+        <p:nvGraphicFramePr>
+          <p:cNvPr id="19" name="Content Placeholder 2">
+            <a:extLst>
+              <a:ext uri="{FF2B5EF4-FFF2-40B4-BE49-F238E27FC236}">
+                <a16:creationId xmlns:a16="http://schemas.microsoft.com/office/drawing/2014/main" id="{B295936E-FD65-FF6B-D3ED-164F49C3C48D}"/>
+              </a:ext>
+            </a:extLst>
+          </p:cNvPr>
+          <p:cNvGraphicFramePr>
+            <a:graphicFrameLocks noGrp="1"/>
+          </p:cNvGraphicFramePr>
+          <p:nvPr>
+            <p:ph idx="1"/>
+            <p:extLst>
+              <p:ext uri="{D42A27DB-BD31-4B8C-83A1-F6EECF244321}">
+                <p14:modId xmlns:p14="http://schemas.microsoft.com/office/powerpoint/2010/main" val="1686082668"/>
+              </p:ext>
+            </p:extLst>
+          </p:nvPr>
+        </p:nvGraphicFramePr>
+        <p:xfrm>
+          <a:off x="920750" y="965200"/>
+          <a:ext cx="5651500" cy="4968875"/>
+        </p:xfrm>
+        <a:graphic>
+          <a:graphicData uri="http://schemas.openxmlformats.org/drawingml/2006/diagram">
+            <dgm:relIds xmlns:dgm="http://schemas.openxmlformats.org/drawingml/2006/diagram" xmlns:r="http://schemas.openxmlformats.org/officeDocument/2006/relationships" r:dm="rId3" r:lo="rId4" r:qs="rId5" r:cs="rId6"/>
+          </a:graphicData>
+        </a:graphic>
+      </p:graphicFrame>
+    </p:spTree>
+    <p:extLst>
+      <p:ext uri="{BB962C8B-B14F-4D97-AF65-F5344CB8AC3E}">
+        <p14:creationId xmlns:p14="http://schemas.microsoft.com/office/powerpoint/2010/main" val="3369543887"/>
+      </p:ext>
+    </p:extLst>
+  </p:cSld>
+  <p:clrMapOvr>
+    <a:masterClrMapping/>
+  </p:clrMapOvr>
+</p:sld>
+</file>
+
+<file path=ppt/slides/slide42.xml><?xml version="1.0" encoding="utf-8"?>
+<p:sld xmlns:a="http://schemas.openxmlformats.org/drawingml/2006/main" xmlns:r="http://schemas.openxmlformats.org/officeDocument/2006/relationships" xmlns:p="http://schemas.openxmlformats.org/presentationml/2006/main">
+  <p:cSld>
+    <p:spTree>
+      <p:nvGrpSpPr>
+        <p:cNvPr id="1" name=""/>
+        <p:cNvGrpSpPr/>
+        <p:nvPr/>
+      </p:nvGrpSpPr>
+      <p:grpSpPr>
+        <a:xfrm>
+          <a:off x="0" y="0"/>
+          <a:ext cx="0" cy="0"/>
+          <a:chOff x="0" y="0"/>
+          <a:chExt cx="0" cy="0"/>
+        </a:xfrm>
+      </p:grpSpPr>
+      <p:sp>
+        <p:nvSpPr>
+          <p:cNvPr id="2" name="Title 1">
+            <a:extLst>
+              <a:ext uri="{FF2B5EF4-FFF2-40B4-BE49-F238E27FC236}">
                 <a16:creationId xmlns:a16="http://schemas.microsoft.com/office/drawing/2014/main" id="{3245AC95-950E-0230-B674-F3C8F2E79C70}"/>
               </a:ext>
             </a:extLst>
@@ -47956,7 +51616,7 @@
           <a:p>
             <a:r>
               <a:rPr lang="en-US" dirty="0"/>
-              <a:t>Hands-on multiple comparisons analysis</a:t>
+              <a:t>Hands-on multiple comparisons analysis in R</a:t>
             </a:r>
           </a:p>
         </p:txBody>
@@ -47974,7 +51634,7 @@
 </p:sld>
 </file>
 
-<file path=ppt/slides/slide41.xml><?xml version="1.0" encoding="utf-8"?>
+<file path=ppt/slides/slide43.xml><?xml version="1.0" encoding="utf-8"?>
 <p:sld xmlns:a="http://schemas.openxmlformats.org/drawingml/2006/main" xmlns:r="http://schemas.openxmlformats.org/officeDocument/2006/relationships" xmlns:p="http://schemas.openxmlformats.org/presentationml/2006/main">
   <p:cSld>
     <p:bg>
@@ -53874,7 +57534,7 @@
 </p:sld>
 </file>
 
-<file path=ppt/slides/slide42.xml><?xml version="1.0" encoding="utf-8"?>
+<file path=ppt/slides/slide44.xml><?xml version="1.0" encoding="utf-8"?>
 <p:sld xmlns:a="http://schemas.openxmlformats.org/drawingml/2006/main" xmlns:r="http://schemas.openxmlformats.org/officeDocument/2006/relationships" xmlns:p="http://schemas.openxmlformats.org/presentationml/2006/main">
   <p:cSld>
     <p:bg>
@@ -53965,7 +57625,7 @@
 </p:sld>
 </file>
 
-<file path=ppt/slides/slide43.xml><?xml version="1.0" encoding="utf-8"?>
+<file path=ppt/slides/slide45.xml><?xml version="1.0" encoding="utf-8"?>
 <p:sld xmlns:a="http://schemas.openxmlformats.org/drawingml/2006/main" xmlns:r="http://schemas.openxmlformats.org/officeDocument/2006/relationships" xmlns:p="http://schemas.openxmlformats.org/presentationml/2006/main">
   <p:cSld>
     <p:bg>
@@ -54252,7 +57912,7 @@
 </p:sld>
 </file>
 
-<file path=ppt/slides/slide44.xml><?xml version="1.0" encoding="utf-8"?>
+<file path=ppt/slides/slide46.xml><?xml version="1.0" encoding="utf-8"?>
 <p:sld xmlns:a="http://schemas.openxmlformats.org/drawingml/2006/main" xmlns:r="http://schemas.openxmlformats.org/officeDocument/2006/relationships" xmlns:p="http://schemas.openxmlformats.org/presentationml/2006/main">
   <p:cSld>
     <p:spTree>
@@ -54602,7 +58262,7 @@
 </p:sld>
 </file>
 
-<file path=ppt/slides/slide45.xml><?xml version="1.0" encoding="utf-8"?>
+<file path=ppt/slides/slide47.xml><?xml version="1.0" encoding="utf-8"?>
 <p:sld xmlns:a="http://schemas.openxmlformats.org/drawingml/2006/main" xmlns:r="http://schemas.openxmlformats.org/officeDocument/2006/relationships" xmlns:p="http://schemas.openxmlformats.org/presentationml/2006/main">
   <p:cSld>
     <p:spTree>
@@ -54698,7 +58358,7 @@
 </p:sld>
 </file>
 
-<file path=ppt/slides/slide46.xml><?xml version="1.0" encoding="utf-8"?>
+<file path=ppt/slides/slide48.xml><?xml version="1.0" encoding="utf-8"?>
 <p:sld xmlns:a="http://schemas.openxmlformats.org/drawingml/2006/main" xmlns:r="http://schemas.openxmlformats.org/officeDocument/2006/relationships" xmlns:p="http://schemas.openxmlformats.org/presentationml/2006/main">
   <p:cSld>
     <p:spTree>
@@ -54807,7 +58467,7 @@
 </p:sld>
 </file>
 
-<file path=ppt/slides/slide47.xml><?xml version="1.0" encoding="utf-8"?>
+<file path=ppt/slides/slide49.xml><?xml version="1.0" encoding="utf-8"?>
 <p:sld xmlns:a="http://schemas.openxmlformats.org/drawingml/2006/main" xmlns:r="http://schemas.openxmlformats.org/officeDocument/2006/relationships" xmlns:p="http://schemas.openxmlformats.org/presentationml/2006/main">
   <p:cSld>
     <p:spTree>
@@ -54975,7 +58635,114 @@
 </p:sld>
 </file>
 
-<file path=ppt/slides/slide48.xml><?xml version="1.0" encoding="utf-8"?>
+<file path=ppt/slides/slide5.xml><?xml version="1.0" encoding="utf-8"?>
+<p:sld xmlns:a="http://schemas.openxmlformats.org/drawingml/2006/main" xmlns:r="http://schemas.openxmlformats.org/officeDocument/2006/relationships" xmlns:p="http://schemas.openxmlformats.org/presentationml/2006/main">
+  <p:cSld>
+    <p:bg>
+      <p:bgPr>
+        <a:solidFill>
+          <a:schemeClr val="bg1">
+            <a:lumMod val="95000"/>
+          </a:schemeClr>
+        </a:solidFill>
+        <a:effectLst/>
+      </p:bgPr>
+    </p:bg>
+    <p:spTree>
+      <p:nvGrpSpPr>
+        <p:cNvPr id="1" name=""/>
+        <p:cNvGrpSpPr/>
+        <p:nvPr/>
+      </p:nvGrpSpPr>
+      <p:grpSpPr>
+        <a:xfrm>
+          <a:off x="0" y="0"/>
+          <a:ext cx="0" cy="0"/>
+          <a:chOff x="0" y="0"/>
+          <a:chExt cx="0" cy="0"/>
+        </a:xfrm>
+      </p:grpSpPr>
+      <p:sp>
+        <p:nvSpPr>
+          <p:cNvPr id="2" name="Title 1">
+            <a:extLst>
+              <a:ext uri="{FF2B5EF4-FFF2-40B4-BE49-F238E27FC236}">
+                <a16:creationId xmlns:a16="http://schemas.microsoft.com/office/drawing/2014/main" id="{4694B343-1355-BC45-BA15-FE026AB18FFA}"/>
+              </a:ext>
+            </a:extLst>
+          </p:cNvPr>
+          <p:cNvSpPr>
+            <a:spLocks noGrp="1"/>
+          </p:cNvSpPr>
+          <p:nvPr>
+            <p:ph type="title"/>
+          </p:nvPr>
+        </p:nvSpPr>
+        <p:spPr>
+          <a:xfrm>
+            <a:off x="2231136" y="964692"/>
+            <a:ext cx="7729728" cy="1188720"/>
+          </a:xfrm>
+        </p:spPr>
+        <p:txBody>
+          <a:bodyPr>
+            <a:normAutofit/>
+          </a:bodyPr>
+          <a:lstStyle/>
+          <a:p>
+            <a:r>
+              <a:rPr lang="en-US"/>
+              <a:t>Beginning a Project with Statistics in Mind</a:t>
+            </a:r>
+            <a:endParaRPr lang="en-US" dirty="0"/>
+          </a:p>
+        </p:txBody>
+      </p:sp>
+      <p:graphicFrame>
+        <p:nvGraphicFramePr>
+          <p:cNvPr id="13" name="Content Placeholder 2">
+            <a:extLst>
+              <a:ext uri="{FF2B5EF4-FFF2-40B4-BE49-F238E27FC236}">
+                <a16:creationId xmlns:a16="http://schemas.microsoft.com/office/drawing/2014/main" id="{84B7A0EA-CC60-744F-702C-532300899173}"/>
+              </a:ext>
+            </a:extLst>
+          </p:cNvPr>
+          <p:cNvGraphicFramePr>
+            <a:graphicFrameLocks noGrp="1"/>
+          </p:cNvGraphicFramePr>
+          <p:nvPr>
+            <p:ph idx="1"/>
+            <p:extLst>
+              <p:ext uri="{D42A27DB-BD31-4B8C-83A1-F6EECF244321}">
+                <p14:modId xmlns:p14="http://schemas.microsoft.com/office/powerpoint/2010/main" val="1308488672"/>
+              </p:ext>
+            </p:extLst>
+          </p:nvPr>
+        </p:nvGraphicFramePr>
+        <p:xfrm>
+          <a:off x="965200" y="2638425"/>
+          <a:ext cx="10261600" cy="3107748"/>
+        </p:xfrm>
+        <a:graphic>
+          <a:graphicData uri="http://schemas.openxmlformats.org/drawingml/2006/diagram">
+            <dgm:relIds xmlns:dgm="http://schemas.openxmlformats.org/drawingml/2006/diagram" xmlns:r="http://schemas.openxmlformats.org/officeDocument/2006/relationships" r:dm="rId2" r:lo="rId3" r:qs="rId4" r:cs="rId5"/>
+          </a:graphicData>
+        </a:graphic>
+      </p:graphicFrame>
+    </p:spTree>
+    <p:extLst>
+      <p:ext uri="{BB962C8B-B14F-4D97-AF65-F5344CB8AC3E}">
+        <p14:creationId xmlns:p14="http://schemas.microsoft.com/office/powerpoint/2010/main" val="1673972143"/>
+      </p:ext>
+    </p:extLst>
+  </p:cSld>
+  <p:clrMapOvr>
+    <a:masterClrMapping/>
+  </p:clrMapOvr>
+</p:sld>
+</file>
+
+<file path=ppt/slides/slide50.xml><?xml version="1.0" encoding="utf-8"?>
 <p:sld xmlns:a="http://schemas.openxmlformats.org/drawingml/2006/main" xmlns:r="http://schemas.openxmlformats.org/officeDocument/2006/relationships" xmlns:p="http://schemas.openxmlformats.org/presentationml/2006/main">
   <p:cSld>
     <p:spTree>
@@ -55151,7 +58918,7 @@
 </p:sld>
 </file>
 
-<file path=ppt/slides/slide49.xml><?xml version="1.0" encoding="utf-8"?>
+<file path=ppt/slides/slide51.xml><?xml version="1.0" encoding="utf-8"?>
 <p:sld xmlns:a="http://schemas.openxmlformats.org/drawingml/2006/main" xmlns:r="http://schemas.openxmlformats.org/officeDocument/2006/relationships" xmlns:p="http://schemas.openxmlformats.org/presentationml/2006/main">
   <p:cSld>
     <p:spTree>
@@ -55243,114 +59010,7 @@
 </p:sld>
 </file>
 
-<file path=ppt/slides/slide5.xml><?xml version="1.0" encoding="utf-8"?>
-<p:sld xmlns:a="http://schemas.openxmlformats.org/drawingml/2006/main" xmlns:r="http://schemas.openxmlformats.org/officeDocument/2006/relationships" xmlns:p="http://schemas.openxmlformats.org/presentationml/2006/main">
-  <p:cSld>
-    <p:bg>
-      <p:bgPr>
-        <a:solidFill>
-          <a:schemeClr val="bg1">
-            <a:lumMod val="95000"/>
-          </a:schemeClr>
-        </a:solidFill>
-        <a:effectLst/>
-      </p:bgPr>
-    </p:bg>
-    <p:spTree>
-      <p:nvGrpSpPr>
-        <p:cNvPr id="1" name=""/>
-        <p:cNvGrpSpPr/>
-        <p:nvPr/>
-      </p:nvGrpSpPr>
-      <p:grpSpPr>
-        <a:xfrm>
-          <a:off x="0" y="0"/>
-          <a:ext cx="0" cy="0"/>
-          <a:chOff x="0" y="0"/>
-          <a:chExt cx="0" cy="0"/>
-        </a:xfrm>
-      </p:grpSpPr>
-      <p:sp>
-        <p:nvSpPr>
-          <p:cNvPr id="2" name="Title 1">
-            <a:extLst>
-              <a:ext uri="{FF2B5EF4-FFF2-40B4-BE49-F238E27FC236}">
-                <a16:creationId xmlns:a16="http://schemas.microsoft.com/office/drawing/2014/main" id="{4694B343-1355-BC45-BA15-FE026AB18FFA}"/>
-              </a:ext>
-            </a:extLst>
-          </p:cNvPr>
-          <p:cNvSpPr>
-            <a:spLocks noGrp="1"/>
-          </p:cNvSpPr>
-          <p:nvPr>
-            <p:ph type="title"/>
-          </p:nvPr>
-        </p:nvSpPr>
-        <p:spPr>
-          <a:xfrm>
-            <a:off x="2231136" y="964692"/>
-            <a:ext cx="7729728" cy="1188720"/>
-          </a:xfrm>
-        </p:spPr>
-        <p:txBody>
-          <a:bodyPr>
-            <a:normAutofit/>
-          </a:bodyPr>
-          <a:lstStyle/>
-          <a:p>
-            <a:r>
-              <a:rPr lang="en-US"/>
-              <a:t>Beginning a Project with Statistics in Mind</a:t>
-            </a:r>
-            <a:endParaRPr lang="en-US" dirty="0"/>
-          </a:p>
-        </p:txBody>
-      </p:sp>
-      <p:graphicFrame>
-        <p:nvGraphicFramePr>
-          <p:cNvPr id="13" name="Content Placeholder 2">
-            <a:extLst>
-              <a:ext uri="{FF2B5EF4-FFF2-40B4-BE49-F238E27FC236}">
-                <a16:creationId xmlns:a16="http://schemas.microsoft.com/office/drawing/2014/main" id="{84B7A0EA-CC60-744F-702C-532300899173}"/>
-              </a:ext>
-            </a:extLst>
-          </p:cNvPr>
-          <p:cNvGraphicFramePr>
-            <a:graphicFrameLocks noGrp="1"/>
-          </p:cNvGraphicFramePr>
-          <p:nvPr>
-            <p:ph idx="1"/>
-            <p:extLst>
-              <p:ext uri="{D42A27DB-BD31-4B8C-83A1-F6EECF244321}">
-                <p14:modId xmlns:p14="http://schemas.microsoft.com/office/powerpoint/2010/main" val="1308488672"/>
-              </p:ext>
-            </p:extLst>
-          </p:nvPr>
-        </p:nvGraphicFramePr>
-        <p:xfrm>
-          <a:off x="965200" y="2638425"/>
-          <a:ext cx="10261600" cy="3107748"/>
-        </p:xfrm>
-        <a:graphic>
-          <a:graphicData uri="http://schemas.openxmlformats.org/drawingml/2006/diagram">
-            <dgm:relIds xmlns:dgm="http://schemas.openxmlformats.org/drawingml/2006/diagram" xmlns:r="http://schemas.openxmlformats.org/officeDocument/2006/relationships" r:dm="rId2" r:lo="rId3" r:qs="rId4" r:cs="rId5"/>
-          </a:graphicData>
-        </a:graphic>
-      </p:graphicFrame>
-    </p:spTree>
-    <p:extLst>
-      <p:ext uri="{BB962C8B-B14F-4D97-AF65-F5344CB8AC3E}">
-        <p14:creationId xmlns:p14="http://schemas.microsoft.com/office/powerpoint/2010/main" val="1673972143"/>
-      </p:ext>
-    </p:extLst>
-  </p:cSld>
-  <p:clrMapOvr>
-    <a:masterClrMapping/>
-  </p:clrMapOvr>
-</p:sld>
-</file>
-
-<file path=ppt/slides/slide50.xml><?xml version="1.0" encoding="utf-8"?>
+<file path=ppt/slides/slide52.xml><?xml version="1.0" encoding="utf-8"?>
 <p:sld xmlns:a="http://schemas.openxmlformats.org/drawingml/2006/main" xmlns:r="http://schemas.openxmlformats.org/officeDocument/2006/relationships" xmlns:p="http://schemas.openxmlformats.org/presentationml/2006/main">
   <p:cSld>
     <p:bg>
@@ -55441,7 +59101,7 @@
 </p:sld>
 </file>
 
-<file path=ppt/slides/slide51.xml><?xml version="1.0" encoding="utf-8"?>
+<file path=ppt/slides/slide53.xml><?xml version="1.0" encoding="utf-8"?>
 <p:sld xmlns:a="http://schemas.openxmlformats.org/drawingml/2006/main" xmlns:r="http://schemas.openxmlformats.org/officeDocument/2006/relationships" xmlns:p="http://schemas.openxmlformats.org/presentationml/2006/main">
   <p:cSld>
     <p:spTree>
@@ -55527,7 +59187,7 @@
 </p:sld>
 </file>
 
-<file path=ppt/slides/slide52.xml><?xml version="1.0" encoding="utf-8"?>
+<file path=ppt/slides/slide54.xml><?xml version="1.0" encoding="utf-8"?>
 <p:sld xmlns:a="http://schemas.openxmlformats.org/drawingml/2006/main" xmlns:r="http://schemas.openxmlformats.org/officeDocument/2006/relationships" xmlns:p="http://schemas.openxmlformats.org/presentationml/2006/main">
   <p:cSld>
     <p:spTree>
@@ -55637,7 +59297,7 @@
 </p:sld>
 </file>
 
-<file path=ppt/slides/slide53.xml><?xml version="1.0" encoding="utf-8"?>
+<file path=ppt/slides/slide55.xml><?xml version="1.0" encoding="utf-8"?>
 <p:sld xmlns:a="http://schemas.openxmlformats.org/drawingml/2006/main" xmlns:r="http://schemas.openxmlformats.org/officeDocument/2006/relationships" xmlns:p="http://schemas.openxmlformats.org/presentationml/2006/main">
   <p:cSld>
     <p:bg>
@@ -55962,7 +59622,7 @@
 </p:sld>
 </file>
 
-<file path=ppt/slides/slide54.xml><?xml version="1.0" encoding="utf-8"?>
+<file path=ppt/slides/slide56.xml><?xml version="1.0" encoding="utf-8"?>
 <p:sld xmlns:a="http://schemas.openxmlformats.org/drawingml/2006/main" xmlns:r="http://schemas.openxmlformats.org/officeDocument/2006/relationships" xmlns:p="http://schemas.openxmlformats.org/presentationml/2006/main">
   <p:cSld>
     <p:spTree>
@@ -56044,45 +59704,6 @@
               <a:t>Case studies and group discussions</a:t>
             </a:r>
           </a:p>
-          <a:p>
-            <a:r>
-              <a:rPr lang="en-US" dirty="0">
-                <a:solidFill>
-                  <a:srgbClr val="000000"/>
-                </a:solidFill>
-                <a:latin typeface="Aptos" panose="020B0004020202020204" pitchFamily="34" charset="0"/>
-                <a:cs typeface="Segoe UI" panose="020B0502040204020203" pitchFamily="34" charset="0"/>
-              </a:rPr>
-              <a:t>Questions to guide discussion:</a:t>
-            </a:r>
-          </a:p>
-          <a:p>
-            <a:pPr lvl="1"/>
-            <a:r>
-              <a:rPr lang="en-US" dirty="0">
-                <a:solidFill>
-                  <a:srgbClr val="000000"/>
-                </a:solidFill>
-                <a:latin typeface="Aptos" panose="020B0004020202020204" pitchFamily="34" charset="0"/>
-                <a:cs typeface="Segoe UI" panose="020B0502040204020203" pitchFamily="34" charset="0"/>
-              </a:rPr>
-              <a:t>Who are the stakeholders in this scenario?</a:t>
-            </a:r>
-          </a:p>
-          <a:p>
-            <a:pPr lvl="1"/>
-            <a:r>
-              <a:rPr lang="en-US" dirty="0">
-                <a:solidFill>
-                  <a:srgbClr val="000000"/>
-                </a:solidFill>
-                <a:latin typeface="Aptos" panose="020B0004020202020204" pitchFamily="34" charset="0"/>
-                <a:cs typeface="Segoe UI" panose="020B0502040204020203" pitchFamily="34" charset="0"/>
-              </a:rPr>
-              <a:t>Is there a power dynamic involved?</a:t>
-            </a:r>
-            <a:endParaRPr lang="en-US" dirty="0"/>
-          </a:p>
         </p:txBody>
       </p:sp>
     </p:spTree>
@@ -56098,7 +59719,7 @@
 </p:sld>
 </file>
 
-<file path=ppt/slides/slide55.xml><?xml version="1.0" encoding="utf-8"?>
+<file path=ppt/slides/slide57.xml><?xml version="1.0" encoding="utf-8"?>
 <p:sld xmlns:a="http://schemas.openxmlformats.org/drawingml/2006/main" xmlns:r="http://schemas.openxmlformats.org/officeDocument/2006/relationships" xmlns:p="http://schemas.openxmlformats.org/presentationml/2006/main">
   <p:cSld>
     <p:bg>
@@ -56189,7 +59810,7 @@
 </p:sld>
 </file>
 
-<file path=ppt/slides/slide56.xml><?xml version="1.0" encoding="utf-8"?>
+<file path=ppt/slides/slide58.xml><?xml version="1.0" encoding="utf-8"?>
 <p:sld xmlns:a="http://schemas.openxmlformats.org/drawingml/2006/main" xmlns:r="http://schemas.openxmlformats.org/officeDocument/2006/relationships" xmlns:p="http://schemas.openxmlformats.org/presentationml/2006/main">
   <p:cSld>
     <p:spTree>
@@ -56315,7 +59936,7 @@
 </p:sld>
 </file>
 
-<file path=ppt/slides/slide57.xml><?xml version="1.0" encoding="utf-8"?>
+<file path=ppt/slides/slide59.xml><?xml version="1.0" encoding="utf-8"?>
 <p:sld xmlns:a="http://schemas.openxmlformats.org/drawingml/2006/main" xmlns:r="http://schemas.openxmlformats.org/officeDocument/2006/relationships" xmlns:p="http://schemas.openxmlformats.org/presentationml/2006/main">
   <p:cSld>
     <p:spTree>
